--- a/democamp-indigo/Integrating Git, Gerrit and Jenkins with Mylyn.pptx
+++ b/democamp-indigo/Integrating Git, Gerrit and Jenkins with Mylyn.pptx
@@ -5,18 +5,20 @@
     <p:sldMasterId id="2147483660" r:id="rId1"/>
   </p:sldMasterIdLst>
   <p:notesMasterIdLst>
-    <p:notesMasterId r:id="rId8"/>
+    <p:notesMasterId r:id="rId10"/>
   </p:notesMasterIdLst>
   <p:handoutMasterIdLst>
-    <p:handoutMasterId r:id="rId9"/>
+    <p:handoutMasterId r:id="rId11"/>
   </p:handoutMasterIdLst>
   <p:sldIdLst>
     <p:sldId id="340" r:id="rId2"/>
     <p:sldId id="284" r:id="rId3"/>
-    <p:sldId id="341" r:id="rId4"/>
-    <p:sldId id="310" r:id="rId5"/>
-    <p:sldId id="265" r:id="rId6"/>
-    <p:sldId id="339" r:id="rId7"/>
+    <p:sldId id="342" r:id="rId4"/>
+    <p:sldId id="341" r:id="rId5"/>
+    <p:sldId id="310" r:id="rId6"/>
+    <p:sldId id="343" r:id="rId7"/>
+    <p:sldId id="265" r:id="rId8"/>
+    <p:sldId id="339" r:id="rId9"/>
   </p:sldIdLst>
   <p:sldSz cx="9144000" cy="6858000" type="screen4x3"/>
   <p:notesSz cx="6858000" cy="9144000"/>
@@ -807,31 +809,7 @@
       </p:grpSpPr>
       <p:sp>
         <p:nvSpPr>
-          <p:cNvPr id="4" name="Slide Number Placeholder 3"/>
-          <p:cNvSpPr>
-            <a:spLocks noGrp="1"/>
-          </p:cNvSpPr>
-          <p:nvPr>
-            <p:ph type="sldNum" sz="quarter" idx="10"/>
-          </p:nvPr>
-        </p:nvSpPr>
-        <p:spPr/>
-        <p:txBody>
-          <a:bodyPr/>
-          <a:lstStyle/>
-          <a:p>
-            <a:fld id="{7D8C2C35-2B8A-446E-BEC0-FD36716C29AC}" type="slidenum">
-              <a:rPr lang="de-DE" smtClean="0"/>
-              <a:pPr/>
-              <a:t>5</a:t>
-            </a:fld>
-            <a:endParaRPr lang="de-DE" dirty="0"/>
-          </a:p>
-        </p:txBody>
-      </p:sp>
-      <p:sp>
-        <p:nvSpPr>
-          <p:cNvPr id="15" name="Slide Image Placeholder 14"/>
+          <p:cNvPr id="2" name="Slide Image Placeholder 1"/>
           <p:cNvSpPr>
             <a:spLocks noGrp="1" noRot="1" noChangeAspect="1"/>
           </p:cNvSpPr>
@@ -843,7 +821,7 @@
       </p:sp>
       <p:sp>
         <p:nvSpPr>
-          <p:cNvPr id="16" name="Notes Placeholder 15"/>
+          <p:cNvPr id="3" name="Notes Placeholder 2"/>
           <p:cNvSpPr>
             <a:spLocks noGrp="1"/>
           </p:cNvSpPr>
@@ -858,6 +836,30 @@
           </a:bodyPr>
           <a:lstStyle/>
           <a:p>
+            <a:endParaRPr lang="en-US" dirty="0"/>
+          </a:p>
+        </p:txBody>
+      </p:sp>
+      <p:sp>
+        <p:nvSpPr>
+          <p:cNvPr id="4" name="Slide Number Placeholder 3"/>
+          <p:cNvSpPr>
+            <a:spLocks noGrp="1"/>
+          </p:cNvSpPr>
+          <p:nvPr>
+            <p:ph type="sldNum" sz="quarter" idx="10"/>
+          </p:nvPr>
+        </p:nvSpPr>
+        <p:spPr/>
+        <p:txBody>
+          <a:bodyPr/>
+          <a:lstStyle/>
+          <a:p>
+            <a:fld id="{7D8C2C35-2B8A-446E-BEC0-FD36716C29AC}" type="slidenum">
+              <a:rPr lang="de-DE" smtClean="0"/>
+              <a:pPr/>
+              <a:t>5</a:t>
+            </a:fld>
             <a:endParaRPr lang="de-DE" dirty="0"/>
           </a:p>
         </p:txBody>
@@ -939,6 +941,170 @@
               <a:rPr lang="de-DE" smtClean="0"/>
               <a:pPr/>
               <a:t>6</a:t>
+            </a:fld>
+            <a:endParaRPr lang="de-DE" dirty="0"/>
+          </a:p>
+        </p:txBody>
+      </p:sp>
+    </p:spTree>
+  </p:cSld>
+  <p:clrMapOvr>
+    <a:masterClrMapping/>
+  </p:clrMapOvr>
+</p:notes>
+</file>
+
+<file path=ppt/notesSlides/notesSlide7.xml><?xml version="1.0" encoding="utf-8"?>
+<p:notes xmlns:a="http://schemas.openxmlformats.org/drawingml/2006/main" xmlns:r="http://schemas.openxmlformats.org/officeDocument/2006/relationships" xmlns:p="http://schemas.openxmlformats.org/presentationml/2006/main">
+  <p:cSld>
+    <p:spTree>
+      <p:nvGrpSpPr>
+        <p:cNvPr id="1" name=""/>
+        <p:cNvGrpSpPr/>
+        <p:nvPr/>
+      </p:nvGrpSpPr>
+      <p:grpSpPr>
+        <a:xfrm>
+          <a:off x="0" y="0"/>
+          <a:ext cx="0" cy="0"/>
+          <a:chOff x="0" y="0"/>
+          <a:chExt cx="0" cy="0"/>
+        </a:xfrm>
+      </p:grpSpPr>
+      <p:sp>
+        <p:nvSpPr>
+          <p:cNvPr id="4" name="Slide Number Placeholder 3"/>
+          <p:cNvSpPr>
+            <a:spLocks noGrp="1"/>
+          </p:cNvSpPr>
+          <p:nvPr>
+            <p:ph type="sldNum" sz="quarter" idx="10"/>
+          </p:nvPr>
+        </p:nvSpPr>
+        <p:spPr/>
+        <p:txBody>
+          <a:bodyPr/>
+          <a:lstStyle/>
+          <a:p>
+            <a:fld id="{7D8C2C35-2B8A-446E-BEC0-FD36716C29AC}" type="slidenum">
+              <a:rPr lang="de-DE" smtClean="0"/>
+              <a:pPr/>
+              <a:t>7</a:t>
+            </a:fld>
+            <a:endParaRPr lang="de-DE" dirty="0"/>
+          </a:p>
+        </p:txBody>
+      </p:sp>
+      <p:sp>
+        <p:nvSpPr>
+          <p:cNvPr id="15" name="Slide Image Placeholder 14"/>
+          <p:cNvSpPr>
+            <a:spLocks noGrp="1" noRot="1" noChangeAspect="1"/>
+          </p:cNvSpPr>
+          <p:nvPr>
+            <p:ph type="sldImg"/>
+          </p:nvPr>
+        </p:nvSpPr>
+        <p:spPr/>
+      </p:sp>
+      <p:sp>
+        <p:nvSpPr>
+          <p:cNvPr id="16" name="Notes Placeholder 15"/>
+          <p:cNvSpPr>
+            <a:spLocks noGrp="1"/>
+          </p:cNvSpPr>
+          <p:nvPr>
+            <p:ph type="body" idx="1"/>
+          </p:nvPr>
+        </p:nvSpPr>
+        <p:spPr/>
+        <p:txBody>
+          <a:bodyPr>
+            <a:normAutofit/>
+          </a:bodyPr>
+          <a:lstStyle/>
+          <a:p>
+            <a:endParaRPr lang="de-DE" dirty="0"/>
+          </a:p>
+        </p:txBody>
+      </p:sp>
+    </p:spTree>
+  </p:cSld>
+  <p:clrMapOvr>
+    <a:masterClrMapping/>
+  </p:clrMapOvr>
+</p:notes>
+</file>
+
+<file path=ppt/notesSlides/notesSlide8.xml><?xml version="1.0" encoding="utf-8"?>
+<p:notes xmlns:a="http://schemas.openxmlformats.org/drawingml/2006/main" xmlns:r="http://schemas.openxmlformats.org/officeDocument/2006/relationships" xmlns:p="http://schemas.openxmlformats.org/presentationml/2006/main">
+  <p:cSld>
+    <p:spTree>
+      <p:nvGrpSpPr>
+        <p:cNvPr id="1" name=""/>
+        <p:cNvGrpSpPr/>
+        <p:nvPr/>
+      </p:nvGrpSpPr>
+      <p:grpSpPr>
+        <a:xfrm>
+          <a:off x="0" y="0"/>
+          <a:ext cx="0" cy="0"/>
+          <a:chOff x="0" y="0"/>
+          <a:chExt cx="0" cy="0"/>
+        </a:xfrm>
+      </p:grpSpPr>
+      <p:sp>
+        <p:nvSpPr>
+          <p:cNvPr id="2" name="Slide Image Placeholder 1"/>
+          <p:cNvSpPr>
+            <a:spLocks noGrp="1" noRot="1" noChangeAspect="1"/>
+          </p:cNvSpPr>
+          <p:nvPr>
+            <p:ph type="sldImg"/>
+          </p:nvPr>
+        </p:nvSpPr>
+        <p:spPr/>
+      </p:sp>
+      <p:sp>
+        <p:nvSpPr>
+          <p:cNvPr id="3" name="Notes Placeholder 2"/>
+          <p:cNvSpPr>
+            <a:spLocks noGrp="1"/>
+          </p:cNvSpPr>
+          <p:nvPr>
+            <p:ph type="body" idx="1"/>
+          </p:nvPr>
+        </p:nvSpPr>
+        <p:spPr/>
+        <p:txBody>
+          <a:bodyPr>
+            <a:normAutofit/>
+          </a:bodyPr>
+          <a:lstStyle/>
+          <a:p>
+            <a:endParaRPr lang="en-US" dirty="0"/>
+          </a:p>
+        </p:txBody>
+      </p:sp>
+      <p:sp>
+        <p:nvSpPr>
+          <p:cNvPr id="4" name="Slide Number Placeholder 3"/>
+          <p:cNvSpPr>
+            <a:spLocks noGrp="1"/>
+          </p:cNvSpPr>
+          <p:nvPr>
+            <p:ph type="sldNum" sz="quarter" idx="10"/>
+          </p:nvPr>
+        </p:nvSpPr>
+        <p:spPr/>
+        <p:txBody>
+          <a:bodyPr/>
+          <a:lstStyle/>
+          <a:p>
+            <a:fld id="{7D8C2C35-2B8A-446E-BEC0-FD36716C29AC}" type="slidenum">
+              <a:rPr lang="de-DE" smtClean="0"/>
+              <a:pPr/>
+              <a:t>8</a:t>
             </a:fld>
             <a:endParaRPr lang="de-DE" dirty="0"/>
           </a:p>
@@ -6204,16 +6370,6 @@
               </a:rPr>
               <a:t>Internal  </a:t>
             </a:r>
-            <a:endParaRPr kumimoji="0" lang="de-DE" sz="1000" b="0" i="0" u="none" kern="0" baseline="0" dirty="0" smtClean="0">
-              <a:solidFill>
-                <a:srgbClr val="FFFFFF"/>
-              </a:solidFill>
-              <a:effectLst/>
-              <a:latin typeface="Arial"/>
-              <a:ea typeface="Arial Unicode MS"/>
-              <a:cs typeface="Arial Unicode MS" pitchFamily="34" charset="-128"/>
-              <a:sym typeface="Arial"/>
-            </a:endParaRPr>
           </a:p>
         </p:txBody>
       </p:sp>
@@ -6760,7 +6916,6 @@
               <a:rPr lang="en-US" dirty="0" smtClean="0"/>
               <a:t>Sascha Scholz (SAP), Steffen Pingel (Tasktop)</a:t>
             </a:r>
-            <a:endParaRPr lang="en-US" dirty="0" smtClean="0"/>
           </a:p>
         </p:txBody>
       </p:sp>
@@ -6813,7 +6968,7 @@
           <a:p>
             <a:r>
               <a:rPr lang="en-US" dirty="0" smtClean="0"/>
-              <a:t>Gerrit</a:t>
+              <a:t>Git</a:t>
             </a:r>
             <a:endParaRPr lang="en-US" dirty="0"/>
           </a:p>
@@ -6840,42 +6995,18 @@
             </a:pPr>
             <a:r>
               <a:rPr lang="en-US" dirty="0" smtClean="0"/>
-              <a:t>Web-based code review system based on </a:t>
-            </a:r>
-            <a:r>
-              <a:rPr lang="en-US" dirty="0" err="1" smtClean="0"/>
-              <a:t>JGit</a:t>
+              <a:t>A distributed version control system originally built for the Linux kernel</a:t>
             </a:r>
             <a:endParaRPr lang="en-US" dirty="0" smtClean="0"/>
           </a:p>
           <a:p>
-            <a:pPr marL="342900" lvl="0" indent="-342900">
+            <a:pPr marL="342900" indent="-342900">
               <a:buFont typeface="Arial" pitchFamily="34" charset="0"/>
               <a:buChar char="•"/>
             </a:pPr>
             <a:r>
               <a:rPr lang="en-US" dirty="0" smtClean="0"/>
-              <a:t>Open Source (Apache 2 license)</a:t>
-            </a:r>
-          </a:p>
-          <a:p>
-            <a:pPr marL="342900" lvl="0" indent="-342900">
-              <a:buFont typeface="Arial" pitchFamily="34" charset="0"/>
-              <a:buChar char="•"/>
-            </a:pPr>
-            <a:r>
-              <a:rPr lang="en-US" dirty="0" smtClean="0"/>
-              <a:t>Also serves as Git server adding access control and workflow</a:t>
-            </a:r>
-          </a:p>
-          <a:p>
-            <a:pPr marL="342900" lvl="0" indent="-342900">
-              <a:buFont typeface="Arial" pitchFamily="34" charset="0"/>
-              <a:buChar char="•"/>
-            </a:pPr>
-            <a:r>
-              <a:rPr lang="en-US" dirty="0" smtClean="0"/>
-              <a:t>Used by</a:t>
+              <a:t>Offline support</a:t>
             </a:r>
           </a:p>
           <a:p>
@@ -6885,8 +7016,17 @@
             </a:pPr>
             <a:r>
               <a:rPr lang="en-US" dirty="0" smtClean="0"/>
-              <a:t>Android</a:t>
-            </a:r>
+              <a:t>Local </a:t>
+            </a:r>
+            <a:r>
+              <a:rPr lang="en-US" dirty="0" smtClean="0"/>
+              <a:t>repository clone contains full </a:t>
+            </a:r>
+            <a:r>
+              <a:rPr lang="en-US" dirty="0" smtClean="0"/>
+              <a:t>history</a:t>
+            </a:r>
+            <a:endParaRPr lang="en-US" dirty="0" smtClean="0"/>
           </a:p>
           <a:p>
             <a:pPr marL="612775" lvl="2" indent="-342900">
@@ -6894,20 +7034,8 @@
               <a:buChar char="•"/>
             </a:pPr>
             <a:r>
-              <a:rPr lang="en-US" dirty="0" err="1" smtClean="0"/>
-              <a:t>JGit</a:t>
-            </a:r>
-            <a:r>
-              <a:rPr lang="en-US" dirty="0" smtClean="0"/>
-              <a:t>, </a:t>
-            </a:r>
-            <a:r>
-              <a:rPr lang="en-US" dirty="0" err="1" smtClean="0"/>
-              <a:t>Egit</a:t>
-            </a:r>
-            <a:r>
-              <a:rPr lang="en-US" dirty="0" smtClean="0"/>
-              <a:t> (other Eclipse projects want it…)</a:t>
+              <a:rPr lang="en-US" dirty="0" smtClean="0"/>
+              <a:t>Easy branching and merging</a:t>
             </a:r>
           </a:p>
           <a:p>
@@ -6917,7 +7045,7 @@
             </a:pPr>
             <a:r>
               <a:rPr lang="en-US" dirty="0" smtClean="0"/>
-              <a:t>Google</a:t>
+              <a:t>Typical workflow: commit, fetch, merge/rebase, push</a:t>
             </a:r>
           </a:p>
           <a:p>
@@ -6925,14 +7053,2727 @@
               <a:buFont typeface="Arial" pitchFamily="34" charset="0"/>
               <a:buChar char="•"/>
             </a:pPr>
-            <a:r>
-              <a:rPr lang="en-US" dirty="0" smtClean="0"/>
-              <a:t>SAP</a:t>
+            <a:endParaRPr lang="en-US" dirty="0" smtClean="0"/>
+          </a:p>
+          <a:p>
+            <a:pPr marL="342900" indent="-342900">
+              <a:buFont typeface="Arial" pitchFamily="34" charset="0"/>
+              <a:buChar char="•"/>
+            </a:pPr>
+            <a:r>
+              <a:rPr lang="en-US" dirty="0" err="1" smtClean="0"/>
+              <a:t>EGit</a:t>
+            </a:r>
+            <a:r>
+              <a:rPr lang="en-US" dirty="0" smtClean="0"/>
+              <a:t> is an Eclipse team provider for Git</a:t>
+            </a:r>
+          </a:p>
+          <a:p>
+            <a:pPr marL="342900" indent="-342900">
+              <a:buFont typeface="Arial" pitchFamily="34" charset="0"/>
+              <a:buChar char="•"/>
+            </a:pPr>
+            <a:r>
+              <a:rPr lang="en-US" dirty="0" smtClean="0"/>
+              <a:t>JGit is a lightweight Java library implementing Git</a:t>
             </a:r>
             <a:endParaRPr lang="en-US" dirty="0" smtClean="0"/>
           </a:p>
         </p:txBody>
       </p:sp>
+      <p:pic>
+        <p:nvPicPr>
+          <p:cNvPr id="4" name="Picture 7"/>
+          <p:cNvPicPr>
+            <a:picLocks noChangeAspect="1" noChangeArrowheads="1"/>
+          </p:cNvPicPr>
+          <p:nvPr/>
+        </p:nvPicPr>
+        <p:blipFill>
+          <a:blip r:embed="rId3" cstate="print"/>
+          <a:srcRect/>
+          <a:stretch>
+            <a:fillRect/>
+          </a:stretch>
+        </p:blipFill>
+        <p:spPr bwMode="auto">
+          <a:xfrm>
+            <a:off x="8101013" y="419100"/>
+            <a:ext cx="896937" cy="514350"/>
+          </a:xfrm>
+          <a:prstGeom prst="rect">
+            <a:avLst/>
+          </a:prstGeom>
+          <a:noFill/>
+          <a:ln w="9525">
+            <a:noFill/>
+            <a:miter lim="800000"/>
+            <a:headEnd/>
+            <a:tailEnd/>
+          </a:ln>
+        </p:spPr>
+      </p:pic>
+      <p:grpSp>
+        <p:nvGrpSpPr>
+          <p:cNvPr id="41" name="Group 40"/>
+          <p:cNvGrpSpPr/>
+          <p:nvPr/>
+        </p:nvGrpSpPr>
+        <p:grpSpPr>
+          <a:xfrm>
+            <a:off x="5318543" y="2294965"/>
+            <a:ext cx="3576033" cy="2641413"/>
+            <a:chOff x="4805363" y="3086100"/>
+            <a:chExt cx="5102225" cy="3768725"/>
+          </a:xfrm>
+        </p:grpSpPr>
+        <p:pic>
+          <p:nvPicPr>
+            <p:cNvPr id="6" name="Picture 29"/>
+            <p:cNvPicPr>
+              <a:picLocks noChangeAspect="1" noChangeArrowheads="1"/>
+            </p:cNvPicPr>
+            <p:nvPr/>
+          </p:nvPicPr>
+          <p:blipFill>
+            <a:blip r:embed="rId4" cstate="print"/>
+            <a:srcRect/>
+            <a:stretch>
+              <a:fillRect/>
+            </a:stretch>
+          </p:blipFill>
+          <p:spPr bwMode="auto">
+            <a:xfrm>
+              <a:off x="7016750" y="6419850"/>
+              <a:ext cx="434975" cy="434975"/>
+            </a:xfrm>
+            <a:prstGeom prst="rect">
+              <a:avLst/>
+            </a:prstGeom>
+            <a:noFill/>
+            <a:ln w="9525">
+              <a:noFill/>
+              <a:miter lim="800000"/>
+              <a:headEnd/>
+              <a:tailEnd/>
+            </a:ln>
+          </p:spPr>
+        </p:pic>
+        <p:sp>
+          <p:nvSpPr>
+            <p:cNvPr id="7" name="Text Box 30"/>
+            <p:cNvSpPr txBox="1">
+              <a:spLocks noChangeArrowheads="1"/>
+            </p:cNvSpPr>
+            <p:nvPr/>
+          </p:nvSpPr>
+          <p:spPr bwMode="auto">
+            <a:xfrm>
+              <a:off x="7097713" y="6560106"/>
+              <a:ext cx="279400" cy="160813"/>
+            </a:xfrm>
+            <a:prstGeom prst="rect">
+              <a:avLst/>
+            </a:prstGeom>
+            <a:noFill/>
+            <a:ln>
+              <a:noFill/>
+            </a:ln>
+            <a:effectLst/>
+            <a:extLst>
+              <a:ext uri="{909E8E84-426E-40dd-AFC4-6F175D3DCCD1}">
+                <a14:hiddenFill xmlns:a14="http://schemas.microsoft.com/office/drawing/2010/main" xmlns="">
+                  <a:solidFill>
+                    <a:schemeClr val="accent1"/>
+                  </a:solidFill>
+                </a14:hiddenFill>
+              </a:ext>
+              <a:ext uri="{91240B29-F687-4f45-9708-019B960494DF}">
+                <a14:hiddenLine xmlns:a14="http://schemas.microsoft.com/office/drawing/2010/main" xmlns="" w="9525">
+                  <a:solidFill>
+                    <a:schemeClr val="tx1"/>
+                  </a:solidFill>
+                  <a:miter lim="800000"/>
+                  <a:headEnd/>
+                  <a:tailEnd/>
+                </a14:hiddenLine>
+              </a:ext>
+              <a:ext uri="{AF507438-7753-43e0-B8FC-AC1667EBCBE1}">
+                <a14:hiddenEffects xmlns:a14="http://schemas.microsoft.com/office/drawing/2010/main" xmlns="">
+                  <a:effectLst>
+                    <a:outerShdw blurRad="63500" dist="38099" dir="2700000" algn="ctr" rotWithShape="0">
+                      <a:schemeClr val="bg2">
+                        <a:alpha val="74998"/>
+                      </a:schemeClr>
+                    </a:outerShdw>
+                  </a:effectLst>
+                </a14:hiddenEffects>
+              </a:ext>
+            </a:extLst>
+          </p:spPr>
+          <p:txBody>
+            <a:bodyPr lIns="0" tIns="0" rIns="0" bIns="0" anchor="ctr">
+              <a:spAutoFit/>
+            </a:bodyPr>
+            <a:lstStyle>
+              <a:lvl1pPr>
+                <a:defRPr sz="2400">
+                  <a:solidFill>
+                    <a:schemeClr val="tx1"/>
+                  </a:solidFill>
+                  <a:latin typeface="Times New Roman" charset="0"/>
+                  <a:ea typeface="ＭＳ Ｐゴシック" charset="0"/>
+                </a:defRPr>
+              </a:lvl1pPr>
+              <a:lvl2pPr indent="-342900">
+                <a:defRPr sz="2400">
+                  <a:solidFill>
+                    <a:schemeClr val="tx1"/>
+                  </a:solidFill>
+                  <a:latin typeface="Times New Roman" charset="0"/>
+                  <a:ea typeface="ＭＳ Ｐゴシック" charset="0"/>
+                </a:defRPr>
+              </a:lvl2pPr>
+              <a:lvl3pPr marL="857250" indent="-285750">
+                <a:defRPr sz="2400">
+                  <a:solidFill>
+                    <a:schemeClr val="tx1"/>
+                  </a:solidFill>
+                  <a:latin typeface="Times New Roman" charset="0"/>
+                  <a:ea typeface="ＭＳ Ｐゴシック" charset="0"/>
+                </a:defRPr>
+              </a:lvl3pPr>
+              <a:lvl4pPr marL="1257300" indent="-228600">
+                <a:defRPr sz="2400">
+                  <a:solidFill>
+                    <a:schemeClr val="tx1"/>
+                  </a:solidFill>
+                  <a:latin typeface="Times New Roman" charset="0"/>
+                  <a:ea typeface="ＭＳ Ｐゴシック" charset="0"/>
+                </a:defRPr>
+              </a:lvl4pPr>
+              <a:lvl5pPr marL="1714500" indent="-228600">
+                <a:defRPr sz="2400">
+                  <a:solidFill>
+                    <a:schemeClr val="tx1"/>
+                  </a:solidFill>
+                  <a:latin typeface="Times New Roman" charset="0"/>
+                  <a:ea typeface="ＭＳ Ｐゴシック" charset="0"/>
+                </a:defRPr>
+              </a:lvl5pPr>
+              <a:lvl6pPr marL="2171700" indent="-228600" fontAlgn="base">
+                <a:spcBef>
+                  <a:spcPct val="0"/>
+                </a:spcBef>
+                <a:spcAft>
+                  <a:spcPct val="0"/>
+                </a:spcAft>
+                <a:defRPr sz="2400">
+                  <a:solidFill>
+                    <a:schemeClr val="tx1"/>
+                  </a:solidFill>
+                  <a:latin typeface="Times New Roman" charset="0"/>
+                  <a:ea typeface="ＭＳ Ｐゴシック" charset="0"/>
+                </a:defRPr>
+              </a:lvl6pPr>
+              <a:lvl7pPr marL="2628900" indent="-228600" fontAlgn="base">
+                <a:spcBef>
+                  <a:spcPct val="0"/>
+                </a:spcBef>
+                <a:spcAft>
+                  <a:spcPct val="0"/>
+                </a:spcAft>
+                <a:defRPr sz="2400">
+                  <a:solidFill>
+                    <a:schemeClr val="tx1"/>
+                  </a:solidFill>
+                  <a:latin typeface="Times New Roman" charset="0"/>
+                  <a:ea typeface="ＭＳ Ｐゴシック" charset="0"/>
+                </a:defRPr>
+              </a:lvl7pPr>
+              <a:lvl8pPr marL="3086100" indent="-228600" fontAlgn="base">
+                <a:spcBef>
+                  <a:spcPct val="0"/>
+                </a:spcBef>
+                <a:spcAft>
+                  <a:spcPct val="0"/>
+                </a:spcAft>
+                <a:defRPr sz="2400">
+                  <a:solidFill>
+                    <a:schemeClr val="tx1"/>
+                  </a:solidFill>
+                  <a:latin typeface="Times New Roman" charset="0"/>
+                  <a:ea typeface="ＭＳ Ｐゴシック" charset="0"/>
+                </a:defRPr>
+              </a:lvl8pPr>
+              <a:lvl9pPr marL="3543300" indent="-228600" fontAlgn="base">
+                <a:spcBef>
+                  <a:spcPct val="0"/>
+                </a:spcBef>
+                <a:spcAft>
+                  <a:spcPct val="0"/>
+                </a:spcAft>
+                <a:defRPr sz="2400">
+                  <a:solidFill>
+                    <a:schemeClr val="tx1"/>
+                  </a:solidFill>
+                  <a:latin typeface="Times New Roman" charset="0"/>
+                  <a:ea typeface="ＭＳ Ｐゴシック" charset="0"/>
+                </a:defRPr>
+              </a:lvl9pPr>
+            </a:lstStyle>
+            <a:p>
+              <a:pPr algn="ctr">
+                <a:lnSpc>
+                  <a:spcPct val="95000"/>
+                </a:lnSpc>
+                <a:defRPr/>
+              </a:pPr>
+              <a:r>
+                <a:rPr lang="en-US" sz="1100" smtClean="0">
+                  <a:solidFill>
+                    <a:srgbClr val="000000"/>
+                  </a:solidFill>
+                  <a:latin typeface="Arial" charset="0"/>
+                </a:rPr>
+                <a:t>A</a:t>
+              </a:r>
+            </a:p>
+          </p:txBody>
+        </p:sp>
+        <p:pic>
+          <p:nvPicPr>
+            <p:cNvPr id="8" name="Picture 31"/>
+            <p:cNvPicPr>
+              <a:picLocks noChangeAspect="1" noChangeArrowheads="1"/>
+            </p:cNvPicPr>
+            <p:nvPr/>
+          </p:nvPicPr>
+          <p:blipFill>
+            <a:blip r:embed="rId4" cstate="print"/>
+            <a:srcRect/>
+            <a:stretch>
+              <a:fillRect/>
+            </a:stretch>
+          </p:blipFill>
+          <p:spPr bwMode="auto">
+            <a:xfrm>
+              <a:off x="7016750" y="5626100"/>
+              <a:ext cx="434975" cy="434975"/>
+            </a:xfrm>
+            <a:prstGeom prst="rect">
+              <a:avLst/>
+            </a:prstGeom>
+            <a:noFill/>
+            <a:ln w="9525">
+              <a:noFill/>
+              <a:miter lim="800000"/>
+              <a:headEnd/>
+              <a:tailEnd/>
+            </a:ln>
+          </p:spPr>
+        </p:pic>
+        <p:sp>
+          <p:nvSpPr>
+            <p:cNvPr id="9" name="Text Box 32"/>
+            <p:cNvSpPr txBox="1">
+              <a:spLocks noChangeArrowheads="1"/>
+            </p:cNvSpPr>
+            <p:nvPr/>
+          </p:nvSpPr>
+          <p:spPr bwMode="auto">
+            <a:xfrm>
+              <a:off x="7097713" y="5766356"/>
+              <a:ext cx="279400" cy="160813"/>
+            </a:xfrm>
+            <a:prstGeom prst="rect">
+              <a:avLst/>
+            </a:prstGeom>
+            <a:noFill/>
+            <a:ln>
+              <a:noFill/>
+            </a:ln>
+            <a:effectLst/>
+            <a:extLst>
+              <a:ext uri="{909E8E84-426E-40dd-AFC4-6F175D3DCCD1}">
+                <a14:hiddenFill xmlns:a14="http://schemas.microsoft.com/office/drawing/2010/main" xmlns="">
+                  <a:solidFill>
+                    <a:schemeClr val="accent1"/>
+                  </a:solidFill>
+                </a14:hiddenFill>
+              </a:ext>
+              <a:ext uri="{91240B29-F687-4f45-9708-019B960494DF}">
+                <a14:hiddenLine xmlns:a14="http://schemas.microsoft.com/office/drawing/2010/main" xmlns="" w="9525">
+                  <a:solidFill>
+                    <a:schemeClr val="tx1"/>
+                  </a:solidFill>
+                  <a:miter lim="800000"/>
+                  <a:headEnd/>
+                  <a:tailEnd/>
+                </a14:hiddenLine>
+              </a:ext>
+              <a:ext uri="{AF507438-7753-43e0-B8FC-AC1667EBCBE1}">
+                <a14:hiddenEffects xmlns:a14="http://schemas.microsoft.com/office/drawing/2010/main" xmlns="">
+                  <a:effectLst>
+                    <a:outerShdw blurRad="63500" dist="38099" dir="2700000" algn="ctr" rotWithShape="0">
+                      <a:schemeClr val="bg2">
+                        <a:alpha val="74998"/>
+                      </a:schemeClr>
+                    </a:outerShdw>
+                  </a:effectLst>
+                </a14:hiddenEffects>
+              </a:ext>
+            </a:extLst>
+          </p:spPr>
+          <p:txBody>
+            <a:bodyPr lIns="0" tIns="0" rIns="0" bIns="0" anchor="ctr">
+              <a:spAutoFit/>
+            </a:bodyPr>
+            <a:lstStyle>
+              <a:lvl1pPr>
+                <a:defRPr sz="2400">
+                  <a:solidFill>
+                    <a:schemeClr val="tx1"/>
+                  </a:solidFill>
+                  <a:latin typeface="Times New Roman" charset="0"/>
+                  <a:ea typeface="ＭＳ Ｐゴシック" charset="0"/>
+                </a:defRPr>
+              </a:lvl1pPr>
+              <a:lvl2pPr indent="-342900">
+                <a:defRPr sz="2400">
+                  <a:solidFill>
+                    <a:schemeClr val="tx1"/>
+                  </a:solidFill>
+                  <a:latin typeface="Times New Roman" charset="0"/>
+                  <a:ea typeface="ＭＳ Ｐゴシック" charset="0"/>
+                </a:defRPr>
+              </a:lvl2pPr>
+              <a:lvl3pPr marL="857250" indent="-285750">
+                <a:defRPr sz="2400">
+                  <a:solidFill>
+                    <a:schemeClr val="tx1"/>
+                  </a:solidFill>
+                  <a:latin typeface="Times New Roman" charset="0"/>
+                  <a:ea typeface="ＭＳ Ｐゴシック" charset="0"/>
+                </a:defRPr>
+              </a:lvl3pPr>
+              <a:lvl4pPr marL="1257300" indent="-228600">
+                <a:defRPr sz="2400">
+                  <a:solidFill>
+                    <a:schemeClr val="tx1"/>
+                  </a:solidFill>
+                  <a:latin typeface="Times New Roman" charset="0"/>
+                  <a:ea typeface="ＭＳ Ｐゴシック" charset="0"/>
+                </a:defRPr>
+              </a:lvl4pPr>
+              <a:lvl5pPr marL="1714500" indent="-228600">
+                <a:defRPr sz="2400">
+                  <a:solidFill>
+                    <a:schemeClr val="tx1"/>
+                  </a:solidFill>
+                  <a:latin typeface="Times New Roman" charset="0"/>
+                  <a:ea typeface="ＭＳ Ｐゴシック" charset="0"/>
+                </a:defRPr>
+              </a:lvl5pPr>
+              <a:lvl6pPr marL="2171700" indent="-228600" fontAlgn="base">
+                <a:spcBef>
+                  <a:spcPct val="0"/>
+                </a:spcBef>
+                <a:spcAft>
+                  <a:spcPct val="0"/>
+                </a:spcAft>
+                <a:defRPr sz="2400">
+                  <a:solidFill>
+                    <a:schemeClr val="tx1"/>
+                  </a:solidFill>
+                  <a:latin typeface="Times New Roman" charset="0"/>
+                  <a:ea typeface="ＭＳ Ｐゴシック" charset="0"/>
+                </a:defRPr>
+              </a:lvl6pPr>
+              <a:lvl7pPr marL="2628900" indent="-228600" fontAlgn="base">
+                <a:spcBef>
+                  <a:spcPct val="0"/>
+                </a:spcBef>
+                <a:spcAft>
+                  <a:spcPct val="0"/>
+                </a:spcAft>
+                <a:defRPr sz="2400">
+                  <a:solidFill>
+                    <a:schemeClr val="tx1"/>
+                  </a:solidFill>
+                  <a:latin typeface="Times New Roman" charset="0"/>
+                  <a:ea typeface="ＭＳ Ｐゴシック" charset="0"/>
+                </a:defRPr>
+              </a:lvl7pPr>
+              <a:lvl8pPr marL="3086100" indent="-228600" fontAlgn="base">
+                <a:spcBef>
+                  <a:spcPct val="0"/>
+                </a:spcBef>
+                <a:spcAft>
+                  <a:spcPct val="0"/>
+                </a:spcAft>
+                <a:defRPr sz="2400">
+                  <a:solidFill>
+                    <a:schemeClr val="tx1"/>
+                  </a:solidFill>
+                  <a:latin typeface="Times New Roman" charset="0"/>
+                  <a:ea typeface="ＭＳ Ｐゴシック" charset="0"/>
+                </a:defRPr>
+              </a:lvl8pPr>
+              <a:lvl9pPr marL="3543300" indent="-228600" fontAlgn="base">
+                <a:spcBef>
+                  <a:spcPct val="0"/>
+                </a:spcBef>
+                <a:spcAft>
+                  <a:spcPct val="0"/>
+                </a:spcAft>
+                <a:defRPr sz="2400">
+                  <a:solidFill>
+                    <a:schemeClr val="tx1"/>
+                  </a:solidFill>
+                  <a:latin typeface="Times New Roman" charset="0"/>
+                  <a:ea typeface="ＭＳ Ｐゴシック" charset="0"/>
+                </a:defRPr>
+              </a:lvl9pPr>
+            </a:lstStyle>
+            <a:p>
+              <a:pPr algn="ctr">
+                <a:lnSpc>
+                  <a:spcPct val="95000"/>
+                </a:lnSpc>
+                <a:defRPr/>
+              </a:pPr>
+              <a:r>
+                <a:rPr lang="en-US" sz="1100" smtClean="0">
+                  <a:solidFill>
+                    <a:srgbClr val="000000"/>
+                  </a:solidFill>
+                  <a:latin typeface="Arial" charset="0"/>
+                </a:rPr>
+                <a:t>B</a:t>
+              </a:r>
+            </a:p>
+          </p:txBody>
+        </p:sp>
+        <p:pic>
+          <p:nvPicPr>
+            <p:cNvPr id="10" name="Picture 33"/>
+            <p:cNvPicPr>
+              <a:picLocks noChangeAspect="1" noChangeArrowheads="1"/>
+            </p:cNvPicPr>
+            <p:nvPr/>
+          </p:nvPicPr>
+          <p:blipFill>
+            <a:blip r:embed="rId5" cstate="print"/>
+            <a:srcRect/>
+            <a:stretch>
+              <a:fillRect/>
+            </a:stretch>
+          </p:blipFill>
+          <p:spPr bwMode="auto">
+            <a:xfrm>
+              <a:off x="7016750" y="4759325"/>
+              <a:ext cx="434975" cy="434975"/>
+            </a:xfrm>
+            <a:prstGeom prst="rect">
+              <a:avLst/>
+            </a:prstGeom>
+            <a:noFill/>
+            <a:ln w="9525">
+              <a:noFill/>
+              <a:miter lim="800000"/>
+              <a:headEnd/>
+              <a:tailEnd/>
+            </a:ln>
+          </p:spPr>
+        </p:pic>
+        <p:sp>
+          <p:nvSpPr>
+            <p:cNvPr id="11" name="Text Box 34"/>
+            <p:cNvSpPr txBox="1">
+              <a:spLocks noChangeArrowheads="1"/>
+            </p:cNvSpPr>
+            <p:nvPr/>
+          </p:nvSpPr>
+          <p:spPr bwMode="auto">
+            <a:xfrm>
+              <a:off x="7097713" y="4893231"/>
+              <a:ext cx="279400" cy="160813"/>
+            </a:xfrm>
+            <a:prstGeom prst="rect">
+              <a:avLst/>
+            </a:prstGeom>
+            <a:noFill/>
+            <a:ln>
+              <a:noFill/>
+            </a:ln>
+            <a:effectLst/>
+            <a:extLst>
+              <a:ext uri="{909E8E84-426E-40dd-AFC4-6F175D3DCCD1}">
+                <a14:hiddenFill xmlns:a14="http://schemas.microsoft.com/office/drawing/2010/main" xmlns="">
+                  <a:solidFill>
+                    <a:schemeClr val="accent1"/>
+                  </a:solidFill>
+                </a14:hiddenFill>
+              </a:ext>
+              <a:ext uri="{91240B29-F687-4f45-9708-019B960494DF}">
+                <a14:hiddenLine xmlns:a14="http://schemas.microsoft.com/office/drawing/2010/main" xmlns="" w="9525">
+                  <a:solidFill>
+                    <a:schemeClr val="tx1"/>
+                  </a:solidFill>
+                  <a:miter lim="800000"/>
+                  <a:headEnd/>
+                  <a:tailEnd/>
+                </a14:hiddenLine>
+              </a:ext>
+              <a:ext uri="{AF507438-7753-43e0-B8FC-AC1667EBCBE1}">
+                <a14:hiddenEffects xmlns:a14="http://schemas.microsoft.com/office/drawing/2010/main" xmlns="">
+                  <a:effectLst>
+                    <a:outerShdw blurRad="63500" dist="38099" dir="2700000" algn="ctr" rotWithShape="0">
+                      <a:schemeClr val="bg2">
+                        <a:alpha val="74998"/>
+                      </a:schemeClr>
+                    </a:outerShdw>
+                  </a:effectLst>
+                </a14:hiddenEffects>
+              </a:ext>
+            </a:extLst>
+          </p:spPr>
+          <p:txBody>
+            <a:bodyPr lIns="0" tIns="0" rIns="0" bIns="0" anchor="ctr">
+              <a:spAutoFit/>
+            </a:bodyPr>
+            <a:lstStyle>
+              <a:lvl1pPr>
+                <a:defRPr sz="2400">
+                  <a:solidFill>
+                    <a:schemeClr val="tx1"/>
+                  </a:solidFill>
+                  <a:latin typeface="Times New Roman" charset="0"/>
+                  <a:ea typeface="ＭＳ Ｐゴシック" charset="0"/>
+                </a:defRPr>
+              </a:lvl1pPr>
+              <a:lvl2pPr indent="-342900">
+                <a:defRPr sz="2400">
+                  <a:solidFill>
+                    <a:schemeClr val="tx1"/>
+                  </a:solidFill>
+                  <a:latin typeface="Times New Roman" charset="0"/>
+                  <a:ea typeface="ＭＳ Ｐゴシック" charset="0"/>
+                </a:defRPr>
+              </a:lvl2pPr>
+              <a:lvl3pPr marL="857250" indent="-285750">
+                <a:defRPr sz="2400">
+                  <a:solidFill>
+                    <a:schemeClr val="tx1"/>
+                  </a:solidFill>
+                  <a:latin typeface="Times New Roman" charset="0"/>
+                  <a:ea typeface="ＭＳ Ｐゴシック" charset="0"/>
+                </a:defRPr>
+              </a:lvl3pPr>
+              <a:lvl4pPr marL="1257300" indent="-228600">
+                <a:defRPr sz="2400">
+                  <a:solidFill>
+                    <a:schemeClr val="tx1"/>
+                  </a:solidFill>
+                  <a:latin typeface="Times New Roman" charset="0"/>
+                  <a:ea typeface="ＭＳ Ｐゴシック" charset="0"/>
+                </a:defRPr>
+              </a:lvl4pPr>
+              <a:lvl5pPr marL="1714500" indent="-228600">
+                <a:defRPr sz="2400">
+                  <a:solidFill>
+                    <a:schemeClr val="tx1"/>
+                  </a:solidFill>
+                  <a:latin typeface="Times New Roman" charset="0"/>
+                  <a:ea typeface="ＭＳ Ｐゴシック" charset="0"/>
+                </a:defRPr>
+              </a:lvl5pPr>
+              <a:lvl6pPr marL="2171700" indent="-228600" fontAlgn="base">
+                <a:spcBef>
+                  <a:spcPct val="0"/>
+                </a:spcBef>
+                <a:spcAft>
+                  <a:spcPct val="0"/>
+                </a:spcAft>
+                <a:defRPr sz="2400">
+                  <a:solidFill>
+                    <a:schemeClr val="tx1"/>
+                  </a:solidFill>
+                  <a:latin typeface="Times New Roman" charset="0"/>
+                  <a:ea typeface="ＭＳ Ｐゴシック" charset="0"/>
+                </a:defRPr>
+              </a:lvl6pPr>
+              <a:lvl7pPr marL="2628900" indent="-228600" fontAlgn="base">
+                <a:spcBef>
+                  <a:spcPct val="0"/>
+                </a:spcBef>
+                <a:spcAft>
+                  <a:spcPct val="0"/>
+                </a:spcAft>
+                <a:defRPr sz="2400">
+                  <a:solidFill>
+                    <a:schemeClr val="tx1"/>
+                  </a:solidFill>
+                  <a:latin typeface="Times New Roman" charset="0"/>
+                  <a:ea typeface="ＭＳ Ｐゴシック" charset="0"/>
+                </a:defRPr>
+              </a:lvl7pPr>
+              <a:lvl8pPr marL="3086100" indent="-228600" fontAlgn="base">
+                <a:spcBef>
+                  <a:spcPct val="0"/>
+                </a:spcBef>
+                <a:spcAft>
+                  <a:spcPct val="0"/>
+                </a:spcAft>
+                <a:defRPr sz="2400">
+                  <a:solidFill>
+                    <a:schemeClr val="tx1"/>
+                  </a:solidFill>
+                  <a:latin typeface="Times New Roman" charset="0"/>
+                  <a:ea typeface="ＭＳ Ｐゴシック" charset="0"/>
+                </a:defRPr>
+              </a:lvl8pPr>
+              <a:lvl9pPr marL="3543300" indent="-228600" fontAlgn="base">
+                <a:spcBef>
+                  <a:spcPct val="0"/>
+                </a:spcBef>
+                <a:spcAft>
+                  <a:spcPct val="0"/>
+                </a:spcAft>
+                <a:defRPr sz="2400">
+                  <a:solidFill>
+                    <a:schemeClr val="tx1"/>
+                  </a:solidFill>
+                  <a:latin typeface="Times New Roman" charset="0"/>
+                  <a:ea typeface="ＭＳ Ｐゴシック" charset="0"/>
+                </a:defRPr>
+              </a:lvl9pPr>
+            </a:lstStyle>
+            <a:p>
+              <a:pPr algn="ctr">
+                <a:lnSpc>
+                  <a:spcPct val="95000"/>
+                </a:lnSpc>
+                <a:defRPr/>
+              </a:pPr>
+              <a:r>
+                <a:rPr lang="en-US" sz="1100" smtClean="0">
+                  <a:solidFill>
+                    <a:srgbClr val="000000"/>
+                  </a:solidFill>
+                  <a:latin typeface="Arial" charset="0"/>
+                </a:rPr>
+                <a:t>C</a:t>
+              </a:r>
+            </a:p>
+          </p:txBody>
+        </p:sp>
+        <p:pic>
+          <p:nvPicPr>
+            <p:cNvPr id="12" name="Picture 35"/>
+            <p:cNvPicPr>
+              <a:picLocks noChangeAspect="1" noChangeArrowheads="1"/>
+            </p:cNvPicPr>
+            <p:nvPr/>
+          </p:nvPicPr>
+          <p:blipFill>
+            <a:blip r:embed="rId6" cstate="print"/>
+            <a:srcRect/>
+            <a:stretch>
+              <a:fillRect/>
+            </a:stretch>
+          </p:blipFill>
+          <p:spPr bwMode="auto">
+            <a:xfrm>
+              <a:off x="7229475" y="6038850"/>
+              <a:ext cx="22225" cy="414338"/>
+            </a:xfrm>
+            <a:prstGeom prst="rect">
+              <a:avLst/>
+            </a:prstGeom>
+            <a:noFill/>
+            <a:ln w="9525">
+              <a:noFill/>
+              <a:miter lim="800000"/>
+              <a:headEnd/>
+              <a:tailEnd/>
+            </a:ln>
+          </p:spPr>
+        </p:pic>
+        <p:pic>
+          <p:nvPicPr>
+            <p:cNvPr id="13" name="Picture 36"/>
+            <p:cNvPicPr>
+              <a:picLocks noChangeAspect="1" noChangeArrowheads="1"/>
+            </p:cNvPicPr>
+            <p:nvPr/>
+          </p:nvPicPr>
+          <p:blipFill>
+            <a:blip r:embed="rId7" cstate="print"/>
+            <a:srcRect/>
+            <a:stretch>
+              <a:fillRect/>
+            </a:stretch>
+          </p:blipFill>
+          <p:spPr bwMode="auto">
+            <a:xfrm>
+              <a:off x="7229475" y="5172075"/>
+              <a:ext cx="22225" cy="476250"/>
+            </a:xfrm>
+            <a:prstGeom prst="rect">
+              <a:avLst/>
+            </a:prstGeom>
+            <a:noFill/>
+            <a:ln w="9525">
+              <a:noFill/>
+              <a:miter lim="800000"/>
+              <a:headEnd/>
+              <a:tailEnd/>
+            </a:ln>
+          </p:spPr>
+        </p:pic>
+        <p:pic>
+          <p:nvPicPr>
+            <p:cNvPr id="14" name="Picture 37"/>
+            <p:cNvPicPr>
+              <a:picLocks noChangeAspect="1" noChangeArrowheads="1"/>
+            </p:cNvPicPr>
+            <p:nvPr/>
+          </p:nvPicPr>
+          <p:blipFill>
+            <a:blip r:embed="rId8" cstate="print"/>
+            <a:srcRect/>
+            <a:stretch>
+              <a:fillRect/>
+            </a:stretch>
+          </p:blipFill>
+          <p:spPr bwMode="auto">
+            <a:xfrm>
+              <a:off x="6086475" y="3097213"/>
+              <a:ext cx="561975" cy="434975"/>
+            </a:xfrm>
+            <a:prstGeom prst="rect">
+              <a:avLst/>
+            </a:prstGeom>
+            <a:noFill/>
+            <a:ln w="9525">
+              <a:noFill/>
+              <a:miter lim="800000"/>
+              <a:headEnd/>
+              <a:tailEnd/>
+            </a:ln>
+          </p:spPr>
+        </p:pic>
+        <p:sp>
+          <p:nvSpPr>
+            <p:cNvPr id="15" name="Text Box 38"/>
+            <p:cNvSpPr txBox="1">
+              <a:spLocks noChangeArrowheads="1"/>
+            </p:cNvSpPr>
+            <p:nvPr/>
+          </p:nvSpPr>
+          <p:spPr bwMode="auto">
+            <a:xfrm>
+              <a:off x="6143625" y="3227841"/>
+              <a:ext cx="449263" cy="160813"/>
+            </a:xfrm>
+            <a:prstGeom prst="rect">
+              <a:avLst/>
+            </a:prstGeom>
+            <a:noFill/>
+            <a:ln>
+              <a:noFill/>
+            </a:ln>
+            <a:effectLst/>
+            <a:extLst>
+              <a:ext uri="{909E8E84-426E-40dd-AFC4-6F175D3DCCD1}">
+                <a14:hiddenFill xmlns:a14="http://schemas.microsoft.com/office/drawing/2010/main" xmlns="">
+                  <a:solidFill>
+                    <a:schemeClr val="accent1"/>
+                  </a:solidFill>
+                </a14:hiddenFill>
+              </a:ext>
+              <a:ext uri="{91240B29-F687-4f45-9708-019B960494DF}">
+                <a14:hiddenLine xmlns:a14="http://schemas.microsoft.com/office/drawing/2010/main" xmlns="" w="9525">
+                  <a:solidFill>
+                    <a:schemeClr val="tx1"/>
+                  </a:solidFill>
+                  <a:miter lim="800000"/>
+                  <a:headEnd/>
+                  <a:tailEnd/>
+                </a14:hiddenLine>
+              </a:ext>
+              <a:ext uri="{AF507438-7753-43e0-B8FC-AC1667EBCBE1}">
+                <a14:hiddenEffects xmlns:a14="http://schemas.microsoft.com/office/drawing/2010/main" xmlns="">
+                  <a:effectLst>
+                    <a:outerShdw blurRad="63500" dist="38099" dir="2700000" algn="ctr" rotWithShape="0">
+                      <a:schemeClr val="bg2">
+                        <a:alpha val="74998"/>
+                      </a:schemeClr>
+                    </a:outerShdw>
+                  </a:effectLst>
+                </a14:hiddenEffects>
+              </a:ext>
+            </a:extLst>
+          </p:spPr>
+          <p:txBody>
+            <a:bodyPr lIns="0" tIns="0" rIns="0" bIns="0">
+              <a:spAutoFit/>
+            </a:bodyPr>
+            <a:lstStyle>
+              <a:lvl1pPr>
+                <a:defRPr sz="2400">
+                  <a:solidFill>
+                    <a:schemeClr val="tx1"/>
+                  </a:solidFill>
+                  <a:latin typeface="Times New Roman" charset="0"/>
+                  <a:ea typeface="ＭＳ Ｐゴシック" charset="0"/>
+                </a:defRPr>
+              </a:lvl1pPr>
+              <a:lvl2pPr indent="-342900">
+                <a:defRPr sz="2400">
+                  <a:solidFill>
+                    <a:schemeClr val="tx1"/>
+                  </a:solidFill>
+                  <a:latin typeface="Times New Roman" charset="0"/>
+                  <a:ea typeface="ＭＳ Ｐゴシック" charset="0"/>
+                </a:defRPr>
+              </a:lvl2pPr>
+              <a:lvl3pPr marL="857250" indent="-285750">
+                <a:defRPr sz="2400">
+                  <a:solidFill>
+                    <a:schemeClr val="tx1"/>
+                  </a:solidFill>
+                  <a:latin typeface="Times New Roman" charset="0"/>
+                  <a:ea typeface="ＭＳ Ｐゴシック" charset="0"/>
+                </a:defRPr>
+              </a:lvl3pPr>
+              <a:lvl4pPr marL="1257300" indent="-228600">
+                <a:defRPr sz="2400">
+                  <a:solidFill>
+                    <a:schemeClr val="tx1"/>
+                  </a:solidFill>
+                  <a:latin typeface="Times New Roman" charset="0"/>
+                  <a:ea typeface="ＭＳ Ｐゴシック" charset="0"/>
+                </a:defRPr>
+              </a:lvl4pPr>
+              <a:lvl5pPr marL="1714500" indent="-228600">
+                <a:defRPr sz="2400">
+                  <a:solidFill>
+                    <a:schemeClr val="tx1"/>
+                  </a:solidFill>
+                  <a:latin typeface="Times New Roman" charset="0"/>
+                  <a:ea typeface="ＭＳ Ｐゴシック" charset="0"/>
+                </a:defRPr>
+              </a:lvl5pPr>
+              <a:lvl6pPr marL="2171700" indent="-228600" fontAlgn="base">
+                <a:spcBef>
+                  <a:spcPct val="0"/>
+                </a:spcBef>
+                <a:spcAft>
+                  <a:spcPct val="0"/>
+                </a:spcAft>
+                <a:defRPr sz="2400">
+                  <a:solidFill>
+                    <a:schemeClr val="tx1"/>
+                  </a:solidFill>
+                  <a:latin typeface="Times New Roman" charset="0"/>
+                  <a:ea typeface="ＭＳ Ｐゴシック" charset="0"/>
+                </a:defRPr>
+              </a:lvl6pPr>
+              <a:lvl7pPr marL="2628900" indent="-228600" fontAlgn="base">
+                <a:spcBef>
+                  <a:spcPct val="0"/>
+                </a:spcBef>
+                <a:spcAft>
+                  <a:spcPct val="0"/>
+                </a:spcAft>
+                <a:defRPr sz="2400">
+                  <a:solidFill>
+                    <a:schemeClr val="tx1"/>
+                  </a:solidFill>
+                  <a:latin typeface="Times New Roman" charset="0"/>
+                  <a:ea typeface="ＭＳ Ｐゴシック" charset="0"/>
+                </a:defRPr>
+              </a:lvl7pPr>
+              <a:lvl8pPr marL="3086100" indent="-228600" fontAlgn="base">
+                <a:spcBef>
+                  <a:spcPct val="0"/>
+                </a:spcBef>
+                <a:spcAft>
+                  <a:spcPct val="0"/>
+                </a:spcAft>
+                <a:defRPr sz="2400">
+                  <a:solidFill>
+                    <a:schemeClr val="tx1"/>
+                  </a:solidFill>
+                  <a:latin typeface="Times New Roman" charset="0"/>
+                  <a:ea typeface="ＭＳ Ｐゴシック" charset="0"/>
+                </a:defRPr>
+              </a:lvl8pPr>
+              <a:lvl9pPr marL="3543300" indent="-228600" fontAlgn="base">
+                <a:spcBef>
+                  <a:spcPct val="0"/>
+                </a:spcBef>
+                <a:spcAft>
+                  <a:spcPct val="0"/>
+                </a:spcAft>
+                <a:defRPr sz="2400">
+                  <a:solidFill>
+                    <a:schemeClr val="tx1"/>
+                  </a:solidFill>
+                  <a:latin typeface="Times New Roman" charset="0"/>
+                  <a:ea typeface="ＭＳ Ｐゴシック" charset="0"/>
+                </a:defRPr>
+              </a:lvl9pPr>
+            </a:lstStyle>
+            <a:p>
+              <a:pPr>
+                <a:lnSpc>
+                  <a:spcPct val="95000"/>
+                </a:lnSpc>
+                <a:defRPr/>
+              </a:pPr>
+              <a:r>
+                <a:rPr lang="en-US" sz="1100" dirty="0" smtClean="0">
+                  <a:solidFill>
+                    <a:srgbClr val="000000"/>
+                  </a:solidFill>
+                  <a:latin typeface="Arial" charset="0"/>
+                </a:rPr>
+                <a:t>1.0</a:t>
+              </a:r>
+              <a:endParaRPr lang="en-US" sz="1100" dirty="0" smtClean="0">
+                <a:solidFill>
+                  <a:srgbClr val="000000"/>
+                </a:solidFill>
+                <a:latin typeface="Arial" charset="0"/>
+              </a:endParaRPr>
+            </a:p>
+          </p:txBody>
+        </p:sp>
+        <p:pic>
+          <p:nvPicPr>
+            <p:cNvPr id="16" name="Picture 39"/>
+            <p:cNvPicPr>
+              <a:picLocks noChangeAspect="1" noChangeArrowheads="1"/>
+            </p:cNvPicPr>
+            <p:nvPr/>
+          </p:nvPicPr>
+          <p:blipFill>
+            <a:blip r:embed="rId9" cstate="print"/>
+            <a:srcRect/>
+            <a:stretch>
+              <a:fillRect/>
+            </a:stretch>
+          </p:blipFill>
+          <p:spPr bwMode="auto">
+            <a:xfrm>
+              <a:off x="6635750" y="3255963"/>
+              <a:ext cx="414338" cy="106362"/>
+            </a:xfrm>
+            <a:prstGeom prst="rect">
+              <a:avLst/>
+            </a:prstGeom>
+            <a:noFill/>
+            <a:ln w="9525">
+              <a:noFill/>
+              <a:miter lim="800000"/>
+              <a:headEnd/>
+              <a:tailEnd/>
+            </a:ln>
+          </p:spPr>
+        </p:pic>
+        <p:pic>
+          <p:nvPicPr>
+            <p:cNvPr id="17" name="Picture 40"/>
+            <p:cNvPicPr>
+              <a:picLocks noChangeAspect="1" noChangeArrowheads="1"/>
+            </p:cNvPicPr>
+            <p:nvPr/>
+          </p:nvPicPr>
+          <p:blipFill>
+            <a:blip r:embed="rId5" cstate="print"/>
+            <a:srcRect/>
+            <a:stretch>
+              <a:fillRect/>
+            </a:stretch>
+          </p:blipFill>
+          <p:spPr bwMode="auto">
+            <a:xfrm>
+              <a:off x="7016750" y="3965575"/>
+              <a:ext cx="434975" cy="434975"/>
+            </a:xfrm>
+            <a:prstGeom prst="rect">
+              <a:avLst/>
+            </a:prstGeom>
+            <a:noFill/>
+            <a:ln w="9525">
+              <a:noFill/>
+              <a:miter lim="800000"/>
+              <a:headEnd/>
+              <a:tailEnd/>
+            </a:ln>
+          </p:spPr>
+        </p:pic>
+        <p:sp>
+          <p:nvSpPr>
+            <p:cNvPr id="18" name="Text Box 41"/>
+            <p:cNvSpPr txBox="1">
+              <a:spLocks noChangeArrowheads="1"/>
+            </p:cNvSpPr>
+            <p:nvPr/>
+          </p:nvSpPr>
+          <p:spPr bwMode="auto">
+            <a:xfrm>
+              <a:off x="7097713" y="4099481"/>
+              <a:ext cx="279400" cy="160813"/>
+            </a:xfrm>
+            <a:prstGeom prst="rect">
+              <a:avLst/>
+            </a:prstGeom>
+            <a:noFill/>
+            <a:ln>
+              <a:noFill/>
+            </a:ln>
+            <a:effectLst/>
+            <a:extLst>
+              <a:ext uri="{909E8E84-426E-40dd-AFC4-6F175D3DCCD1}">
+                <a14:hiddenFill xmlns:a14="http://schemas.microsoft.com/office/drawing/2010/main" xmlns="">
+                  <a:solidFill>
+                    <a:schemeClr val="accent1"/>
+                  </a:solidFill>
+                </a14:hiddenFill>
+              </a:ext>
+              <a:ext uri="{91240B29-F687-4f45-9708-019B960494DF}">
+                <a14:hiddenLine xmlns:a14="http://schemas.microsoft.com/office/drawing/2010/main" xmlns="" w="9525">
+                  <a:solidFill>
+                    <a:schemeClr val="tx1"/>
+                  </a:solidFill>
+                  <a:miter lim="800000"/>
+                  <a:headEnd/>
+                  <a:tailEnd/>
+                </a14:hiddenLine>
+              </a:ext>
+              <a:ext uri="{AF507438-7753-43e0-B8FC-AC1667EBCBE1}">
+                <a14:hiddenEffects xmlns:a14="http://schemas.microsoft.com/office/drawing/2010/main" xmlns="">
+                  <a:effectLst>
+                    <a:outerShdw blurRad="63500" dist="38099" dir="2700000" algn="ctr" rotWithShape="0">
+                      <a:schemeClr val="bg2">
+                        <a:alpha val="74998"/>
+                      </a:schemeClr>
+                    </a:outerShdw>
+                  </a:effectLst>
+                </a14:hiddenEffects>
+              </a:ext>
+            </a:extLst>
+          </p:spPr>
+          <p:txBody>
+            <a:bodyPr lIns="0" tIns="0" rIns="0" bIns="0" anchor="ctr">
+              <a:spAutoFit/>
+            </a:bodyPr>
+            <a:lstStyle>
+              <a:lvl1pPr>
+                <a:defRPr sz="2400">
+                  <a:solidFill>
+                    <a:schemeClr val="tx1"/>
+                  </a:solidFill>
+                  <a:latin typeface="Times New Roman" charset="0"/>
+                  <a:ea typeface="ＭＳ Ｐゴシック" charset="0"/>
+                </a:defRPr>
+              </a:lvl1pPr>
+              <a:lvl2pPr indent="-342900">
+                <a:defRPr sz="2400">
+                  <a:solidFill>
+                    <a:schemeClr val="tx1"/>
+                  </a:solidFill>
+                  <a:latin typeface="Times New Roman" charset="0"/>
+                  <a:ea typeface="ＭＳ Ｐゴシック" charset="0"/>
+                </a:defRPr>
+              </a:lvl2pPr>
+              <a:lvl3pPr marL="857250" indent="-285750">
+                <a:defRPr sz="2400">
+                  <a:solidFill>
+                    <a:schemeClr val="tx1"/>
+                  </a:solidFill>
+                  <a:latin typeface="Times New Roman" charset="0"/>
+                  <a:ea typeface="ＭＳ Ｐゴシック" charset="0"/>
+                </a:defRPr>
+              </a:lvl3pPr>
+              <a:lvl4pPr marL="1257300" indent="-228600">
+                <a:defRPr sz="2400">
+                  <a:solidFill>
+                    <a:schemeClr val="tx1"/>
+                  </a:solidFill>
+                  <a:latin typeface="Times New Roman" charset="0"/>
+                  <a:ea typeface="ＭＳ Ｐゴシック" charset="0"/>
+                </a:defRPr>
+              </a:lvl4pPr>
+              <a:lvl5pPr marL="1714500" indent="-228600">
+                <a:defRPr sz="2400">
+                  <a:solidFill>
+                    <a:schemeClr val="tx1"/>
+                  </a:solidFill>
+                  <a:latin typeface="Times New Roman" charset="0"/>
+                  <a:ea typeface="ＭＳ Ｐゴシック" charset="0"/>
+                </a:defRPr>
+              </a:lvl5pPr>
+              <a:lvl6pPr marL="2171700" indent="-228600" fontAlgn="base">
+                <a:spcBef>
+                  <a:spcPct val="0"/>
+                </a:spcBef>
+                <a:spcAft>
+                  <a:spcPct val="0"/>
+                </a:spcAft>
+                <a:defRPr sz="2400">
+                  <a:solidFill>
+                    <a:schemeClr val="tx1"/>
+                  </a:solidFill>
+                  <a:latin typeface="Times New Roman" charset="0"/>
+                  <a:ea typeface="ＭＳ Ｐゴシック" charset="0"/>
+                </a:defRPr>
+              </a:lvl6pPr>
+              <a:lvl7pPr marL="2628900" indent="-228600" fontAlgn="base">
+                <a:spcBef>
+                  <a:spcPct val="0"/>
+                </a:spcBef>
+                <a:spcAft>
+                  <a:spcPct val="0"/>
+                </a:spcAft>
+                <a:defRPr sz="2400">
+                  <a:solidFill>
+                    <a:schemeClr val="tx1"/>
+                  </a:solidFill>
+                  <a:latin typeface="Times New Roman" charset="0"/>
+                  <a:ea typeface="ＭＳ Ｐゴシック" charset="0"/>
+                </a:defRPr>
+              </a:lvl7pPr>
+              <a:lvl8pPr marL="3086100" indent="-228600" fontAlgn="base">
+                <a:spcBef>
+                  <a:spcPct val="0"/>
+                </a:spcBef>
+                <a:spcAft>
+                  <a:spcPct val="0"/>
+                </a:spcAft>
+                <a:defRPr sz="2400">
+                  <a:solidFill>
+                    <a:schemeClr val="tx1"/>
+                  </a:solidFill>
+                  <a:latin typeface="Times New Roman" charset="0"/>
+                  <a:ea typeface="ＭＳ Ｐゴシック" charset="0"/>
+                </a:defRPr>
+              </a:lvl8pPr>
+              <a:lvl9pPr marL="3543300" indent="-228600" fontAlgn="base">
+                <a:spcBef>
+                  <a:spcPct val="0"/>
+                </a:spcBef>
+                <a:spcAft>
+                  <a:spcPct val="0"/>
+                </a:spcAft>
+                <a:defRPr sz="2400">
+                  <a:solidFill>
+                    <a:schemeClr val="tx1"/>
+                  </a:solidFill>
+                  <a:latin typeface="Times New Roman" charset="0"/>
+                  <a:ea typeface="ＭＳ Ｐゴシック" charset="0"/>
+                </a:defRPr>
+              </a:lvl9pPr>
+            </a:lstStyle>
+            <a:p>
+              <a:pPr algn="ctr">
+                <a:lnSpc>
+                  <a:spcPct val="95000"/>
+                </a:lnSpc>
+                <a:defRPr/>
+              </a:pPr>
+              <a:r>
+                <a:rPr lang="en-US" sz="1100" dirty="0" smtClean="0">
+                  <a:solidFill>
+                    <a:srgbClr val="000000"/>
+                  </a:solidFill>
+                  <a:latin typeface="Arial" charset="0"/>
+                </a:rPr>
+                <a:t>D</a:t>
+              </a:r>
+            </a:p>
+          </p:txBody>
+        </p:sp>
+        <p:pic>
+          <p:nvPicPr>
+            <p:cNvPr id="19" name="Picture 42"/>
+            <p:cNvPicPr>
+              <a:picLocks noChangeAspect="1" noChangeArrowheads="1"/>
+            </p:cNvPicPr>
+            <p:nvPr/>
+          </p:nvPicPr>
+          <p:blipFill>
+            <a:blip r:embed="rId10" cstate="print"/>
+            <a:srcRect/>
+            <a:stretch>
+              <a:fillRect/>
+            </a:stretch>
+          </p:blipFill>
+          <p:spPr bwMode="auto">
+            <a:xfrm>
+              <a:off x="7229475" y="4367213"/>
+              <a:ext cx="22225" cy="414337"/>
+            </a:xfrm>
+            <a:prstGeom prst="rect">
+              <a:avLst/>
+            </a:prstGeom>
+            <a:noFill/>
+            <a:ln w="9525">
+              <a:noFill/>
+              <a:miter lim="800000"/>
+              <a:headEnd/>
+              <a:tailEnd/>
+            </a:ln>
+          </p:spPr>
+        </p:pic>
+        <p:pic>
+          <p:nvPicPr>
+            <p:cNvPr id="20" name="Picture 43"/>
+            <p:cNvPicPr>
+              <a:picLocks noChangeAspect="1" noChangeArrowheads="1"/>
+            </p:cNvPicPr>
+            <p:nvPr/>
+          </p:nvPicPr>
+          <p:blipFill>
+            <a:blip r:embed="rId5" cstate="print"/>
+            <a:srcRect/>
+            <a:stretch>
+              <a:fillRect/>
+            </a:stretch>
+          </p:blipFill>
+          <p:spPr bwMode="auto">
+            <a:xfrm>
+              <a:off x="7810500" y="4759325"/>
+              <a:ext cx="434975" cy="434975"/>
+            </a:xfrm>
+            <a:prstGeom prst="rect">
+              <a:avLst/>
+            </a:prstGeom>
+            <a:noFill/>
+            <a:ln w="9525">
+              <a:noFill/>
+              <a:miter lim="800000"/>
+              <a:headEnd/>
+              <a:tailEnd/>
+            </a:ln>
+          </p:spPr>
+        </p:pic>
+        <p:sp>
+          <p:nvSpPr>
+            <p:cNvPr id="21" name="Text Box 44"/>
+            <p:cNvSpPr txBox="1">
+              <a:spLocks noChangeArrowheads="1"/>
+            </p:cNvSpPr>
+            <p:nvPr/>
+          </p:nvSpPr>
+          <p:spPr bwMode="auto">
+            <a:xfrm>
+              <a:off x="7891463" y="4893231"/>
+              <a:ext cx="279400" cy="160813"/>
+            </a:xfrm>
+            <a:prstGeom prst="rect">
+              <a:avLst/>
+            </a:prstGeom>
+            <a:noFill/>
+            <a:ln>
+              <a:noFill/>
+            </a:ln>
+            <a:effectLst/>
+            <a:extLst>
+              <a:ext uri="{909E8E84-426E-40dd-AFC4-6F175D3DCCD1}">
+                <a14:hiddenFill xmlns:a14="http://schemas.microsoft.com/office/drawing/2010/main" xmlns="">
+                  <a:solidFill>
+                    <a:schemeClr val="accent1"/>
+                  </a:solidFill>
+                </a14:hiddenFill>
+              </a:ext>
+              <a:ext uri="{91240B29-F687-4f45-9708-019B960494DF}">
+                <a14:hiddenLine xmlns:a14="http://schemas.microsoft.com/office/drawing/2010/main" xmlns="" w="9525">
+                  <a:solidFill>
+                    <a:schemeClr val="tx1"/>
+                  </a:solidFill>
+                  <a:miter lim="800000"/>
+                  <a:headEnd/>
+                  <a:tailEnd/>
+                </a14:hiddenLine>
+              </a:ext>
+              <a:ext uri="{AF507438-7753-43e0-B8FC-AC1667EBCBE1}">
+                <a14:hiddenEffects xmlns:a14="http://schemas.microsoft.com/office/drawing/2010/main" xmlns="">
+                  <a:effectLst>
+                    <a:outerShdw blurRad="63500" dist="38099" dir="2700000" algn="ctr" rotWithShape="0">
+                      <a:schemeClr val="bg2">
+                        <a:alpha val="74998"/>
+                      </a:schemeClr>
+                    </a:outerShdw>
+                  </a:effectLst>
+                </a14:hiddenEffects>
+              </a:ext>
+            </a:extLst>
+          </p:spPr>
+          <p:txBody>
+            <a:bodyPr lIns="0" tIns="0" rIns="0" bIns="0" anchor="ctr">
+              <a:spAutoFit/>
+            </a:bodyPr>
+            <a:lstStyle>
+              <a:lvl1pPr>
+                <a:defRPr sz="2400">
+                  <a:solidFill>
+                    <a:schemeClr val="tx1"/>
+                  </a:solidFill>
+                  <a:latin typeface="Times New Roman" charset="0"/>
+                  <a:ea typeface="ＭＳ Ｐゴシック" charset="0"/>
+                </a:defRPr>
+              </a:lvl1pPr>
+              <a:lvl2pPr indent="-342900">
+                <a:defRPr sz="2400">
+                  <a:solidFill>
+                    <a:schemeClr val="tx1"/>
+                  </a:solidFill>
+                  <a:latin typeface="Times New Roman" charset="0"/>
+                  <a:ea typeface="ＭＳ Ｐゴシック" charset="0"/>
+                </a:defRPr>
+              </a:lvl2pPr>
+              <a:lvl3pPr marL="857250" indent="-285750">
+                <a:defRPr sz="2400">
+                  <a:solidFill>
+                    <a:schemeClr val="tx1"/>
+                  </a:solidFill>
+                  <a:latin typeface="Times New Roman" charset="0"/>
+                  <a:ea typeface="ＭＳ Ｐゴシック" charset="0"/>
+                </a:defRPr>
+              </a:lvl3pPr>
+              <a:lvl4pPr marL="1257300" indent="-228600">
+                <a:defRPr sz="2400">
+                  <a:solidFill>
+                    <a:schemeClr val="tx1"/>
+                  </a:solidFill>
+                  <a:latin typeface="Times New Roman" charset="0"/>
+                  <a:ea typeface="ＭＳ Ｐゴシック" charset="0"/>
+                </a:defRPr>
+              </a:lvl4pPr>
+              <a:lvl5pPr marL="1714500" indent="-228600">
+                <a:defRPr sz="2400">
+                  <a:solidFill>
+                    <a:schemeClr val="tx1"/>
+                  </a:solidFill>
+                  <a:latin typeface="Times New Roman" charset="0"/>
+                  <a:ea typeface="ＭＳ Ｐゴシック" charset="0"/>
+                </a:defRPr>
+              </a:lvl5pPr>
+              <a:lvl6pPr marL="2171700" indent="-228600" fontAlgn="base">
+                <a:spcBef>
+                  <a:spcPct val="0"/>
+                </a:spcBef>
+                <a:spcAft>
+                  <a:spcPct val="0"/>
+                </a:spcAft>
+                <a:defRPr sz="2400">
+                  <a:solidFill>
+                    <a:schemeClr val="tx1"/>
+                  </a:solidFill>
+                  <a:latin typeface="Times New Roman" charset="0"/>
+                  <a:ea typeface="ＭＳ Ｐゴシック" charset="0"/>
+                </a:defRPr>
+              </a:lvl6pPr>
+              <a:lvl7pPr marL="2628900" indent="-228600" fontAlgn="base">
+                <a:spcBef>
+                  <a:spcPct val="0"/>
+                </a:spcBef>
+                <a:spcAft>
+                  <a:spcPct val="0"/>
+                </a:spcAft>
+                <a:defRPr sz="2400">
+                  <a:solidFill>
+                    <a:schemeClr val="tx1"/>
+                  </a:solidFill>
+                  <a:latin typeface="Times New Roman" charset="0"/>
+                  <a:ea typeface="ＭＳ Ｐゴシック" charset="0"/>
+                </a:defRPr>
+              </a:lvl7pPr>
+              <a:lvl8pPr marL="3086100" indent="-228600" fontAlgn="base">
+                <a:spcBef>
+                  <a:spcPct val="0"/>
+                </a:spcBef>
+                <a:spcAft>
+                  <a:spcPct val="0"/>
+                </a:spcAft>
+                <a:defRPr sz="2400">
+                  <a:solidFill>
+                    <a:schemeClr val="tx1"/>
+                  </a:solidFill>
+                  <a:latin typeface="Times New Roman" charset="0"/>
+                  <a:ea typeface="ＭＳ Ｐゴシック" charset="0"/>
+                </a:defRPr>
+              </a:lvl8pPr>
+              <a:lvl9pPr marL="3543300" indent="-228600" fontAlgn="base">
+                <a:spcBef>
+                  <a:spcPct val="0"/>
+                </a:spcBef>
+                <a:spcAft>
+                  <a:spcPct val="0"/>
+                </a:spcAft>
+                <a:defRPr sz="2400">
+                  <a:solidFill>
+                    <a:schemeClr val="tx1"/>
+                  </a:solidFill>
+                  <a:latin typeface="Times New Roman" charset="0"/>
+                  <a:ea typeface="ＭＳ Ｐゴシック" charset="0"/>
+                </a:defRPr>
+              </a:lvl9pPr>
+            </a:lstStyle>
+            <a:p>
+              <a:pPr algn="ctr">
+                <a:lnSpc>
+                  <a:spcPct val="95000"/>
+                </a:lnSpc>
+                <a:defRPr/>
+              </a:pPr>
+              <a:r>
+                <a:rPr lang="en-US" sz="1100" smtClean="0">
+                  <a:solidFill>
+                    <a:srgbClr val="000000"/>
+                  </a:solidFill>
+                  <a:latin typeface="Arial" charset="0"/>
+                </a:rPr>
+                <a:t>E</a:t>
+              </a:r>
+            </a:p>
+          </p:txBody>
+        </p:sp>
+        <p:pic>
+          <p:nvPicPr>
+            <p:cNvPr id="22" name="Picture 45"/>
+            <p:cNvPicPr>
+              <a:picLocks noChangeAspect="1" noChangeArrowheads="1"/>
+            </p:cNvPicPr>
+            <p:nvPr/>
+          </p:nvPicPr>
+          <p:blipFill>
+            <a:blip r:embed="rId5" cstate="print"/>
+            <a:srcRect/>
+            <a:stretch>
+              <a:fillRect/>
+            </a:stretch>
+          </p:blipFill>
+          <p:spPr bwMode="auto">
+            <a:xfrm>
+              <a:off x="7810500" y="3965575"/>
+              <a:ext cx="434975" cy="434975"/>
+            </a:xfrm>
+            <a:prstGeom prst="rect">
+              <a:avLst/>
+            </a:prstGeom>
+            <a:noFill/>
+            <a:ln w="9525">
+              <a:noFill/>
+              <a:miter lim="800000"/>
+              <a:headEnd/>
+              <a:tailEnd/>
+            </a:ln>
+          </p:spPr>
+        </p:pic>
+        <p:sp>
+          <p:nvSpPr>
+            <p:cNvPr id="23" name="Text Box 46"/>
+            <p:cNvSpPr txBox="1">
+              <a:spLocks noChangeArrowheads="1"/>
+            </p:cNvSpPr>
+            <p:nvPr/>
+          </p:nvSpPr>
+          <p:spPr bwMode="auto">
+            <a:xfrm>
+              <a:off x="7891463" y="4099481"/>
+              <a:ext cx="279400" cy="160813"/>
+            </a:xfrm>
+            <a:prstGeom prst="rect">
+              <a:avLst/>
+            </a:prstGeom>
+            <a:noFill/>
+            <a:ln>
+              <a:noFill/>
+            </a:ln>
+            <a:effectLst/>
+            <a:extLst>
+              <a:ext uri="{909E8E84-426E-40dd-AFC4-6F175D3DCCD1}">
+                <a14:hiddenFill xmlns:a14="http://schemas.microsoft.com/office/drawing/2010/main" xmlns="">
+                  <a:solidFill>
+                    <a:schemeClr val="accent1"/>
+                  </a:solidFill>
+                </a14:hiddenFill>
+              </a:ext>
+              <a:ext uri="{91240B29-F687-4f45-9708-019B960494DF}">
+                <a14:hiddenLine xmlns:a14="http://schemas.microsoft.com/office/drawing/2010/main" xmlns="" w="9525">
+                  <a:solidFill>
+                    <a:schemeClr val="tx1"/>
+                  </a:solidFill>
+                  <a:miter lim="800000"/>
+                  <a:headEnd/>
+                  <a:tailEnd/>
+                </a14:hiddenLine>
+              </a:ext>
+              <a:ext uri="{AF507438-7753-43e0-B8FC-AC1667EBCBE1}">
+                <a14:hiddenEffects xmlns:a14="http://schemas.microsoft.com/office/drawing/2010/main" xmlns="">
+                  <a:effectLst>
+                    <a:outerShdw blurRad="63500" dist="38099" dir="2700000" algn="ctr" rotWithShape="0">
+                      <a:schemeClr val="bg2">
+                        <a:alpha val="74998"/>
+                      </a:schemeClr>
+                    </a:outerShdw>
+                  </a:effectLst>
+                </a14:hiddenEffects>
+              </a:ext>
+            </a:extLst>
+          </p:spPr>
+          <p:txBody>
+            <a:bodyPr lIns="0" tIns="0" rIns="0" bIns="0" anchor="ctr">
+              <a:spAutoFit/>
+            </a:bodyPr>
+            <a:lstStyle>
+              <a:lvl1pPr>
+                <a:defRPr sz="2400">
+                  <a:solidFill>
+                    <a:schemeClr val="tx1"/>
+                  </a:solidFill>
+                  <a:latin typeface="Times New Roman" charset="0"/>
+                  <a:ea typeface="ＭＳ Ｐゴシック" charset="0"/>
+                </a:defRPr>
+              </a:lvl1pPr>
+              <a:lvl2pPr indent="-342900">
+                <a:defRPr sz="2400">
+                  <a:solidFill>
+                    <a:schemeClr val="tx1"/>
+                  </a:solidFill>
+                  <a:latin typeface="Times New Roman" charset="0"/>
+                  <a:ea typeface="ＭＳ Ｐゴシック" charset="0"/>
+                </a:defRPr>
+              </a:lvl2pPr>
+              <a:lvl3pPr marL="857250" indent="-285750">
+                <a:defRPr sz="2400">
+                  <a:solidFill>
+                    <a:schemeClr val="tx1"/>
+                  </a:solidFill>
+                  <a:latin typeface="Times New Roman" charset="0"/>
+                  <a:ea typeface="ＭＳ Ｐゴシック" charset="0"/>
+                </a:defRPr>
+              </a:lvl3pPr>
+              <a:lvl4pPr marL="1257300" indent="-228600">
+                <a:defRPr sz="2400">
+                  <a:solidFill>
+                    <a:schemeClr val="tx1"/>
+                  </a:solidFill>
+                  <a:latin typeface="Times New Roman" charset="0"/>
+                  <a:ea typeface="ＭＳ Ｐゴシック" charset="0"/>
+                </a:defRPr>
+              </a:lvl4pPr>
+              <a:lvl5pPr marL="1714500" indent="-228600">
+                <a:defRPr sz="2400">
+                  <a:solidFill>
+                    <a:schemeClr val="tx1"/>
+                  </a:solidFill>
+                  <a:latin typeface="Times New Roman" charset="0"/>
+                  <a:ea typeface="ＭＳ Ｐゴシック" charset="0"/>
+                </a:defRPr>
+              </a:lvl5pPr>
+              <a:lvl6pPr marL="2171700" indent="-228600" fontAlgn="base">
+                <a:spcBef>
+                  <a:spcPct val="0"/>
+                </a:spcBef>
+                <a:spcAft>
+                  <a:spcPct val="0"/>
+                </a:spcAft>
+                <a:defRPr sz="2400">
+                  <a:solidFill>
+                    <a:schemeClr val="tx1"/>
+                  </a:solidFill>
+                  <a:latin typeface="Times New Roman" charset="0"/>
+                  <a:ea typeface="ＭＳ Ｐゴシック" charset="0"/>
+                </a:defRPr>
+              </a:lvl6pPr>
+              <a:lvl7pPr marL="2628900" indent="-228600" fontAlgn="base">
+                <a:spcBef>
+                  <a:spcPct val="0"/>
+                </a:spcBef>
+                <a:spcAft>
+                  <a:spcPct val="0"/>
+                </a:spcAft>
+                <a:defRPr sz="2400">
+                  <a:solidFill>
+                    <a:schemeClr val="tx1"/>
+                  </a:solidFill>
+                  <a:latin typeface="Times New Roman" charset="0"/>
+                  <a:ea typeface="ＭＳ Ｐゴシック" charset="0"/>
+                </a:defRPr>
+              </a:lvl7pPr>
+              <a:lvl8pPr marL="3086100" indent="-228600" fontAlgn="base">
+                <a:spcBef>
+                  <a:spcPct val="0"/>
+                </a:spcBef>
+                <a:spcAft>
+                  <a:spcPct val="0"/>
+                </a:spcAft>
+                <a:defRPr sz="2400">
+                  <a:solidFill>
+                    <a:schemeClr val="tx1"/>
+                  </a:solidFill>
+                  <a:latin typeface="Times New Roman" charset="0"/>
+                  <a:ea typeface="ＭＳ Ｐゴシック" charset="0"/>
+                </a:defRPr>
+              </a:lvl8pPr>
+              <a:lvl9pPr marL="3543300" indent="-228600" fontAlgn="base">
+                <a:spcBef>
+                  <a:spcPct val="0"/>
+                </a:spcBef>
+                <a:spcAft>
+                  <a:spcPct val="0"/>
+                </a:spcAft>
+                <a:defRPr sz="2400">
+                  <a:solidFill>
+                    <a:schemeClr val="tx1"/>
+                  </a:solidFill>
+                  <a:latin typeface="Times New Roman" charset="0"/>
+                  <a:ea typeface="ＭＳ Ｐゴシック" charset="0"/>
+                </a:defRPr>
+              </a:lvl9pPr>
+            </a:lstStyle>
+            <a:p>
+              <a:pPr algn="ctr">
+                <a:lnSpc>
+                  <a:spcPct val="95000"/>
+                </a:lnSpc>
+                <a:defRPr/>
+              </a:pPr>
+              <a:r>
+                <a:rPr lang="en-US" sz="1100" smtClean="0">
+                  <a:solidFill>
+                    <a:srgbClr val="000000"/>
+                  </a:solidFill>
+                  <a:latin typeface="Arial" charset="0"/>
+                </a:rPr>
+                <a:t>F</a:t>
+              </a:r>
+            </a:p>
+          </p:txBody>
+        </p:sp>
+        <p:pic>
+          <p:nvPicPr>
+            <p:cNvPr id="24" name="Picture 47"/>
+            <p:cNvPicPr>
+              <a:picLocks noChangeAspect="1" noChangeArrowheads="1"/>
+            </p:cNvPicPr>
+            <p:nvPr/>
+          </p:nvPicPr>
+          <p:blipFill>
+            <a:blip r:embed="rId11" cstate="print"/>
+            <a:srcRect/>
+            <a:stretch>
+              <a:fillRect/>
+            </a:stretch>
+          </p:blipFill>
+          <p:spPr bwMode="auto">
+            <a:xfrm>
+              <a:off x="7366000" y="5108575"/>
+              <a:ext cx="530225" cy="603250"/>
+            </a:xfrm>
+            <a:prstGeom prst="rect">
+              <a:avLst/>
+            </a:prstGeom>
+            <a:noFill/>
+            <a:ln w="9525">
+              <a:noFill/>
+              <a:miter lim="800000"/>
+              <a:headEnd/>
+              <a:tailEnd/>
+            </a:ln>
+          </p:spPr>
+        </p:pic>
+        <p:pic>
+          <p:nvPicPr>
+            <p:cNvPr id="25" name="Picture 48"/>
+            <p:cNvPicPr>
+              <a:picLocks noChangeAspect="1" noChangeArrowheads="1"/>
+            </p:cNvPicPr>
+            <p:nvPr/>
+          </p:nvPicPr>
+          <p:blipFill>
+            <a:blip r:embed="rId10" cstate="print"/>
+            <a:srcRect/>
+            <a:stretch>
+              <a:fillRect/>
+            </a:stretch>
+          </p:blipFill>
+          <p:spPr bwMode="auto">
+            <a:xfrm>
+              <a:off x="8023225" y="4367213"/>
+              <a:ext cx="22225" cy="414337"/>
+            </a:xfrm>
+            <a:prstGeom prst="rect">
+              <a:avLst/>
+            </a:prstGeom>
+            <a:noFill/>
+            <a:ln w="9525">
+              <a:noFill/>
+              <a:miter lim="800000"/>
+              <a:headEnd/>
+              <a:tailEnd/>
+            </a:ln>
+          </p:spPr>
+        </p:pic>
+        <p:pic>
+          <p:nvPicPr>
+            <p:cNvPr id="26" name="Picture 49"/>
+            <p:cNvPicPr>
+              <a:picLocks noChangeAspect="1" noChangeArrowheads="1"/>
+            </p:cNvPicPr>
+            <p:nvPr/>
+          </p:nvPicPr>
+          <p:blipFill>
+            <a:blip r:embed="rId12" cstate="print"/>
+            <a:srcRect/>
+            <a:stretch>
+              <a:fillRect/>
+            </a:stretch>
+          </p:blipFill>
+          <p:spPr bwMode="auto">
+            <a:xfrm>
+              <a:off x="4805363" y="3097213"/>
+              <a:ext cx="815975" cy="434975"/>
+            </a:xfrm>
+            <a:prstGeom prst="rect">
+              <a:avLst/>
+            </a:prstGeom>
+            <a:noFill/>
+            <a:ln w="9525">
+              <a:noFill/>
+              <a:miter lim="800000"/>
+              <a:headEnd/>
+              <a:tailEnd/>
+            </a:ln>
+          </p:spPr>
+        </p:pic>
+        <p:sp>
+          <p:nvSpPr>
+            <p:cNvPr id="27" name="Text Box 50"/>
+            <p:cNvSpPr txBox="1">
+              <a:spLocks noChangeArrowheads="1"/>
+            </p:cNvSpPr>
+            <p:nvPr/>
+          </p:nvSpPr>
+          <p:spPr bwMode="auto">
+            <a:xfrm>
+              <a:off x="4864099" y="3226253"/>
+              <a:ext cx="774701" cy="160813"/>
+            </a:xfrm>
+            <a:prstGeom prst="rect">
+              <a:avLst/>
+            </a:prstGeom>
+            <a:noFill/>
+            <a:ln>
+              <a:noFill/>
+            </a:ln>
+            <a:effectLst/>
+            <a:extLst>
+              <a:ext uri="{909E8E84-426E-40dd-AFC4-6F175D3DCCD1}">
+                <a14:hiddenFill xmlns:a14="http://schemas.microsoft.com/office/drawing/2010/main" xmlns="">
+                  <a:solidFill>
+                    <a:schemeClr val="accent1"/>
+                  </a:solidFill>
+                </a14:hiddenFill>
+              </a:ext>
+              <a:ext uri="{91240B29-F687-4f45-9708-019B960494DF}">
+                <a14:hiddenLine xmlns:a14="http://schemas.microsoft.com/office/drawing/2010/main" xmlns="" w="9525">
+                  <a:solidFill>
+                    <a:schemeClr val="tx1"/>
+                  </a:solidFill>
+                  <a:miter lim="800000"/>
+                  <a:headEnd/>
+                  <a:tailEnd/>
+                </a14:hiddenLine>
+              </a:ext>
+              <a:ext uri="{AF507438-7753-43e0-B8FC-AC1667EBCBE1}">
+                <a14:hiddenEffects xmlns:a14="http://schemas.microsoft.com/office/drawing/2010/main" xmlns="">
+                  <a:effectLst>
+                    <a:outerShdw blurRad="63500" dist="38099" dir="2700000" algn="ctr" rotWithShape="0">
+                      <a:schemeClr val="bg2">
+                        <a:alpha val="74998"/>
+                      </a:schemeClr>
+                    </a:outerShdw>
+                  </a:effectLst>
+                </a14:hiddenEffects>
+              </a:ext>
+            </a:extLst>
+          </p:spPr>
+          <p:txBody>
+            <a:bodyPr lIns="0" tIns="0" rIns="0" bIns="0">
+              <a:spAutoFit/>
+            </a:bodyPr>
+            <a:lstStyle>
+              <a:lvl1pPr>
+                <a:defRPr sz="2400">
+                  <a:solidFill>
+                    <a:schemeClr val="tx1"/>
+                  </a:solidFill>
+                  <a:latin typeface="Times New Roman" charset="0"/>
+                  <a:ea typeface="ＭＳ Ｐゴシック" charset="0"/>
+                </a:defRPr>
+              </a:lvl1pPr>
+              <a:lvl2pPr indent="-342900">
+                <a:defRPr sz="2400">
+                  <a:solidFill>
+                    <a:schemeClr val="tx1"/>
+                  </a:solidFill>
+                  <a:latin typeface="Times New Roman" charset="0"/>
+                  <a:ea typeface="ＭＳ Ｐゴシック" charset="0"/>
+                </a:defRPr>
+              </a:lvl2pPr>
+              <a:lvl3pPr marL="857250" indent="-285750">
+                <a:defRPr sz="2400">
+                  <a:solidFill>
+                    <a:schemeClr val="tx1"/>
+                  </a:solidFill>
+                  <a:latin typeface="Times New Roman" charset="0"/>
+                  <a:ea typeface="ＭＳ Ｐゴシック" charset="0"/>
+                </a:defRPr>
+              </a:lvl3pPr>
+              <a:lvl4pPr marL="1257300" indent="-228600">
+                <a:defRPr sz="2400">
+                  <a:solidFill>
+                    <a:schemeClr val="tx1"/>
+                  </a:solidFill>
+                  <a:latin typeface="Times New Roman" charset="0"/>
+                  <a:ea typeface="ＭＳ Ｐゴシック" charset="0"/>
+                </a:defRPr>
+              </a:lvl4pPr>
+              <a:lvl5pPr marL="1714500" indent="-228600">
+                <a:defRPr sz="2400">
+                  <a:solidFill>
+                    <a:schemeClr val="tx1"/>
+                  </a:solidFill>
+                  <a:latin typeface="Times New Roman" charset="0"/>
+                  <a:ea typeface="ＭＳ Ｐゴシック" charset="0"/>
+                </a:defRPr>
+              </a:lvl5pPr>
+              <a:lvl6pPr marL="2171700" indent="-228600" fontAlgn="base">
+                <a:spcBef>
+                  <a:spcPct val="0"/>
+                </a:spcBef>
+                <a:spcAft>
+                  <a:spcPct val="0"/>
+                </a:spcAft>
+                <a:defRPr sz="2400">
+                  <a:solidFill>
+                    <a:schemeClr val="tx1"/>
+                  </a:solidFill>
+                  <a:latin typeface="Times New Roman" charset="0"/>
+                  <a:ea typeface="ＭＳ Ｐゴシック" charset="0"/>
+                </a:defRPr>
+              </a:lvl6pPr>
+              <a:lvl7pPr marL="2628900" indent="-228600" fontAlgn="base">
+                <a:spcBef>
+                  <a:spcPct val="0"/>
+                </a:spcBef>
+                <a:spcAft>
+                  <a:spcPct val="0"/>
+                </a:spcAft>
+                <a:defRPr sz="2400">
+                  <a:solidFill>
+                    <a:schemeClr val="tx1"/>
+                  </a:solidFill>
+                  <a:latin typeface="Times New Roman" charset="0"/>
+                  <a:ea typeface="ＭＳ Ｐゴシック" charset="0"/>
+                </a:defRPr>
+              </a:lvl7pPr>
+              <a:lvl8pPr marL="3086100" indent="-228600" fontAlgn="base">
+                <a:spcBef>
+                  <a:spcPct val="0"/>
+                </a:spcBef>
+                <a:spcAft>
+                  <a:spcPct val="0"/>
+                </a:spcAft>
+                <a:defRPr sz="2400">
+                  <a:solidFill>
+                    <a:schemeClr val="tx1"/>
+                  </a:solidFill>
+                  <a:latin typeface="Times New Roman" charset="0"/>
+                  <a:ea typeface="ＭＳ Ｐゴシック" charset="0"/>
+                </a:defRPr>
+              </a:lvl8pPr>
+              <a:lvl9pPr marL="3543300" indent="-228600" fontAlgn="base">
+                <a:spcBef>
+                  <a:spcPct val="0"/>
+                </a:spcBef>
+                <a:spcAft>
+                  <a:spcPct val="0"/>
+                </a:spcAft>
+                <a:defRPr sz="2400">
+                  <a:solidFill>
+                    <a:schemeClr val="tx1"/>
+                  </a:solidFill>
+                  <a:latin typeface="Times New Roman" charset="0"/>
+                  <a:ea typeface="ＭＳ Ｐゴシック" charset="0"/>
+                </a:defRPr>
+              </a:lvl9pPr>
+            </a:lstStyle>
+            <a:p>
+              <a:pPr>
+                <a:lnSpc>
+                  <a:spcPct val="95000"/>
+                </a:lnSpc>
+                <a:defRPr/>
+              </a:pPr>
+              <a:r>
+                <a:rPr lang="en-US" sz="1100" dirty="0" smtClean="0">
+                  <a:solidFill>
+                    <a:srgbClr val="000000"/>
+                  </a:solidFill>
+                  <a:latin typeface="Arial" charset="0"/>
+                </a:rPr>
+                <a:t>HEAD</a:t>
+              </a:r>
+            </a:p>
+          </p:txBody>
+        </p:sp>
+        <p:pic>
+          <p:nvPicPr>
+            <p:cNvPr id="28" name="Picture 51"/>
+            <p:cNvPicPr>
+              <a:picLocks noChangeAspect="1" noChangeArrowheads="1"/>
+            </p:cNvPicPr>
+            <p:nvPr/>
+          </p:nvPicPr>
+          <p:blipFill>
+            <a:blip r:embed="rId13" cstate="print"/>
+            <a:srcRect/>
+            <a:stretch>
+              <a:fillRect/>
+            </a:stretch>
+          </p:blipFill>
+          <p:spPr bwMode="auto">
+            <a:xfrm>
+              <a:off x="5599113" y="3255963"/>
+              <a:ext cx="498475" cy="106362"/>
+            </a:xfrm>
+            <a:prstGeom prst="rect">
+              <a:avLst/>
+            </a:prstGeom>
+            <a:noFill/>
+            <a:ln w="9525">
+              <a:noFill/>
+              <a:miter lim="800000"/>
+              <a:headEnd/>
+              <a:tailEnd/>
+            </a:ln>
+          </p:spPr>
+        </p:pic>
+        <p:pic>
+          <p:nvPicPr>
+            <p:cNvPr id="29" name="Picture 52"/>
+            <p:cNvPicPr>
+              <a:picLocks noChangeAspect="1" noChangeArrowheads="1"/>
+            </p:cNvPicPr>
+            <p:nvPr/>
+          </p:nvPicPr>
+          <p:blipFill>
+            <a:blip r:embed="rId14" cstate="print"/>
+            <a:srcRect/>
+            <a:stretch>
+              <a:fillRect/>
+            </a:stretch>
+          </p:blipFill>
+          <p:spPr bwMode="auto">
+            <a:xfrm>
+              <a:off x="8699500" y="3975100"/>
+              <a:ext cx="1208088" cy="425450"/>
+            </a:xfrm>
+            <a:prstGeom prst="rect">
+              <a:avLst/>
+            </a:prstGeom>
+            <a:noFill/>
+            <a:ln w="9525">
+              <a:noFill/>
+              <a:miter lim="800000"/>
+              <a:headEnd/>
+              <a:tailEnd/>
+            </a:ln>
+          </p:spPr>
+        </p:pic>
+        <p:sp>
+          <p:nvSpPr>
+            <p:cNvPr id="30" name="Text Box 53"/>
+            <p:cNvSpPr txBox="1">
+              <a:spLocks noChangeArrowheads="1"/>
+            </p:cNvSpPr>
+            <p:nvPr/>
+          </p:nvSpPr>
+          <p:spPr bwMode="auto">
+            <a:xfrm>
+              <a:off x="8755064" y="4062592"/>
+              <a:ext cx="1092200" cy="229445"/>
+            </a:xfrm>
+            <a:prstGeom prst="rect">
+              <a:avLst/>
+            </a:prstGeom>
+            <a:noFill/>
+            <a:ln>
+              <a:noFill/>
+            </a:ln>
+            <a:effectLst/>
+            <a:extLst>
+              <a:ext uri="{909E8E84-426E-40dd-AFC4-6F175D3DCCD1}">
+                <a14:hiddenFill xmlns:a14="http://schemas.microsoft.com/office/drawing/2010/main" xmlns="">
+                  <a:solidFill>
+                    <a:schemeClr val="accent1"/>
+                  </a:solidFill>
+                </a14:hiddenFill>
+              </a:ext>
+              <a:ext uri="{91240B29-F687-4f45-9708-019B960494DF}">
+                <a14:hiddenLine xmlns:a14="http://schemas.microsoft.com/office/drawing/2010/main" xmlns="" w="9525">
+                  <a:solidFill>
+                    <a:schemeClr val="tx1"/>
+                  </a:solidFill>
+                  <a:miter lim="800000"/>
+                  <a:headEnd/>
+                  <a:tailEnd/>
+                </a14:hiddenLine>
+              </a:ext>
+              <a:ext uri="{AF507438-7753-43e0-B8FC-AC1667EBCBE1}">
+                <a14:hiddenEffects xmlns:a14="http://schemas.microsoft.com/office/drawing/2010/main" xmlns="">
+                  <a:effectLst>
+                    <a:outerShdw blurRad="63500" dist="38099" dir="2700000" algn="ctr" rotWithShape="0">
+                      <a:schemeClr val="bg2">
+                        <a:alpha val="74998"/>
+                      </a:schemeClr>
+                    </a:outerShdw>
+                  </a:effectLst>
+                </a14:hiddenEffects>
+              </a:ext>
+            </a:extLst>
+          </p:spPr>
+          <p:txBody>
+            <a:bodyPr wrap="square" lIns="0" tIns="0" rIns="0" bIns="0">
+              <a:spAutoFit/>
+            </a:bodyPr>
+            <a:lstStyle>
+              <a:lvl1pPr>
+                <a:defRPr sz="2400">
+                  <a:solidFill>
+                    <a:schemeClr val="tx1"/>
+                  </a:solidFill>
+                  <a:latin typeface="Times New Roman" charset="0"/>
+                  <a:ea typeface="ＭＳ Ｐゴシック" charset="0"/>
+                </a:defRPr>
+              </a:lvl1pPr>
+              <a:lvl2pPr indent="-342900">
+                <a:defRPr sz="2400">
+                  <a:solidFill>
+                    <a:schemeClr val="tx1"/>
+                  </a:solidFill>
+                  <a:latin typeface="Times New Roman" charset="0"/>
+                  <a:ea typeface="ＭＳ Ｐゴシック" charset="0"/>
+                </a:defRPr>
+              </a:lvl2pPr>
+              <a:lvl3pPr marL="857250" indent="-285750">
+                <a:defRPr sz="2400">
+                  <a:solidFill>
+                    <a:schemeClr val="tx1"/>
+                  </a:solidFill>
+                  <a:latin typeface="Times New Roman" charset="0"/>
+                  <a:ea typeface="ＭＳ Ｐゴシック" charset="0"/>
+                </a:defRPr>
+              </a:lvl3pPr>
+              <a:lvl4pPr marL="1257300" indent="-228600">
+                <a:defRPr sz="2400">
+                  <a:solidFill>
+                    <a:schemeClr val="tx1"/>
+                  </a:solidFill>
+                  <a:latin typeface="Times New Roman" charset="0"/>
+                  <a:ea typeface="ＭＳ Ｐゴシック" charset="0"/>
+                </a:defRPr>
+              </a:lvl4pPr>
+              <a:lvl5pPr marL="1714500" indent="-228600">
+                <a:defRPr sz="2400">
+                  <a:solidFill>
+                    <a:schemeClr val="tx1"/>
+                  </a:solidFill>
+                  <a:latin typeface="Times New Roman" charset="0"/>
+                  <a:ea typeface="ＭＳ Ｐゴシック" charset="0"/>
+                </a:defRPr>
+              </a:lvl5pPr>
+              <a:lvl6pPr marL="2171700" indent="-228600" fontAlgn="base">
+                <a:spcBef>
+                  <a:spcPct val="0"/>
+                </a:spcBef>
+                <a:spcAft>
+                  <a:spcPct val="0"/>
+                </a:spcAft>
+                <a:defRPr sz="2400">
+                  <a:solidFill>
+                    <a:schemeClr val="tx1"/>
+                  </a:solidFill>
+                  <a:latin typeface="Times New Roman" charset="0"/>
+                  <a:ea typeface="ＭＳ Ｐゴシック" charset="0"/>
+                </a:defRPr>
+              </a:lvl6pPr>
+              <a:lvl7pPr marL="2628900" indent="-228600" fontAlgn="base">
+                <a:spcBef>
+                  <a:spcPct val="0"/>
+                </a:spcBef>
+                <a:spcAft>
+                  <a:spcPct val="0"/>
+                </a:spcAft>
+                <a:defRPr sz="2400">
+                  <a:solidFill>
+                    <a:schemeClr val="tx1"/>
+                  </a:solidFill>
+                  <a:latin typeface="Times New Roman" charset="0"/>
+                  <a:ea typeface="ＭＳ Ｐゴシック" charset="0"/>
+                </a:defRPr>
+              </a:lvl7pPr>
+              <a:lvl8pPr marL="3086100" indent="-228600" fontAlgn="base">
+                <a:spcBef>
+                  <a:spcPct val="0"/>
+                </a:spcBef>
+                <a:spcAft>
+                  <a:spcPct val="0"/>
+                </a:spcAft>
+                <a:defRPr sz="2400">
+                  <a:solidFill>
+                    <a:schemeClr val="tx1"/>
+                  </a:solidFill>
+                  <a:latin typeface="Times New Roman" charset="0"/>
+                  <a:ea typeface="ＭＳ Ｐゴシック" charset="0"/>
+                </a:defRPr>
+              </a:lvl8pPr>
+              <a:lvl9pPr marL="3543300" indent="-228600" fontAlgn="base">
+                <a:spcBef>
+                  <a:spcPct val="0"/>
+                </a:spcBef>
+                <a:spcAft>
+                  <a:spcPct val="0"/>
+                </a:spcAft>
+                <a:defRPr sz="2400">
+                  <a:solidFill>
+                    <a:schemeClr val="tx1"/>
+                  </a:solidFill>
+                  <a:latin typeface="Times New Roman" charset="0"/>
+                  <a:ea typeface="ＭＳ Ｐゴシック" charset="0"/>
+                </a:defRPr>
+              </a:lvl9pPr>
+            </a:lstStyle>
+            <a:p>
+              <a:pPr>
+                <a:lnSpc>
+                  <a:spcPct val="95000"/>
+                </a:lnSpc>
+                <a:defRPr/>
+              </a:pPr>
+              <a:r>
+                <a:rPr lang="en-US" sz="1100" dirty="0" smtClean="0">
+                  <a:solidFill>
+                    <a:srgbClr val="000000"/>
+                  </a:solidFill>
+                  <a:latin typeface="Arial" charset="0"/>
+                </a:rPr>
+                <a:t>feature-1</a:t>
+              </a:r>
+            </a:p>
+          </p:txBody>
+        </p:sp>
+        <p:pic>
+          <p:nvPicPr>
+            <p:cNvPr id="31" name="Picture 54"/>
+            <p:cNvPicPr>
+              <a:picLocks noChangeAspect="1" noChangeArrowheads="1"/>
+            </p:cNvPicPr>
+            <p:nvPr/>
+          </p:nvPicPr>
+          <p:blipFill>
+            <a:blip r:embed="rId15" cstate="print"/>
+            <a:srcRect/>
+            <a:stretch>
+              <a:fillRect/>
+            </a:stretch>
+          </p:blipFill>
+          <p:spPr bwMode="auto">
+            <a:xfrm>
+              <a:off x="8223250" y="4124325"/>
+              <a:ext cx="488950" cy="106363"/>
+            </a:xfrm>
+            <a:prstGeom prst="rect">
+              <a:avLst/>
+            </a:prstGeom>
+            <a:noFill/>
+            <a:ln w="9525">
+              <a:noFill/>
+              <a:miter lim="800000"/>
+              <a:headEnd/>
+              <a:tailEnd/>
+            </a:ln>
+          </p:spPr>
+        </p:pic>
+        <p:pic>
+          <p:nvPicPr>
+            <p:cNvPr id="32" name="Picture 55"/>
+            <p:cNvPicPr>
+              <a:picLocks noChangeAspect="1" noChangeArrowheads="1"/>
+            </p:cNvPicPr>
+            <p:nvPr/>
+          </p:nvPicPr>
+          <p:blipFill>
+            <a:blip r:embed="rId4" cstate="print"/>
+            <a:srcRect/>
+            <a:stretch>
+              <a:fillRect/>
+            </a:stretch>
+          </p:blipFill>
+          <p:spPr bwMode="auto">
+            <a:xfrm>
+              <a:off x="7016750" y="3086100"/>
+              <a:ext cx="434975" cy="436563"/>
+            </a:xfrm>
+            <a:prstGeom prst="rect">
+              <a:avLst/>
+            </a:prstGeom>
+            <a:noFill/>
+            <a:ln w="9525">
+              <a:noFill/>
+              <a:miter lim="800000"/>
+              <a:headEnd/>
+              <a:tailEnd/>
+            </a:ln>
+          </p:spPr>
+        </p:pic>
+        <p:sp>
+          <p:nvSpPr>
+            <p:cNvPr id="33" name="Text Box 56"/>
+            <p:cNvSpPr txBox="1">
+              <a:spLocks noChangeArrowheads="1"/>
+            </p:cNvSpPr>
+            <p:nvPr/>
+          </p:nvSpPr>
+          <p:spPr bwMode="auto">
+            <a:xfrm>
+              <a:off x="7097713" y="3226356"/>
+              <a:ext cx="279400" cy="160813"/>
+            </a:xfrm>
+            <a:prstGeom prst="rect">
+              <a:avLst/>
+            </a:prstGeom>
+            <a:noFill/>
+            <a:ln>
+              <a:noFill/>
+            </a:ln>
+            <a:effectLst/>
+            <a:extLst>
+              <a:ext uri="{909E8E84-426E-40dd-AFC4-6F175D3DCCD1}">
+                <a14:hiddenFill xmlns:a14="http://schemas.microsoft.com/office/drawing/2010/main" xmlns="">
+                  <a:solidFill>
+                    <a:schemeClr val="accent1"/>
+                  </a:solidFill>
+                </a14:hiddenFill>
+              </a:ext>
+              <a:ext uri="{91240B29-F687-4f45-9708-019B960494DF}">
+                <a14:hiddenLine xmlns:a14="http://schemas.microsoft.com/office/drawing/2010/main" xmlns="" w="9525">
+                  <a:solidFill>
+                    <a:schemeClr val="tx1"/>
+                  </a:solidFill>
+                  <a:miter lim="800000"/>
+                  <a:headEnd/>
+                  <a:tailEnd/>
+                </a14:hiddenLine>
+              </a:ext>
+              <a:ext uri="{AF507438-7753-43e0-B8FC-AC1667EBCBE1}">
+                <a14:hiddenEffects xmlns:a14="http://schemas.microsoft.com/office/drawing/2010/main" xmlns="">
+                  <a:effectLst>
+                    <a:outerShdw blurRad="63500" dist="38099" dir="2700000" algn="ctr" rotWithShape="0">
+                      <a:schemeClr val="bg2">
+                        <a:alpha val="74998"/>
+                      </a:schemeClr>
+                    </a:outerShdw>
+                  </a:effectLst>
+                </a14:hiddenEffects>
+              </a:ext>
+            </a:extLst>
+          </p:spPr>
+          <p:txBody>
+            <a:bodyPr lIns="0" tIns="0" rIns="0" bIns="0" anchor="ctr">
+              <a:spAutoFit/>
+            </a:bodyPr>
+            <a:lstStyle>
+              <a:lvl1pPr>
+                <a:defRPr sz="2400">
+                  <a:solidFill>
+                    <a:schemeClr val="tx1"/>
+                  </a:solidFill>
+                  <a:latin typeface="Times New Roman" charset="0"/>
+                  <a:ea typeface="ＭＳ Ｐゴシック" charset="0"/>
+                </a:defRPr>
+              </a:lvl1pPr>
+              <a:lvl2pPr indent="-342900">
+                <a:defRPr sz="2400">
+                  <a:solidFill>
+                    <a:schemeClr val="tx1"/>
+                  </a:solidFill>
+                  <a:latin typeface="Times New Roman" charset="0"/>
+                  <a:ea typeface="ＭＳ Ｐゴシック" charset="0"/>
+                </a:defRPr>
+              </a:lvl2pPr>
+              <a:lvl3pPr marL="857250" indent="-285750">
+                <a:defRPr sz="2400">
+                  <a:solidFill>
+                    <a:schemeClr val="tx1"/>
+                  </a:solidFill>
+                  <a:latin typeface="Times New Roman" charset="0"/>
+                  <a:ea typeface="ＭＳ Ｐゴシック" charset="0"/>
+                </a:defRPr>
+              </a:lvl3pPr>
+              <a:lvl4pPr marL="1257300" indent="-228600">
+                <a:defRPr sz="2400">
+                  <a:solidFill>
+                    <a:schemeClr val="tx1"/>
+                  </a:solidFill>
+                  <a:latin typeface="Times New Roman" charset="0"/>
+                  <a:ea typeface="ＭＳ Ｐゴシック" charset="0"/>
+                </a:defRPr>
+              </a:lvl4pPr>
+              <a:lvl5pPr marL="1714500" indent="-228600">
+                <a:defRPr sz="2400">
+                  <a:solidFill>
+                    <a:schemeClr val="tx1"/>
+                  </a:solidFill>
+                  <a:latin typeface="Times New Roman" charset="0"/>
+                  <a:ea typeface="ＭＳ Ｐゴシック" charset="0"/>
+                </a:defRPr>
+              </a:lvl5pPr>
+              <a:lvl6pPr marL="2171700" indent="-228600" fontAlgn="base">
+                <a:spcBef>
+                  <a:spcPct val="0"/>
+                </a:spcBef>
+                <a:spcAft>
+                  <a:spcPct val="0"/>
+                </a:spcAft>
+                <a:defRPr sz="2400">
+                  <a:solidFill>
+                    <a:schemeClr val="tx1"/>
+                  </a:solidFill>
+                  <a:latin typeface="Times New Roman" charset="0"/>
+                  <a:ea typeface="ＭＳ Ｐゴシック" charset="0"/>
+                </a:defRPr>
+              </a:lvl6pPr>
+              <a:lvl7pPr marL="2628900" indent="-228600" fontAlgn="base">
+                <a:spcBef>
+                  <a:spcPct val="0"/>
+                </a:spcBef>
+                <a:spcAft>
+                  <a:spcPct val="0"/>
+                </a:spcAft>
+                <a:defRPr sz="2400">
+                  <a:solidFill>
+                    <a:schemeClr val="tx1"/>
+                  </a:solidFill>
+                  <a:latin typeface="Times New Roman" charset="0"/>
+                  <a:ea typeface="ＭＳ Ｐゴシック" charset="0"/>
+                </a:defRPr>
+              </a:lvl7pPr>
+              <a:lvl8pPr marL="3086100" indent="-228600" fontAlgn="base">
+                <a:spcBef>
+                  <a:spcPct val="0"/>
+                </a:spcBef>
+                <a:spcAft>
+                  <a:spcPct val="0"/>
+                </a:spcAft>
+                <a:defRPr sz="2400">
+                  <a:solidFill>
+                    <a:schemeClr val="tx1"/>
+                  </a:solidFill>
+                  <a:latin typeface="Times New Roman" charset="0"/>
+                  <a:ea typeface="ＭＳ Ｐゴシック" charset="0"/>
+                </a:defRPr>
+              </a:lvl8pPr>
+              <a:lvl9pPr marL="3543300" indent="-228600" fontAlgn="base">
+                <a:spcBef>
+                  <a:spcPct val="0"/>
+                </a:spcBef>
+                <a:spcAft>
+                  <a:spcPct val="0"/>
+                </a:spcAft>
+                <a:defRPr sz="2400">
+                  <a:solidFill>
+                    <a:schemeClr val="tx1"/>
+                  </a:solidFill>
+                  <a:latin typeface="Times New Roman" charset="0"/>
+                  <a:ea typeface="ＭＳ Ｐゴシック" charset="0"/>
+                </a:defRPr>
+              </a:lvl9pPr>
+            </a:lstStyle>
+            <a:p>
+              <a:pPr algn="ctr">
+                <a:lnSpc>
+                  <a:spcPct val="95000"/>
+                </a:lnSpc>
+                <a:defRPr/>
+              </a:pPr>
+              <a:r>
+                <a:rPr lang="en-US" sz="1100" smtClean="0">
+                  <a:solidFill>
+                    <a:srgbClr val="000000"/>
+                  </a:solidFill>
+                  <a:latin typeface="Arial" charset="0"/>
+                </a:rPr>
+                <a:t>G</a:t>
+              </a:r>
+            </a:p>
+          </p:txBody>
+        </p:sp>
+        <p:pic>
+          <p:nvPicPr>
+            <p:cNvPr id="34" name="Picture 57"/>
+            <p:cNvPicPr>
+              <a:picLocks noChangeAspect="1" noChangeArrowheads="1"/>
+            </p:cNvPicPr>
+            <p:nvPr/>
+          </p:nvPicPr>
+          <p:blipFill>
+            <a:blip r:embed="rId16" cstate="print"/>
+            <a:srcRect/>
+            <a:stretch>
+              <a:fillRect/>
+            </a:stretch>
+          </p:blipFill>
+          <p:spPr bwMode="auto">
+            <a:xfrm>
+              <a:off x="7229475" y="3498850"/>
+              <a:ext cx="22225" cy="488950"/>
+            </a:xfrm>
+            <a:prstGeom prst="rect">
+              <a:avLst/>
+            </a:prstGeom>
+            <a:noFill/>
+            <a:ln w="9525">
+              <a:noFill/>
+              <a:miter lim="800000"/>
+              <a:headEnd/>
+              <a:tailEnd/>
+            </a:ln>
+          </p:spPr>
+        </p:pic>
+        <p:pic>
+          <p:nvPicPr>
+            <p:cNvPr id="35" name="Picture 58"/>
+            <p:cNvPicPr>
+              <a:picLocks noChangeAspect="1" noChangeArrowheads="1"/>
+            </p:cNvPicPr>
+            <p:nvPr/>
+          </p:nvPicPr>
+          <p:blipFill>
+            <a:blip r:embed="rId17" cstate="print"/>
+            <a:srcRect/>
+            <a:stretch>
+              <a:fillRect/>
+            </a:stretch>
+          </p:blipFill>
+          <p:spPr bwMode="auto">
+            <a:xfrm>
+              <a:off x="7356475" y="3435350"/>
+              <a:ext cx="550863" cy="647700"/>
+            </a:xfrm>
+            <a:prstGeom prst="rect">
+              <a:avLst/>
+            </a:prstGeom>
+            <a:noFill/>
+            <a:ln w="9525">
+              <a:noFill/>
+              <a:miter lim="800000"/>
+              <a:headEnd/>
+              <a:tailEnd/>
+            </a:ln>
+          </p:spPr>
+        </p:pic>
+        <p:sp>
+          <p:nvSpPr>
+            <p:cNvPr id="39" name="Text Box 66"/>
+            <p:cNvSpPr txBox="1">
+              <a:spLocks noChangeArrowheads="1"/>
+            </p:cNvSpPr>
+            <p:nvPr/>
+          </p:nvSpPr>
+          <p:spPr bwMode="auto">
+            <a:xfrm>
+              <a:off x="6815137" y="3668741"/>
+              <a:ext cx="209550" cy="219017"/>
+            </a:xfrm>
+            <a:prstGeom prst="rect">
+              <a:avLst/>
+            </a:prstGeom>
+            <a:noFill/>
+            <a:ln>
+              <a:noFill/>
+            </a:ln>
+            <a:effectLst/>
+            <a:extLst>
+              <a:ext uri="{909E8E84-426E-40dd-AFC4-6F175D3DCCD1}">
+                <a14:hiddenFill xmlns:a14="http://schemas.microsoft.com/office/drawing/2010/main" xmlns="">
+                  <a:solidFill>
+                    <a:schemeClr val="accent1"/>
+                  </a:solidFill>
+                </a14:hiddenFill>
+              </a:ext>
+              <a:ext uri="{91240B29-F687-4f45-9708-019B960494DF}">
+                <a14:hiddenLine xmlns:a14="http://schemas.microsoft.com/office/drawing/2010/main" xmlns="" w="9525">
+                  <a:solidFill>
+                    <a:schemeClr val="tx1"/>
+                  </a:solidFill>
+                  <a:miter lim="800000"/>
+                  <a:headEnd/>
+                  <a:tailEnd/>
+                </a14:hiddenLine>
+              </a:ext>
+              <a:ext uri="{AF507438-7753-43e0-B8FC-AC1667EBCBE1}">
+                <a14:hiddenEffects xmlns:a14="http://schemas.microsoft.com/office/drawing/2010/main" xmlns="">
+                  <a:effectLst>
+                    <a:outerShdw blurRad="63500" dist="38099" dir="2700000" algn="ctr" rotWithShape="0">
+                      <a:schemeClr val="bg2">
+                        <a:alpha val="74998"/>
+                      </a:schemeClr>
+                    </a:outerShdw>
+                  </a:effectLst>
+                </a14:hiddenEffects>
+              </a:ext>
+            </a:extLst>
+          </p:spPr>
+          <p:txBody>
+            <a:bodyPr lIns="0" tIns="0" rIns="0" bIns="0" anchor="ctr">
+              <a:spAutoFit/>
+            </a:bodyPr>
+            <a:lstStyle>
+              <a:lvl1pPr>
+                <a:defRPr sz="2400">
+                  <a:solidFill>
+                    <a:schemeClr val="tx1"/>
+                  </a:solidFill>
+                  <a:latin typeface="Times New Roman" charset="0"/>
+                  <a:ea typeface="ＭＳ Ｐゴシック" charset="0"/>
+                </a:defRPr>
+              </a:lvl1pPr>
+              <a:lvl2pPr indent="-342900">
+                <a:defRPr sz="2400">
+                  <a:solidFill>
+                    <a:schemeClr val="tx1"/>
+                  </a:solidFill>
+                  <a:latin typeface="Times New Roman" charset="0"/>
+                  <a:ea typeface="ＭＳ Ｐゴシック" charset="0"/>
+                </a:defRPr>
+              </a:lvl2pPr>
+              <a:lvl3pPr marL="857250" indent="-285750">
+                <a:defRPr sz="2400">
+                  <a:solidFill>
+                    <a:schemeClr val="tx1"/>
+                  </a:solidFill>
+                  <a:latin typeface="Times New Roman" charset="0"/>
+                  <a:ea typeface="ＭＳ Ｐゴシック" charset="0"/>
+                </a:defRPr>
+              </a:lvl3pPr>
+              <a:lvl4pPr marL="1257300" indent="-228600">
+                <a:defRPr sz="2400">
+                  <a:solidFill>
+                    <a:schemeClr val="tx1"/>
+                  </a:solidFill>
+                  <a:latin typeface="Times New Roman" charset="0"/>
+                  <a:ea typeface="ＭＳ Ｐゴシック" charset="0"/>
+                </a:defRPr>
+              </a:lvl4pPr>
+              <a:lvl5pPr marL="1714500" indent="-228600">
+                <a:defRPr sz="2400">
+                  <a:solidFill>
+                    <a:schemeClr val="tx1"/>
+                  </a:solidFill>
+                  <a:latin typeface="Times New Roman" charset="0"/>
+                  <a:ea typeface="ＭＳ Ｐゴシック" charset="0"/>
+                </a:defRPr>
+              </a:lvl5pPr>
+              <a:lvl6pPr marL="2171700" indent="-228600" fontAlgn="base">
+                <a:spcBef>
+                  <a:spcPct val="0"/>
+                </a:spcBef>
+                <a:spcAft>
+                  <a:spcPct val="0"/>
+                </a:spcAft>
+                <a:defRPr sz="2400">
+                  <a:solidFill>
+                    <a:schemeClr val="tx1"/>
+                  </a:solidFill>
+                  <a:latin typeface="Times New Roman" charset="0"/>
+                  <a:ea typeface="ＭＳ Ｐゴシック" charset="0"/>
+                </a:defRPr>
+              </a:lvl6pPr>
+              <a:lvl7pPr marL="2628900" indent="-228600" fontAlgn="base">
+                <a:spcBef>
+                  <a:spcPct val="0"/>
+                </a:spcBef>
+                <a:spcAft>
+                  <a:spcPct val="0"/>
+                </a:spcAft>
+                <a:defRPr sz="2400">
+                  <a:solidFill>
+                    <a:schemeClr val="tx1"/>
+                  </a:solidFill>
+                  <a:latin typeface="Times New Roman" charset="0"/>
+                  <a:ea typeface="ＭＳ Ｐゴシック" charset="0"/>
+                </a:defRPr>
+              </a:lvl7pPr>
+              <a:lvl8pPr marL="3086100" indent="-228600" fontAlgn="base">
+                <a:spcBef>
+                  <a:spcPct val="0"/>
+                </a:spcBef>
+                <a:spcAft>
+                  <a:spcPct val="0"/>
+                </a:spcAft>
+                <a:defRPr sz="2400">
+                  <a:solidFill>
+                    <a:schemeClr val="tx1"/>
+                  </a:solidFill>
+                  <a:latin typeface="Times New Roman" charset="0"/>
+                  <a:ea typeface="ＭＳ Ｐゴシック" charset="0"/>
+                </a:defRPr>
+              </a:lvl8pPr>
+              <a:lvl9pPr marL="3543300" indent="-228600" fontAlgn="base">
+                <a:spcBef>
+                  <a:spcPct val="0"/>
+                </a:spcBef>
+                <a:spcAft>
+                  <a:spcPct val="0"/>
+                </a:spcAft>
+                <a:defRPr sz="2400">
+                  <a:solidFill>
+                    <a:schemeClr val="tx1"/>
+                  </a:solidFill>
+                  <a:latin typeface="Times New Roman" charset="0"/>
+                  <a:ea typeface="ＭＳ Ｐゴシック" charset="0"/>
+                </a:defRPr>
+              </a:lvl9pPr>
+            </a:lstStyle>
+            <a:p>
+              <a:pPr algn="ctr">
+                <a:lnSpc>
+                  <a:spcPct val="95000"/>
+                </a:lnSpc>
+                <a:defRPr/>
+              </a:pPr>
+              <a:endParaRPr lang="en-US" sz="1050" dirty="0" smtClean="0">
+                <a:solidFill>
+                  <a:srgbClr val="000000"/>
+                </a:solidFill>
+                <a:latin typeface="Arial" charset="0"/>
+              </a:endParaRPr>
+            </a:p>
+          </p:txBody>
+        </p:sp>
+      </p:grpSp>
     </p:spTree>
   </p:cSld>
   <p:clrMapOvr>
@@ -6983,7 +9824,7 @@
           <a:p>
             <a:r>
               <a:rPr lang="en-US" dirty="0" smtClean="0"/>
-              <a:t>Gerrit Workflow</a:t>
+              <a:t>Gerrit</a:t>
             </a:r>
             <a:endParaRPr lang="en-US" dirty="0"/>
           </a:p>
@@ -7010,27 +9851,37 @@
             </a:pPr>
             <a:r>
               <a:rPr lang="en-US" dirty="0" smtClean="0"/>
-              <a:t>Master branch contains only reviewed and approved changes</a:t>
-            </a:r>
-          </a:p>
-          <a:p>
-            <a:pPr marL="342900" indent="-342900">
+              <a:t>Web-based code review system based on JGit</a:t>
+            </a:r>
+          </a:p>
+          <a:p>
+            <a:pPr marL="342900" lvl="0" indent="-342900">
               <a:buFont typeface="Arial" pitchFamily="34" charset="0"/>
               <a:buChar char="•"/>
             </a:pPr>
             <a:r>
               <a:rPr lang="en-US" dirty="0" smtClean="0"/>
-              <a:t>Each change is based on the master branch to have a stable starting point</a:t>
-            </a:r>
-          </a:p>
-          <a:p>
-            <a:pPr marL="342900" indent="-342900">
+              <a:t>Open Source (Apache 2 license)</a:t>
+            </a:r>
+          </a:p>
+          <a:p>
+            <a:pPr marL="342900" lvl="0" indent="-342900">
               <a:buFont typeface="Arial" pitchFamily="34" charset="0"/>
               <a:buChar char="•"/>
             </a:pPr>
             <a:r>
               <a:rPr lang="en-US" dirty="0" smtClean="0"/>
-              <a:t>Typical workflow</a:t>
+              <a:t>Also serves as Git server adding access control and workflow</a:t>
+            </a:r>
+          </a:p>
+          <a:p>
+            <a:pPr marL="342900" lvl="0" indent="-342900">
+              <a:buFont typeface="Arial" pitchFamily="34" charset="0"/>
+              <a:buChar char="•"/>
+            </a:pPr>
+            <a:r>
+              <a:rPr lang="en-US" dirty="0" smtClean="0"/>
+              <a:t>Used by</a:t>
             </a:r>
           </a:p>
           <a:p>
@@ -7040,7 +9891,7 @@
             </a:pPr>
             <a:r>
               <a:rPr lang="en-US" dirty="0" smtClean="0"/>
-              <a:t>Make a change and commit it to your local Git repository</a:t>
+              <a:t>Android</a:t>
             </a:r>
           </a:p>
           <a:p>
@@ -7050,15 +9901,15 @@
             </a:pPr>
             <a:r>
               <a:rPr lang="en-US" dirty="0" smtClean="0"/>
-              <a:t>Push commit </a:t>
-            </a:r>
-            <a:r>
-              <a:rPr lang="en-US" dirty="0" smtClean="0"/>
-              <a:t>to </a:t>
-            </a:r>
-            <a:r>
-              <a:rPr lang="en-US" dirty="0" smtClean="0"/>
-              <a:t>Gerrit</a:t>
+              <a:t>JGit, </a:t>
+            </a:r>
+            <a:r>
+              <a:rPr lang="en-US" dirty="0" err="1" smtClean="0"/>
+              <a:t>EGit</a:t>
+            </a:r>
+            <a:r>
+              <a:rPr lang="en-US" dirty="0" smtClean="0"/>
+              <a:t> (other Eclipse projects want it…)</a:t>
             </a:r>
           </a:p>
           <a:p>
@@ -7068,7 +9919,7 @@
             </a:pPr>
             <a:r>
               <a:rPr lang="en-US" dirty="0" smtClean="0"/>
-              <a:t>Invite reviewers</a:t>
+              <a:t>Google</a:t>
             </a:r>
           </a:p>
           <a:p>
@@ -7078,41 +9929,43 @@
             </a:pPr>
             <a:r>
               <a:rPr lang="en-US" dirty="0" smtClean="0"/>
-              <a:t>Comments and discussions in the context of the change</a:t>
-            </a:r>
-          </a:p>
-          <a:p>
-            <a:pPr marL="612775" lvl="2" indent="-342900">
-              <a:buFont typeface="Arial" pitchFamily="34" charset="0"/>
-              <a:buChar char="•"/>
-            </a:pPr>
-            <a:r>
-              <a:rPr lang="en-US" dirty="0" smtClean="0"/>
-              <a:t>Fetch it, test it, improve it, …</a:t>
-            </a:r>
-          </a:p>
-          <a:p>
-            <a:pPr marL="612775" lvl="2" indent="-342900">
-              <a:buFont typeface="Arial" pitchFamily="34" charset="0"/>
-              <a:buChar char="•"/>
-            </a:pPr>
-            <a:r>
-              <a:rPr lang="en-US" dirty="0" smtClean="0"/>
-              <a:t>Create a new patch set and push to Gerrit (amend commit, old one is replaced)</a:t>
-            </a:r>
-          </a:p>
-          <a:p>
-            <a:pPr marL="612775" lvl="2" indent="-342900">
-              <a:buFont typeface="Arial" pitchFamily="34" charset="0"/>
-              <a:buChar char="•"/>
-            </a:pPr>
-            <a:r>
-              <a:rPr lang="en-US" dirty="0" smtClean="0"/>
-              <a:t>Submit to master branch (or abandon it…)</a:t>
+              <a:t>SAP</a:t>
             </a:r>
           </a:p>
         </p:txBody>
       </p:sp>
+      <p:pic>
+        <p:nvPicPr>
+          <p:cNvPr id="5" name="Picture 25"/>
+          <p:cNvPicPr>
+            <a:picLocks noChangeAspect="1" noChangeArrowheads="1"/>
+          </p:cNvPicPr>
+          <p:nvPr/>
+        </p:nvPicPr>
+        <p:blipFill>
+          <a:blip r:embed="rId3" cstate="print"/>
+          <a:srcRect/>
+          <a:stretch>
+            <a:fillRect/>
+          </a:stretch>
+        </p:blipFill>
+        <p:spPr bwMode="auto">
+          <a:xfrm>
+            <a:off x="8302345" y="382120"/>
+            <a:ext cx="515937" cy="504825"/>
+          </a:xfrm>
+          <a:prstGeom prst="rect">
+            <a:avLst/>
+          </a:prstGeom>
+          <a:noFill/>
+          <a:ln w="9525">
+            <a:noFill/>
+            <a:miter lim="800000"/>
+            <a:headEnd/>
+            <a:tailEnd/>
+          </a:ln>
+        </p:spPr>
+      </p:pic>
     </p:spTree>
   </p:cSld>
   <p:clrMapOvr>
@@ -7148,6 +10001,210 @@
       </p:grpSpPr>
       <p:sp>
         <p:nvSpPr>
+          <p:cNvPr id="2" name="Title 1"/>
+          <p:cNvSpPr>
+            <a:spLocks noGrp="1"/>
+          </p:cNvSpPr>
+          <p:nvPr>
+            <p:ph type="title"/>
+          </p:nvPr>
+        </p:nvSpPr>
+        <p:spPr/>
+        <p:txBody>
+          <a:bodyPr/>
+          <a:lstStyle/>
+          <a:p>
+            <a:r>
+              <a:rPr lang="en-US" dirty="0" smtClean="0"/>
+              <a:t>Gerrit Workflow</a:t>
+            </a:r>
+            <a:endParaRPr lang="en-US" dirty="0"/>
+          </a:p>
+        </p:txBody>
+      </p:sp>
+      <p:sp>
+        <p:nvSpPr>
+          <p:cNvPr id="3" name="Text Placeholder 2"/>
+          <p:cNvSpPr>
+            <a:spLocks noGrp="1"/>
+          </p:cNvSpPr>
+          <p:nvPr>
+            <p:ph type="body" sz="quarter" idx="10"/>
+          </p:nvPr>
+        </p:nvSpPr>
+        <p:spPr/>
+        <p:txBody>
+          <a:bodyPr/>
+          <a:lstStyle/>
+          <a:p>
+            <a:pPr marL="342900" indent="-342900">
+              <a:buFont typeface="Arial" pitchFamily="34" charset="0"/>
+              <a:buChar char="•"/>
+            </a:pPr>
+            <a:r>
+              <a:rPr lang="en-US" dirty="0" smtClean="0"/>
+              <a:t>Master branch contains only reviewed and approved changes</a:t>
+            </a:r>
+          </a:p>
+          <a:p>
+            <a:pPr marL="342900" indent="-342900">
+              <a:buFont typeface="Arial" pitchFamily="34" charset="0"/>
+              <a:buChar char="•"/>
+            </a:pPr>
+            <a:r>
+              <a:rPr lang="en-US" dirty="0" smtClean="0"/>
+              <a:t>Each change is based on the master branch to have a stable starting point</a:t>
+            </a:r>
+          </a:p>
+          <a:p>
+            <a:pPr marL="342900" indent="-342900">
+              <a:buFont typeface="Arial" pitchFamily="34" charset="0"/>
+              <a:buChar char="•"/>
+            </a:pPr>
+            <a:r>
+              <a:rPr lang="en-US" dirty="0" smtClean="0"/>
+              <a:t>Typical workflow</a:t>
+            </a:r>
+          </a:p>
+          <a:p>
+            <a:pPr marL="612775" lvl="2" indent="-342900">
+              <a:buFont typeface="Arial" pitchFamily="34" charset="0"/>
+              <a:buChar char="•"/>
+            </a:pPr>
+            <a:r>
+              <a:rPr lang="en-US" dirty="0" smtClean="0"/>
+              <a:t>Make a change and commit it to your local Git repository</a:t>
+            </a:r>
+          </a:p>
+          <a:p>
+            <a:pPr marL="612775" lvl="2" indent="-342900">
+              <a:buFont typeface="Arial" pitchFamily="34" charset="0"/>
+              <a:buChar char="•"/>
+            </a:pPr>
+            <a:r>
+              <a:rPr lang="en-US" dirty="0" smtClean="0"/>
+              <a:t>Push commit to Gerrit</a:t>
+            </a:r>
+          </a:p>
+          <a:p>
+            <a:pPr marL="612775" lvl="2" indent="-342900">
+              <a:buFont typeface="Arial" pitchFamily="34" charset="0"/>
+              <a:buChar char="•"/>
+            </a:pPr>
+            <a:r>
+              <a:rPr lang="en-US" dirty="0" smtClean="0"/>
+              <a:t>Invite reviewers</a:t>
+            </a:r>
+          </a:p>
+          <a:p>
+            <a:pPr marL="612775" lvl="2" indent="-342900">
+              <a:buFont typeface="Arial" pitchFamily="34" charset="0"/>
+              <a:buChar char="•"/>
+            </a:pPr>
+            <a:r>
+              <a:rPr lang="en-US" dirty="0" smtClean="0"/>
+              <a:t>Comments and discussions in the context of the change</a:t>
+            </a:r>
+          </a:p>
+          <a:p>
+            <a:pPr marL="612775" lvl="2" indent="-342900">
+              <a:buFont typeface="Arial" pitchFamily="34" charset="0"/>
+              <a:buChar char="•"/>
+            </a:pPr>
+            <a:r>
+              <a:rPr lang="en-US" dirty="0" smtClean="0"/>
+              <a:t>Fetch it, test it, improve it, …</a:t>
+            </a:r>
+          </a:p>
+          <a:p>
+            <a:pPr marL="612775" lvl="2" indent="-342900">
+              <a:buFont typeface="Arial" pitchFamily="34" charset="0"/>
+              <a:buChar char="•"/>
+            </a:pPr>
+            <a:r>
+              <a:rPr lang="en-US" dirty="0" smtClean="0"/>
+              <a:t>Create a new patch set and push to Gerrit (amend commit, old one is replaced)</a:t>
+            </a:r>
+          </a:p>
+          <a:p>
+            <a:pPr marL="612775" lvl="2" indent="-342900">
+              <a:buFont typeface="Arial" pitchFamily="34" charset="0"/>
+              <a:buChar char="•"/>
+            </a:pPr>
+            <a:r>
+              <a:rPr lang="en-US" dirty="0" smtClean="0"/>
+              <a:t>Submit to master branch (or abandon it…)</a:t>
+            </a:r>
+          </a:p>
+        </p:txBody>
+      </p:sp>
+      <p:pic>
+        <p:nvPicPr>
+          <p:cNvPr id="4" name="Picture 25"/>
+          <p:cNvPicPr>
+            <a:picLocks noChangeAspect="1" noChangeArrowheads="1"/>
+          </p:cNvPicPr>
+          <p:nvPr/>
+        </p:nvPicPr>
+        <p:blipFill>
+          <a:blip r:embed="rId3" cstate="print"/>
+          <a:srcRect/>
+          <a:stretch>
+            <a:fillRect/>
+          </a:stretch>
+        </p:blipFill>
+        <p:spPr bwMode="auto">
+          <a:xfrm>
+            <a:off x="8302345" y="382120"/>
+            <a:ext cx="515937" cy="504825"/>
+          </a:xfrm>
+          <a:prstGeom prst="rect">
+            <a:avLst/>
+          </a:prstGeom>
+          <a:noFill/>
+          <a:ln w="9525">
+            <a:noFill/>
+            <a:miter lim="800000"/>
+            <a:headEnd/>
+            <a:tailEnd/>
+          </a:ln>
+        </p:spPr>
+      </p:pic>
+    </p:spTree>
+  </p:cSld>
+  <p:clrMapOvr>
+    <a:masterClrMapping/>
+  </p:clrMapOvr>
+  <p:transition spd="med"/>
+  <p:timing>
+    <p:tnLst>
+      <p:par>
+        <p:cTn id="1" dur="indefinite" restart="never" nodeType="tmRoot"/>
+      </p:par>
+    </p:tnLst>
+  </p:timing>
+</p:sld>
+</file>
+
+<file path=ppt/slides/slide5.xml><?xml version="1.0" encoding="utf-8"?>
+<p:sld xmlns:a="http://schemas.openxmlformats.org/drawingml/2006/main" xmlns:r="http://schemas.openxmlformats.org/officeDocument/2006/relationships" xmlns:p="http://schemas.openxmlformats.org/presentationml/2006/main">
+  <p:cSld>
+    <p:spTree>
+      <p:nvGrpSpPr>
+        <p:cNvPr id="1" name=""/>
+        <p:cNvGrpSpPr/>
+        <p:nvPr/>
+      </p:nvGrpSpPr>
+      <p:grpSpPr>
+        <a:xfrm>
+          <a:off x="0" y="0"/>
+          <a:ext cx="0" cy="0"/>
+          <a:chOff x="0" y="0"/>
+          <a:chExt cx="0" cy="0"/>
+        </a:xfrm>
+      </p:grpSpPr>
+      <p:sp>
+        <p:nvSpPr>
           <p:cNvPr id="5" name="Title 4"/>
           <p:cNvSpPr>
             <a:spLocks noGrp="1"/>
@@ -7184,7 +10241,314 @@
 </p:sld>
 </file>
 
-<file path=ppt/slides/slide5.xml><?xml version="1.0" encoding="utf-8"?>
+<file path=ppt/slides/slide6.xml><?xml version="1.0" encoding="utf-8"?>
+<p:sld xmlns:a="http://schemas.openxmlformats.org/drawingml/2006/main" xmlns:r="http://schemas.openxmlformats.org/officeDocument/2006/relationships" xmlns:p="http://schemas.openxmlformats.org/presentationml/2006/main">
+  <p:cSld>
+    <p:spTree>
+      <p:nvGrpSpPr>
+        <p:cNvPr id="1" name=""/>
+        <p:cNvGrpSpPr/>
+        <p:nvPr/>
+      </p:nvGrpSpPr>
+      <p:grpSpPr>
+        <a:xfrm>
+          <a:off x="0" y="0"/>
+          <a:ext cx="0" cy="0"/>
+          <a:chOff x="0" y="0"/>
+          <a:chExt cx="0" cy="0"/>
+        </a:xfrm>
+      </p:grpSpPr>
+      <p:sp>
+        <p:nvSpPr>
+          <p:cNvPr id="2" name="Title 1"/>
+          <p:cNvSpPr>
+            <a:spLocks noGrp="1"/>
+          </p:cNvSpPr>
+          <p:nvPr>
+            <p:ph type="title"/>
+          </p:nvPr>
+        </p:nvSpPr>
+        <p:spPr/>
+        <p:txBody>
+          <a:bodyPr/>
+          <a:lstStyle/>
+          <a:p>
+            <a:r>
+              <a:rPr lang="en-US" dirty="0" smtClean="0"/>
+              <a:t>Contribute!</a:t>
+            </a:r>
+            <a:endParaRPr lang="en-US" dirty="0"/>
+          </a:p>
+        </p:txBody>
+      </p:sp>
+      <p:sp>
+        <p:nvSpPr>
+          <p:cNvPr id="3" name="Text Placeholder 2"/>
+          <p:cNvSpPr>
+            <a:spLocks noGrp="1"/>
+          </p:cNvSpPr>
+          <p:nvPr>
+            <p:ph type="body" sz="quarter" idx="10"/>
+          </p:nvPr>
+        </p:nvSpPr>
+        <p:spPr/>
+        <p:txBody>
+          <a:bodyPr/>
+          <a:lstStyle/>
+          <a:p>
+            <a:pPr marL="342900" indent="-342900">
+              <a:buFont typeface="Arial" pitchFamily="34" charset="0"/>
+              <a:buChar char="•"/>
+            </a:pPr>
+            <a:r>
+              <a:rPr lang="en-US" dirty="0" smtClean="0"/>
+              <a:t>Mylyn Reviews</a:t>
+            </a:r>
+            <a:endParaRPr lang="en-US" dirty="0" smtClean="0">
+              <a:hlinkClick r:id="rId3"/>
+            </a:endParaRPr>
+          </a:p>
+          <a:p>
+            <a:pPr marL="612775" lvl="2" indent="-342900">
+              <a:buFont typeface="Arial" pitchFamily="34" charset="0"/>
+              <a:buChar char="•"/>
+            </a:pPr>
+            <a:r>
+              <a:rPr lang="en-US" dirty="0" smtClean="0">
+                <a:hlinkClick r:id="rId3"/>
+              </a:rPr>
+              <a:t>http</a:t>
+            </a:r>
+            <a:r>
+              <a:rPr lang="en-US" dirty="0" smtClean="0">
+                <a:hlinkClick r:id="rId3"/>
+              </a:rPr>
+              <a:t>://</a:t>
+            </a:r>
+            <a:r>
+              <a:rPr lang="en-US" dirty="0" smtClean="0">
+                <a:hlinkClick r:id="rId3"/>
+              </a:rPr>
+              <a:t>www.eclipse.org/reviews</a:t>
+            </a:r>
+            <a:endParaRPr lang="en-US" dirty="0" smtClean="0"/>
+          </a:p>
+          <a:p>
+            <a:pPr marL="342900" indent="-342900">
+              <a:buFont typeface="Arial" pitchFamily="34" charset="0"/>
+              <a:buChar char="•"/>
+            </a:pPr>
+            <a:r>
+              <a:rPr lang="en-US" dirty="0" smtClean="0"/>
+              <a:t>Mylyn Builds</a:t>
+            </a:r>
+            <a:endParaRPr lang="en-US" dirty="0" smtClean="0">
+              <a:hlinkClick r:id="rId4"/>
+            </a:endParaRPr>
+          </a:p>
+          <a:p>
+            <a:pPr marL="612775" lvl="2" indent="-342900">
+              <a:buFont typeface="Arial" pitchFamily="34" charset="0"/>
+              <a:buChar char="•"/>
+            </a:pPr>
+            <a:r>
+              <a:rPr lang="en-US" dirty="0" smtClean="0">
+                <a:hlinkClick r:id="rId4"/>
+              </a:rPr>
+              <a:t>http</a:t>
+            </a:r>
+            <a:r>
+              <a:rPr lang="en-US" dirty="0" smtClean="0">
+                <a:hlinkClick r:id="rId4"/>
+              </a:rPr>
+              <a:t>://</a:t>
+            </a:r>
+            <a:r>
+              <a:rPr lang="en-US" dirty="0" smtClean="0">
+                <a:hlinkClick r:id="rId4"/>
+              </a:rPr>
+              <a:t>www.eclipse.org/mylyn/builds</a:t>
+            </a:r>
+            <a:endParaRPr lang="en-US" dirty="0" smtClean="0"/>
+          </a:p>
+          <a:p>
+            <a:pPr marL="342900" indent="-342900">
+              <a:buFont typeface="Arial" pitchFamily="34" charset="0"/>
+              <a:buChar char="•"/>
+            </a:pPr>
+            <a:r>
+              <a:rPr lang="en-US" dirty="0" smtClean="0"/>
+              <a:t>Egit/</a:t>
+            </a:r>
+            <a:r>
+              <a:rPr lang="en-US" dirty="0" err="1" smtClean="0"/>
+              <a:t>Jgit</a:t>
+            </a:r>
+            <a:endParaRPr lang="en-US" dirty="0" smtClean="0">
+              <a:hlinkClick r:id="rId5"/>
+            </a:endParaRPr>
+          </a:p>
+          <a:p>
+            <a:pPr marL="612775" lvl="2" indent="-342900">
+              <a:buFont typeface="Arial" pitchFamily="34" charset="0"/>
+              <a:buChar char="•"/>
+            </a:pPr>
+            <a:r>
+              <a:rPr lang="en-US" dirty="0" smtClean="0">
+                <a:hlinkClick r:id="rId5"/>
+              </a:rPr>
+              <a:t>http</a:t>
+            </a:r>
+            <a:r>
+              <a:rPr lang="en-US" dirty="0" smtClean="0">
+                <a:hlinkClick r:id="rId5"/>
+              </a:rPr>
+              <a:t>://</a:t>
+            </a:r>
+            <a:r>
+              <a:rPr lang="en-US" dirty="0" smtClean="0">
+                <a:hlinkClick r:id="rId5"/>
+              </a:rPr>
+              <a:t>www.eclipse.org/egit</a:t>
+            </a:r>
+            <a:endParaRPr lang="en-US" dirty="0" smtClean="0"/>
+          </a:p>
+          <a:p>
+            <a:pPr marL="342900" indent="-342900">
+              <a:buFont typeface="Arial" pitchFamily="34" charset="0"/>
+              <a:buChar char="•"/>
+            </a:pPr>
+            <a:r>
+              <a:rPr lang="en-US" dirty="0" smtClean="0"/>
+              <a:t>Gerrit Code Review</a:t>
+            </a:r>
+            <a:endParaRPr lang="en-US" dirty="0" smtClean="0">
+              <a:hlinkClick r:id="rId6"/>
+            </a:endParaRPr>
+          </a:p>
+          <a:p>
+            <a:pPr marL="612775" lvl="2" indent="-342900">
+              <a:buFont typeface="Arial" pitchFamily="34" charset="0"/>
+              <a:buChar char="•"/>
+            </a:pPr>
+            <a:r>
+              <a:rPr lang="en-US" dirty="0" smtClean="0">
+                <a:hlinkClick r:id="rId6"/>
+              </a:rPr>
+              <a:t>https</a:t>
+            </a:r>
+            <a:r>
+              <a:rPr lang="en-US" dirty="0" smtClean="0">
+                <a:hlinkClick r:id="rId6"/>
+              </a:rPr>
+              <a:t>://</a:t>
+            </a:r>
+            <a:r>
+              <a:rPr lang="en-US" dirty="0" smtClean="0">
+                <a:hlinkClick r:id="rId6"/>
+              </a:rPr>
+              <a:t>review.source.android.com</a:t>
+            </a:r>
+            <a:endParaRPr lang="en-US" dirty="0" smtClean="0"/>
+          </a:p>
+          <a:p>
+            <a:pPr marL="342900" indent="-342900">
+              <a:buFont typeface="Arial" pitchFamily="34" charset="0"/>
+              <a:buChar char="•"/>
+            </a:pPr>
+            <a:r>
+              <a:rPr lang="en-US" dirty="0" smtClean="0"/>
+              <a:t>Jenkins Gerrit Trigger</a:t>
+            </a:r>
+            <a:endParaRPr lang="en-US" dirty="0" smtClean="0"/>
+          </a:p>
+          <a:p>
+            <a:pPr marL="612775" lvl="2" indent="-342900">
+              <a:buFont typeface="Arial" pitchFamily="34" charset="0"/>
+              <a:buChar char="•"/>
+            </a:pPr>
+            <a:r>
+              <a:rPr lang="en-US" dirty="0" smtClean="0">
+                <a:hlinkClick r:id="rId7"/>
+              </a:rPr>
+              <a:t>https</a:t>
+            </a:r>
+            <a:r>
+              <a:rPr lang="en-US" dirty="0" smtClean="0">
+                <a:hlinkClick r:id="rId7"/>
+              </a:rPr>
+              <a:t>://</a:t>
+            </a:r>
+            <a:r>
+              <a:rPr lang="en-US" dirty="0" smtClean="0">
+                <a:hlinkClick r:id="rId7"/>
+              </a:rPr>
+              <a:t>wiki.jenkins-ci.org/display/JENKINS/Gerrit+Trigger</a:t>
+            </a:r>
+            <a:endParaRPr lang="en-US" dirty="0" smtClean="0"/>
+          </a:p>
+          <a:p>
+            <a:pPr marL="342900" indent="-342900">
+              <a:buFont typeface="Arial" pitchFamily="34" charset="0"/>
+              <a:buChar char="•"/>
+            </a:pPr>
+            <a:endParaRPr lang="en-US" dirty="0" smtClean="0"/>
+          </a:p>
+          <a:p>
+            <a:pPr marL="342900" indent="-342900"/>
+            <a:endParaRPr lang="en-US" dirty="0" smtClean="0"/>
+          </a:p>
+        </p:txBody>
+      </p:sp>
+      <p:pic>
+        <p:nvPicPr>
+          <p:cNvPr id="4" name="Picture 7"/>
+          <p:cNvPicPr>
+            <a:picLocks noChangeAspect="1" noChangeArrowheads="1"/>
+          </p:cNvPicPr>
+          <p:nvPr/>
+        </p:nvPicPr>
+        <p:blipFill>
+          <a:blip r:embed="rId8" cstate="print"/>
+          <a:srcRect/>
+          <a:stretch>
+            <a:fillRect/>
+          </a:stretch>
+        </p:blipFill>
+        <p:spPr bwMode="auto">
+          <a:xfrm>
+            <a:off x="8101013" y="419100"/>
+            <a:ext cx="896937" cy="514350"/>
+          </a:xfrm>
+          <a:prstGeom prst="rect">
+            <a:avLst/>
+          </a:prstGeom>
+          <a:noFill/>
+          <a:ln w="9525">
+            <a:noFill/>
+            <a:miter lim="800000"/>
+            <a:headEnd/>
+            <a:tailEnd/>
+          </a:ln>
+        </p:spPr>
+      </p:pic>
+    </p:spTree>
+  </p:cSld>
+  <p:clrMapOvr>
+    <a:masterClrMapping/>
+  </p:clrMapOvr>
+  <p:transition spd="med"/>
+  <p:timing>
+    <p:tnLst>
+      <p:par>
+        <p:cTn id="1" dur="indefinite" restart="never" nodeType="tmRoot"/>
+      </p:par>
+    </p:tnLst>
+  </p:timing>
+</p:sld>
+</file>
+
+<file path=ppt/slides/slide7.xml><?xml version="1.0" encoding="utf-8"?>
 <p:sld xmlns:a="http://schemas.openxmlformats.org/drawingml/2006/main" xmlns:r="http://schemas.openxmlformats.org/officeDocument/2006/relationships" xmlns:p="http://schemas.openxmlformats.org/presentationml/2006/main" show="0">
   <p:cSld>
     <p:spTree>
@@ -7217,7 +10581,7 @@
 </p:sld>
 </file>
 
-<file path=ppt/slides/slide6.xml><?xml version="1.0" encoding="utf-8"?>
+<file path=ppt/slides/slide8.xml><?xml version="1.0" encoding="utf-8"?>
 <p:sld xmlns:a="http://schemas.openxmlformats.org/drawingml/2006/main" xmlns:r="http://schemas.openxmlformats.org/officeDocument/2006/relationships" xmlns:p="http://schemas.openxmlformats.org/presentationml/2006/main" show="0">
   <p:cSld>
     <p:spTree>

--- a/democamp-indigo/Integrating Git, Gerrit and Jenkins with Mylyn.pptx
+++ b/democamp-indigo/Integrating Git, Gerrit and Jenkins with Mylyn.pptx
@@ -5,20 +5,27 @@
     <p:sldMasterId id="2147483660" r:id="rId1"/>
   </p:sldMasterIdLst>
   <p:notesMasterIdLst>
-    <p:notesMasterId r:id="rId10"/>
+    <p:notesMasterId r:id="rId17"/>
   </p:notesMasterIdLst>
   <p:handoutMasterIdLst>
-    <p:handoutMasterId r:id="rId11"/>
+    <p:handoutMasterId r:id="rId18"/>
   </p:handoutMasterIdLst>
   <p:sldIdLst>
     <p:sldId id="340" r:id="rId2"/>
-    <p:sldId id="284" r:id="rId3"/>
-    <p:sldId id="342" r:id="rId4"/>
-    <p:sldId id="341" r:id="rId5"/>
-    <p:sldId id="310" r:id="rId6"/>
-    <p:sldId id="343" r:id="rId7"/>
-    <p:sldId id="265" r:id="rId8"/>
-    <p:sldId id="339" r:id="rId9"/>
+    <p:sldId id="344" r:id="rId3"/>
+    <p:sldId id="346" r:id="rId4"/>
+    <p:sldId id="347" r:id="rId5"/>
+    <p:sldId id="284" r:id="rId6"/>
+    <p:sldId id="351" r:id="rId7"/>
+    <p:sldId id="342" r:id="rId8"/>
+    <p:sldId id="341" r:id="rId9"/>
+    <p:sldId id="310" r:id="rId10"/>
+    <p:sldId id="350" r:id="rId11"/>
+    <p:sldId id="343" r:id="rId12"/>
+    <p:sldId id="348" r:id="rId13"/>
+    <p:sldId id="349" r:id="rId14"/>
+    <p:sldId id="265" r:id="rId15"/>
+    <p:sldId id="339" r:id="rId16"/>
   </p:sldIdLst>
   <p:sldSz cx="9144000" cy="6858000" type="screen4x3"/>
   <p:notesSz cx="6858000" cy="9144000"/>
@@ -544,7 +551,7 @@
 </p:notes>
 </file>
 
-<file path=ppt/notesSlides/notesSlide2.xml><?xml version="1.0" encoding="utf-8"?>
+<file path=ppt/notesSlides/notesSlide10.xml><?xml version="1.0" encoding="utf-8"?>
 <p:notes xmlns:a="http://schemas.openxmlformats.org/drawingml/2006/main" xmlns:r="http://schemas.openxmlformats.org/officeDocument/2006/relationships" xmlns:p="http://schemas.openxmlformats.org/presentationml/2006/main">
   <p:cSld>
     <p:spTree>
@@ -612,9 +619,330 @@
             <a:fld id="{7D8C2C35-2B8A-446E-BEC0-FD36716C29AC}" type="slidenum">
               <a:rPr lang="de-DE" smtClean="0"/>
               <a:pPr/>
+              <a:t>11</a:t>
+            </a:fld>
+            <a:endParaRPr lang="de-DE" dirty="0"/>
+          </a:p>
+        </p:txBody>
+      </p:sp>
+    </p:spTree>
+  </p:cSld>
+  <p:clrMapOvr>
+    <a:masterClrMapping/>
+  </p:clrMapOvr>
+</p:notes>
+</file>
+
+<file path=ppt/notesSlides/notesSlide11.xml><?xml version="1.0" encoding="utf-8"?>
+<p:notes xmlns:a="http://schemas.openxmlformats.org/drawingml/2006/main" xmlns:r="http://schemas.openxmlformats.org/officeDocument/2006/relationships" xmlns:p="http://schemas.openxmlformats.org/presentationml/2006/main">
+  <p:cSld>
+    <p:spTree>
+      <p:nvGrpSpPr>
+        <p:cNvPr id="1" name=""/>
+        <p:cNvGrpSpPr/>
+        <p:nvPr/>
+      </p:nvGrpSpPr>
+      <p:grpSpPr>
+        <a:xfrm>
+          <a:off x="0" y="0"/>
+          <a:ext cx="0" cy="0"/>
+          <a:chOff x="0" y="0"/>
+          <a:chExt cx="0" cy="0"/>
+        </a:xfrm>
+      </p:grpSpPr>
+      <p:sp>
+        <p:nvSpPr>
+          <p:cNvPr id="4" name="Slide Number Placeholder 3"/>
+          <p:cNvSpPr>
+            <a:spLocks noGrp="1"/>
+          </p:cNvSpPr>
+          <p:nvPr>
+            <p:ph type="sldNum" sz="quarter" idx="10"/>
+          </p:nvPr>
+        </p:nvSpPr>
+        <p:spPr/>
+        <p:txBody>
+          <a:bodyPr/>
+          <a:lstStyle/>
+          <a:p>
+            <a:fld id="{7D8C2C35-2B8A-446E-BEC0-FD36716C29AC}" type="slidenum">
+              <a:rPr lang="de-DE" smtClean="0"/>
+              <a:pPr/>
+              <a:t>14</a:t>
+            </a:fld>
+            <a:endParaRPr lang="de-DE" dirty="0"/>
+          </a:p>
+        </p:txBody>
+      </p:sp>
+      <p:sp>
+        <p:nvSpPr>
+          <p:cNvPr id="15" name="Slide Image Placeholder 14"/>
+          <p:cNvSpPr>
+            <a:spLocks noGrp="1" noRot="1" noChangeAspect="1"/>
+          </p:cNvSpPr>
+          <p:nvPr>
+            <p:ph type="sldImg"/>
+          </p:nvPr>
+        </p:nvSpPr>
+        <p:spPr/>
+      </p:sp>
+      <p:sp>
+        <p:nvSpPr>
+          <p:cNvPr id="16" name="Notes Placeholder 15"/>
+          <p:cNvSpPr>
+            <a:spLocks noGrp="1"/>
+          </p:cNvSpPr>
+          <p:nvPr>
+            <p:ph type="body" idx="1"/>
+          </p:nvPr>
+        </p:nvSpPr>
+        <p:spPr/>
+        <p:txBody>
+          <a:bodyPr>
+            <a:normAutofit/>
+          </a:bodyPr>
+          <a:lstStyle/>
+          <a:p>
+            <a:endParaRPr lang="de-DE" dirty="0"/>
+          </a:p>
+        </p:txBody>
+      </p:sp>
+    </p:spTree>
+  </p:cSld>
+  <p:clrMapOvr>
+    <a:masterClrMapping/>
+  </p:clrMapOvr>
+</p:notes>
+</file>
+
+<file path=ppt/notesSlides/notesSlide12.xml><?xml version="1.0" encoding="utf-8"?>
+<p:notes xmlns:a="http://schemas.openxmlformats.org/drawingml/2006/main" xmlns:r="http://schemas.openxmlformats.org/officeDocument/2006/relationships" xmlns:p="http://schemas.openxmlformats.org/presentationml/2006/main">
+  <p:cSld>
+    <p:spTree>
+      <p:nvGrpSpPr>
+        <p:cNvPr id="1" name=""/>
+        <p:cNvGrpSpPr/>
+        <p:nvPr/>
+      </p:nvGrpSpPr>
+      <p:grpSpPr>
+        <a:xfrm>
+          <a:off x="0" y="0"/>
+          <a:ext cx="0" cy="0"/>
+          <a:chOff x="0" y="0"/>
+          <a:chExt cx="0" cy="0"/>
+        </a:xfrm>
+      </p:grpSpPr>
+      <p:sp>
+        <p:nvSpPr>
+          <p:cNvPr id="2" name="Slide Image Placeholder 1"/>
+          <p:cNvSpPr>
+            <a:spLocks noGrp="1" noRot="1" noChangeAspect="1"/>
+          </p:cNvSpPr>
+          <p:nvPr>
+            <p:ph type="sldImg"/>
+          </p:nvPr>
+        </p:nvSpPr>
+        <p:spPr/>
+      </p:sp>
+      <p:sp>
+        <p:nvSpPr>
+          <p:cNvPr id="3" name="Notes Placeholder 2"/>
+          <p:cNvSpPr>
+            <a:spLocks noGrp="1"/>
+          </p:cNvSpPr>
+          <p:nvPr>
+            <p:ph type="body" idx="1"/>
+          </p:nvPr>
+        </p:nvSpPr>
+        <p:spPr/>
+        <p:txBody>
+          <a:bodyPr>
+            <a:normAutofit/>
+          </a:bodyPr>
+          <a:lstStyle/>
+          <a:p>
+            <a:endParaRPr lang="en-US" dirty="0"/>
+          </a:p>
+        </p:txBody>
+      </p:sp>
+      <p:sp>
+        <p:nvSpPr>
+          <p:cNvPr id="4" name="Slide Number Placeholder 3"/>
+          <p:cNvSpPr>
+            <a:spLocks noGrp="1"/>
+          </p:cNvSpPr>
+          <p:nvPr>
+            <p:ph type="sldNum" sz="quarter" idx="10"/>
+          </p:nvPr>
+        </p:nvSpPr>
+        <p:spPr/>
+        <p:txBody>
+          <a:bodyPr/>
+          <a:lstStyle/>
+          <a:p>
+            <a:fld id="{7D8C2C35-2B8A-446E-BEC0-FD36716C29AC}" type="slidenum">
+              <a:rPr lang="de-DE" smtClean="0"/>
+              <a:pPr/>
+              <a:t>15</a:t>
+            </a:fld>
+            <a:endParaRPr lang="de-DE" dirty="0"/>
+          </a:p>
+        </p:txBody>
+      </p:sp>
+    </p:spTree>
+  </p:cSld>
+  <p:clrMapOvr>
+    <a:masterClrMapping/>
+  </p:clrMapOvr>
+</p:notes>
+</file>
+
+<file path=ppt/notesSlides/notesSlide2.xml><?xml version="1.0" encoding="utf-8"?>
+<p:notes xmlns:a="http://schemas.openxmlformats.org/drawingml/2006/main" xmlns:r="http://schemas.openxmlformats.org/officeDocument/2006/relationships" xmlns:p="http://schemas.openxmlformats.org/presentationml/2006/main">
+  <p:cSld>
+    <p:spTree>
+      <p:nvGrpSpPr>
+        <p:cNvPr id="1" name=""/>
+        <p:cNvGrpSpPr/>
+        <p:nvPr/>
+      </p:nvGrpSpPr>
+      <p:grpSpPr>
+        <a:xfrm>
+          <a:off x="0" y="0"/>
+          <a:ext cx="0" cy="0"/>
+          <a:chOff x="0" y="0"/>
+          <a:chExt cx="0" cy="0"/>
+        </a:xfrm>
+      </p:grpSpPr>
+      <p:sp>
+        <p:nvSpPr>
+          <p:cNvPr id="102402" name="Rectangle 2"/>
+          <p:cNvSpPr>
+            <a:spLocks noGrp="1" noChangeArrowheads="1"/>
+          </p:cNvSpPr>
+          <p:nvPr>
+            <p:ph type="hdr" sz="quarter"/>
+          </p:nvPr>
+        </p:nvSpPr>
+        <p:spPr>
+          <a:xfrm>
+            <a:off x="0" y="1"/>
+            <a:ext cx="2972098" cy="456595"/>
+          </a:xfrm>
+          <a:prstGeom prst="rect">
+            <a:avLst/>
+          </a:prstGeom>
+        </p:spPr>
+        <p:txBody>
+          <a:bodyPr lIns="86493" tIns="43247" rIns="86493" bIns="43247"/>
+          <a:lstStyle/>
+          <a:p>
+            <a:pPr>
+              <a:defRPr/>
+            </a:pPr>
+            <a:r>
+              <a:rPr lang="en-US" altLang="en-US" smtClean="0">
+                <a:solidFill>
+                  <a:prstClr val="black"/>
+                </a:solidFill>
+              </a:rPr>
+              <a:t>Mylar: a Task Focused UI for Eclipse</a:t>
+            </a:r>
+          </a:p>
+        </p:txBody>
+      </p:sp>
+      <p:sp>
+        <p:nvSpPr>
+          <p:cNvPr id="102403" name="Rectangle 7"/>
+          <p:cNvSpPr>
+            <a:spLocks noGrp="1" noChangeArrowheads="1"/>
+          </p:cNvSpPr>
+          <p:nvPr>
+            <p:ph type="sldNum" sz="quarter" idx="5"/>
+          </p:nvPr>
+        </p:nvSpPr>
+        <p:spPr/>
+        <p:txBody>
+          <a:bodyPr/>
+          <a:lstStyle/>
+          <a:p>
+            <a:pPr>
+              <a:defRPr/>
+            </a:pPr>
+            <a:fld id="{2EDA2B38-84A3-48A3-B665-472BCF7E01B9}" type="slidenum">
+              <a:rPr lang="en-US" altLang="en-US" smtClean="0">
+                <a:solidFill>
+                  <a:prstClr val="black"/>
+                </a:solidFill>
+              </a:rPr>
+              <a:pPr>
+                <a:defRPr/>
+              </a:pPr>
               <a:t>2</a:t>
             </a:fld>
-            <a:endParaRPr lang="de-DE" dirty="0"/>
+            <a:endParaRPr lang="en-US" altLang="en-US" smtClean="0">
+              <a:solidFill>
+                <a:prstClr val="black"/>
+              </a:solidFill>
+            </a:endParaRPr>
+          </a:p>
+        </p:txBody>
+      </p:sp>
+      <p:sp>
+        <p:nvSpPr>
+          <p:cNvPr id="10244" name="Rectangle 2"/>
+          <p:cNvSpPr>
+            <a:spLocks noGrp="1" noRot="1" noChangeAspect="1" noChangeArrowheads="1" noTextEdit="1"/>
+          </p:cNvSpPr>
+          <p:nvPr>
+            <p:ph type="sldImg"/>
+          </p:nvPr>
+        </p:nvSpPr>
+        <p:spPr bwMode="auto">
+          <a:noFill/>
+          <a:ln>
+            <a:solidFill>
+              <a:srgbClr val="000000"/>
+            </a:solidFill>
+            <a:miter lim="800000"/>
+            <a:headEnd/>
+            <a:tailEnd/>
+          </a:ln>
+        </p:spPr>
+      </p:sp>
+      <p:sp>
+        <p:nvSpPr>
+          <p:cNvPr id="10245" name="Rectangle 3"/>
+          <p:cNvSpPr>
+            <a:spLocks noGrp="1" noChangeArrowheads="1"/>
+          </p:cNvSpPr>
+          <p:nvPr>
+            <p:ph type="body" idx="1"/>
+          </p:nvPr>
+        </p:nvSpPr>
+        <p:spPr bwMode="auto">
+          <a:noFill/>
+        </p:spPr>
+        <p:txBody>
+          <a:bodyPr wrap="square" numCol="1" anchor="t" anchorCtr="0" compatLnSpc="1">
+            <a:prstTxWarp prst="textNoShape">
+              <a:avLst/>
+            </a:prstTxWarp>
+          </a:bodyPr>
+          <a:lstStyle/>
+          <a:p>
+            <a:pPr defTabSz="864931" eaLnBrk="0" fontAlgn="base" hangingPunct="0">
+              <a:spcBef>
+                <a:spcPct val="30000"/>
+              </a:spcBef>
+              <a:spcAft>
+                <a:spcPct val="0"/>
+              </a:spcAft>
+              <a:buFont typeface="Arial" pitchFamily="34" charset="0"/>
+              <a:buChar char="•"/>
+              <a:defRPr/>
+            </a:pPr>
+            <a:endParaRPr lang="en-US" b="0" dirty="0" smtClean="0"/>
           </a:p>
         </p:txBody>
       </p:sp>
@@ -672,18 +1000,118 @@
           </a:bodyPr>
           <a:lstStyle/>
           <a:p>
-            <a:endParaRPr lang="en-US" dirty="0"/>
+            <a:pPr defTabSz="864931" eaLnBrk="0" fontAlgn="base" hangingPunct="0">
+              <a:spcBef>
+                <a:spcPct val="30000"/>
+              </a:spcBef>
+              <a:spcAft>
+                <a:spcPct val="0"/>
+              </a:spcAft>
+              <a:buFont typeface="Arial" pitchFamily="34" charset="0"/>
+              <a:buChar char="•"/>
+              <a:defRPr/>
+            </a:pPr>
+            <a:r>
+              <a:rPr lang="en-US" b="0" baseline="0" dirty="0" smtClean="0"/>
+              <a:t>Mylyn integrates with about every imaginable ALM system out there</a:t>
+            </a:r>
+          </a:p>
+          <a:p>
+            <a:pPr defTabSz="864931" eaLnBrk="0" fontAlgn="base" hangingPunct="0">
+              <a:spcBef>
+                <a:spcPct val="30000"/>
+              </a:spcBef>
+              <a:spcAft>
+                <a:spcPct val="0"/>
+              </a:spcAft>
+              <a:buFont typeface="Arial" pitchFamily="34" charset="0"/>
+              <a:buChar char="•"/>
+              <a:defRPr/>
+            </a:pPr>
+            <a:r>
+              <a:rPr lang="en-US" b="0" baseline="0" dirty="0" smtClean="0"/>
+              <a:t>We have eliminated friction from the developers workday</a:t>
+            </a:r>
+          </a:p>
+          <a:p>
+            <a:pPr defTabSz="864931" eaLnBrk="0" fontAlgn="base" hangingPunct="0">
+              <a:spcBef>
+                <a:spcPct val="30000"/>
+              </a:spcBef>
+              <a:spcAft>
+                <a:spcPct val="0"/>
+              </a:spcAft>
+              <a:buFont typeface="Arial" pitchFamily="34" charset="0"/>
+              <a:buChar char="•"/>
+              <a:defRPr/>
+            </a:pPr>
+            <a:r>
+              <a:rPr lang="en-US" b="0" baseline="0" dirty="0" smtClean="0"/>
+              <a:t>We switch task contexts in the blink of an eye</a:t>
+            </a:r>
+          </a:p>
+          <a:p>
+            <a:pPr defTabSz="864931" eaLnBrk="0" fontAlgn="base" hangingPunct="0">
+              <a:spcBef>
+                <a:spcPct val="30000"/>
+              </a:spcBef>
+              <a:spcAft>
+                <a:spcPct val="0"/>
+              </a:spcAft>
+              <a:buFont typeface="Arial" pitchFamily="34" charset="0"/>
+              <a:buChar char="•"/>
+              <a:defRPr/>
+            </a:pPr>
+            <a:r>
+              <a:rPr lang="en-US" b="0" baseline="0" dirty="0" smtClean="0"/>
+              <a:t>We are in a constant state of flow coding at the speed of thought</a:t>
+            </a:r>
+            <a:endParaRPr lang="en-US" b="0" baseline="0" dirty="0" smtClean="0"/>
           </a:p>
         </p:txBody>
       </p:sp>
       <p:sp>
         <p:nvSpPr>
-          <p:cNvPr id="4" name="Slide Number Placeholder 3"/>
+          <p:cNvPr id="4" name="Header Placeholder 3"/>
           <p:cNvSpPr>
             <a:spLocks noGrp="1"/>
           </p:cNvSpPr>
           <p:nvPr>
-            <p:ph type="sldNum" sz="quarter" idx="10"/>
+            <p:ph type="hdr" sz="quarter" idx="10"/>
+          </p:nvPr>
+        </p:nvSpPr>
+        <p:spPr>
+          <a:xfrm>
+            <a:off x="0" y="1"/>
+            <a:ext cx="2972098" cy="456595"/>
+          </a:xfrm>
+          <a:prstGeom prst="rect">
+            <a:avLst/>
+          </a:prstGeom>
+        </p:spPr>
+        <p:txBody>
+          <a:bodyPr lIns="86493" tIns="43247" rIns="86493" bIns="43247"/>
+          <a:lstStyle/>
+          <a:p>
+            <a:pPr>
+              <a:defRPr/>
+            </a:pPr>
+            <a:r>
+              <a:rPr lang="en-US" altLang="en-US" smtClean="0"/>
+              <a:t>Tasktop Training</a:t>
+            </a:r>
+            <a:endParaRPr lang="en-US" altLang="en-US"/>
+          </a:p>
+        </p:txBody>
+      </p:sp>
+      <p:sp>
+        <p:nvSpPr>
+          <p:cNvPr id="5" name="Slide Number Placeholder 4"/>
+          <p:cNvSpPr>
+            <a:spLocks noGrp="1"/>
+          </p:cNvSpPr>
+          <p:nvPr>
+            <p:ph type="sldNum" sz="quarter" idx="11"/>
           </p:nvPr>
         </p:nvSpPr>
         <p:spPr/>
@@ -691,12 +1119,17 @@
           <a:bodyPr/>
           <a:lstStyle/>
           <a:p>
-            <a:fld id="{7D8C2C35-2B8A-446E-BEC0-FD36716C29AC}" type="slidenum">
-              <a:rPr lang="de-DE" smtClean="0"/>
-              <a:pPr/>
+            <a:pPr>
+              <a:defRPr/>
+            </a:pPr>
+            <a:fld id="{0B2F7CE2-82FC-4367-A039-6021A2C2E08F}" type="slidenum">
+              <a:rPr lang="en-US" altLang="en-US" smtClean="0"/>
+              <a:pPr>
+                <a:defRPr/>
+              </a:pPr>
               <a:t>3</a:t>
             </a:fld>
-            <a:endParaRPr lang="de-DE" dirty="0"/>
+            <a:endParaRPr lang="en-US" altLang="en-US"/>
           </a:p>
         </p:txBody>
       </p:sp>
@@ -735,7 +1168,12 @@
             <p:ph type="sldImg"/>
           </p:nvPr>
         </p:nvSpPr>
-        <p:spPr/>
+        <p:spPr>
+          <a:xfrm>
+            <a:off x="1143000" y="685800"/>
+            <a:ext cx="4572000" cy="3429000"/>
+          </a:xfrm>
+        </p:spPr>
       </p:sp>
       <p:sp>
         <p:nvSpPr>
@@ -754,18 +1192,447 @@
           </a:bodyPr>
           <a:lstStyle/>
           <a:p>
-            <a:endParaRPr lang="en-US" dirty="0"/>
+            <a:pPr>
+              <a:buFont typeface="Arial" charset="0"/>
+              <a:buChar char="•"/>
+            </a:pPr>
+            <a:r>
+              <a:rPr lang="en-US" dirty="0" smtClean="0"/>
+              <a:t>Project</a:t>
+            </a:r>
+            <a:r>
+              <a:rPr lang="en-US" baseline="0" dirty="0" smtClean="0"/>
+              <a:t> </a:t>
+            </a:r>
+            <a:r>
+              <a:rPr lang="en-US" b="1" baseline="0" dirty="0" smtClean="0"/>
+              <a:t>started</a:t>
+            </a:r>
+            <a:r>
+              <a:rPr lang="en-US" baseline="0" dirty="0" smtClean="0"/>
+              <a:t> in </a:t>
+            </a:r>
+            <a:r>
+              <a:rPr lang="en-US" b="1" baseline="0" dirty="0" smtClean="0"/>
+              <a:t>2004 </a:t>
+            </a:r>
+            <a:r>
+              <a:rPr lang="en-US" baseline="0" dirty="0" smtClean="0"/>
+              <a:t>on a white-board at the </a:t>
+            </a:r>
+            <a:r>
+              <a:rPr lang="en-US" b="1" baseline="0" dirty="0" smtClean="0"/>
+              <a:t>University of British Columbia</a:t>
+            </a:r>
+            <a:endParaRPr lang="en-US" b="1" dirty="0" smtClean="0"/>
+          </a:p>
+          <a:p>
+            <a:pPr>
+              <a:buFont typeface="Arial" charset="0"/>
+              <a:buChar char="•"/>
+            </a:pPr>
+            <a:r>
+              <a:rPr lang="en-US" b="1" dirty="0" smtClean="0"/>
+              <a:t>Evolved </a:t>
+            </a:r>
+            <a:r>
+              <a:rPr lang="en-US" dirty="0" smtClean="0"/>
+              <a:t>considerably and is now </a:t>
+            </a:r>
+            <a:r>
+              <a:rPr lang="en-US" b="1" dirty="0" smtClean="0"/>
+              <a:t>top-level project</a:t>
+            </a:r>
+          </a:p>
+          <a:p>
+            <a:pPr>
+              <a:buFont typeface="Arial" charset="0"/>
+              <a:buChar char="•"/>
+            </a:pPr>
+            <a:r>
+              <a:rPr lang="en-US" dirty="0" smtClean="0"/>
+              <a:t>New frameworks: </a:t>
+            </a:r>
+            <a:r>
+              <a:rPr lang="en-US" b="1" dirty="0" smtClean="0"/>
+              <a:t>Builds</a:t>
+            </a:r>
+            <a:r>
+              <a:rPr lang="en-US" b="0" baseline="0" dirty="0" smtClean="0"/>
+              <a:t> and </a:t>
+            </a:r>
+            <a:r>
+              <a:rPr lang="en-US" b="1" baseline="0" dirty="0" smtClean="0"/>
+              <a:t>Reviews</a:t>
+            </a:r>
+          </a:p>
+          <a:p>
+            <a:pPr>
+              <a:buFont typeface="Arial" charset="0"/>
+              <a:buChar char="•"/>
+            </a:pPr>
+            <a:r>
+              <a:rPr lang="en-US" b="1" dirty="0" smtClean="0"/>
+              <a:t>Mylyn</a:t>
+            </a:r>
+            <a:r>
+              <a:rPr lang="en-US" dirty="0" smtClean="0"/>
+              <a:t>: </a:t>
+            </a:r>
+            <a:r>
+              <a:rPr lang="en-US" b="1" baseline="0" dirty="0" smtClean="0"/>
+              <a:t>reference implementations </a:t>
+            </a:r>
+            <a:r>
+              <a:rPr lang="en-US" baseline="0" dirty="0" smtClean="0"/>
+              <a:t>for </a:t>
+            </a:r>
+            <a:r>
+              <a:rPr lang="en-US" b="1" baseline="0" dirty="0" smtClean="0"/>
+              <a:t>o</a:t>
+            </a:r>
+            <a:r>
+              <a:rPr lang="en-US" b="1" dirty="0" smtClean="0"/>
+              <a:t>pen</a:t>
+            </a:r>
+            <a:r>
+              <a:rPr lang="en-US" b="1" baseline="0" dirty="0" smtClean="0"/>
+              <a:t> s</a:t>
+            </a:r>
+            <a:r>
+              <a:rPr lang="en-US" b="1" dirty="0" smtClean="0"/>
+              <a:t>ource</a:t>
+            </a:r>
+            <a:endParaRPr lang="en-US" b="1" baseline="0" dirty="0" smtClean="0"/>
+          </a:p>
+          <a:p>
+            <a:pPr defTabSz="864931" eaLnBrk="0" fontAlgn="base" hangingPunct="0">
+              <a:spcBef>
+                <a:spcPct val="30000"/>
+              </a:spcBef>
+              <a:spcAft>
+                <a:spcPct val="0"/>
+              </a:spcAft>
+              <a:buFont typeface="Arial" charset="0"/>
+              <a:buChar char="•"/>
+              <a:defRPr/>
+            </a:pPr>
+            <a:r>
+              <a:rPr lang="en-US" b="1" baseline="0" dirty="0" smtClean="0"/>
+              <a:t>OSLC</a:t>
+            </a:r>
+            <a:r>
+              <a:rPr lang="en-US" b="0" baseline="0" dirty="0" smtClean="0"/>
+              <a:t> for integration with IBM tools</a:t>
+            </a:r>
+            <a:endParaRPr lang="en-US" b="1" baseline="0" dirty="0" smtClean="0"/>
+          </a:p>
+          <a:p>
+            <a:pPr>
+              <a:buFont typeface="Arial" charset="0"/>
+              <a:buChar char="•"/>
+            </a:pPr>
+            <a:r>
+              <a:rPr lang="en-US" b="1" baseline="0" dirty="0" smtClean="0"/>
+              <a:t>Tasktop </a:t>
+            </a:r>
+            <a:r>
+              <a:rPr lang="en-US" baseline="0" dirty="0" smtClean="0"/>
+              <a:t>and other commercial add-ons: </a:t>
+            </a:r>
+            <a:r>
+              <a:rPr lang="en-US" b="1" baseline="0" dirty="0" smtClean="0"/>
+              <a:t>integrations</a:t>
+            </a:r>
+            <a:r>
+              <a:rPr lang="en-US" baseline="0" dirty="0" smtClean="0"/>
+              <a:t> for </a:t>
+            </a:r>
+            <a:r>
+              <a:rPr lang="en-US" b="1" baseline="0" dirty="0" smtClean="0"/>
+              <a:t>closed source</a:t>
+            </a:r>
+          </a:p>
+          <a:p>
+            <a:pPr>
+              <a:buFont typeface="Arial" charset="0"/>
+              <a:buChar char="•"/>
+            </a:pPr>
+            <a:endParaRPr lang="en-US" b="1" baseline="0" dirty="0" smtClean="0"/>
+          </a:p>
+          <a:p>
+            <a:pPr>
+              <a:buFont typeface="Arial" charset="0"/>
+              <a:buChar char="•"/>
+            </a:pPr>
+            <a:r>
+              <a:rPr lang="en-US" b="0" baseline="0" dirty="0" smtClean="0"/>
+              <a:t>Evolution happens in two dimensions: artifacts and system integrations </a:t>
+            </a:r>
+          </a:p>
+          <a:p>
+            <a:pPr>
+              <a:buFont typeface="Arial" charset="0"/>
+              <a:buChar char="•"/>
+            </a:pPr>
+            <a:endParaRPr lang="en-US" b="0" baseline="0" dirty="0" smtClean="0"/>
+          </a:p>
+          <a:p>
+            <a:pPr>
+              <a:lnSpc>
+                <a:spcPct val="93000"/>
+              </a:lnSpc>
+              <a:spcBef>
+                <a:spcPts val="426"/>
+              </a:spcBef>
+              <a:buFont typeface="Arial" pitchFamily="34" charset="0"/>
+              <a:buChar char="•"/>
+              <a:tabLst>
+                <a:tab pos="0" algn="l"/>
+                <a:tab pos="864931" algn="l"/>
+                <a:tab pos="1729862" algn="l"/>
+                <a:tab pos="2594793" algn="l"/>
+                <a:tab pos="3459724" algn="l"/>
+                <a:tab pos="4324655" algn="l"/>
+                <a:tab pos="5189586" algn="l"/>
+                <a:tab pos="6054517" algn="l"/>
+                <a:tab pos="6919448" algn="l"/>
+                <a:tab pos="7784379" algn="l"/>
+                <a:tab pos="8649310" algn="l"/>
+                <a:tab pos="9514241" algn="l"/>
+              </a:tabLst>
+            </a:pPr>
+            <a:r>
+              <a:rPr lang="en-US" dirty="0" smtClean="0">
+                <a:latin typeface="Arial" charset="0"/>
+                <a:cs typeface="Arial" charset="0"/>
+              </a:rPr>
+              <a:t>Tasks: brings tasks into Eclipse</a:t>
+            </a:r>
+          </a:p>
+          <a:p>
+            <a:pPr>
+              <a:lnSpc>
+                <a:spcPct val="93000"/>
+              </a:lnSpc>
+              <a:spcBef>
+                <a:spcPts val="426"/>
+              </a:spcBef>
+              <a:buFont typeface="Arial" pitchFamily="34" charset="0"/>
+              <a:buChar char="•"/>
+              <a:tabLst>
+                <a:tab pos="0" algn="l"/>
+                <a:tab pos="864931" algn="l"/>
+                <a:tab pos="1729862" algn="l"/>
+                <a:tab pos="2594793" algn="l"/>
+                <a:tab pos="3459724" algn="l"/>
+                <a:tab pos="4324655" algn="l"/>
+                <a:tab pos="5189586" algn="l"/>
+                <a:tab pos="6054517" algn="l"/>
+                <a:tab pos="6919448" algn="l"/>
+                <a:tab pos="7784379" algn="l"/>
+                <a:tab pos="8649310" algn="l"/>
+                <a:tab pos="9514241" algn="l"/>
+              </a:tabLst>
+            </a:pPr>
+            <a:r>
+              <a:rPr lang="en-US" dirty="0" smtClean="0">
+                <a:latin typeface="Arial" charset="0"/>
+                <a:cs typeface="Arial" charset="0"/>
+              </a:rPr>
+              <a:t>Context: bridges to enable mylyn to understand structure of domain objects for DOI and focusing</a:t>
+            </a:r>
+          </a:p>
+          <a:p>
+            <a:pPr>
+              <a:lnSpc>
+                <a:spcPct val="93000"/>
+              </a:lnSpc>
+              <a:spcBef>
+                <a:spcPts val="426"/>
+              </a:spcBef>
+              <a:buFont typeface="Arial" pitchFamily="34" charset="0"/>
+              <a:buChar char="•"/>
+              <a:tabLst>
+                <a:tab pos="0" algn="l"/>
+                <a:tab pos="864931" algn="l"/>
+                <a:tab pos="1729862" algn="l"/>
+                <a:tab pos="2594793" algn="l"/>
+                <a:tab pos="3459724" algn="l"/>
+                <a:tab pos="4324655" algn="l"/>
+                <a:tab pos="5189586" algn="l"/>
+                <a:tab pos="6054517" algn="l"/>
+                <a:tab pos="6919448" algn="l"/>
+                <a:tab pos="7784379" algn="l"/>
+                <a:tab pos="8649310" algn="l"/>
+                <a:tab pos="9514241" algn="l"/>
+              </a:tabLst>
+            </a:pPr>
+            <a:r>
+              <a:rPr lang="en-US" dirty="0" smtClean="0">
+                <a:latin typeface="Arial" charset="0"/>
+                <a:cs typeface="Arial" charset="0"/>
+              </a:rPr>
+              <a:t>Team: change set management</a:t>
+            </a:r>
+          </a:p>
+          <a:p>
+            <a:pPr>
+              <a:lnSpc>
+                <a:spcPct val="93000"/>
+              </a:lnSpc>
+              <a:spcBef>
+                <a:spcPts val="426"/>
+              </a:spcBef>
+              <a:buFont typeface="Arial" pitchFamily="34" charset="0"/>
+              <a:buChar char="•"/>
+              <a:tabLst>
+                <a:tab pos="0" algn="l"/>
+                <a:tab pos="864931" algn="l"/>
+                <a:tab pos="1729862" algn="l"/>
+                <a:tab pos="2594793" algn="l"/>
+                <a:tab pos="3459724" algn="l"/>
+                <a:tab pos="4324655" algn="l"/>
+                <a:tab pos="5189586" algn="l"/>
+                <a:tab pos="6054517" algn="l"/>
+                <a:tab pos="6919448" algn="l"/>
+                <a:tab pos="7784379" algn="l"/>
+                <a:tab pos="8649310" algn="l"/>
+                <a:tab pos="9514241" algn="l"/>
+              </a:tabLst>
+            </a:pPr>
+            <a:r>
+              <a:rPr lang="en-US" dirty="0" smtClean="0">
+                <a:latin typeface="Arial" charset="0"/>
+                <a:cs typeface="Arial" charset="0"/>
+              </a:rPr>
+              <a:t>Monitor: workbench interaction monitoring</a:t>
+            </a:r>
+          </a:p>
+          <a:p>
+            <a:pPr>
+              <a:lnSpc>
+                <a:spcPct val="93000"/>
+              </a:lnSpc>
+              <a:spcBef>
+                <a:spcPts val="426"/>
+              </a:spcBef>
+              <a:buFont typeface="Arial" pitchFamily="34" charset="0"/>
+              <a:buChar char="•"/>
+              <a:tabLst>
+                <a:tab pos="0" algn="l"/>
+                <a:tab pos="864931" algn="l"/>
+                <a:tab pos="1729862" algn="l"/>
+                <a:tab pos="2594793" algn="l"/>
+                <a:tab pos="3459724" algn="l"/>
+                <a:tab pos="4324655" algn="l"/>
+                <a:tab pos="5189586" algn="l"/>
+                <a:tab pos="6054517" algn="l"/>
+                <a:tab pos="6919448" algn="l"/>
+                <a:tab pos="7784379" algn="l"/>
+                <a:tab pos="8649310" algn="l"/>
+                <a:tab pos="9514241" algn="l"/>
+              </a:tabLst>
+            </a:pPr>
+            <a:r>
+              <a:rPr lang="en-US" dirty="0" err="1" smtClean="0">
+                <a:latin typeface="Arial" charset="0"/>
+                <a:cs typeface="Arial" charset="0"/>
+              </a:rPr>
+              <a:t>WikiText</a:t>
+            </a:r>
+            <a:r>
+              <a:rPr lang="en-US" dirty="0" smtClean="0">
+                <a:latin typeface="Arial" charset="0"/>
+                <a:cs typeface="Arial" charset="0"/>
+              </a:rPr>
+              <a:t>: wiki</a:t>
+            </a:r>
+            <a:r>
+              <a:rPr lang="en-US" baseline="0" dirty="0" smtClean="0">
+                <a:latin typeface="Arial" charset="0"/>
+                <a:cs typeface="Arial" charset="0"/>
+              </a:rPr>
+              <a:t> rendering with extensible support for multiple languages</a:t>
+            </a:r>
+          </a:p>
+          <a:p>
+            <a:pPr>
+              <a:lnSpc>
+                <a:spcPct val="93000"/>
+              </a:lnSpc>
+              <a:spcBef>
+                <a:spcPts val="426"/>
+              </a:spcBef>
+              <a:buFont typeface="Arial" charset="0"/>
+              <a:buChar char="•"/>
+              <a:tabLst>
+                <a:tab pos="0" algn="l"/>
+                <a:tab pos="864931" algn="l"/>
+                <a:tab pos="1729862" algn="l"/>
+                <a:tab pos="2594793" algn="l"/>
+                <a:tab pos="3459724" algn="l"/>
+                <a:tab pos="4324655" algn="l"/>
+                <a:tab pos="5189586" algn="l"/>
+                <a:tab pos="6054517" algn="l"/>
+                <a:tab pos="6919448" algn="l"/>
+                <a:tab pos="7784379" algn="l"/>
+                <a:tab pos="8649310" algn="l"/>
+                <a:tab pos="9514241" algn="l"/>
+              </a:tabLst>
+            </a:pPr>
+            <a:r>
+              <a:rPr lang="en-US" baseline="0" dirty="0" smtClean="0">
+                <a:latin typeface="Arial" charset="0"/>
+                <a:cs typeface="Arial" charset="0"/>
+              </a:rPr>
+              <a:t>Tasks core framework is reusable in standalone and headless applications</a:t>
+            </a:r>
           </a:p>
         </p:txBody>
       </p:sp>
       <p:sp>
         <p:nvSpPr>
-          <p:cNvPr id="4" name="Slide Number Placeholder 3"/>
+          <p:cNvPr id="4" name="Header Placeholder 3"/>
           <p:cNvSpPr>
             <a:spLocks noGrp="1"/>
           </p:cNvSpPr>
           <p:nvPr>
-            <p:ph type="sldNum" sz="quarter" idx="10"/>
+            <p:ph type="hdr" sz="quarter" idx="10"/>
+          </p:nvPr>
+        </p:nvSpPr>
+        <p:spPr>
+          <a:xfrm>
+            <a:off x="0" y="1"/>
+            <a:ext cx="2972098" cy="456595"/>
+          </a:xfrm>
+          <a:prstGeom prst="rect">
+            <a:avLst/>
+          </a:prstGeom>
+        </p:spPr>
+        <p:txBody>
+          <a:bodyPr lIns="86493" tIns="43247" rIns="86493" bIns="43247"/>
+          <a:lstStyle/>
+          <a:p>
+            <a:pPr>
+              <a:defRPr/>
+            </a:pPr>
+            <a:r>
+              <a:rPr lang="en-US" altLang="en-US" smtClean="0"/>
+              <a:t>Tasktop Training</a:t>
+            </a:r>
+            <a:endParaRPr lang="en-US" altLang="en-US"/>
+          </a:p>
+        </p:txBody>
+      </p:sp>
+      <p:sp>
+        <p:nvSpPr>
+          <p:cNvPr id="5" name="Slide Number Placeholder 4"/>
+          <p:cNvSpPr>
+            <a:spLocks noGrp="1"/>
+          </p:cNvSpPr>
+          <p:nvPr>
+            <p:ph type="sldNum" sz="quarter" idx="11"/>
           </p:nvPr>
         </p:nvSpPr>
         <p:spPr/>
@@ -773,12 +1640,17 @@
           <a:bodyPr/>
           <a:lstStyle/>
           <a:p>
-            <a:fld id="{7D8C2C35-2B8A-446E-BEC0-FD36716C29AC}" type="slidenum">
-              <a:rPr lang="de-DE" smtClean="0"/>
-              <a:pPr/>
+            <a:pPr>
+              <a:defRPr/>
+            </a:pPr>
+            <a:fld id="{0B2F7CE2-82FC-4367-A039-6021A2C2E08F}" type="slidenum">
+              <a:rPr lang="en-US" altLang="en-US" smtClean="0"/>
+              <a:pPr>
+                <a:defRPr/>
+              </a:pPr>
               <a:t>4</a:t>
             </a:fld>
-            <a:endParaRPr lang="de-DE" dirty="0"/>
+            <a:endParaRPr lang="en-US" altLang="en-US"/>
           </a:p>
         </p:txBody>
       </p:sp>
@@ -973,31 +1845,7 @@
       </p:grpSpPr>
       <p:sp>
         <p:nvSpPr>
-          <p:cNvPr id="4" name="Slide Number Placeholder 3"/>
-          <p:cNvSpPr>
-            <a:spLocks noGrp="1"/>
-          </p:cNvSpPr>
-          <p:nvPr>
-            <p:ph type="sldNum" sz="quarter" idx="10"/>
-          </p:nvPr>
-        </p:nvSpPr>
-        <p:spPr/>
-        <p:txBody>
-          <a:bodyPr/>
-          <a:lstStyle/>
-          <a:p>
-            <a:fld id="{7D8C2C35-2B8A-446E-BEC0-FD36716C29AC}" type="slidenum">
-              <a:rPr lang="de-DE" smtClean="0"/>
-              <a:pPr/>
-              <a:t>7</a:t>
-            </a:fld>
-            <a:endParaRPr lang="de-DE" dirty="0"/>
-          </a:p>
-        </p:txBody>
-      </p:sp>
-      <p:sp>
-        <p:nvSpPr>
-          <p:cNvPr id="15" name="Slide Image Placeholder 14"/>
+          <p:cNvPr id="2" name="Slide Image Placeholder 1"/>
           <p:cNvSpPr>
             <a:spLocks noGrp="1" noRot="1" noChangeAspect="1"/>
           </p:cNvSpPr>
@@ -1009,7 +1857,7 @@
       </p:sp>
       <p:sp>
         <p:nvSpPr>
-          <p:cNvPr id="16" name="Notes Placeholder 15"/>
+          <p:cNvPr id="3" name="Notes Placeholder 2"/>
           <p:cNvSpPr>
             <a:spLocks noGrp="1"/>
           </p:cNvSpPr>
@@ -1024,6 +1872,30 @@
           </a:bodyPr>
           <a:lstStyle/>
           <a:p>
+            <a:endParaRPr lang="en-US" dirty="0"/>
+          </a:p>
+        </p:txBody>
+      </p:sp>
+      <p:sp>
+        <p:nvSpPr>
+          <p:cNvPr id="4" name="Slide Number Placeholder 3"/>
+          <p:cNvSpPr>
+            <a:spLocks noGrp="1"/>
+          </p:cNvSpPr>
+          <p:nvPr>
+            <p:ph type="sldNum" sz="quarter" idx="10"/>
+          </p:nvPr>
+        </p:nvSpPr>
+        <p:spPr/>
+        <p:txBody>
+          <a:bodyPr/>
+          <a:lstStyle/>
+          <a:p>
+            <a:fld id="{7D8C2C35-2B8A-446E-BEC0-FD36716C29AC}" type="slidenum">
+              <a:rPr lang="de-DE" smtClean="0"/>
+              <a:pPr/>
+              <a:t>7</a:t>
+            </a:fld>
             <a:endParaRPr lang="de-DE" dirty="0"/>
           </a:p>
         </p:txBody>
@@ -1105,6 +1977,88 @@
               <a:rPr lang="de-DE" smtClean="0"/>
               <a:pPr/>
               <a:t>8</a:t>
+            </a:fld>
+            <a:endParaRPr lang="de-DE" dirty="0"/>
+          </a:p>
+        </p:txBody>
+      </p:sp>
+    </p:spTree>
+  </p:cSld>
+  <p:clrMapOvr>
+    <a:masterClrMapping/>
+  </p:clrMapOvr>
+</p:notes>
+</file>
+
+<file path=ppt/notesSlides/notesSlide9.xml><?xml version="1.0" encoding="utf-8"?>
+<p:notes xmlns:a="http://schemas.openxmlformats.org/drawingml/2006/main" xmlns:r="http://schemas.openxmlformats.org/officeDocument/2006/relationships" xmlns:p="http://schemas.openxmlformats.org/presentationml/2006/main">
+  <p:cSld>
+    <p:spTree>
+      <p:nvGrpSpPr>
+        <p:cNvPr id="1" name=""/>
+        <p:cNvGrpSpPr/>
+        <p:nvPr/>
+      </p:nvGrpSpPr>
+      <p:grpSpPr>
+        <a:xfrm>
+          <a:off x="0" y="0"/>
+          <a:ext cx="0" cy="0"/>
+          <a:chOff x="0" y="0"/>
+          <a:chExt cx="0" cy="0"/>
+        </a:xfrm>
+      </p:grpSpPr>
+      <p:sp>
+        <p:nvSpPr>
+          <p:cNvPr id="2" name="Slide Image Placeholder 1"/>
+          <p:cNvSpPr>
+            <a:spLocks noGrp="1" noRot="1" noChangeAspect="1"/>
+          </p:cNvSpPr>
+          <p:nvPr>
+            <p:ph type="sldImg"/>
+          </p:nvPr>
+        </p:nvSpPr>
+        <p:spPr/>
+      </p:sp>
+      <p:sp>
+        <p:nvSpPr>
+          <p:cNvPr id="3" name="Notes Placeholder 2"/>
+          <p:cNvSpPr>
+            <a:spLocks noGrp="1"/>
+          </p:cNvSpPr>
+          <p:nvPr>
+            <p:ph type="body" idx="1"/>
+          </p:nvPr>
+        </p:nvSpPr>
+        <p:spPr/>
+        <p:txBody>
+          <a:bodyPr>
+            <a:normAutofit/>
+          </a:bodyPr>
+          <a:lstStyle/>
+          <a:p>
+            <a:endParaRPr lang="en-US" dirty="0"/>
+          </a:p>
+        </p:txBody>
+      </p:sp>
+      <p:sp>
+        <p:nvSpPr>
+          <p:cNvPr id="4" name="Slide Number Placeholder 3"/>
+          <p:cNvSpPr>
+            <a:spLocks noGrp="1"/>
+          </p:cNvSpPr>
+          <p:nvPr>
+            <p:ph type="sldNum" sz="quarter" idx="10"/>
+          </p:nvPr>
+        </p:nvSpPr>
+        <p:spPr/>
+        <p:txBody>
+          <a:bodyPr/>
+          <a:lstStyle/>
+          <a:p>
+            <a:fld id="{7D8C2C35-2B8A-446E-BEC0-FD36716C29AC}" type="slidenum">
+              <a:rPr lang="de-DE" smtClean="0"/>
+              <a:pPr/>
+              <a:t>9</a:t>
             </a:fld>
             <a:endParaRPr lang="de-DE" dirty="0"/>
           </a:p>
@@ -1252,7 +2206,7 @@
           <a:blip r:embed="rId2" cstate="print">
             <a:extLst>
               <a:ext uri="{28A0092B-C50C-407E-A947-70E740481C1C}">
-                <a14:useLocalDpi xmlns="" xmlns:a14="http://schemas.microsoft.com/office/drawing/2010/main" val="0"/>
+                <a14:useLocalDpi xmlns:a14="http://schemas.microsoft.com/office/drawing/2010/main" xmlns="" val="0"/>
               </a:ext>
             </a:extLst>
           </a:blip>
@@ -3104,7 +4058,7 @@
           <a:blip r:embed="rId2" cstate="print">
             <a:extLst>
               <a:ext uri="{28A0092B-C50C-407E-A947-70E740481C1C}">
-                <a14:useLocalDpi xmlns="" xmlns:a14="http://schemas.microsoft.com/office/drawing/2010/main" val="0"/>
+                <a14:useLocalDpi xmlns:a14="http://schemas.microsoft.com/office/drawing/2010/main" xmlns="" val="0"/>
               </a:ext>
             </a:extLst>
           </a:blip>
@@ -4587,6 +5541,309 @@
 </p:sldLayout>
 </file>
 
+<file path=ppt/slideLayouts/slideLayout22.xml><?xml version="1.0" encoding="utf-8"?>
+<p:sldLayout xmlns:a="http://schemas.openxmlformats.org/drawingml/2006/main" xmlns:r="http://schemas.openxmlformats.org/officeDocument/2006/relationships" xmlns:p="http://schemas.openxmlformats.org/presentationml/2006/main" preserve="1" userDrawn="1">
+  <p:cSld name="Custom Layout">
+    <p:spTree>
+      <p:nvGrpSpPr>
+        <p:cNvPr id="1" name=""/>
+        <p:cNvGrpSpPr/>
+        <p:nvPr/>
+      </p:nvGrpSpPr>
+      <p:grpSpPr>
+        <a:xfrm>
+          <a:off x="0" y="0"/>
+          <a:ext cx="0" cy="0"/>
+          <a:chOff x="0" y="0"/>
+          <a:chExt cx="0" cy="0"/>
+        </a:xfrm>
+      </p:grpSpPr>
+      <p:sp>
+        <p:nvSpPr>
+          <p:cNvPr id="2" name="Title 1"/>
+          <p:cNvSpPr>
+            <a:spLocks noGrp="1"/>
+          </p:cNvSpPr>
+          <p:nvPr>
+            <p:ph type="title"/>
+          </p:nvPr>
+        </p:nvSpPr>
+        <p:spPr/>
+        <p:txBody>
+          <a:bodyPr/>
+          <a:lstStyle/>
+          <a:p>
+            <a:r>
+              <a:rPr lang="en-US" smtClean="0"/>
+              <a:t>Click to edit Master title style</a:t>
+            </a:r>
+            <a:endParaRPr lang="en-US"/>
+          </a:p>
+        </p:txBody>
+      </p:sp>
+      <p:sp>
+        <p:nvSpPr>
+          <p:cNvPr id="3" name="Rectangle 2"/>
+          <p:cNvSpPr/>
+          <p:nvPr userDrawn="1"/>
+        </p:nvSpPr>
+        <p:spPr bwMode="gray">
+          <a:xfrm>
+            <a:off x="356461" y="6540285"/>
+            <a:ext cx="1828800" cy="317715"/>
+          </a:xfrm>
+          <a:prstGeom prst="rect">
+            <a:avLst/>
+          </a:prstGeom>
+          <a:solidFill>
+            <a:schemeClr val="tx1"/>
+          </a:solidFill>
+          <a:ln w="6350" algn="ctr">
+            <a:noFill/>
+            <a:miter lim="800000"/>
+            <a:headEnd/>
+            <a:tailEnd/>
+          </a:ln>
+        </p:spPr>
+        <p:txBody>
+          <a:bodyPr lIns="90000" tIns="72000" rIns="90000" bIns="72000" rtlCol="0" anchor="ctr"/>
+          <a:lstStyle/>
+          <a:p>
+            <a:pPr marR="0" algn="ctr" defTabSz="914400" eaLnBrk="1" fontAlgn="base" latinLnBrk="0" hangingPunct="1">
+              <a:lnSpc>
+                <a:spcPct val="100000"/>
+              </a:lnSpc>
+              <a:spcBef>
+                <a:spcPct val="50000"/>
+              </a:spcBef>
+              <a:spcAft>
+                <a:spcPct val="0"/>
+              </a:spcAft>
+              <a:buClr>
+                <a:srgbClr val="F0AB00"/>
+              </a:buClr>
+              <a:buSzPct val="80000"/>
+              <a:tabLst/>
+            </a:pPr>
+            <a:endParaRPr kumimoji="0" lang="en-US" b="0" i="0" u="none" strike="noStrike" kern="0" cap="none" spc="0" normalizeH="0" baseline="0" noProof="0" dirty="0" smtClean="0">
+              <a:ln>
+                <a:noFill/>
+              </a:ln>
+              <a:effectLst/>
+              <a:uLnTx/>
+              <a:uFillTx/>
+              <a:ea typeface="Arial Unicode MS" pitchFamily="34" charset="-128"/>
+              <a:cs typeface="Arial Unicode MS" pitchFamily="34" charset="-128"/>
+            </a:endParaRPr>
+          </a:p>
+        </p:txBody>
+      </p:sp>
+      <p:sp>
+        <p:nvSpPr>
+          <p:cNvPr id="4" name="Rectangle 3"/>
+          <p:cNvSpPr/>
+          <p:nvPr userDrawn="1"/>
+        </p:nvSpPr>
+        <p:spPr bwMode="gray">
+          <a:xfrm>
+            <a:off x="6607444" y="6540285"/>
+            <a:ext cx="1828800" cy="317715"/>
+          </a:xfrm>
+          <a:prstGeom prst="rect">
+            <a:avLst/>
+          </a:prstGeom>
+          <a:solidFill>
+            <a:schemeClr val="tx1"/>
+          </a:solidFill>
+          <a:ln w="6350" algn="ctr">
+            <a:noFill/>
+            <a:miter lim="800000"/>
+            <a:headEnd/>
+            <a:tailEnd/>
+          </a:ln>
+        </p:spPr>
+        <p:txBody>
+          <a:bodyPr lIns="90000" tIns="72000" rIns="90000" bIns="72000" rtlCol="0" anchor="ctr"/>
+          <a:lstStyle/>
+          <a:p>
+            <a:pPr marR="0" algn="ctr" defTabSz="914400" eaLnBrk="1" fontAlgn="base" latinLnBrk="0" hangingPunct="1">
+              <a:lnSpc>
+                <a:spcPct val="100000"/>
+              </a:lnSpc>
+              <a:spcBef>
+                <a:spcPct val="50000"/>
+              </a:spcBef>
+              <a:spcAft>
+                <a:spcPct val="0"/>
+              </a:spcAft>
+              <a:buClr>
+                <a:srgbClr val="F0AB00"/>
+              </a:buClr>
+              <a:buSzPct val="80000"/>
+              <a:tabLst/>
+            </a:pPr>
+            <a:endParaRPr kumimoji="0" lang="en-US" b="0" i="0" u="none" strike="noStrike" kern="0" cap="none" spc="0" normalizeH="0" baseline="0" noProof="0" dirty="0" smtClean="0">
+              <a:ln>
+                <a:noFill/>
+              </a:ln>
+              <a:effectLst/>
+              <a:uLnTx/>
+              <a:uFillTx/>
+              <a:ea typeface="Arial Unicode MS" pitchFamily="34" charset="-128"/>
+              <a:cs typeface="Arial Unicode MS" pitchFamily="34" charset="-128"/>
+            </a:endParaRPr>
+          </a:p>
+        </p:txBody>
+      </p:sp>
+      <p:sp>
+        <p:nvSpPr>
+          <p:cNvPr id="5" name="Rectangle 4"/>
+          <p:cNvSpPr/>
+          <p:nvPr userDrawn="1"/>
+        </p:nvSpPr>
+        <p:spPr bwMode="gray">
+          <a:xfrm>
+            <a:off x="247973" y="1162373"/>
+            <a:ext cx="8686800" cy="131735"/>
+          </a:xfrm>
+          <a:prstGeom prst="rect">
+            <a:avLst/>
+          </a:prstGeom>
+          <a:solidFill>
+            <a:schemeClr val="bg1"/>
+          </a:solidFill>
+          <a:ln w="6350" algn="ctr">
+            <a:noFill/>
+            <a:miter lim="800000"/>
+            <a:headEnd/>
+            <a:tailEnd/>
+          </a:ln>
+        </p:spPr>
+        <p:txBody>
+          <a:bodyPr lIns="90000" tIns="72000" rIns="90000" bIns="72000" rtlCol="0" anchor="ctr"/>
+          <a:lstStyle/>
+          <a:p>
+            <a:pPr marR="0" algn="ctr" defTabSz="914400" eaLnBrk="1" fontAlgn="base" latinLnBrk="0" hangingPunct="1">
+              <a:lnSpc>
+                <a:spcPct val="100000"/>
+              </a:lnSpc>
+              <a:spcBef>
+                <a:spcPct val="50000"/>
+              </a:spcBef>
+              <a:spcAft>
+                <a:spcPct val="0"/>
+              </a:spcAft>
+              <a:buClr>
+                <a:srgbClr val="F0AB00"/>
+              </a:buClr>
+              <a:buSzPct val="80000"/>
+              <a:tabLst/>
+            </a:pPr>
+            <a:endParaRPr kumimoji="0" lang="en-US" b="0" i="0" u="none" strike="noStrike" kern="0" cap="none" spc="0" normalizeH="0" baseline="0" noProof="0" dirty="0" smtClean="0">
+              <a:ln>
+                <a:noFill/>
+              </a:ln>
+              <a:effectLst/>
+              <a:uLnTx/>
+              <a:uFillTx/>
+              <a:ea typeface="Arial Unicode MS" pitchFamily="34" charset="-128"/>
+              <a:cs typeface="Arial Unicode MS" pitchFamily="34" charset="-128"/>
+            </a:endParaRPr>
+          </a:p>
+        </p:txBody>
+      </p:sp>
+    </p:spTree>
+  </p:cSld>
+  <p:clrMapOvr>
+    <a:masterClrMapping/>
+  </p:clrMapOvr>
+</p:sldLayout>
+</file>
+
+<file path=ppt/slideLayouts/slideLayout23.xml><?xml version="1.0" encoding="utf-8"?>
+<p:sldLayout xmlns:a="http://schemas.openxmlformats.org/drawingml/2006/main" xmlns:r="http://schemas.openxmlformats.org/officeDocument/2006/relationships" xmlns:p="http://schemas.openxmlformats.org/presentationml/2006/main" userDrawn="1">
+  <p:cSld name="4_Title Slide">
+    <p:spTree>
+      <p:nvGrpSpPr>
+        <p:cNvPr id="1" name=""/>
+        <p:cNvGrpSpPr/>
+        <p:nvPr/>
+      </p:nvGrpSpPr>
+      <p:grpSpPr>
+        <a:xfrm>
+          <a:off x="0" y="0"/>
+          <a:ext cx="0" cy="0"/>
+          <a:chOff x="0" y="0"/>
+          <a:chExt cx="0" cy="0"/>
+        </a:xfrm>
+      </p:grpSpPr>
+      <p:sp>
+        <p:nvSpPr>
+          <p:cNvPr id="2" name="Rectangle 1"/>
+          <p:cNvSpPr/>
+          <p:nvPr userDrawn="1"/>
+        </p:nvSpPr>
+        <p:spPr bwMode="auto">
+          <a:xfrm rot="10800000">
+            <a:off x="0" y="0"/>
+            <a:ext cx="9144000" cy="6858000"/>
+          </a:xfrm>
+          <a:prstGeom prst="rect">
+            <a:avLst/>
+          </a:prstGeom>
+          <a:gradFill>
+            <a:gsLst>
+              <a:gs pos="0">
+                <a:srgbClr val="4B6283"/>
+              </a:gs>
+              <a:gs pos="50000">
+                <a:srgbClr val="223A58"/>
+              </a:gs>
+            </a:gsLst>
+            <a:lin ang="5400000" scaled="0"/>
+          </a:gradFill>
+          <a:ln w="9525" cap="flat" cmpd="sng" algn="ctr">
+            <a:noFill/>
+            <a:prstDash val="solid"/>
+            <a:round/>
+            <a:headEnd type="none" w="med" len="med"/>
+            <a:tailEnd type="none" w="med" len="med"/>
+          </a:ln>
+          <a:effectLst/>
+        </p:spPr>
+        <p:txBody>
+          <a:bodyPr lIns="98309" tIns="49155" rIns="98309" bIns="49155"/>
+          <a:lstStyle/>
+          <a:p>
+            <a:pPr>
+              <a:defRPr/>
+            </a:pPr>
+            <a:endParaRPr lang="en-US">
+              <a:solidFill>
+                <a:srgbClr val="F2F2F2"/>
+              </a:solidFill>
+            </a:endParaRPr>
+          </a:p>
+        </p:txBody>
+      </p:sp>
+    </p:spTree>
+  </p:cSld>
+  <p:clrMapOvr>
+    <a:masterClrMapping/>
+  </p:clrMapOvr>
+  <p:transition>
+    <p:fade/>
+  </p:transition>
+  <p:timing>
+    <p:tnLst>
+      <p:par>
+        <p:cTn id="1" dur="indefinite" restart="never" nodeType="tmRoot"/>
+      </p:par>
+    </p:tnLst>
+  </p:timing>
+</p:sldLayout>
+</file>
+
 <file path=ppt/slideLayouts/slideLayout3.xml><?xml version="1.0" encoding="utf-8"?>
 <p:sldLayout xmlns:a="http://schemas.openxmlformats.org/drawingml/2006/main" xmlns:r="http://schemas.openxmlformats.org/officeDocument/2006/relationships" xmlns:p="http://schemas.openxmlformats.org/presentationml/2006/main" showMasterSp="0" preserve="1" userDrawn="1">
   <p:cSld name="Title - short">
@@ -4662,7 +5919,7 @@
           <a:blip r:embed="rId2" cstate="print">
             <a:extLst>
               <a:ext uri="{28A0092B-C50C-407E-A947-70E740481C1C}">
-                <a14:useLocalDpi xmlns="" xmlns:a14="http://schemas.microsoft.com/office/drawing/2010/main" val="0"/>
+                <a14:useLocalDpi xmlns:a14="http://schemas.microsoft.com/office/drawing/2010/main" xmlns="" val="0"/>
               </a:ext>
             </a:extLst>
           </a:blip>
@@ -4865,7 +6122,7 @@
           <a:blip r:embed="rId2" cstate="print">
             <a:extLst>
               <a:ext uri="{28A0092B-C50C-407E-A947-70E740481C1C}">
-                <a14:useLocalDpi xmlns="" xmlns:a14="http://schemas.microsoft.com/office/drawing/2010/main" val="0"/>
+                <a14:useLocalDpi xmlns:a14="http://schemas.microsoft.com/office/drawing/2010/main" xmlns="" val="0"/>
               </a:ext>
             </a:extLst>
           </a:blip>
@@ -5241,7 +6498,7 @@
           <a:blip r:embed="rId2" cstate="print">
             <a:extLst>
               <a:ext uri="{28A0092B-C50C-407E-A947-70E740481C1C}">
-                <a14:useLocalDpi xmlns="" xmlns:a14="http://schemas.microsoft.com/office/drawing/2010/main" val="0"/>
+                <a14:useLocalDpi xmlns:a14="http://schemas.microsoft.com/office/drawing/2010/main" xmlns="" val="0"/>
               </a:ext>
             </a:extLst>
           </a:blip>
@@ -5469,7 +6726,7 @@
           <a:blip r:embed="rId2" cstate="print">
             <a:extLst>
               <a:ext uri="{28A0092B-C50C-407E-A947-70E740481C1C}">
-                <a14:useLocalDpi xmlns="" xmlns:a14="http://schemas.microsoft.com/office/drawing/2010/main" val="0"/>
+                <a14:useLocalDpi xmlns:a14="http://schemas.microsoft.com/office/drawing/2010/main" xmlns="" val="0"/>
               </a:ext>
             </a:extLst>
           </a:blip>
@@ -5689,7 +6946,7 @@
           <a:blip r:embed="rId2" cstate="print">
             <a:extLst>
               <a:ext uri="{28A0092B-C50C-407E-A947-70E740481C1C}">
-                <a14:useLocalDpi xmlns="" xmlns:a14="http://schemas.microsoft.com/office/drawing/2010/main" val="0"/>
+                <a14:useLocalDpi xmlns:a14="http://schemas.microsoft.com/office/drawing/2010/main" xmlns="" val="0"/>
               </a:ext>
             </a:extLst>
           </a:blip>
@@ -6398,6 +7655,8 @@
     <p:sldLayoutId id="2147483692" r:id="rId19"/>
     <p:sldLayoutId id="2147483674" r:id="rId20"/>
     <p:sldLayoutId id="2147483705" r:id="rId21"/>
+    <p:sldLayoutId id="2147483711" r:id="rId22"/>
+    <p:sldLayoutId id="2147483712" r:id="rId23"/>
   </p:sldLayoutIdLst>
   <p:hf hdr="0" ftr="0" dt="0"/>
   <p:txStyles>
@@ -6787,7 +8046,7 @@
           <a:blip r:embed="rId4" cstate="print">
             <a:extLst>
               <a:ext uri="{28A0092B-C50C-407E-A947-70E740481C1C}">
-                <a14:useLocalDpi xmlns="" xmlns:a14="http://schemas.microsoft.com/office/drawing/2010/main" val="0"/>
+                <a14:useLocalDpi xmlns:a14="http://schemas.microsoft.com/office/drawing/2010/main" xmlns="" val="0"/>
               </a:ext>
             </a:extLst>
           </a:blip>
@@ -6934,7 +8193,1686 @@
 </p:sld>
 </file>
 
-<file path=ppt/slides/slide2.xml><?xml version="1.0" encoding="utf-8"?>
+<file path=ppt/slides/slide10.xml><?xml version="1.0" encoding="utf-8"?>
+<p:sld xmlns:a="http://schemas.openxmlformats.org/drawingml/2006/main" xmlns:r="http://schemas.openxmlformats.org/officeDocument/2006/relationships" xmlns:p="http://schemas.openxmlformats.org/presentationml/2006/main">
+  <p:cSld>
+    <p:spTree>
+      <p:nvGrpSpPr>
+        <p:cNvPr id="1" name=""/>
+        <p:cNvGrpSpPr/>
+        <p:nvPr/>
+      </p:nvGrpSpPr>
+      <p:grpSpPr>
+        <a:xfrm>
+          <a:off x="0" y="0"/>
+          <a:ext cx="0" cy="0"/>
+          <a:chOff x="0" y="0"/>
+          <a:chExt cx="0" cy="0"/>
+        </a:xfrm>
+      </p:grpSpPr>
+      <p:pic>
+        <p:nvPicPr>
+          <p:cNvPr id="4" name="Picture 3" descr="keynote-screenshots.png"/>
+          <p:cNvPicPr>
+            <a:picLocks noChangeAspect="1"/>
+          </p:cNvPicPr>
+          <p:nvPr/>
+        </p:nvPicPr>
+        <p:blipFill>
+          <a:blip r:embed="rId2" cstate="print">
+            <a:lum bright="-20000"/>
+            <a:extLst>
+              <a:ext uri="{28A0092B-C50C-407E-A947-70E740481C1C}">
+                <a14:useLocalDpi xmlns:a14="http://schemas.microsoft.com/office/drawing/2010/main" xmlns=""/>
+              </a:ext>
+            </a:extLst>
+          </a:blip>
+          <a:stretch>
+            <a:fillRect/>
+          </a:stretch>
+        </p:blipFill>
+        <p:spPr>
+          <a:xfrm>
+            <a:off x="2079305" y="4749866"/>
+            <a:ext cx="780816" cy="936980"/>
+          </a:xfrm>
+          <a:prstGeom prst="rect">
+            <a:avLst/>
+          </a:prstGeom>
+        </p:spPr>
+      </p:pic>
+      <p:pic>
+        <p:nvPicPr>
+          <p:cNvPr id="5" name="Picture 4" descr="keynote-screenshots.png"/>
+          <p:cNvPicPr>
+            <a:picLocks noChangeAspect="1"/>
+          </p:cNvPicPr>
+          <p:nvPr/>
+        </p:nvPicPr>
+        <p:blipFill>
+          <a:blip r:embed="rId3" cstate="print">
+            <a:lum bright="-10000"/>
+            <a:extLst>
+              <a:ext uri="{28A0092B-C50C-407E-A947-70E740481C1C}">
+                <a14:useLocalDpi xmlns:a14="http://schemas.microsoft.com/office/drawing/2010/main" xmlns=""/>
+              </a:ext>
+            </a:extLst>
+          </a:blip>
+          <a:stretch>
+            <a:fillRect/>
+          </a:stretch>
+        </p:blipFill>
+        <p:spPr>
+          <a:xfrm>
+            <a:off x="6922658" y="405104"/>
+            <a:ext cx="589511" cy="773219"/>
+          </a:xfrm>
+          <a:prstGeom prst="rect">
+            <a:avLst/>
+          </a:prstGeom>
+        </p:spPr>
+      </p:pic>
+      <p:sp>
+        <p:nvSpPr>
+          <p:cNvPr id="6" name="AutoShape 19"/>
+          <p:cNvSpPr>
+            <a:spLocks noChangeArrowheads="1"/>
+          </p:cNvSpPr>
+          <p:nvPr/>
+        </p:nvSpPr>
+        <p:spPr bwMode="auto">
+          <a:xfrm>
+            <a:off x="3041250" y="2579913"/>
+            <a:ext cx="1406682" cy="636284"/>
+          </a:xfrm>
+          <a:prstGeom prst="roundRect">
+            <a:avLst>
+              <a:gd name="adj" fmla="val 7861"/>
+            </a:avLst>
+          </a:prstGeom>
+          <a:gradFill flip="none" rotWithShape="1">
+            <a:gsLst>
+              <a:gs pos="64000">
+                <a:srgbClr val="F2F2F2">
+                  <a:lumMod val="10000"/>
+                </a:srgbClr>
+              </a:gs>
+              <a:gs pos="12000">
+                <a:srgbClr val="000000">
+                  <a:lumMod val="75000"/>
+                  <a:lumOff val="25000"/>
+                </a:srgbClr>
+              </a:gs>
+            </a:gsLst>
+            <a:lin ang="5400000" scaled="1"/>
+            <a:tileRect/>
+          </a:gradFill>
+          <a:ln w="25400" algn="ctr">
+            <a:solidFill>
+              <a:srgbClr val="8E8E8E"/>
+            </a:solidFill>
+            <a:round/>
+            <a:headEnd/>
+            <a:tailEnd/>
+          </a:ln>
+        </p:spPr>
+        <p:txBody>
+          <a:bodyPr wrap="none" lIns="98309" tIns="0" rIns="98309" bIns="49155" anchor="t"/>
+          <a:lstStyle/>
+          <a:p>
+            <a:pPr algn="ctr" defTabSz="983110">
+              <a:lnSpc>
+                <a:spcPct val="150000"/>
+              </a:lnSpc>
+              <a:defRPr/>
+            </a:pPr>
+            <a:r>
+              <a:rPr lang="en-US" sz="2200" b="1" kern="0" dirty="0" err="1" smtClean="0">
+                <a:gradFill flip="none" rotWithShape="1">
+                  <a:gsLst>
+                    <a:gs pos="0">
+                      <a:srgbClr val="F2F2F2">
+                        <a:lumMod val="75000"/>
+                      </a:srgbClr>
+                    </a:gs>
+                    <a:gs pos="50000">
+                      <a:srgbClr val="F2F2F2">
+                        <a:lumMod val="90000"/>
+                      </a:srgbClr>
+                    </a:gs>
+                    <a:gs pos="100000">
+                      <a:srgbClr val="F2F2F2"/>
+                    </a:gs>
+                  </a:gsLst>
+                  <a:lin ang="16200000" scaled="1"/>
+                  <a:tileRect/>
+                </a:gradFill>
+                <a:latin typeface="Century Gothic" pitchFamily="34" charset="0"/>
+              </a:rPr>
+              <a:t>Gerrit</a:t>
+            </a:r>
+            <a:endParaRPr lang="en-US" sz="2200" b="1" kern="0" dirty="0">
+              <a:gradFill flip="none" rotWithShape="1">
+                <a:gsLst>
+                  <a:gs pos="0">
+                    <a:srgbClr val="F2F2F2">
+                      <a:lumMod val="75000"/>
+                    </a:srgbClr>
+                  </a:gs>
+                  <a:gs pos="50000">
+                    <a:srgbClr val="F2F2F2">
+                      <a:lumMod val="90000"/>
+                    </a:srgbClr>
+                  </a:gs>
+                  <a:gs pos="100000">
+                    <a:srgbClr val="F2F2F2"/>
+                  </a:gs>
+                </a:gsLst>
+                <a:lin ang="16200000" scaled="1"/>
+                <a:tileRect/>
+              </a:gradFill>
+              <a:latin typeface="Century Gothic" pitchFamily="34" charset="0"/>
+            </a:endParaRPr>
+          </a:p>
+        </p:txBody>
+      </p:sp>
+      <p:sp>
+        <p:nvSpPr>
+          <p:cNvPr id="7" name="AutoShape 19"/>
+          <p:cNvSpPr>
+            <a:spLocks noChangeArrowheads="1"/>
+          </p:cNvSpPr>
+          <p:nvPr/>
+        </p:nvSpPr>
+        <p:spPr bwMode="auto">
+          <a:xfrm>
+            <a:off x="1760669" y="5771951"/>
+            <a:ext cx="1406683" cy="636284"/>
+          </a:xfrm>
+          <a:prstGeom prst="roundRect">
+            <a:avLst>
+              <a:gd name="adj" fmla="val 7861"/>
+            </a:avLst>
+          </a:prstGeom>
+          <a:gradFill flip="none" rotWithShape="1">
+            <a:gsLst>
+              <a:gs pos="64000">
+                <a:srgbClr val="F2F2F2">
+                  <a:lumMod val="10000"/>
+                </a:srgbClr>
+              </a:gs>
+              <a:gs pos="12000">
+                <a:srgbClr val="000000">
+                  <a:lumMod val="75000"/>
+                  <a:lumOff val="25000"/>
+                </a:srgbClr>
+              </a:gs>
+            </a:gsLst>
+            <a:lin ang="5400000" scaled="1"/>
+            <a:tileRect/>
+          </a:gradFill>
+          <a:ln w="25400" algn="ctr">
+            <a:solidFill>
+              <a:srgbClr val="8E8E8E"/>
+            </a:solidFill>
+            <a:round/>
+            <a:headEnd/>
+            <a:tailEnd/>
+          </a:ln>
+        </p:spPr>
+        <p:txBody>
+          <a:bodyPr wrap="none" lIns="98464" tIns="0" rIns="98464" bIns="49232" anchor="t"/>
+          <a:lstStyle/>
+          <a:p>
+            <a:pPr algn="ctr" defTabSz="984644">
+              <a:lnSpc>
+                <a:spcPct val="150000"/>
+              </a:lnSpc>
+              <a:defRPr/>
+            </a:pPr>
+            <a:r>
+              <a:rPr lang="en-US" sz="2200" b="1" kern="0" dirty="0" err="1" smtClean="0">
+                <a:gradFill flip="none" rotWithShape="1">
+                  <a:gsLst>
+                    <a:gs pos="0">
+                      <a:srgbClr val="F2F2F2">
+                        <a:lumMod val="75000"/>
+                      </a:srgbClr>
+                    </a:gs>
+                    <a:gs pos="50000">
+                      <a:srgbClr val="F2F2F2">
+                        <a:lumMod val="90000"/>
+                      </a:srgbClr>
+                    </a:gs>
+                    <a:gs pos="100000">
+                      <a:srgbClr val="F2F2F2"/>
+                    </a:gs>
+                  </a:gsLst>
+                  <a:lin ang="16200000" scaled="1"/>
+                  <a:tileRect/>
+                </a:gradFill>
+                <a:latin typeface="Century Gothic" pitchFamily="34" charset="0"/>
+              </a:rPr>
+              <a:t>Git</a:t>
+            </a:r>
+            <a:endParaRPr lang="en-US" sz="2200" b="1" kern="0" dirty="0">
+              <a:gradFill flip="none" rotWithShape="1">
+                <a:gsLst>
+                  <a:gs pos="0">
+                    <a:srgbClr val="F2F2F2">
+                      <a:lumMod val="75000"/>
+                    </a:srgbClr>
+                  </a:gs>
+                  <a:gs pos="50000">
+                    <a:srgbClr val="F2F2F2">
+                      <a:lumMod val="90000"/>
+                    </a:srgbClr>
+                  </a:gs>
+                  <a:gs pos="100000">
+                    <a:srgbClr val="F2F2F2"/>
+                  </a:gs>
+                </a:gsLst>
+                <a:lin ang="16200000" scaled="1"/>
+                <a:tileRect/>
+              </a:gradFill>
+              <a:latin typeface="Century Gothic" pitchFamily="34" charset="0"/>
+            </a:endParaRPr>
+          </a:p>
+        </p:txBody>
+      </p:sp>
+      <p:sp>
+        <p:nvSpPr>
+          <p:cNvPr id="8" name="AutoShape 19"/>
+          <p:cNvSpPr>
+            <a:spLocks noChangeArrowheads="1"/>
+          </p:cNvSpPr>
+          <p:nvPr/>
+        </p:nvSpPr>
+        <p:spPr bwMode="auto">
+          <a:xfrm>
+            <a:off x="6527570" y="1309012"/>
+            <a:ext cx="1406681" cy="636284"/>
+          </a:xfrm>
+          <a:prstGeom prst="roundRect">
+            <a:avLst>
+              <a:gd name="adj" fmla="val 7861"/>
+            </a:avLst>
+          </a:prstGeom>
+          <a:gradFill flip="none" rotWithShape="1">
+            <a:gsLst>
+              <a:gs pos="64000">
+                <a:srgbClr val="F2F2F2">
+                  <a:lumMod val="10000"/>
+                </a:srgbClr>
+              </a:gs>
+              <a:gs pos="12000">
+                <a:srgbClr val="000000">
+                  <a:lumMod val="75000"/>
+                  <a:lumOff val="25000"/>
+                </a:srgbClr>
+              </a:gs>
+            </a:gsLst>
+            <a:lin ang="5400000" scaled="1"/>
+            <a:tileRect/>
+          </a:gradFill>
+          <a:ln w="25400" algn="ctr">
+            <a:solidFill>
+              <a:srgbClr val="8E8E8E"/>
+            </a:solidFill>
+            <a:round/>
+            <a:headEnd/>
+            <a:tailEnd/>
+          </a:ln>
+        </p:spPr>
+        <p:txBody>
+          <a:bodyPr wrap="none" lIns="98464" tIns="0" rIns="98464" bIns="49232" anchor="t"/>
+          <a:lstStyle/>
+          <a:p>
+            <a:pPr algn="ctr" defTabSz="984644">
+              <a:lnSpc>
+                <a:spcPct val="150000"/>
+              </a:lnSpc>
+              <a:defRPr/>
+            </a:pPr>
+            <a:r>
+              <a:rPr lang="en-US" sz="2200" b="1" kern="0" dirty="0" smtClean="0">
+                <a:gradFill flip="none" rotWithShape="1">
+                  <a:gsLst>
+                    <a:gs pos="0">
+                      <a:srgbClr val="F2F2F2">
+                        <a:lumMod val="75000"/>
+                      </a:srgbClr>
+                    </a:gs>
+                    <a:gs pos="50000">
+                      <a:srgbClr val="F2F2F2">
+                        <a:lumMod val="90000"/>
+                      </a:srgbClr>
+                    </a:gs>
+                    <a:gs pos="100000">
+                      <a:srgbClr val="F2F2F2"/>
+                    </a:gs>
+                  </a:gsLst>
+                  <a:lin ang="16200000" scaled="1"/>
+                  <a:tileRect/>
+                </a:gradFill>
+                <a:latin typeface="Century Gothic" pitchFamily="34" charset="0"/>
+              </a:rPr>
+              <a:t>Hudson </a:t>
+            </a:r>
+            <a:endParaRPr lang="en-US" sz="2200" b="1" kern="0" dirty="0">
+              <a:gradFill flip="none" rotWithShape="1">
+                <a:gsLst>
+                  <a:gs pos="0">
+                    <a:srgbClr val="F2F2F2">
+                      <a:lumMod val="75000"/>
+                    </a:srgbClr>
+                  </a:gs>
+                  <a:gs pos="50000">
+                    <a:srgbClr val="F2F2F2">
+                      <a:lumMod val="90000"/>
+                    </a:srgbClr>
+                  </a:gs>
+                  <a:gs pos="100000">
+                    <a:srgbClr val="F2F2F2"/>
+                  </a:gs>
+                </a:gsLst>
+                <a:lin ang="16200000" scaled="1"/>
+                <a:tileRect/>
+              </a:gradFill>
+              <a:latin typeface="Century Gothic" pitchFamily="34" charset="0"/>
+            </a:endParaRPr>
+          </a:p>
+        </p:txBody>
+      </p:sp>
+      <p:pic>
+        <p:nvPicPr>
+          <p:cNvPr id="10" name="Picture 9" descr="dude-wrench.png"/>
+          <p:cNvPicPr>
+            <a:picLocks noChangeAspect="1"/>
+          </p:cNvPicPr>
+          <p:nvPr/>
+        </p:nvPicPr>
+        <p:blipFill>
+          <a:blip r:embed="rId4" cstate="print">
+            <a:extLst>
+              <a:ext uri="{BEBA8EAE-BF5A-486C-A8C5-ECC9F3942E4B}">
+                <a14:imgProps xmlns:a14="http://schemas.microsoft.com/office/drawing/2010/main" xmlns="">
+                  <a14:imgLayer r:embed="rId5">
+                    <a14:imgEffect>
+                      <a14:saturation sat="33000"/>
+                    </a14:imgEffect>
+                  </a14:imgLayer>
+                </a14:imgProps>
+              </a:ext>
+            </a:extLst>
+          </a:blip>
+          <a:stretch>
+            <a:fillRect/>
+          </a:stretch>
+        </p:blipFill>
+        <p:spPr>
+          <a:xfrm>
+            <a:off x="408841" y="1820837"/>
+            <a:ext cx="886610" cy="1395360"/>
+          </a:xfrm>
+          <a:prstGeom prst="rect">
+            <a:avLst/>
+          </a:prstGeom>
+          <a:effectLst>
+            <a:reflection blurRad="6350" stA="52000" endA="300" endPos="35000" dir="5400000" sy="-100000" algn="bl" rotWithShape="0"/>
+          </a:effectLst>
+        </p:spPr>
+      </p:pic>
+      <p:pic>
+        <p:nvPicPr>
+          <p:cNvPr id="11" name="Picture 10" descr="keynote-screenshots.png"/>
+          <p:cNvPicPr>
+            <a:picLocks noChangeAspect="1"/>
+          </p:cNvPicPr>
+          <p:nvPr/>
+        </p:nvPicPr>
+        <p:blipFill>
+          <a:blip r:embed="rId6" cstate="print">
+            <a:lum bright="-10000"/>
+            <a:extLst>
+              <a:ext uri="{28A0092B-C50C-407E-A947-70E740481C1C}">
+                <a14:useLocalDpi xmlns:a14="http://schemas.microsoft.com/office/drawing/2010/main" xmlns=""/>
+              </a:ext>
+            </a:extLst>
+          </a:blip>
+          <a:stretch>
+            <a:fillRect/>
+          </a:stretch>
+        </p:blipFill>
+        <p:spPr>
+          <a:xfrm>
+            <a:off x="3357768" y="1557828"/>
+            <a:ext cx="791810" cy="950173"/>
+          </a:xfrm>
+          <a:prstGeom prst="rect">
+            <a:avLst/>
+          </a:prstGeom>
+        </p:spPr>
+      </p:pic>
+      <p:sp>
+        <p:nvSpPr>
+          <p:cNvPr id="34" name="Right Arrow 33"/>
+          <p:cNvSpPr/>
+          <p:nvPr/>
+        </p:nvSpPr>
+        <p:spPr bwMode="auto">
+          <a:xfrm>
+            <a:off x="1601902" y="2677865"/>
+            <a:ext cx="1248717" cy="459972"/>
+          </a:xfrm>
+          <a:prstGeom prst="rightArrow">
+            <a:avLst>
+              <a:gd name="adj1" fmla="val 24977"/>
+              <a:gd name="adj2" fmla="val 53738"/>
+            </a:avLst>
+          </a:prstGeom>
+          <a:ln>
+            <a:headEnd type="none" w="med" len="med"/>
+            <a:tailEnd type="none" w="med" len="med"/>
+          </a:ln>
+        </p:spPr>
+        <p:style>
+          <a:lnRef idx="0">
+            <a:schemeClr val="accent1"/>
+          </a:lnRef>
+          <a:fillRef idx="3">
+            <a:schemeClr val="accent1"/>
+          </a:fillRef>
+          <a:effectRef idx="3">
+            <a:schemeClr val="accent1"/>
+          </a:effectRef>
+          <a:fontRef idx="minor">
+            <a:schemeClr val="lt1"/>
+          </a:fontRef>
+        </p:style>
+        <p:txBody>
+          <a:bodyPr vert="horz" wrap="square" lIns="82040" tIns="41020" rIns="82040" bIns="41020" numCol="1" rtlCol="0" anchor="t" anchorCtr="1" compatLnSpc="1">
+            <a:prstTxWarp prst="textNoShape">
+              <a:avLst/>
+            </a:prstTxWarp>
+          </a:bodyPr>
+          <a:lstStyle/>
+          <a:p>
+            <a:r>
+              <a:rPr lang="en-US" sz="2200" b="1" dirty="0" smtClean="0">
+                <a:ln w="12700">
+                  <a:solidFill>
+                    <a:schemeClr val="tx2">
+                      <a:satMod val="155000"/>
+                    </a:schemeClr>
+                  </a:solidFill>
+                  <a:prstDash val="solid"/>
+                </a:ln>
+                <a:solidFill>
+                  <a:schemeClr val="bg2">
+                    <a:tint val="85000"/>
+                    <a:satMod val="155000"/>
+                  </a:schemeClr>
+                </a:solidFill>
+                <a:effectLst>
+                  <a:outerShdw blurRad="41275" dist="20320" dir="1800000" algn="tl" rotWithShape="0">
+                    <a:srgbClr val="000000">
+                      <a:alpha val="40000"/>
+                    </a:srgbClr>
+                  </a:outerShdw>
+                </a:effectLst>
+              </a:rPr>
+              <a:t>Push</a:t>
+            </a:r>
+          </a:p>
+        </p:txBody>
+      </p:sp>
+      <p:sp>
+        <p:nvSpPr>
+          <p:cNvPr id="35" name="Left Arrow 34"/>
+          <p:cNvSpPr/>
+          <p:nvPr/>
+        </p:nvSpPr>
+        <p:spPr bwMode="auto">
+          <a:xfrm rot="19911141">
+            <a:off x="4436770" y="1313061"/>
+            <a:ext cx="1816160" cy="489531"/>
+          </a:xfrm>
+          <a:prstGeom prst="leftArrow">
+            <a:avLst>
+              <a:gd name="adj1" fmla="val 25222"/>
+              <a:gd name="adj2" fmla="val 50000"/>
+            </a:avLst>
+          </a:prstGeom>
+          <a:ln>
+            <a:headEnd type="none" w="med" len="med"/>
+            <a:tailEnd type="none" w="med" len="med"/>
+          </a:ln>
+        </p:spPr>
+        <p:style>
+          <a:lnRef idx="0">
+            <a:schemeClr val="accent1"/>
+          </a:lnRef>
+          <a:fillRef idx="3">
+            <a:schemeClr val="accent1"/>
+          </a:fillRef>
+          <a:effectRef idx="3">
+            <a:schemeClr val="accent1"/>
+          </a:effectRef>
+          <a:fontRef idx="minor">
+            <a:schemeClr val="lt1"/>
+          </a:fontRef>
+        </p:style>
+        <p:txBody>
+          <a:bodyPr vert="horz" wrap="square" lIns="82040" tIns="41020" rIns="82040" bIns="41020" numCol="1" rtlCol="0" anchor="t" anchorCtr="1" compatLnSpc="1">
+            <a:prstTxWarp prst="textNoShape">
+              <a:avLst/>
+            </a:prstTxWarp>
+          </a:bodyPr>
+          <a:lstStyle/>
+          <a:p>
+            <a:r>
+              <a:rPr lang="en-US" sz="2200" b="1" dirty="0" smtClean="0">
+                <a:ln w="12700">
+                  <a:solidFill>
+                    <a:schemeClr val="tx2">
+                      <a:satMod val="155000"/>
+                    </a:schemeClr>
+                  </a:solidFill>
+                  <a:prstDash val="solid"/>
+                </a:ln>
+                <a:solidFill>
+                  <a:schemeClr val="bg2">
+                    <a:tint val="85000"/>
+                    <a:satMod val="155000"/>
+                  </a:schemeClr>
+                </a:solidFill>
+                <a:effectLst>
+                  <a:outerShdw blurRad="41275" dist="20320" dir="1800000" algn="tl" rotWithShape="0">
+                    <a:srgbClr val="000000">
+                      <a:alpha val="40000"/>
+                    </a:srgbClr>
+                  </a:outerShdw>
+                </a:effectLst>
+              </a:rPr>
+              <a:t>Pull</a:t>
+            </a:r>
+          </a:p>
+        </p:txBody>
+      </p:sp>
+      <p:sp>
+        <p:nvSpPr>
+          <p:cNvPr id="36" name="Left Arrow 35"/>
+          <p:cNvSpPr/>
+          <p:nvPr/>
+        </p:nvSpPr>
+        <p:spPr bwMode="auto">
+          <a:xfrm rot="19911141">
+            <a:off x="4643725" y="1794078"/>
+            <a:ext cx="1816160" cy="489531"/>
+          </a:xfrm>
+          <a:prstGeom prst="leftArrow">
+            <a:avLst>
+              <a:gd name="adj1" fmla="val 25222"/>
+              <a:gd name="adj2" fmla="val 50000"/>
+            </a:avLst>
+          </a:prstGeom>
+          <a:ln>
+            <a:headEnd type="none" w="med" len="med"/>
+            <a:tailEnd type="none" w="med" len="med"/>
+          </a:ln>
+        </p:spPr>
+        <p:style>
+          <a:lnRef idx="0">
+            <a:schemeClr val="accent1"/>
+          </a:lnRef>
+          <a:fillRef idx="3">
+            <a:schemeClr val="accent1"/>
+          </a:fillRef>
+          <a:effectRef idx="3">
+            <a:schemeClr val="accent1"/>
+          </a:effectRef>
+          <a:fontRef idx="minor">
+            <a:schemeClr val="lt1"/>
+          </a:fontRef>
+        </p:style>
+        <p:txBody>
+          <a:bodyPr vert="horz" wrap="square" lIns="82040" tIns="41020" rIns="82040" bIns="41020" numCol="1" rtlCol="0" anchor="t" anchorCtr="1" compatLnSpc="1">
+            <a:prstTxWarp prst="textNoShape">
+              <a:avLst/>
+            </a:prstTxWarp>
+          </a:bodyPr>
+          <a:lstStyle/>
+          <a:p>
+            <a:r>
+              <a:rPr lang="en-US" sz="2200" b="1" dirty="0" smtClean="0">
+                <a:ln w="12700">
+                  <a:solidFill>
+                    <a:schemeClr val="tx2">
+                      <a:satMod val="155000"/>
+                    </a:schemeClr>
+                  </a:solidFill>
+                  <a:prstDash val="solid"/>
+                </a:ln>
+                <a:solidFill>
+                  <a:schemeClr val="bg2">
+                    <a:tint val="85000"/>
+                    <a:satMod val="155000"/>
+                  </a:schemeClr>
+                </a:solidFill>
+                <a:effectLst>
+                  <a:outerShdw blurRad="41275" dist="20320" dir="1800000" algn="tl" rotWithShape="0">
+                    <a:srgbClr val="000000">
+                      <a:alpha val="40000"/>
+                    </a:srgbClr>
+                  </a:outerShdw>
+                </a:effectLst>
+              </a:rPr>
+              <a:t>Vote</a:t>
+            </a:r>
+          </a:p>
+        </p:txBody>
+      </p:sp>
+      <p:sp>
+        <p:nvSpPr>
+          <p:cNvPr id="37" name="Curved Left Arrow 36"/>
+          <p:cNvSpPr/>
+          <p:nvPr/>
+        </p:nvSpPr>
+        <p:spPr bwMode="auto">
+          <a:xfrm>
+            <a:off x="8043095" y="405105"/>
+            <a:ext cx="881902" cy="1296089"/>
+          </a:xfrm>
+          <a:prstGeom prst="curvedLeftArrow">
+            <a:avLst>
+              <a:gd name="adj1" fmla="val 9443"/>
+              <a:gd name="adj2" fmla="val 21984"/>
+              <a:gd name="adj3" fmla="val 20372"/>
+            </a:avLst>
+          </a:prstGeom>
+          <a:ln>
+            <a:headEnd type="none" w="med" len="med"/>
+            <a:tailEnd type="none" w="med" len="med"/>
+          </a:ln>
+        </p:spPr>
+        <p:style>
+          <a:lnRef idx="0">
+            <a:schemeClr val="accent1"/>
+          </a:lnRef>
+          <a:fillRef idx="3">
+            <a:schemeClr val="accent1"/>
+          </a:fillRef>
+          <a:effectRef idx="3">
+            <a:schemeClr val="accent1"/>
+          </a:effectRef>
+          <a:fontRef idx="minor">
+            <a:schemeClr val="lt1"/>
+          </a:fontRef>
+        </p:style>
+        <p:txBody>
+          <a:bodyPr vert="horz" wrap="square" lIns="82040" tIns="41020" rIns="82040" bIns="41020" numCol="1" rtlCol="0" anchor="ctr" anchorCtr="1" compatLnSpc="1">
+            <a:prstTxWarp prst="textNoShape">
+              <a:avLst/>
+            </a:prstTxWarp>
+          </a:bodyPr>
+          <a:lstStyle/>
+          <a:p>
+            <a:pPr defTabSz="820400"/>
+            <a:r>
+              <a:rPr lang="en-US" sz="2200" b="1" dirty="0" smtClean="0">
+                <a:ln w="12700">
+                  <a:solidFill>
+                    <a:schemeClr val="tx2">
+                      <a:satMod val="155000"/>
+                    </a:schemeClr>
+                  </a:solidFill>
+                  <a:prstDash val="solid"/>
+                </a:ln>
+                <a:solidFill>
+                  <a:schemeClr val="bg2">
+                    <a:tint val="85000"/>
+                    <a:satMod val="155000"/>
+                  </a:schemeClr>
+                </a:solidFill>
+                <a:effectLst>
+                  <a:outerShdw blurRad="41275" dist="20320" dir="1800000" algn="tl" rotWithShape="0">
+                    <a:srgbClr val="000000">
+                      <a:alpha val="40000"/>
+                    </a:srgbClr>
+                  </a:outerShdw>
+                </a:effectLst>
+              </a:rPr>
+              <a:t>Build</a:t>
+            </a:r>
+          </a:p>
+        </p:txBody>
+      </p:sp>
+      <p:pic>
+        <p:nvPicPr>
+          <p:cNvPr id="38" name="Picture 37" descr="dude-wrench.png"/>
+          <p:cNvPicPr>
+            <a:picLocks noChangeAspect="1"/>
+          </p:cNvPicPr>
+          <p:nvPr/>
+        </p:nvPicPr>
+        <p:blipFill>
+          <a:blip r:embed="rId4" cstate="print">
+            <a:extLst>
+              <a:ext uri="{BEBA8EAE-BF5A-486C-A8C5-ECC9F3942E4B}">
+                <a14:imgProps xmlns:a14="http://schemas.microsoft.com/office/drawing/2010/main" xmlns="">
+                  <a14:imgLayer r:embed="rId5">
+                    <a14:imgEffect>
+                      <a14:saturation sat="33000"/>
+                    </a14:imgEffect>
+                  </a14:imgLayer>
+                </a14:imgProps>
+              </a:ext>
+            </a:extLst>
+          </a:blip>
+          <a:stretch>
+            <a:fillRect/>
+          </a:stretch>
+        </p:blipFill>
+        <p:spPr>
+          <a:xfrm>
+            <a:off x="6625559" y="2677864"/>
+            <a:ext cx="886610" cy="1395360"/>
+          </a:xfrm>
+          <a:prstGeom prst="rect">
+            <a:avLst/>
+          </a:prstGeom>
+          <a:effectLst>
+            <a:reflection blurRad="6350" stA="52000" endA="300" endPos="35000" dir="5400000" sy="-100000" algn="bl" rotWithShape="0"/>
+          </a:effectLst>
+        </p:spPr>
+      </p:pic>
+      <p:pic>
+        <p:nvPicPr>
+          <p:cNvPr id="39" name="Picture 38" descr="dude-wrench.png"/>
+          <p:cNvPicPr>
+            <a:picLocks noChangeAspect="1"/>
+          </p:cNvPicPr>
+          <p:nvPr/>
+        </p:nvPicPr>
+        <p:blipFill>
+          <a:blip r:embed="rId4" cstate="print">
+            <a:extLst>
+              <a:ext uri="{BEBA8EAE-BF5A-486C-A8C5-ECC9F3942E4B}">
+                <a14:imgProps xmlns:a14="http://schemas.microsoft.com/office/drawing/2010/main" xmlns="">
+                  <a14:imgLayer r:embed="rId5">
+                    <a14:imgEffect>
+                      <a14:saturation sat="33000"/>
+                    </a14:imgEffect>
+                  </a14:imgLayer>
+                </a14:imgProps>
+              </a:ext>
+            </a:extLst>
+          </a:blip>
+          <a:stretch>
+            <a:fillRect/>
+          </a:stretch>
+        </p:blipFill>
+        <p:spPr>
+          <a:xfrm>
+            <a:off x="6182254" y="4296862"/>
+            <a:ext cx="886610" cy="1395360"/>
+          </a:xfrm>
+          <a:prstGeom prst="rect">
+            <a:avLst/>
+          </a:prstGeom>
+          <a:effectLst>
+            <a:reflection blurRad="6350" stA="52000" endA="300" endPos="35000" dir="5400000" sy="-100000" algn="bl" rotWithShape="0"/>
+          </a:effectLst>
+        </p:spPr>
+      </p:pic>
+      <p:sp>
+        <p:nvSpPr>
+          <p:cNvPr id="41" name="Left Arrow 40"/>
+          <p:cNvSpPr/>
+          <p:nvPr/>
+        </p:nvSpPr>
+        <p:spPr bwMode="auto">
+          <a:xfrm rot="1109179">
+            <a:off x="4672712" y="3101537"/>
+            <a:ext cx="1816160" cy="489531"/>
+          </a:xfrm>
+          <a:prstGeom prst="leftArrow">
+            <a:avLst>
+              <a:gd name="adj1" fmla="val 25222"/>
+              <a:gd name="adj2" fmla="val 50000"/>
+            </a:avLst>
+          </a:prstGeom>
+          <a:ln>
+            <a:headEnd type="none" w="med" len="med"/>
+            <a:tailEnd type="none" w="med" len="med"/>
+          </a:ln>
+        </p:spPr>
+        <p:style>
+          <a:lnRef idx="0">
+            <a:schemeClr val="accent1"/>
+          </a:lnRef>
+          <a:fillRef idx="3">
+            <a:schemeClr val="accent1"/>
+          </a:fillRef>
+          <a:effectRef idx="3">
+            <a:schemeClr val="accent1"/>
+          </a:effectRef>
+          <a:fontRef idx="minor">
+            <a:schemeClr val="lt1"/>
+          </a:fontRef>
+        </p:style>
+        <p:txBody>
+          <a:bodyPr vert="horz" wrap="square" lIns="82040" tIns="41020" rIns="82040" bIns="41020" numCol="1" rtlCol="0" anchor="t" anchorCtr="1" compatLnSpc="1">
+            <a:prstTxWarp prst="textNoShape">
+              <a:avLst/>
+            </a:prstTxWarp>
+          </a:bodyPr>
+          <a:lstStyle/>
+          <a:p>
+            <a:r>
+              <a:rPr lang="en-US" sz="2200" b="1" dirty="0" smtClean="0">
+                <a:ln w="12700">
+                  <a:solidFill>
+                    <a:schemeClr val="tx2">
+                      <a:satMod val="155000"/>
+                    </a:schemeClr>
+                  </a:solidFill>
+                  <a:prstDash val="solid"/>
+                </a:ln>
+                <a:solidFill>
+                  <a:schemeClr val="bg2">
+                    <a:tint val="85000"/>
+                    <a:satMod val="155000"/>
+                  </a:schemeClr>
+                </a:solidFill>
+                <a:effectLst>
+                  <a:outerShdw blurRad="41275" dist="20320" dir="1800000" algn="tl" rotWithShape="0">
+                    <a:srgbClr val="000000">
+                      <a:alpha val="40000"/>
+                    </a:srgbClr>
+                  </a:outerShdw>
+                </a:effectLst>
+              </a:rPr>
+              <a:t>Vote</a:t>
+            </a:r>
+          </a:p>
+        </p:txBody>
+      </p:sp>
+      <p:sp>
+        <p:nvSpPr>
+          <p:cNvPr id="42" name="Left Arrow 41"/>
+          <p:cNvSpPr/>
+          <p:nvPr/>
+        </p:nvSpPr>
+        <p:spPr bwMode="auto">
+          <a:xfrm rot="1109179">
+            <a:off x="4465756" y="3711786"/>
+            <a:ext cx="1816160" cy="489531"/>
+          </a:xfrm>
+          <a:prstGeom prst="leftArrow">
+            <a:avLst>
+              <a:gd name="adj1" fmla="val 25222"/>
+              <a:gd name="adj2" fmla="val 50000"/>
+            </a:avLst>
+          </a:prstGeom>
+          <a:ln>
+            <a:headEnd type="none" w="med" len="med"/>
+            <a:tailEnd type="none" w="med" len="med"/>
+          </a:ln>
+        </p:spPr>
+        <p:style>
+          <a:lnRef idx="0">
+            <a:schemeClr val="accent1"/>
+          </a:lnRef>
+          <a:fillRef idx="3">
+            <a:schemeClr val="accent1"/>
+          </a:fillRef>
+          <a:effectRef idx="3">
+            <a:schemeClr val="accent1"/>
+          </a:effectRef>
+          <a:fontRef idx="minor">
+            <a:schemeClr val="lt1"/>
+          </a:fontRef>
+        </p:style>
+        <p:txBody>
+          <a:bodyPr vert="horz" wrap="square" lIns="82040" tIns="41020" rIns="82040" bIns="41020" numCol="1" rtlCol="0" anchor="t" anchorCtr="1" compatLnSpc="1">
+            <a:prstTxWarp prst="textNoShape">
+              <a:avLst/>
+            </a:prstTxWarp>
+          </a:bodyPr>
+          <a:lstStyle/>
+          <a:p>
+            <a:r>
+              <a:rPr lang="en-US" sz="2200" b="1" dirty="0" smtClean="0">
+                <a:ln w="12700">
+                  <a:solidFill>
+                    <a:schemeClr val="tx2">
+                      <a:satMod val="155000"/>
+                    </a:schemeClr>
+                  </a:solidFill>
+                  <a:prstDash val="solid"/>
+                </a:ln>
+                <a:solidFill>
+                  <a:schemeClr val="bg2">
+                    <a:tint val="85000"/>
+                    <a:satMod val="155000"/>
+                  </a:schemeClr>
+                </a:solidFill>
+                <a:effectLst>
+                  <a:outerShdw blurRad="41275" dist="20320" dir="1800000" algn="tl" rotWithShape="0">
+                    <a:srgbClr val="000000">
+                      <a:alpha val="40000"/>
+                    </a:srgbClr>
+                  </a:outerShdw>
+                </a:effectLst>
+              </a:rPr>
+              <a:t>Vote</a:t>
+            </a:r>
+          </a:p>
+        </p:txBody>
+      </p:sp>
+      <p:sp>
+        <p:nvSpPr>
+          <p:cNvPr id="43" name="Left Arrow 42"/>
+          <p:cNvSpPr/>
+          <p:nvPr/>
+        </p:nvSpPr>
+        <p:spPr bwMode="auto">
+          <a:xfrm rot="18410952">
+            <a:off x="2529650" y="3984570"/>
+            <a:ext cx="1656664" cy="407978"/>
+          </a:xfrm>
+          <a:prstGeom prst="leftArrow">
+            <a:avLst>
+              <a:gd name="adj1" fmla="val 25222"/>
+              <a:gd name="adj2" fmla="val 50000"/>
+            </a:avLst>
+          </a:prstGeom>
+          <a:ln>
+            <a:headEnd type="none" w="med" len="med"/>
+            <a:tailEnd type="none" w="med" len="med"/>
+          </a:ln>
+        </p:spPr>
+        <p:style>
+          <a:lnRef idx="0">
+            <a:schemeClr val="accent1"/>
+          </a:lnRef>
+          <a:fillRef idx="3">
+            <a:schemeClr val="accent1"/>
+          </a:fillRef>
+          <a:effectRef idx="3">
+            <a:schemeClr val="accent1"/>
+          </a:effectRef>
+          <a:fontRef idx="minor">
+            <a:schemeClr val="lt1"/>
+          </a:fontRef>
+        </p:style>
+        <p:txBody>
+          <a:bodyPr vert="horz" wrap="square" lIns="82040" tIns="41020" rIns="82040" bIns="41020" numCol="1" rtlCol="0" anchor="t" anchorCtr="1" compatLnSpc="1">
+            <a:prstTxWarp prst="textNoShape">
+              <a:avLst/>
+            </a:prstTxWarp>
+          </a:bodyPr>
+          <a:lstStyle/>
+          <a:p>
+            <a:r>
+              <a:rPr lang="en-US" sz="2200" b="1" dirty="0" smtClean="0">
+                <a:ln w="12700">
+                  <a:solidFill>
+                    <a:schemeClr val="tx2">
+                      <a:satMod val="155000"/>
+                    </a:schemeClr>
+                  </a:solidFill>
+                  <a:prstDash val="solid"/>
+                </a:ln>
+                <a:solidFill>
+                  <a:schemeClr val="bg2">
+                    <a:tint val="85000"/>
+                    <a:satMod val="155000"/>
+                  </a:schemeClr>
+                </a:solidFill>
+                <a:effectLst>
+                  <a:outerShdw blurRad="41275" dist="20320" dir="1800000" algn="tl" rotWithShape="0">
+                    <a:srgbClr val="000000">
+                      <a:alpha val="40000"/>
+                    </a:srgbClr>
+                  </a:outerShdw>
+                </a:effectLst>
+              </a:rPr>
+              <a:t>Push</a:t>
+            </a:r>
+          </a:p>
+        </p:txBody>
+      </p:sp>
+    </p:spTree>
+  </p:cSld>
+  <p:clrMapOvr>
+    <a:masterClrMapping/>
+  </p:clrMapOvr>
+  <p:transition/>
+  <p:timing>
+    <p:tnLst>
+      <p:par>
+        <p:cTn id="1" dur="indefinite" restart="never" nodeType="tmRoot">
+          <p:childTnLst>
+            <p:seq concurrent="1" nextAc="seek">
+              <p:cTn id="2" dur="indefinite" nodeType="mainSeq">
+                <p:childTnLst>
+                  <p:par>
+                    <p:cTn id="3" fill="hold">
+                      <p:stCondLst>
+                        <p:cond delay="indefinite"/>
+                      </p:stCondLst>
+                      <p:childTnLst>
+                        <p:par>
+                          <p:cTn id="4" fill="hold">
+                            <p:stCondLst>
+                              <p:cond delay="0"/>
+                            </p:stCondLst>
+                            <p:childTnLst>
+                              <p:par>
+                                <p:cTn id="5" presetID="1" presetClass="entr" presetSubtype="0" fill="hold" nodeType="clickEffect">
+                                  <p:stCondLst>
+                                    <p:cond delay="0"/>
+                                  </p:stCondLst>
+                                  <p:childTnLst>
+                                    <p:set>
+                                      <p:cBhvr>
+                                        <p:cTn id="6" dur="1" fill="hold">
+                                          <p:stCondLst>
+                                            <p:cond delay="0"/>
+                                          </p:stCondLst>
+                                        </p:cTn>
+                                        <p:tgtEl>
+                                          <p:spTgt spid="10"/>
+                                        </p:tgtEl>
+                                        <p:attrNameLst>
+                                          <p:attrName>style.visibility</p:attrName>
+                                        </p:attrNameLst>
+                                      </p:cBhvr>
+                                      <p:to>
+                                        <p:strVal val="visible"/>
+                                      </p:to>
+                                    </p:set>
+                                  </p:childTnLst>
+                                </p:cTn>
+                              </p:par>
+                            </p:childTnLst>
+                          </p:cTn>
+                        </p:par>
+                      </p:childTnLst>
+                    </p:cTn>
+                  </p:par>
+                  <p:par>
+                    <p:cTn id="7" fill="hold">
+                      <p:stCondLst>
+                        <p:cond delay="indefinite"/>
+                      </p:stCondLst>
+                      <p:childTnLst>
+                        <p:par>
+                          <p:cTn id="8" fill="hold">
+                            <p:stCondLst>
+                              <p:cond delay="0"/>
+                            </p:stCondLst>
+                            <p:childTnLst>
+                              <p:par>
+                                <p:cTn id="9" presetID="1" presetClass="entr" presetSubtype="0" fill="hold" grpId="0" nodeType="clickEffect">
+                                  <p:stCondLst>
+                                    <p:cond delay="0"/>
+                                  </p:stCondLst>
+                                  <p:childTnLst>
+                                    <p:set>
+                                      <p:cBhvr>
+                                        <p:cTn id="10" dur="1" fill="hold">
+                                          <p:stCondLst>
+                                            <p:cond delay="0"/>
+                                          </p:stCondLst>
+                                        </p:cTn>
+                                        <p:tgtEl>
+                                          <p:spTgt spid="6"/>
+                                        </p:tgtEl>
+                                        <p:attrNameLst>
+                                          <p:attrName>style.visibility</p:attrName>
+                                        </p:attrNameLst>
+                                      </p:cBhvr>
+                                      <p:to>
+                                        <p:strVal val="visible"/>
+                                      </p:to>
+                                    </p:set>
+                                  </p:childTnLst>
+                                </p:cTn>
+                              </p:par>
+                              <p:par>
+                                <p:cTn id="11" presetID="1" presetClass="entr" presetSubtype="0" fill="hold" nodeType="withEffect">
+                                  <p:stCondLst>
+                                    <p:cond delay="0"/>
+                                  </p:stCondLst>
+                                  <p:childTnLst>
+                                    <p:set>
+                                      <p:cBhvr>
+                                        <p:cTn id="12" dur="1" fill="hold">
+                                          <p:stCondLst>
+                                            <p:cond delay="0"/>
+                                          </p:stCondLst>
+                                        </p:cTn>
+                                        <p:tgtEl>
+                                          <p:spTgt spid="11"/>
+                                        </p:tgtEl>
+                                        <p:attrNameLst>
+                                          <p:attrName>style.visibility</p:attrName>
+                                        </p:attrNameLst>
+                                      </p:cBhvr>
+                                      <p:to>
+                                        <p:strVal val="visible"/>
+                                      </p:to>
+                                    </p:set>
+                                  </p:childTnLst>
+                                </p:cTn>
+                              </p:par>
+                              <p:par>
+                                <p:cTn id="13" presetID="1" presetClass="entr" presetSubtype="0" fill="hold" grpId="0" nodeType="withEffect">
+                                  <p:stCondLst>
+                                    <p:cond delay="0"/>
+                                  </p:stCondLst>
+                                  <p:childTnLst>
+                                    <p:set>
+                                      <p:cBhvr>
+                                        <p:cTn id="14" dur="1" fill="hold">
+                                          <p:stCondLst>
+                                            <p:cond delay="0"/>
+                                          </p:stCondLst>
+                                        </p:cTn>
+                                        <p:tgtEl>
+                                          <p:spTgt spid="34"/>
+                                        </p:tgtEl>
+                                        <p:attrNameLst>
+                                          <p:attrName>style.visibility</p:attrName>
+                                        </p:attrNameLst>
+                                      </p:cBhvr>
+                                      <p:to>
+                                        <p:strVal val="visible"/>
+                                      </p:to>
+                                    </p:set>
+                                  </p:childTnLst>
+                                </p:cTn>
+                              </p:par>
+                            </p:childTnLst>
+                          </p:cTn>
+                        </p:par>
+                      </p:childTnLst>
+                    </p:cTn>
+                  </p:par>
+                  <p:par>
+                    <p:cTn id="15" fill="hold">
+                      <p:stCondLst>
+                        <p:cond delay="indefinite"/>
+                      </p:stCondLst>
+                      <p:childTnLst>
+                        <p:par>
+                          <p:cTn id="16" fill="hold">
+                            <p:stCondLst>
+                              <p:cond delay="0"/>
+                            </p:stCondLst>
+                            <p:childTnLst>
+                              <p:par>
+                                <p:cTn id="17" presetID="1" presetClass="entr" presetSubtype="0" fill="hold" grpId="0" nodeType="clickEffect">
+                                  <p:stCondLst>
+                                    <p:cond delay="0"/>
+                                  </p:stCondLst>
+                                  <p:childTnLst>
+                                    <p:set>
+                                      <p:cBhvr>
+                                        <p:cTn id="18" dur="1" fill="hold">
+                                          <p:stCondLst>
+                                            <p:cond delay="0"/>
+                                          </p:stCondLst>
+                                        </p:cTn>
+                                        <p:tgtEl>
+                                          <p:spTgt spid="35"/>
+                                        </p:tgtEl>
+                                        <p:attrNameLst>
+                                          <p:attrName>style.visibility</p:attrName>
+                                        </p:attrNameLst>
+                                      </p:cBhvr>
+                                      <p:to>
+                                        <p:strVal val="visible"/>
+                                      </p:to>
+                                    </p:set>
+                                  </p:childTnLst>
+                                </p:cTn>
+                              </p:par>
+                              <p:par>
+                                <p:cTn id="19" presetID="1" presetClass="entr" presetSubtype="0" fill="hold" nodeType="withEffect">
+                                  <p:stCondLst>
+                                    <p:cond delay="0"/>
+                                  </p:stCondLst>
+                                  <p:childTnLst>
+                                    <p:set>
+                                      <p:cBhvr>
+                                        <p:cTn id="20" dur="1" fill="hold">
+                                          <p:stCondLst>
+                                            <p:cond delay="0"/>
+                                          </p:stCondLst>
+                                        </p:cTn>
+                                        <p:tgtEl>
+                                          <p:spTgt spid="5"/>
+                                        </p:tgtEl>
+                                        <p:attrNameLst>
+                                          <p:attrName>style.visibility</p:attrName>
+                                        </p:attrNameLst>
+                                      </p:cBhvr>
+                                      <p:to>
+                                        <p:strVal val="visible"/>
+                                      </p:to>
+                                    </p:set>
+                                  </p:childTnLst>
+                                </p:cTn>
+                              </p:par>
+                              <p:par>
+                                <p:cTn id="21" presetID="1" presetClass="entr" presetSubtype="0" fill="hold" grpId="0" nodeType="withEffect">
+                                  <p:stCondLst>
+                                    <p:cond delay="0"/>
+                                  </p:stCondLst>
+                                  <p:childTnLst>
+                                    <p:set>
+                                      <p:cBhvr>
+                                        <p:cTn id="22" dur="1" fill="hold">
+                                          <p:stCondLst>
+                                            <p:cond delay="0"/>
+                                          </p:stCondLst>
+                                        </p:cTn>
+                                        <p:tgtEl>
+                                          <p:spTgt spid="8"/>
+                                        </p:tgtEl>
+                                        <p:attrNameLst>
+                                          <p:attrName>style.visibility</p:attrName>
+                                        </p:attrNameLst>
+                                      </p:cBhvr>
+                                      <p:to>
+                                        <p:strVal val="visible"/>
+                                      </p:to>
+                                    </p:set>
+                                  </p:childTnLst>
+                                </p:cTn>
+                              </p:par>
+                            </p:childTnLst>
+                          </p:cTn>
+                        </p:par>
+                      </p:childTnLst>
+                    </p:cTn>
+                  </p:par>
+                  <p:par>
+                    <p:cTn id="23" fill="hold">
+                      <p:stCondLst>
+                        <p:cond delay="indefinite"/>
+                      </p:stCondLst>
+                      <p:childTnLst>
+                        <p:par>
+                          <p:cTn id="24" fill="hold">
+                            <p:stCondLst>
+                              <p:cond delay="0"/>
+                            </p:stCondLst>
+                            <p:childTnLst>
+                              <p:par>
+                                <p:cTn id="25" presetID="1" presetClass="entr" presetSubtype="0" fill="hold" grpId="0" nodeType="clickEffect">
+                                  <p:stCondLst>
+                                    <p:cond delay="0"/>
+                                  </p:stCondLst>
+                                  <p:childTnLst>
+                                    <p:set>
+                                      <p:cBhvr>
+                                        <p:cTn id="26" dur="1" fill="hold">
+                                          <p:stCondLst>
+                                            <p:cond delay="0"/>
+                                          </p:stCondLst>
+                                        </p:cTn>
+                                        <p:tgtEl>
+                                          <p:spTgt spid="37"/>
+                                        </p:tgtEl>
+                                        <p:attrNameLst>
+                                          <p:attrName>style.visibility</p:attrName>
+                                        </p:attrNameLst>
+                                      </p:cBhvr>
+                                      <p:to>
+                                        <p:strVal val="visible"/>
+                                      </p:to>
+                                    </p:set>
+                                  </p:childTnLst>
+                                </p:cTn>
+                              </p:par>
+                            </p:childTnLst>
+                          </p:cTn>
+                        </p:par>
+                      </p:childTnLst>
+                    </p:cTn>
+                  </p:par>
+                  <p:par>
+                    <p:cTn id="27" fill="hold">
+                      <p:stCondLst>
+                        <p:cond delay="indefinite"/>
+                      </p:stCondLst>
+                      <p:childTnLst>
+                        <p:par>
+                          <p:cTn id="28" fill="hold">
+                            <p:stCondLst>
+                              <p:cond delay="0"/>
+                            </p:stCondLst>
+                            <p:childTnLst>
+                              <p:par>
+                                <p:cTn id="29" presetID="1" presetClass="entr" presetSubtype="0" fill="hold" grpId="0" nodeType="clickEffect">
+                                  <p:stCondLst>
+                                    <p:cond delay="0"/>
+                                  </p:stCondLst>
+                                  <p:childTnLst>
+                                    <p:set>
+                                      <p:cBhvr>
+                                        <p:cTn id="30" dur="1" fill="hold">
+                                          <p:stCondLst>
+                                            <p:cond delay="0"/>
+                                          </p:stCondLst>
+                                        </p:cTn>
+                                        <p:tgtEl>
+                                          <p:spTgt spid="36"/>
+                                        </p:tgtEl>
+                                        <p:attrNameLst>
+                                          <p:attrName>style.visibility</p:attrName>
+                                        </p:attrNameLst>
+                                      </p:cBhvr>
+                                      <p:to>
+                                        <p:strVal val="visible"/>
+                                      </p:to>
+                                    </p:set>
+                                  </p:childTnLst>
+                                </p:cTn>
+                              </p:par>
+                            </p:childTnLst>
+                          </p:cTn>
+                        </p:par>
+                      </p:childTnLst>
+                    </p:cTn>
+                  </p:par>
+                  <p:par>
+                    <p:cTn id="31" fill="hold">
+                      <p:stCondLst>
+                        <p:cond delay="indefinite"/>
+                      </p:stCondLst>
+                      <p:childTnLst>
+                        <p:par>
+                          <p:cTn id="32" fill="hold">
+                            <p:stCondLst>
+                              <p:cond delay="0"/>
+                            </p:stCondLst>
+                            <p:childTnLst>
+                              <p:par>
+                                <p:cTn id="33" presetID="1" presetClass="entr" presetSubtype="0" fill="hold" nodeType="clickEffect">
+                                  <p:stCondLst>
+                                    <p:cond delay="0"/>
+                                  </p:stCondLst>
+                                  <p:childTnLst>
+                                    <p:set>
+                                      <p:cBhvr>
+                                        <p:cTn id="34" dur="1" fill="hold">
+                                          <p:stCondLst>
+                                            <p:cond delay="0"/>
+                                          </p:stCondLst>
+                                        </p:cTn>
+                                        <p:tgtEl>
+                                          <p:spTgt spid="38"/>
+                                        </p:tgtEl>
+                                        <p:attrNameLst>
+                                          <p:attrName>style.visibility</p:attrName>
+                                        </p:attrNameLst>
+                                      </p:cBhvr>
+                                      <p:to>
+                                        <p:strVal val="visible"/>
+                                      </p:to>
+                                    </p:set>
+                                  </p:childTnLst>
+                                </p:cTn>
+                              </p:par>
+                              <p:par>
+                                <p:cTn id="35" presetID="1" presetClass="entr" presetSubtype="0" fill="hold" grpId="0" nodeType="withEffect">
+                                  <p:stCondLst>
+                                    <p:cond delay="0"/>
+                                  </p:stCondLst>
+                                  <p:childTnLst>
+                                    <p:set>
+                                      <p:cBhvr>
+                                        <p:cTn id="36" dur="1" fill="hold">
+                                          <p:stCondLst>
+                                            <p:cond delay="0"/>
+                                          </p:stCondLst>
+                                        </p:cTn>
+                                        <p:tgtEl>
+                                          <p:spTgt spid="41"/>
+                                        </p:tgtEl>
+                                        <p:attrNameLst>
+                                          <p:attrName>style.visibility</p:attrName>
+                                        </p:attrNameLst>
+                                      </p:cBhvr>
+                                      <p:to>
+                                        <p:strVal val="visible"/>
+                                      </p:to>
+                                    </p:set>
+                                  </p:childTnLst>
+                                </p:cTn>
+                              </p:par>
+                            </p:childTnLst>
+                          </p:cTn>
+                        </p:par>
+                      </p:childTnLst>
+                    </p:cTn>
+                  </p:par>
+                  <p:par>
+                    <p:cTn id="37" fill="hold">
+                      <p:stCondLst>
+                        <p:cond delay="indefinite"/>
+                      </p:stCondLst>
+                      <p:childTnLst>
+                        <p:par>
+                          <p:cTn id="38" fill="hold">
+                            <p:stCondLst>
+                              <p:cond delay="0"/>
+                            </p:stCondLst>
+                            <p:childTnLst>
+                              <p:par>
+                                <p:cTn id="39" presetID="1" presetClass="entr" presetSubtype="0" fill="hold" nodeType="clickEffect">
+                                  <p:stCondLst>
+                                    <p:cond delay="0"/>
+                                  </p:stCondLst>
+                                  <p:childTnLst>
+                                    <p:set>
+                                      <p:cBhvr>
+                                        <p:cTn id="40" dur="1" fill="hold">
+                                          <p:stCondLst>
+                                            <p:cond delay="0"/>
+                                          </p:stCondLst>
+                                        </p:cTn>
+                                        <p:tgtEl>
+                                          <p:spTgt spid="39"/>
+                                        </p:tgtEl>
+                                        <p:attrNameLst>
+                                          <p:attrName>style.visibility</p:attrName>
+                                        </p:attrNameLst>
+                                      </p:cBhvr>
+                                      <p:to>
+                                        <p:strVal val="visible"/>
+                                      </p:to>
+                                    </p:set>
+                                  </p:childTnLst>
+                                </p:cTn>
+                              </p:par>
+                              <p:par>
+                                <p:cTn id="41" presetID="1" presetClass="entr" presetSubtype="0" fill="hold" grpId="0" nodeType="withEffect">
+                                  <p:stCondLst>
+                                    <p:cond delay="0"/>
+                                  </p:stCondLst>
+                                  <p:childTnLst>
+                                    <p:set>
+                                      <p:cBhvr>
+                                        <p:cTn id="42" dur="1" fill="hold">
+                                          <p:stCondLst>
+                                            <p:cond delay="0"/>
+                                          </p:stCondLst>
+                                        </p:cTn>
+                                        <p:tgtEl>
+                                          <p:spTgt spid="42"/>
+                                        </p:tgtEl>
+                                        <p:attrNameLst>
+                                          <p:attrName>style.visibility</p:attrName>
+                                        </p:attrNameLst>
+                                      </p:cBhvr>
+                                      <p:to>
+                                        <p:strVal val="visible"/>
+                                      </p:to>
+                                    </p:set>
+                                  </p:childTnLst>
+                                </p:cTn>
+                              </p:par>
+                            </p:childTnLst>
+                          </p:cTn>
+                        </p:par>
+                      </p:childTnLst>
+                    </p:cTn>
+                  </p:par>
+                  <p:par>
+                    <p:cTn id="43" fill="hold">
+                      <p:stCondLst>
+                        <p:cond delay="indefinite"/>
+                      </p:stCondLst>
+                      <p:childTnLst>
+                        <p:par>
+                          <p:cTn id="44" fill="hold">
+                            <p:stCondLst>
+                              <p:cond delay="0"/>
+                            </p:stCondLst>
+                            <p:childTnLst>
+                              <p:par>
+                                <p:cTn id="45" presetID="1" presetClass="entr" presetSubtype="0" fill="hold" grpId="0" nodeType="clickEffect">
+                                  <p:stCondLst>
+                                    <p:cond delay="0"/>
+                                  </p:stCondLst>
+                                  <p:childTnLst>
+                                    <p:set>
+                                      <p:cBhvr>
+                                        <p:cTn id="46" dur="1" fill="hold">
+                                          <p:stCondLst>
+                                            <p:cond delay="0"/>
+                                          </p:stCondLst>
+                                        </p:cTn>
+                                        <p:tgtEl>
+                                          <p:spTgt spid="43"/>
+                                        </p:tgtEl>
+                                        <p:attrNameLst>
+                                          <p:attrName>style.visibility</p:attrName>
+                                        </p:attrNameLst>
+                                      </p:cBhvr>
+                                      <p:to>
+                                        <p:strVal val="visible"/>
+                                      </p:to>
+                                    </p:set>
+                                  </p:childTnLst>
+                                </p:cTn>
+                              </p:par>
+                              <p:par>
+                                <p:cTn id="47" presetID="1" presetClass="entr" presetSubtype="0" fill="hold" nodeType="withEffect">
+                                  <p:stCondLst>
+                                    <p:cond delay="0"/>
+                                  </p:stCondLst>
+                                  <p:childTnLst>
+                                    <p:set>
+                                      <p:cBhvr>
+                                        <p:cTn id="48" dur="1" fill="hold">
+                                          <p:stCondLst>
+                                            <p:cond delay="0"/>
+                                          </p:stCondLst>
+                                        </p:cTn>
+                                        <p:tgtEl>
+                                          <p:spTgt spid="4"/>
+                                        </p:tgtEl>
+                                        <p:attrNameLst>
+                                          <p:attrName>style.visibility</p:attrName>
+                                        </p:attrNameLst>
+                                      </p:cBhvr>
+                                      <p:to>
+                                        <p:strVal val="visible"/>
+                                      </p:to>
+                                    </p:set>
+                                  </p:childTnLst>
+                                </p:cTn>
+                              </p:par>
+                              <p:par>
+                                <p:cTn id="49" presetID="1" presetClass="entr" presetSubtype="0" fill="hold" grpId="0" nodeType="withEffect">
+                                  <p:stCondLst>
+                                    <p:cond delay="0"/>
+                                  </p:stCondLst>
+                                  <p:childTnLst>
+                                    <p:set>
+                                      <p:cBhvr>
+                                        <p:cTn id="50" dur="1" fill="hold">
+                                          <p:stCondLst>
+                                            <p:cond delay="0"/>
+                                          </p:stCondLst>
+                                        </p:cTn>
+                                        <p:tgtEl>
+                                          <p:spTgt spid="7"/>
+                                        </p:tgtEl>
+                                        <p:attrNameLst>
+                                          <p:attrName>style.visibility</p:attrName>
+                                        </p:attrNameLst>
+                                      </p:cBhvr>
+                                      <p:to>
+                                        <p:strVal val="visible"/>
+                                      </p:to>
+                                    </p:set>
+                                  </p:childTnLst>
+                                </p:cTn>
+                              </p:par>
+                            </p:childTnLst>
+                          </p:cTn>
+                        </p:par>
+                      </p:childTnLst>
+                    </p:cTn>
+                  </p:par>
+                </p:childTnLst>
+              </p:cTn>
+              <p:prevCondLst>
+                <p:cond evt="onPrev" delay="0">
+                  <p:tgtEl>
+                    <p:sldTgt/>
+                  </p:tgtEl>
+                </p:cond>
+              </p:prevCondLst>
+              <p:nextCondLst>
+                <p:cond evt="onNext" delay="0">
+                  <p:tgtEl>
+                    <p:sldTgt/>
+                  </p:tgtEl>
+                </p:cond>
+              </p:nextCondLst>
+            </p:seq>
+          </p:childTnLst>
+        </p:cTn>
+      </p:par>
+    </p:tnLst>
+    <p:bldLst>
+      <p:bldP spid="6" grpId="0" animBg="1"/>
+      <p:bldP spid="7" grpId="0" animBg="1"/>
+      <p:bldP spid="8" grpId="0" animBg="1"/>
+      <p:bldP spid="34" grpId="0" animBg="1"/>
+      <p:bldP spid="35" grpId="0" animBg="1"/>
+      <p:bldP spid="36" grpId="0" animBg="1"/>
+      <p:bldP spid="37" grpId="0" animBg="1"/>
+      <p:bldP spid="41" grpId="0" animBg="1"/>
+      <p:bldP spid="42" grpId="0" animBg="1"/>
+      <p:bldP spid="43" grpId="0" animBg="1"/>
+    </p:bldLst>
+  </p:timing>
+</p:sld>
+</file>
+
+<file path=ppt/slides/slide11.xml><?xml version="1.0" encoding="utf-8"?>
 <p:sld xmlns:a="http://schemas.openxmlformats.org/drawingml/2006/main" xmlns:r="http://schemas.openxmlformats.org/officeDocument/2006/relationships" xmlns:p="http://schemas.openxmlformats.org/presentationml/2006/main">
   <p:cSld>
     <p:spTree>
@@ -6968,7 +9906,7 @@
           <a:p>
             <a:r>
               <a:rPr lang="en-US" dirty="0" smtClean="0"/>
-              <a:t>Git</a:t>
+              <a:t>Contribute!</a:t>
             </a:r>
             <a:endParaRPr lang="en-US" dirty="0"/>
           </a:p>
@@ -6995,7 +9933,22 @@
             </a:pPr>
             <a:r>
               <a:rPr lang="en-US" dirty="0" smtClean="0"/>
-              <a:t>A distributed version control system originally built for the Linux kernel</a:t>
+              <a:t>Mylyn Reviews</a:t>
+            </a:r>
+            <a:endParaRPr lang="en-US" dirty="0" smtClean="0">
+              <a:hlinkClick r:id="rId3"/>
+            </a:endParaRPr>
+          </a:p>
+          <a:p>
+            <a:pPr marL="612775" lvl="2" indent="-342900">
+              <a:buFont typeface="Arial" pitchFamily="34" charset="0"/>
+              <a:buChar char="•"/>
+            </a:pPr>
+            <a:r>
+              <a:rPr lang="en-US" dirty="0" smtClean="0">
+                <a:hlinkClick r:id="rId3"/>
+              </a:rPr>
+              <a:t>http://www.eclipse.org/reviews</a:t>
             </a:r>
             <a:endParaRPr lang="en-US" dirty="0" smtClean="0"/>
           </a:p>
@@ -7006,8 +9959,11 @@
             </a:pPr>
             <a:r>
               <a:rPr lang="en-US" dirty="0" smtClean="0"/>
-              <a:t>Offline support</a:t>
-            </a:r>
+              <a:t>Mylyn Builds</a:t>
+            </a:r>
+            <a:endParaRPr lang="en-US" dirty="0" smtClean="0">
+              <a:hlinkClick r:id="rId4"/>
+            </a:endParaRPr>
           </a:p>
           <a:p>
             <a:pPr marL="612775" lvl="2" indent="-342900">
@@ -7015,18 +9971,4662 @@
               <a:buChar char="•"/>
             </a:pPr>
             <a:r>
+              <a:rPr lang="en-US" dirty="0" smtClean="0">
+                <a:hlinkClick r:id="rId4"/>
+              </a:rPr>
+              <a:t>http://www.eclipse.org/mylyn/builds</a:t>
+            </a:r>
+            <a:endParaRPr lang="en-US" dirty="0" smtClean="0"/>
+          </a:p>
+          <a:p>
+            <a:pPr marL="342900" indent="-342900">
+              <a:buFont typeface="Arial" pitchFamily="34" charset="0"/>
+              <a:buChar char="•"/>
+            </a:pPr>
+            <a:r>
               <a:rPr lang="en-US" dirty="0" smtClean="0"/>
-              <a:t>Local </a:t>
-            </a:r>
+              <a:t>Egit/</a:t>
+            </a:r>
+            <a:r>
+              <a:rPr lang="en-US" dirty="0" err="1" smtClean="0"/>
+              <a:t>Jgit</a:t>
+            </a:r>
+            <a:endParaRPr lang="en-US" dirty="0" smtClean="0">
+              <a:hlinkClick r:id="rId5"/>
+            </a:endParaRPr>
+          </a:p>
+          <a:p>
+            <a:pPr marL="612775" lvl="2" indent="-342900">
+              <a:buFont typeface="Arial" pitchFamily="34" charset="0"/>
+              <a:buChar char="•"/>
+            </a:pPr>
+            <a:r>
+              <a:rPr lang="en-US" dirty="0" smtClean="0">
+                <a:hlinkClick r:id="rId5"/>
+              </a:rPr>
+              <a:t>http://www.eclipse.org/egit</a:t>
+            </a:r>
+            <a:endParaRPr lang="en-US" dirty="0" smtClean="0"/>
+          </a:p>
+          <a:p>
+            <a:pPr marL="342900" indent="-342900">
+              <a:buFont typeface="Arial" pitchFamily="34" charset="0"/>
+              <a:buChar char="•"/>
+            </a:pPr>
             <a:r>
               <a:rPr lang="en-US" dirty="0" smtClean="0"/>
-              <a:t>repository clone contains full </a:t>
-            </a:r>
+              <a:t>Gerrit Code Review</a:t>
+            </a:r>
+            <a:endParaRPr lang="en-US" dirty="0" smtClean="0">
+              <a:hlinkClick r:id="rId6"/>
+            </a:endParaRPr>
+          </a:p>
+          <a:p>
+            <a:pPr marL="612775" lvl="2" indent="-342900">
+              <a:buFont typeface="Arial" pitchFamily="34" charset="0"/>
+              <a:buChar char="•"/>
+            </a:pPr>
+            <a:r>
+              <a:rPr lang="en-US" dirty="0" smtClean="0">
+                <a:hlinkClick r:id="rId6"/>
+              </a:rPr>
+              <a:t>https://review.source.android.com</a:t>
+            </a:r>
+            <a:endParaRPr lang="en-US" dirty="0" smtClean="0"/>
+          </a:p>
+          <a:p>
+            <a:pPr marL="342900" indent="-342900">
+              <a:buFont typeface="Arial" pitchFamily="34" charset="0"/>
+              <a:buChar char="•"/>
+            </a:pPr>
             <a:r>
               <a:rPr lang="en-US" dirty="0" smtClean="0"/>
-              <a:t>history</a:t>
+              <a:t>Jenkins Gerrit Trigger</a:t>
+            </a:r>
+          </a:p>
+          <a:p>
+            <a:pPr marL="612775" lvl="2" indent="-342900">
+              <a:buFont typeface="Arial" pitchFamily="34" charset="0"/>
+              <a:buChar char="•"/>
+            </a:pPr>
+            <a:r>
+              <a:rPr lang="en-US" dirty="0" smtClean="0">
+                <a:hlinkClick r:id="rId7"/>
+              </a:rPr>
+              <a:t>https://wiki.jenkins-ci.org/display/JENKINS/Gerrit+Trigger</a:t>
             </a:r>
             <a:endParaRPr lang="en-US" dirty="0" smtClean="0"/>
+          </a:p>
+          <a:p>
+            <a:pPr marL="342900" indent="-342900">
+              <a:buFont typeface="Arial" pitchFamily="34" charset="0"/>
+              <a:buChar char="•"/>
+            </a:pPr>
+            <a:endParaRPr lang="en-US" dirty="0" smtClean="0"/>
+          </a:p>
+          <a:p>
+            <a:pPr marL="342900" indent="-342900"/>
+            <a:endParaRPr lang="en-US" dirty="0" smtClean="0"/>
+          </a:p>
+        </p:txBody>
+      </p:sp>
+      <p:pic>
+        <p:nvPicPr>
+          <p:cNvPr id="4" name="Picture 7"/>
+          <p:cNvPicPr>
+            <a:picLocks noChangeAspect="1" noChangeArrowheads="1"/>
+          </p:cNvPicPr>
+          <p:nvPr/>
+        </p:nvPicPr>
+        <p:blipFill>
+          <a:blip r:embed="rId8" cstate="print"/>
+          <a:srcRect/>
+          <a:stretch>
+            <a:fillRect/>
+          </a:stretch>
+        </p:blipFill>
+        <p:spPr bwMode="auto">
+          <a:xfrm>
+            <a:off x="8101013" y="419100"/>
+            <a:ext cx="896937" cy="514350"/>
+          </a:xfrm>
+          <a:prstGeom prst="rect">
+            <a:avLst/>
+          </a:prstGeom>
+          <a:noFill/>
+          <a:ln w="9525">
+            <a:noFill/>
+            <a:miter lim="800000"/>
+            <a:headEnd/>
+            <a:tailEnd/>
+          </a:ln>
+        </p:spPr>
+      </p:pic>
+    </p:spTree>
+  </p:cSld>
+  <p:clrMapOvr>
+    <a:masterClrMapping/>
+  </p:clrMapOvr>
+  <p:transition spd="med"/>
+  <p:timing>
+    <p:tnLst>
+      <p:par>
+        <p:cTn id="1" dur="indefinite" restart="never" nodeType="tmRoot"/>
+      </p:par>
+    </p:tnLst>
+  </p:timing>
+</p:sld>
+</file>
+
+<file path=ppt/slides/slide12.xml><?xml version="1.0" encoding="utf-8"?>
+<p:sld xmlns:a="http://schemas.openxmlformats.org/drawingml/2006/main" xmlns:r="http://schemas.openxmlformats.org/officeDocument/2006/relationships" xmlns:p="http://schemas.openxmlformats.org/presentationml/2006/main">
+  <p:cSld>
+    <p:spTree>
+      <p:nvGrpSpPr>
+        <p:cNvPr id="1" name=""/>
+        <p:cNvGrpSpPr/>
+        <p:nvPr/>
+      </p:nvGrpSpPr>
+      <p:grpSpPr>
+        <a:xfrm>
+          <a:off x="0" y="0"/>
+          <a:ext cx="0" cy="0"/>
+          <a:chOff x="0" y="0"/>
+          <a:chExt cx="0" cy="0"/>
+        </a:xfrm>
+      </p:grpSpPr>
+      <p:sp>
+        <p:nvSpPr>
+          <p:cNvPr id="2" name="Title 1"/>
+          <p:cNvSpPr>
+            <a:spLocks noGrp="1"/>
+          </p:cNvSpPr>
+          <p:nvPr>
+            <p:ph type="title"/>
+          </p:nvPr>
+        </p:nvSpPr>
+        <p:spPr/>
+        <p:txBody>
+          <a:bodyPr/>
+          <a:lstStyle/>
+          <a:p>
+            <a:r>
+              <a:rPr lang="en-US" smtClean="0"/>
+              <a:t>Update Sites for Mylyn 3.5</a:t>
+            </a:r>
+            <a:endParaRPr lang="en-US" dirty="0"/>
+          </a:p>
+        </p:txBody>
+      </p:sp>
+      <p:sp>
+        <p:nvSpPr>
+          <p:cNvPr id="3" name="Content Placeholder 2"/>
+          <p:cNvSpPr>
+            <a:spLocks noGrp="1"/>
+          </p:cNvSpPr>
+          <p:nvPr>
+            <p:ph type="body" sz="quarter" idx="10"/>
+          </p:nvPr>
+        </p:nvSpPr>
+        <p:spPr/>
+        <p:txBody>
+          <a:bodyPr/>
+          <a:lstStyle/>
+          <a:p>
+            <a:pPr lvl="1"/>
+            <a:r>
+              <a:rPr lang="en-US" dirty="0" smtClean="0"/>
+              <a:t>Mylyn</a:t>
+            </a:r>
+          </a:p>
+          <a:p>
+            <a:pPr lvl="2"/>
+            <a:r>
+              <a:rPr lang="en-US" dirty="0" smtClean="0"/>
+              <a:t>http://download.eclipse.org/mylyn/releases/latest</a:t>
+            </a:r>
+          </a:p>
+          <a:p>
+            <a:pPr lvl="1"/>
+            <a:r>
+              <a:rPr lang="en-US" dirty="0" smtClean="0"/>
+              <a:t>Jenkins/</a:t>
+            </a:r>
+            <a:r>
+              <a:rPr lang="en-US" dirty="0" smtClean="0"/>
+              <a:t>Hudson Connector</a:t>
+            </a:r>
+          </a:p>
+          <a:p>
+            <a:pPr lvl="2"/>
+            <a:r>
+              <a:rPr lang="en-US" dirty="0" smtClean="0"/>
+              <a:t>Task List &gt; New Task… &gt; Install More Connectors</a:t>
+            </a:r>
+          </a:p>
+          <a:p>
+            <a:pPr lvl="1"/>
+            <a:r>
+              <a:rPr lang="en-US" dirty="0" err="1" smtClean="0"/>
+              <a:t>Gerrit</a:t>
+            </a:r>
+            <a:r>
+              <a:rPr lang="en-US" dirty="0" smtClean="0"/>
+              <a:t> Connector</a:t>
+            </a:r>
+          </a:p>
+          <a:p>
+            <a:pPr lvl="2"/>
+            <a:r>
+              <a:rPr lang="en-US" dirty="0" smtClean="0"/>
+              <a:t>http://download.eclipse.org/reviews/nightly</a:t>
+            </a:r>
+          </a:p>
+          <a:p>
+            <a:pPr lvl="1"/>
+            <a:r>
+              <a:rPr lang="en-US" dirty="0" err="1" smtClean="0"/>
+              <a:t>EGit</a:t>
+            </a:r>
+            <a:endParaRPr lang="en-US" dirty="0" smtClean="0"/>
+          </a:p>
+          <a:p>
+            <a:pPr lvl="2"/>
+            <a:r>
+              <a:rPr lang="en-US" dirty="0" smtClean="0"/>
+              <a:t>http://download.eclipse.org/egit/updates</a:t>
+            </a:r>
+          </a:p>
+          <a:p>
+            <a:pPr lvl="2"/>
+            <a:endParaRPr lang="en-US" dirty="0" smtClean="0"/>
+          </a:p>
+          <a:p>
+            <a:pPr lvl="1"/>
+            <a:r>
+              <a:rPr lang="en-US" dirty="0" smtClean="0"/>
+              <a:t>Mylyn 3.6 will be released as part of Indigo on June 22.</a:t>
+            </a:r>
+            <a:endParaRPr lang="en-US" dirty="0" smtClean="0"/>
+          </a:p>
+        </p:txBody>
+      </p:sp>
+    </p:spTree>
+  </p:cSld>
+  <p:clrMapOvr>
+    <a:masterClrMapping/>
+  </p:clrMapOvr>
+  <p:transition/>
+  <p:timing>
+    <p:tnLst>
+      <p:par>
+        <p:cTn id="1" dur="indefinite" restart="never" nodeType="tmRoot"/>
+      </p:par>
+    </p:tnLst>
+  </p:timing>
+</p:sld>
+</file>
+
+<file path=ppt/slides/slide13.xml><?xml version="1.0" encoding="utf-8"?>
+<p:sld xmlns:a="http://schemas.openxmlformats.org/drawingml/2006/main" xmlns:r="http://schemas.openxmlformats.org/officeDocument/2006/relationships" xmlns:p="http://schemas.openxmlformats.org/presentationml/2006/main">
+  <p:cSld>
+    <p:spTree>
+      <p:nvGrpSpPr>
+        <p:cNvPr id="1" name=""/>
+        <p:cNvGrpSpPr/>
+        <p:nvPr/>
+      </p:nvGrpSpPr>
+      <p:grpSpPr>
+        <a:xfrm>
+          <a:off x="0" y="0"/>
+          <a:ext cx="0" cy="0"/>
+          <a:chOff x="0" y="0"/>
+          <a:chExt cx="0" cy="0"/>
+        </a:xfrm>
+      </p:grpSpPr>
+      <p:sp>
+        <p:nvSpPr>
+          <p:cNvPr id="2" name="Title 1"/>
+          <p:cNvSpPr>
+            <a:spLocks noGrp="1"/>
+          </p:cNvSpPr>
+          <p:nvPr>
+            <p:ph type="title"/>
+          </p:nvPr>
+        </p:nvSpPr>
+        <p:spPr/>
+        <p:txBody>
+          <a:bodyPr/>
+          <a:lstStyle/>
+          <a:p>
+            <a:r>
+              <a:rPr lang="en-US" dirty="0" smtClean="0"/>
+              <a:t>Questions?</a:t>
+            </a:r>
+            <a:endParaRPr lang="en-US" dirty="0"/>
+          </a:p>
+        </p:txBody>
+      </p:sp>
+      <p:pic>
+        <p:nvPicPr>
+          <p:cNvPr id="4" name="Picture 2"/>
+          <p:cNvPicPr>
+            <a:picLocks noChangeAspect="1" noChangeArrowheads="1"/>
+          </p:cNvPicPr>
+          <p:nvPr/>
+        </p:nvPicPr>
+        <p:blipFill>
+          <a:blip r:embed="rId2" cstate="print"/>
+          <a:srcRect/>
+          <a:stretch>
+            <a:fillRect/>
+          </a:stretch>
+        </p:blipFill>
+        <p:spPr bwMode="auto">
+          <a:xfrm>
+            <a:off x="1683253" y="1936866"/>
+            <a:ext cx="3571395" cy="2377772"/>
+          </a:xfrm>
+          <a:prstGeom prst="rect">
+            <a:avLst/>
+          </a:prstGeom>
+          <a:ln>
+            <a:noFill/>
+          </a:ln>
+          <a:effectLst>
+            <a:reflection blurRad="12700" stA="30000" endPos="30000" dist="5000" dir="5400000" sy="-100000" algn="bl" rotWithShape="0"/>
+          </a:effectLst>
+          <a:scene3d>
+            <a:camera prst="perspectiveContrastingLeftFacing">
+              <a:rot lat="300000" lon="19800000" rev="0"/>
+            </a:camera>
+            <a:lightRig rig="threePt" dir="t">
+              <a:rot lat="0" lon="0" rev="2700000"/>
+            </a:lightRig>
+          </a:scene3d>
+          <a:sp3d/>
+        </p:spPr>
+      </p:pic>
+      <p:pic>
+        <p:nvPicPr>
+          <p:cNvPr id="5" name="Picture 3"/>
+          <p:cNvPicPr>
+            <a:picLocks noChangeAspect="1" noChangeArrowheads="1"/>
+          </p:cNvPicPr>
+          <p:nvPr/>
+        </p:nvPicPr>
+        <p:blipFill>
+          <a:blip r:embed="rId3" cstate="print"/>
+          <a:srcRect/>
+          <a:stretch>
+            <a:fillRect/>
+          </a:stretch>
+        </p:blipFill>
+        <p:spPr bwMode="auto">
+          <a:xfrm>
+            <a:off x="2503342" y="2529619"/>
+            <a:ext cx="4379654" cy="2290799"/>
+          </a:xfrm>
+          <a:prstGeom prst="rect">
+            <a:avLst/>
+          </a:prstGeom>
+          <a:ln>
+            <a:noFill/>
+          </a:ln>
+          <a:effectLst>
+            <a:reflection blurRad="12700" stA="30000" endPos="30000" dist="5000" dir="5400000" sy="-100000" algn="bl" rotWithShape="0"/>
+          </a:effectLst>
+          <a:scene3d>
+            <a:camera prst="perspectiveContrastingLeftFacing">
+              <a:rot lat="300000" lon="19800000" rev="0"/>
+            </a:camera>
+            <a:lightRig rig="threePt" dir="t">
+              <a:rot lat="0" lon="0" rev="2700000"/>
+            </a:lightRig>
+          </a:scene3d>
+          <a:sp3d/>
+        </p:spPr>
+      </p:pic>
+      <p:pic>
+        <p:nvPicPr>
+          <p:cNvPr id="6" name="Picture 4"/>
+          <p:cNvPicPr>
+            <a:picLocks noChangeAspect="1" noChangeArrowheads="1"/>
+          </p:cNvPicPr>
+          <p:nvPr/>
+        </p:nvPicPr>
+        <p:blipFill>
+          <a:blip r:embed="rId4" cstate="print"/>
+          <a:srcRect/>
+          <a:stretch>
+            <a:fillRect/>
+          </a:stretch>
+        </p:blipFill>
+        <p:spPr bwMode="auto">
+          <a:xfrm>
+            <a:off x="3322791" y="2825036"/>
+            <a:ext cx="3761202" cy="2499054"/>
+          </a:xfrm>
+          <a:prstGeom prst="rect">
+            <a:avLst/>
+          </a:prstGeom>
+          <a:ln>
+            <a:noFill/>
+          </a:ln>
+          <a:effectLst>
+            <a:reflection blurRad="12700" stA="30000" endPos="30000" dist="5000" dir="5400000" sy="-100000" algn="bl" rotWithShape="0"/>
+          </a:effectLst>
+          <a:scene3d>
+            <a:camera prst="perspectiveContrastingLeftFacing">
+              <a:rot lat="300000" lon="19800000" rev="0"/>
+            </a:camera>
+            <a:lightRig rig="threePt" dir="t">
+              <a:rot lat="0" lon="0" rev="2700000"/>
+            </a:lightRig>
+          </a:scene3d>
+          <a:sp3d/>
+        </p:spPr>
+      </p:pic>
+      <p:pic>
+        <p:nvPicPr>
+          <p:cNvPr id="7" name="Picture 6" descr="inactive.png"/>
+          <p:cNvPicPr>
+            <a:picLocks noChangeAspect="1"/>
+          </p:cNvPicPr>
+          <p:nvPr/>
+        </p:nvPicPr>
+        <p:blipFill>
+          <a:blip r:embed="rId5" cstate="print"/>
+          <a:stretch>
+            <a:fillRect/>
+          </a:stretch>
+        </p:blipFill>
+        <p:spPr>
+          <a:xfrm>
+            <a:off x="4224647" y="3534225"/>
+            <a:ext cx="3471991" cy="2051926"/>
+          </a:xfrm>
+          <a:prstGeom prst="rect">
+            <a:avLst/>
+          </a:prstGeom>
+          <a:ln>
+            <a:noFill/>
+          </a:ln>
+          <a:effectLst>
+            <a:reflection blurRad="12700" stA="30000" endPos="30000" dist="5000" dir="5400000" sy="-100000" algn="bl" rotWithShape="0"/>
+          </a:effectLst>
+          <a:scene3d>
+            <a:camera prst="perspectiveContrastingLeftFacing">
+              <a:rot lat="300000" lon="19800000" rev="0"/>
+            </a:camera>
+            <a:lightRig rig="threePt" dir="t">
+              <a:rot lat="0" lon="0" rev="2700000"/>
+            </a:lightRig>
+          </a:scene3d>
+          <a:sp3d/>
+        </p:spPr>
+      </p:pic>
+    </p:spTree>
+  </p:cSld>
+  <p:clrMapOvr>
+    <a:masterClrMapping/>
+  </p:clrMapOvr>
+  <p:timing>
+    <p:tnLst>
+      <p:par>
+        <p:cTn id="1" dur="indefinite" restart="never" nodeType="tmRoot"/>
+      </p:par>
+    </p:tnLst>
+  </p:timing>
+</p:sld>
+</file>
+
+<file path=ppt/slides/slide14.xml><?xml version="1.0" encoding="utf-8"?>
+<p:sld xmlns:a="http://schemas.openxmlformats.org/drawingml/2006/main" xmlns:r="http://schemas.openxmlformats.org/officeDocument/2006/relationships" xmlns:p="http://schemas.openxmlformats.org/presentationml/2006/main" show="0">
+  <p:cSld>
+    <p:spTree>
+      <p:nvGrpSpPr>
+        <p:cNvPr id="1" name=""/>
+        <p:cNvGrpSpPr/>
+        <p:nvPr/>
+      </p:nvGrpSpPr>
+      <p:grpSpPr>
+        <a:xfrm>
+          <a:off x="0" y="0"/>
+          <a:ext cx="0" cy="0"/>
+          <a:chOff x="0" y="0"/>
+          <a:chExt cx="0" cy="0"/>
+        </a:xfrm>
+      </p:grpSpPr>
+    </p:spTree>
+  </p:cSld>
+  <p:clrMapOvr>
+    <a:masterClrMapping/>
+  </p:clrMapOvr>
+  <p:transition spd="med"/>
+  <p:timing>
+    <p:tnLst>
+      <p:par>
+        <p:cTn id="1" dur="indefinite" restart="never" nodeType="tmRoot"/>
+      </p:par>
+    </p:tnLst>
+  </p:timing>
+</p:sld>
+</file>
+
+<file path=ppt/slides/slide15.xml><?xml version="1.0" encoding="utf-8"?>
+<p:sld xmlns:a="http://schemas.openxmlformats.org/drawingml/2006/main" xmlns:r="http://schemas.openxmlformats.org/officeDocument/2006/relationships" xmlns:p="http://schemas.openxmlformats.org/presentationml/2006/main" show="0">
+  <p:cSld>
+    <p:spTree>
+      <p:nvGrpSpPr>
+        <p:cNvPr id="1" name=""/>
+        <p:cNvGrpSpPr/>
+        <p:nvPr/>
+      </p:nvGrpSpPr>
+      <p:grpSpPr>
+        <a:xfrm>
+          <a:off x="0" y="0"/>
+          <a:ext cx="0" cy="0"/>
+          <a:chOff x="0" y="0"/>
+          <a:chExt cx="0" cy="0"/>
+        </a:xfrm>
+      </p:grpSpPr>
+    </p:spTree>
+  </p:cSld>
+  <p:clrMapOvr>
+    <a:masterClrMapping/>
+  </p:clrMapOvr>
+  <p:transition/>
+</p:sld>
+</file>
+
+<file path=ppt/slides/slide2.xml><?xml version="1.0" encoding="utf-8"?>
+<p:sld xmlns:a="http://schemas.openxmlformats.org/drawingml/2006/main" xmlns:r="http://schemas.openxmlformats.org/officeDocument/2006/relationships" xmlns:p="http://schemas.openxmlformats.org/presentationml/2006/main">
+  <p:cSld>
+    <p:spTree>
+      <p:nvGrpSpPr>
+        <p:cNvPr id="1" name=""/>
+        <p:cNvGrpSpPr/>
+        <p:nvPr/>
+      </p:nvGrpSpPr>
+      <p:grpSpPr>
+        <a:xfrm>
+          <a:off x="0" y="0"/>
+          <a:ext cx="0" cy="0"/>
+          <a:chOff x="0" y="0"/>
+          <a:chExt cx="0" cy="0"/>
+        </a:xfrm>
+      </p:grpSpPr>
+      <p:grpSp>
+        <p:nvGrpSpPr>
+          <p:cNvPr id="2" name="Group 9"/>
+          <p:cNvGrpSpPr/>
+          <p:nvPr/>
+        </p:nvGrpSpPr>
+        <p:grpSpPr>
+          <a:xfrm>
+            <a:off x="1651001" y="1070720"/>
+            <a:ext cx="5842000" cy="4381500"/>
+            <a:chOff x="0" y="0"/>
+            <a:chExt cx="9144000" cy="6858000"/>
+          </a:xfrm>
+          <a:effectLst>
+            <a:reflection blurRad="6350" stA="52000" endA="300" endPos="35000" dir="5400000" sy="-100000" algn="bl" rotWithShape="0"/>
+          </a:effectLst>
+        </p:grpSpPr>
+        <p:grpSp>
+          <p:nvGrpSpPr>
+            <p:cNvPr id="3" name="Group 8"/>
+            <p:cNvGrpSpPr/>
+            <p:nvPr/>
+          </p:nvGrpSpPr>
+          <p:grpSpPr>
+            <a:xfrm>
+              <a:off x="0" y="0"/>
+              <a:ext cx="9144000" cy="6858000"/>
+              <a:chOff x="0" y="0"/>
+              <a:chExt cx="9144000" cy="6858000"/>
+            </a:xfrm>
+          </p:grpSpPr>
+          <p:pic>
+            <p:nvPicPr>
+              <p:cNvPr id="3076" name="Picture 4"/>
+              <p:cNvPicPr>
+                <a:picLocks noChangeAspect="1" noChangeArrowheads="1"/>
+              </p:cNvPicPr>
+              <p:nvPr/>
+            </p:nvPicPr>
+            <p:blipFill>
+              <a:blip r:embed="rId3" cstate="print"/>
+              <a:srcRect/>
+              <a:stretch>
+                <a:fillRect/>
+              </a:stretch>
+            </p:blipFill>
+            <p:spPr bwMode="auto">
+              <a:xfrm>
+                <a:off x="0" y="0"/>
+                <a:ext cx="9144000" cy="6858000"/>
+              </a:xfrm>
+              <a:prstGeom prst="rect">
+                <a:avLst/>
+              </a:prstGeom>
+              <a:effectLst>
+                <a:reflection blurRad="6350" stA="52000" endA="300" endPos="14000" dir="5400000" sy="-100000" algn="bl" rotWithShape="0"/>
+              </a:effectLst>
+            </p:spPr>
+          </p:pic>
+          <p:pic>
+            <p:nvPicPr>
+              <p:cNvPr id="3077" name="Picture 5"/>
+              <p:cNvPicPr>
+                <a:picLocks noChangeAspect="1" noChangeArrowheads="1"/>
+              </p:cNvPicPr>
+              <p:nvPr/>
+            </p:nvPicPr>
+            <p:blipFill>
+              <a:blip r:embed="rId4" cstate="print"/>
+              <a:srcRect/>
+              <a:stretch>
+                <a:fillRect/>
+              </a:stretch>
+            </p:blipFill>
+            <p:spPr bwMode="auto">
+              <a:xfrm>
+                <a:off x="0" y="0"/>
+                <a:ext cx="2303463" cy="6858000"/>
+              </a:xfrm>
+              <a:prstGeom prst="rect">
+                <a:avLst/>
+              </a:prstGeom>
+              <a:effectLst>
+                <a:reflection blurRad="6350" stA="52000" endA="300" endPos="14000" dir="5400000" sy="-100000" algn="bl" rotWithShape="0"/>
+              </a:effectLst>
+            </p:spPr>
+          </p:pic>
+        </p:grpSp>
+        <p:pic>
+          <p:nvPicPr>
+            <p:cNvPr id="3078" name="Picture 7"/>
+            <p:cNvPicPr>
+              <a:picLocks noChangeAspect="1" noChangeArrowheads="1"/>
+            </p:cNvPicPr>
+            <p:nvPr/>
+          </p:nvPicPr>
+          <p:blipFill>
+            <a:blip r:embed="rId5" cstate="print"/>
+            <a:srcRect/>
+            <a:stretch>
+              <a:fillRect/>
+            </a:stretch>
+          </p:blipFill>
+          <p:spPr bwMode="auto">
+            <a:xfrm>
+              <a:off x="0" y="0"/>
+              <a:ext cx="241300" cy="214313"/>
+            </a:xfrm>
+            <a:prstGeom prst="rect">
+              <a:avLst/>
+            </a:prstGeom>
+            <a:effectLst>
+              <a:reflection blurRad="6350" stA="52000" endA="300" endPos="14000" dir="5400000" sy="-100000" algn="bl" rotWithShape="0"/>
+            </a:effectLst>
+          </p:spPr>
+        </p:pic>
+      </p:grpSp>
+      <p:sp>
+        <p:nvSpPr>
+          <p:cNvPr id="8" name="Title 7"/>
+          <p:cNvSpPr>
+            <a:spLocks noGrp="1"/>
+          </p:cNvSpPr>
+          <p:nvPr>
+            <p:ph type="title"/>
+          </p:nvPr>
+        </p:nvSpPr>
+        <p:spPr/>
+        <p:txBody>
+          <a:bodyPr/>
+          <a:lstStyle/>
+          <a:p>
+            <a:r>
+              <a:rPr lang="en-CA" dirty="0" smtClean="0"/>
+              <a:t>90% Irrelevant</a:t>
+            </a:r>
+            <a:endParaRPr lang="en-US" dirty="0"/>
+          </a:p>
+        </p:txBody>
+      </p:sp>
+      <p:sp>
+        <p:nvSpPr>
+          <p:cNvPr id="9" name="AutoShape 8"/>
+          <p:cNvSpPr>
+            <a:spLocks noChangeArrowheads="1"/>
+          </p:cNvSpPr>
+          <p:nvPr/>
+        </p:nvSpPr>
+        <p:spPr bwMode="auto">
+          <a:xfrm>
+            <a:off x="2200275" y="2840644"/>
+            <a:ext cx="4743450" cy="1746781"/>
+          </a:xfrm>
+          <a:prstGeom prst="roundRect">
+            <a:avLst>
+              <a:gd name="adj" fmla="val 4488"/>
+            </a:avLst>
+          </a:prstGeom>
+          <a:gradFill flip="none" rotWithShape="1">
+            <a:gsLst>
+              <a:gs pos="64000">
+                <a:srgbClr val="F2F2F2">
+                  <a:lumMod val="10000"/>
+                  <a:alpha val="90000"/>
+                </a:srgbClr>
+              </a:gs>
+              <a:gs pos="12000">
+                <a:srgbClr val="000000">
+                  <a:lumMod val="75000"/>
+                  <a:lumOff val="25000"/>
+                  <a:alpha val="90000"/>
+                </a:srgbClr>
+              </a:gs>
+            </a:gsLst>
+            <a:lin ang="5400000" scaled="1"/>
+            <a:tileRect/>
+          </a:gradFill>
+          <a:ln w="25400" algn="ctr">
+            <a:solidFill>
+              <a:srgbClr val="000000">
+                <a:lumMod val="85000"/>
+                <a:lumOff val="15000"/>
+              </a:srgbClr>
+            </a:solidFill>
+            <a:round/>
+            <a:headEnd/>
+            <a:tailEnd/>
+          </a:ln>
+        </p:spPr>
+        <p:txBody>
+          <a:bodyPr wrap="none" lIns="91338" tIns="0" rIns="91338" bIns="45668" anchor="ctr"/>
+          <a:lstStyle/>
+          <a:p>
+            <a:pPr algn="ctr" defTabSz="913375">
+              <a:lnSpc>
+                <a:spcPct val="150000"/>
+              </a:lnSpc>
+              <a:defRPr/>
+            </a:pPr>
+            <a:r>
+              <a:rPr lang="en-US" sz="2000" b="1" kern="0" dirty="0" smtClean="0">
+                <a:gradFill flip="none" rotWithShape="1">
+                  <a:gsLst>
+                    <a:gs pos="0">
+                      <a:srgbClr val="F2F2F2">
+                        <a:lumMod val="75000"/>
+                      </a:srgbClr>
+                    </a:gs>
+                    <a:gs pos="50000">
+                      <a:srgbClr val="F2F2F2">
+                        <a:lumMod val="90000"/>
+                      </a:srgbClr>
+                    </a:gs>
+                    <a:gs pos="100000">
+                      <a:srgbClr val="F2F2F2"/>
+                    </a:gs>
+                  </a:gsLst>
+                  <a:lin ang="16200000" scaled="1"/>
+                  <a:tileRect/>
+                </a:gradFill>
+                <a:latin typeface="Century Gothic" pitchFamily="34" charset="0"/>
+              </a:rPr>
+              <a:t>Lack of integration – Friction</a:t>
+            </a:r>
+            <a:br>
+              <a:rPr lang="en-US" sz="2000" b="1" kern="0" dirty="0" smtClean="0">
+                <a:gradFill flip="none" rotWithShape="1">
+                  <a:gsLst>
+                    <a:gs pos="0">
+                      <a:srgbClr val="F2F2F2">
+                        <a:lumMod val="75000"/>
+                      </a:srgbClr>
+                    </a:gs>
+                    <a:gs pos="50000">
+                      <a:srgbClr val="F2F2F2">
+                        <a:lumMod val="90000"/>
+                      </a:srgbClr>
+                    </a:gs>
+                    <a:gs pos="100000">
+                      <a:srgbClr val="F2F2F2"/>
+                    </a:gs>
+                  </a:gsLst>
+                  <a:lin ang="16200000" scaled="1"/>
+                  <a:tileRect/>
+                </a:gradFill>
+                <a:latin typeface="Century Gothic" pitchFamily="34" charset="0"/>
+              </a:rPr>
+            </a:br>
+            <a:r>
+              <a:rPr lang="en-CA" sz="2000" b="1" kern="0" dirty="0" smtClean="0">
+                <a:gradFill flip="none" rotWithShape="1">
+                  <a:gsLst>
+                    <a:gs pos="0">
+                      <a:srgbClr val="F2F2F2">
+                        <a:lumMod val="75000"/>
+                      </a:srgbClr>
+                    </a:gs>
+                    <a:gs pos="50000">
+                      <a:srgbClr val="F2F2F2">
+                        <a:lumMod val="90000"/>
+                      </a:srgbClr>
+                    </a:gs>
+                    <a:gs pos="100000">
+                      <a:srgbClr val="F2F2F2"/>
+                    </a:gs>
+                  </a:gsLst>
+                  <a:lin ang="16200000" scaled="1"/>
+                  <a:tileRect/>
+                </a:gradFill>
+                <a:latin typeface="Century Gothic" pitchFamily="34" charset="0"/>
+              </a:rPr>
+              <a:t>Information overload – Distraction</a:t>
+            </a:r>
+            <a:br>
+              <a:rPr lang="en-CA" sz="2000" b="1" kern="0" dirty="0" smtClean="0">
+                <a:gradFill flip="none" rotWithShape="1">
+                  <a:gsLst>
+                    <a:gs pos="0">
+                      <a:srgbClr val="F2F2F2">
+                        <a:lumMod val="75000"/>
+                      </a:srgbClr>
+                    </a:gs>
+                    <a:gs pos="50000">
+                      <a:srgbClr val="F2F2F2">
+                        <a:lumMod val="90000"/>
+                      </a:srgbClr>
+                    </a:gs>
+                    <a:gs pos="100000">
+                      <a:srgbClr val="F2F2F2"/>
+                    </a:gs>
+                  </a:gsLst>
+                  <a:lin ang="16200000" scaled="1"/>
+                  <a:tileRect/>
+                </a:gradFill>
+                <a:latin typeface="Century Gothic" pitchFamily="34" charset="0"/>
+              </a:rPr>
+            </a:br>
+            <a:r>
+              <a:rPr lang="en-CA" sz="2000" b="1" kern="0" dirty="0" smtClean="0">
+                <a:gradFill flip="none" rotWithShape="1">
+                  <a:gsLst>
+                    <a:gs pos="0">
+                      <a:srgbClr val="F2F2F2">
+                        <a:lumMod val="75000"/>
+                      </a:srgbClr>
+                    </a:gs>
+                    <a:gs pos="50000">
+                      <a:srgbClr val="F2F2F2">
+                        <a:lumMod val="90000"/>
+                      </a:srgbClr>
+                    </a:gs>
+                    <a:gs pos="100000">
+                      <a:srgbClr val="F2F2F2"/>
+                    </a:gs>
+                  </a:gsLst>
+                  <a:lin ang="16200000" scaled="1"/>
+                  <a:tileRect/>
+                </a:gradFill>
+                <a:latin typeface="Century Gothic" pitchFamily="34" charset="0"/>
+              </a:rPr>
+              <a:t>Context loss when multi-tasking</a:t>
+            </a:r>
+            <a:endParaRPr lang="en-US" sz="2000" b="1" kern="0" dirty="0">
+              <a:gradFill flip="none" rotWithShape="1">
+                <a:gsLst>
+                  <a:gs pos="0">
+                    <a:srgbClr val="F2F2F2">
+                      <a:lumMod val="75000"/>
+                    </a:srgbClr>
+                  </a:gs>
+                  <a:gs pos="50000">
+                    <a:srgbClr val="F2F2F2">
+                      <a:lumMod val="90000"/>
+                    </a:srgbClr>
+                  </a:gs>
+                  <a:gs pos="100000">
+                    <a:srgbClr val="F2F2F2"/>
+                  </a:gs>
+                </a:gsLst>
+                <a:lin ang="16200000" scaled="1"/>
+                <a:tileRect/>
+              </a:gradFill>
+              <a:latin typeface="Century Gothic" pitchFamily="34" charset="0"/>
+            </a:endParaRPr>
+          </a:p>
+        </p:txBody>
+      </p:sp>
+    </p:spTree>
+    <p:extLst>
+      <p:ext uri="{BB962C8B-B14F-4D97-AF65-F5344CB8AC3E}">
+        <p14:creationId xmlns="" xmlns:p14="http://schemas.microsoft.com/office/powerpoint/2010/main" val="3142921521"/>
+      </p:ext>
+    </p:extLst>
+  </p:cSld>
+  <p:clrMapOvr>
+    <a:masterClrMapping/>
+  </p:clrMapOvr>
+  <p:transition/>
+  <p:timing>
+    <p:tnLst>
+      <p:par>
+        <p:cTn id="1" dur="indefinite" restart="never" nodeType="tmRoot">
+          <p:childTnLst>
+            <p:seq concurrent="1" nextAc="seek">
+              <p:cTn id="2" dur="indefinite" nodeType="mainSeq">
+                <p:childTnLst>
+                  <p:par>
+                    <p:cTn id="3" fill="hold">
+                      <p:stCondLst>
+                        <p:cond delay="indefinite"/>
+                      </p:stCondLst>
+                      <p:childTnLst>
+                        <p:par>
+                          <p:cTn id="4" fill="hold">
+                            <p:stCondLst>
+                              <p:cond delay="0"/>
+                            </p:stCondLst>
+                            <p:childTnLst>
+                              <p:par>
+                                <p:cTn id="5" presetID="10" presetClass="entr" presetSubtype="0" fill="hold" grpId="0" nodeType="clickEffect">
+                                  <p:stCondLst>
+                                    <p:cond delay="0"/>
+                                  </p:stCondLst>
+                                  <p:childTnLst>
+                                    <p:set>
+                                      <p:cBhvr>
+                                        <p:cTn id="6" dur="1" fill="hold">
+                                          <p:stCondLst>
+                                            <p:cond delay="0"/>
+                                          </p:stCondLst>
+                                        </p:cTn>
+                                        <p:tgtEl>
+                                          <p:spTgt spid="8"/>
+                                        </p:tgtEl>
+                                        <p:attrNameLst>
+                                          <p:attrName>style.visibility</p:attrName>
+                                        </p:attrNameLst>
+                                      </p:cBhvr>
+                                      <p:to>
+                                        <p:strVal val="visible"/>
+                                      </p:to>
+                                    </p:set>
+                                    <p:animEffect transition="in" filter="fade">
+                                      <p:cBhvr>
+                                        <p:cTn id="7" dur="1000"/>
+                                        <p:tgtEl>
+                                          <p:spTgt spid="8"/>
+                                        </p:tgtEl>
+                                      </p:cBhvr>
+                                    </p:animEffect>
+                                  </p:childTnLst>
+                                </p:cTn>
+                              </p:par>
+                            </p:childTnLst>
+                          </p:cTn>
+                        </p:par>
+                      </p:childTnLst>
+                    </p:cTn>
+                  </p:par>
+                  <p:par>
+                    <p:cTn id="8" fill="hold">
+                      <p:stCondLst>
+                        <p:cond delay="indefinite"/>
+                      </p:stCondLst>
+                      <p:childTnLst>
+                        <p:par>
+                          <p:cTn id="9" fill="hold">
+                            <p:stCondLst>
+                              <p:cond delay="0"/>
+                            </p:stCondLst>
+                            <p:childTnLst>
+                              <p:par>
+                                <p:cTn id="10" presetID="10" presetClass="entr" presetSubtype="0" fill="hold" grpId="0" nodeType="clickEffect">
+                                  <p:stCondLst>
+                                    <p:cond delay="0"/>
+                                  </p:stCondLst>
+                                  <p:childTnLst>
+                                    <p:set>
+                                      <p:cBhvr>
+                                        <p:cTn id="11" dur="1" fill="hold">
+                                          <p:stCondLst>
+                                            <p:cond delay="0"/>
+                                          </p:stCondLst>
+                                        </p:cTn>
+                                        <p:tgtEl>
+                                          <p:spTgt spid="9">
+                                            <p:bg/>
+                                          </p:spTgt>
+                                        </p:tgtEl>
+                                        <p:attrNameLst>
+                                          <p:attrName>style.visibility</p:attrName>
+                                        </p:attrNameLst>
+                                      </p:cBhvr>
+                                      <p:to>
+                                        <p:strVal val="visible"/>
+                                      </p:to>
+                                    </p:set>
+                                    <p:animEffect transition="in" filter="fade">
+                                      <p:cBhvr>
+                                        <p:cTn id="12" dur="500"/>
+                                        <p:tgtEl>
+                                          <p:spTgt spid="9">
+                                            <p:bg/>
+                                          </p:spTgt>
+                                        </p:tgtEl>
+                                      </p:cBhvr>
+                                    </p:animEffect>
+                                  </p:childTnLst>
+                                </p:cTn>
+                              </p:par>
+                              <p:par>
+                                <p:cTn id="13" presetID="10" presetClass="entr" presetSubtype="0" fill="hold" nodeType="withEffect">
+                                  <p:stCondLst>
+                                    <p:cond delay="0"/>
+                                  </p:stCondLst>
+                                  <p:childTnLst>
+                                    <p:set>
+                                      <p:cBhvr>
+                                        <p:cTn id="14" dur="1" fill="hold">
+                                          <p:stCondLst>
+                                            <p:cond delay="0"/>
+                                          </p:stCondLst>
+                                        </p:cTn>
+                                        <p:tgtEl>
+                                          <p:spTgt spid="9">
+                                            <p:txEl>
+                                              <p:pRg st="0" end="0"/>
+                                            </p:txEl>
+                                          </p:spTgt>
+                                        </p:tgtEl>
+                                        <p:attrNameLst>
+                                          <p:attrName>style.visibility</p:attrName>
+                                        </p:attrNameLst>
+                                      </p:cBhvr>
+                                      <p:to>
+                                        <p:strVal val="visible"/>
+                                      </p:to>
+                                    </p:set>
+                                    <p:animEffect transition="in" filter="fade">
+                                      <p:cBhvr>
+                                        <p:cTn id="15" dur="500"/>
+                                        <p:tgtEl>
+                                          <p:spTgt spid="9">
+                                            <p:txEl>
+                                              <p:pRg st="0" end="0"/>
+                                            </p:txEl>
+                                          </p:spTgt>
+                                        </p:tgtEl>
+                                      </p:cBhvr>
+                                    </p:animEffect>
+                                  </p:childTnLst>
+                                </p:cTn>
+                              </p:par>
+                            </p:childTnLst>
+                          </p:cTn>
+                        </p:par>
+                      </p:childTnLst>
+                    </p:cTn>
+                  </p:par>
+                </p:childTnLst>
+              </p:cTn>
+              <p:prevCondLst>
+                <p:cond evt="onPrev" delay="0">
+                  <p:tgtEl>
+                    <p:sldTgt/>
+                  </p:tgtEl>
+                </p:cond>
+              </p:prevCondLst>
+              <p:nextCondLst>
+                <p:cond evt="onNext" delay="0">
+                  <p:tgtEl>
+                    <p:sldTgt/>
+                  </p:tgtEl>
+                </p:cond>
+              </p:nextCondLst>
+            </p:seq>
+          </p:childTnLst>
+        </p:cTn>
+      </p:par>
+    </p:tnLst>
+    <p:bldLst>
+      <p:bldP spid="8" grpId="0"/>
+      <p:bldP spid="9" grpId="0" build="allAtOnce" animBg="1"/>
+    </p:bldLst>
+  </p:timing>
+</p:sld>
+</file>
+
+<file path=ppt/slides/slide3.xml><?xml version="1.0" encoding="utf-8"?>
+<p:sld xmlns:a="http://schemas.openxmlformats.org/drawingml/2006/main" xmlns:r="http://schemas.openxmlformats.org/officeDocument/2006/relationships" xmlns:p="http://schemas.openxmlformats.org/presentationml/2006/main">
+  <p:cSld>
+    <p:spTree>
+      <p:nvGrpSpPr>
+        <p:cNvPr id="1" name=""/>
+        <p:cNvGrpSpPr/>
+        <p:nvPr/>
+      </p:nvGrpSpPr>
+      <p:grpSpPr>
+        <a:xfrm>
+          <a:off x="0" y="0"/>
+          <a:ext cx="0" cy="0"/>
+          <a:chOff x="0" y="0"/>
+          <a:chExt cx="0" cy="0"/>
+        </a:xfrm>
+      </p:grpSpPr>
+      <p:pic>
+        <p:nvPicPr>
+          <p:cNvPr id="3" name="Picture 2" descr="tasktop-1.6-fullscreen.png"/>
+          <p:cNvPicPr>
+            <a:picLocks noChangeAspect="1"/>
+          </p:cNvPicPr>
+          <p:nvPr/>
+        </p:nvPicPr>
+        <p:blipFill>
+          <a:blip r:embed="rId3" cstate="print"/>
+          <a:stretch>
+            <a:fillRect/>
+          </a:stretch>
+        </p:blipFill>
+        <p:spPr>
+          <a:xfrm>
+            <a:off x="1589533" y="980902"/>
+            <a:ext cx="5964936" cy="4921062"/>
+          </a:xfrm>
+          <a:prstGeom prst="rect">
+            <a:avLst/>
+          </a:prstGeom>
+          <a:effectLst>
+            <a:reflection blurRad="6350" stA="52000" endA="300" endPos="14000" dir="5400000" sy="-100000" algn="bl" rotWithShape="0"/>
+          </a:effectLst>
+        </p:spPr>
+      </p:pic>
+      <p:sp>
+        <p:nvSpPr>
+          <p:cNvPr id="4" name="Title 7"/>
+          <p:cNvSpPr>
+            <a:spLocks noGrp="1"/>
+          </p:cNvSpPr>
+          <p:nvPr>
+            <p:ph type="title"/>
+          </p:nvPr>
+        </p:nvSpPr>
+        <p:spPr/>
+        <p:txBody>
+          <a:bodyPr/>
+          <a:lstStyle/>
+          <a:p>
+            <a:r>
+              <a:rPr lang="en-CA" dirty="0" smtClean="0"/>
+              <a:t>Task-Focused Interface</a:t>
+            </a:r>
+            <a:endParaRPr lang="en-US" dirty="0"/>
+          </a:p>
+        </p:txBody>
+      </p:sp>
+      <p:sp>
+        <p:nvSpPr>
+          <p:cNvPr id="5" name="AutoShape 8"/>
+          <p:cNvSpPr>
+            <a:spLocks noChangeArrowheads="1"/>
+          </p:cNvSpPr>
+          <p:nvPr/>
+        </p:nvSpPr>
+        <p:spPr bwMode="auto">
+          <a:xfrm>
+            <a:off x="2200275" y="2840643"/>
+            <a:ext cx="4743450" cy="1746781"/>
+          </a:xfrm>
+          <a:prstGeom prst="roundRect">
+            <a:avLst>
+              <a:gd name="adj" fmla="val 4488"/>
+            </a:avLst>
+          </a:prstGeom>
+          <a:gradFill flip="none" rotWithShape="1">
+            <a:gsLst>
+              <a:gs pos="64000">
+                <a:srgbClr val="F2F2F2">
+                  <a:lumMod val="10000"/>
+                  <a:alpha val="90000"/>
+                </a:srgbClr>
+              </a:gs>
+              <a:gs pos="12000">
+                <a:srgbClr val="000000">
+                  <a:lumMod val="75000"/>
+                  <a:lumOff val="25000"/>
+                  <a:alpha val="90000"/>
+                </a:srgbClr>
+              </a:gs>
+            </a:gsLst>
+            <a:lin ang="5400000" scaled="1"/>
+            <a:tileRect/>
+          </a:gradFill>
+          <a:ln w="25400" algn="ctr">
+            <a:solidFill>
+              <a:srgbClr val="000000">
+                <a:lumMod val="85000"/>
+                <a:lumOff val="15000"/>
+              </a:srgbClr>
+            </a:solidFill>
+            <a:round/>
+            <a:headEnd/>
+            <a:tailEnd/>
+          </a:ln>
+        </p:spPr>
+        <p:txBody>
+          <a:bodyPr wrap="none" lIns="91352" tIns="0" rIns="91352" bIns="45676" anchor="ctr"/>
+          <a:lstStyle/>
+          <a:p>
+            <a:pPr algn="ctr" defTabSz="913521">
+              <a:lnSpc>
+                <a:spcPct val="150000"/>
+              </a:lnSpc>
+              <a:defRPr/>
+            </a:pPr>
+            <a:r>
+              <a:rPr lang="en-US" sz="2000" b="1" kern="0" dirty="0" smtClean="0">
+                <a:gradFill flip="none" rotWithShape="1">
+                  <a:gsLst>
+                    <a:gs pos="0">
+                      <a:srgbClr val="F2F2F2">
+                        <a:lumMod val="75000"/>
+                      </a:srgbClr>
+                    </a:gs>
+                    <a:gs pos="50000">
+                      <a:srgbClr val="F2F2F2">
+                        <a:lumMod val="90000"/>
+                      </a:srgbClr>
+                    </a:gs>
+                    <a:gs pos="100000">
+                      <a:srgbClr val="F2F2F2"/>
+                    </a:gs>
+                  </a:gsLst>
+                  <a:lin ang="16200000" scaled="1"/>
+                  <a:tileRect/>
+                </a:gradFill>
+                <a:latin typeface="Century Gothic" pitchFamily="34" charset="0"/>
+              </a:rPr>
+              <a:t>Tasks are integrated with the IDE</a:t>
+            </a:r>
+          </a:p>
+          <a:p>
+            <a:pPr algn="ctr" defTabSz="913521">
+              <a:lnSpc>
+                <a:spcPct val="150000"/>
+              </a:lnSpc>
+              <a:defRPr/>
+            </a:pPr>
+            <a:r>
+              <a:rPr lang="en-US" sz="2000" b="1" kern="0" dirty="0" smtClean="0">
+                <a:gradFill flip="none" rotWithShape="1">
+                  <a:gsLst>
+                    <a:gs pos="0">
+                      <a:srgbClr val="F2F2F2">
+                        <a:lumMod val="75000"/>
+                      </a:srgbClr>
+                    </a:gs>
+                    <a:gs pos="50000">
+                      <a:srgbClr val="F2F2F2">
+                        <a:lumMod val="90000"/>
+                      </a:srgbClr>
+                    </a:gs>
+                    <a:gs pos="100000">
+                      <a:srgbClr val="F2F2F2"/>
+                    </a:gs>
+                  </a:gsLst>
+                  <a:lin ang="16200000" scaled="1"/>
+                  <a:tileRect/>
+                </a:gradFill>
+                <a:latin typeface="Century Gothic" pitchFamily="34" charset="0"/>
+              </a:rPr>
+              <a:t>See only what you are working on</a:t>
+            </a:r>
+            <a:endParaRPr lang="en-US" sz="2000" b="1" kern="0" dirty="0">
+              <a:gradFill flip="none" rotWithShape="1">
+                <a:gsLst>
+                  <a:gs pos="0">
+                    <a:srgbClr val="F2F2F2">
+                      <a:lumMod val="75000"/>
+                    </a:srgbClr>
+                  </a:gs>
+                  <a:gs pos="50000">
+                    <a:srgbClr val="F2F2F2">
+                      <a:lumMod val="90000"/>
+                    </a:srgbClr>
+                  </a:gs>
+                  <a:gs pos="100000">
+                    <a:srgbClr val="F2F2F2"/>
+                  </a:gs>
+                </a:gsLst>
+                <a:lin ang="16200000" scaled="1"/>
+                <a:tileRect/>
+              </a:gradFill>
+              <a:latin typeface="Century Gothic" pitchFamily="34" charset="0"/>
+            </a:endParaRPr>
+          </a:p>
+        </p:txBody>
+      </p:sp>
+    </p:spTree>
+    <p:extLst>
+      <p:ext uri="{BB962C8B-B14F-4D97-AF65-F5344CB8AC3E}">
+        <p14:creationId xmlns="" xmlns:p14="http://schemas.microsoft.com/office/powerpoint/2010/main" val="3498361825"/>
+      </p:ext>
+    </p:extLst>
+  </p:cSld>
+  <p:clrMapOvr>
+    <a:masterClrMapping/>
+  </p:clrMapOvr>
+  <p:transition/>
+  <p:timing>
+    <p:tnLst>
+      <p:par>
+        <p:cTn id="1" dur="indefinite" restart="never" nodeType="tmRoot">
+          <p:childTnLst>
+            <p:seq concurrent="1" nextAc="seek">
+              <p:cTn id="2" dur="indefinite" nodeType="mainSeq">
+                <p:childTnLst>
+                  <p:par>
+                    <p:cTn id="3" fill="hold">
+                      <p:stCondLst>
+                        <p:cond delay="indefinite"/>
+                      </p:stCondLst>
+                      <p:childTnLst>
+                        <p:par>
+                          <p:cTn id="4" fill="hold">
+                            <p:stCondLst>
+                              <p:cond delay="0"/>
+                            </p:stCondLst>
+                            <p:childTnLst>
+                              <p:par>
+                                <p:cTn id="5" presetID="10" presetClass="entr" presetSubtype="0" fill="hold" grpId="0" nodeType="clickEffect">
+                                  <p:stCondLst>
+                                    <p:cond delay="0"/>
+                                  </p:stCondLst>
+                                  <p:childTnLst>
+                                    <p:set>
+                                      <p:cBhvr>
+                                        <p:cTn id="6" dur="1" fill="hold">
+                                          <p:stCondLst>
+                                            <p:cond delay="0"/>
+                                          </p:stCondLst>
+                                        </p:cTn>
+                                        <p:tgtEl>
+                                          <p:spTgt spid="4"/>
+                                        </p:tgtEl>
+                                        <p:attrNameLst>
+                                          <p:attrName>style.visibility</p:attrName>
+                                        </p:attrNameLst>
+                                      </p:cBhvr>
+                                      <p:to>
+                                        <p:strVal val="visible"/>
+                                      </p:to>
+                                    </p:set>
+                                    <p:animEffect transition="in" filter="fade">
+                                      <p:cBhvr>
+                                        <p:cTn id="7" dur="1000"/>
+                                        <p:tgtEl>
+                                          <p:spTgt spid="4"/>
+                                        </p:tgtEl>
+                                      </p:cBhvr>
+                                    </p:animEffect>
+                                  </p:childTnLst>
+                                </p:cTn>
+                              </p:par>
+                            </p:childTnLst>
+                          </p:cTn>
+                        </p:par>
+                      </p:childTnLst>
+                    </p:cTn>
+                  </p:par>
+                  <p:par>
+                    <p:cTn id="8" fill="hold">
+                      <p:stCondLst>
+                        <p:cond delay="indefinite"/>
+                      </p:stCondLst>
+                      <p:childTnLst>
+                        <p:par>
+                          <p:cTn id="9" fill="hold">
+                            <p:stCondLst>
+                              <p:cond delay="0"/>
+                            </p:stCondLst>
+                            <p:childTnLst>
+                              <p:par>
+                                <p:cTn id="10" presetID="10" presetClass="entr" presetSubtype="0" fill="hold" grpId="0" nodeType="clickEffect">
+                                  <p:stCondLst>
+                                    <p:cond delay="0"/>
+                                  </p:stCondLst>
+                                  <p:childTnLst>
+                                    <p:set>
+                                      <p:cBhvr>
+                                        <p:cTn id="11" dur="1" fill="hold">
+                                          <p:stCondLst>
+                                            <p:cond delay="0"/>
+                                          </p:stCondLst>
+                                        </p:cTn>
+                                        <p:tgtEl>
+                                          <p:spTgt spid="5">
+                                            <p:bg/>
+                                          </p:spTgt>
+                                        </p:tgtEl>
+                                        <p:attrNameLst>
+                                          <p:attrName>style.visibility</p:attrName>
+                                        </p:attrNameLst>
+                                      </p:cBhvr>
+                                      <p:to>
+                                        <p:strVal val="visible"/>
+                                      </p:to>
+                                    </p:set>
+                                    <p:animEffect transition="in" filter="fade">
+                                      <p:cBhvr>
+                                        <p:cTn id="12" dur="500"/>
+                                        <p:tgtEl>
+                                          <p:spTgt spid="5">
+                                            <p:bg/>
+                                          </p:spTgt>
+                                        </p:tgtEl>
+                                      </p:cBhvr>
+                                    </p:animEffect>
+                                  </p:childTnLst>
+                                </p:cTn>
+                              </p:par>
+                              <p:par>
+                                <p:cTn id="13" presetID="10" presetClass="entr" presetSubtype="0" fill="hold" nodeType="withEffect">
+                                  <p:stCondLst>
+                                    <p:cond delay="0"/>
+                                  </p:stCondLst>
+                                  <p:childTnLst>
+                                    <p:set>
+                                      <p:cBhvr>
+                                        <p:cTn id="14" dur="1" fill="hold">
+                                          <p:stCondLst>
+                                            <p:cond delay="0"/>
+                                          </p:stCondLst>
+                                        </p:cTn>
+                                        <p:tgtEl>
+                                          <p:spTgt spid="5">
+                                            <p:txEl>
+                                              <p:pRg st="0" end="0"/>
+                                            </p:txEl>
+                                          </p:spTgt>
+                                        </p:tgtEl>
+                                        <p:attrNameLst>
+                                          <p:attrName>style.visibility</p:attrName>
+                                        </p:attrNameLst>
+                                      </p:cBhvr>
+                                      <p:to>
+                                        <p:strVal val="visible"/>
+                                      </p:to>
+                                    </p:set>
+                                    <p:animEffect transition="in" filter="fade">
+                                      <p:cBhvr>
+                                        <p:cTn id="15" dur="500"/>
+                                        <p:tgtEl>
+                                          <p:spTgt spid="5">
+                                            <p:txEl>
+                                              <p:pRg st="0" end="0"/>
+                                            </p:txEl>
+                                          </p:spTgt>
+                                        </p:tgtEl>
+                                      </p:cBhvr>
+                                    </p:animEffect>
+                                  </p:childTnLst>
+                                </p:cTn>
+                              </p:par>
+                              <p:par>
+                                <p:cTn id="16" presetID="10" presetClass="entr" presetSubtype="0" fill="hold" nodeType="withEffect">
+                                  <p:stCondLst>
+                                    <p:cond delay="0"/>
+                                  </p:stCondLst>
+                                  <p:childTnLst>
+                                    <p:set>
+                                      <p:cBhvr>
+                                        <p:cTn id="17" dur="1" fill="hold">
+                                          <p:stCondLst>
+                                            <p:cond delay="0"/>
+                                          </p:stCondLst>
+                                        </p:cTn>
+                                        <p:tgtEl>
+                                          <p:spTgt spid="5">
+                                            <p:txEl>
+                                              <p:pRg st="1" end="1"/>
+                                            </p:txEl>
+                                          </p:spTgt>
+                                        </p:tgtEl>
+                                        <p:attrNameLst>
+                                          <p:attrName>style.visibility</p:attrName>
+                                        </p:attrNameLst>
+                                      </p:cBhvr>
+                                      <p:to>
+                                        <p:strVal val="visible"/>
+                                      </p:to>
+                                    </p:set>
+                                    <p:animEffect transition="in" filter="fade">
+                                      <p:cBhvr>
+                                        <p:cTn id="18" dur="500"/>
+                                        <p:tgtEl>
+                                          <p:spTgt spid="5">
+                                            <p:txEl>
+                                              <p:pRg st="1" end="1"/>
+                                            </p:txEl>
+                                          </p:spTgt>
+                                        </p:tgtEl>
+                                      </p:cBhvr>
+                                    </p:animEffect>
+                                  </p:childTnLst>
+                                </p:cTn>
+                              </p:par>
+                            </p:childTnLst>
+                          </p:cTn>
+                        </p:par>
+                      </p:childTnLst>
+                    </p:cTn>
+                  </p:par>
+                </p:childTnLst>
+              </p:cTn>
+              <p:prevCondLst>
+                <p:cond evt="onPrev" delay="0">
+                  <p:tgtEl>
+                    <p:sldTgt/>
+                  </p:tgtEl>
+                </p:cond>
+              </p:prevCondLst>
+              <p:nextCondLst>
+                <p:cond evt="onNext" delay="0">
+                  <p:tgtEl>
+                    <p:sldTgt/>
+                  </p:tgtEl>
+                </p:cond>
+              </p:nextCondLst>
+            </p:seq>
+          </p:childTnLst>
+        </p:cTn>
+      </p:par>
+    </p:tnLst>
+    <p:bldLst>
+      <p:bldP spid="4" grpId="0"/>
+      <p:bldP spid="5" grpId="0" build="allAtOnce" animBg="1"/>
+    </p:bldLst>
+  </p:timing>
+</p:sld>
+</file>
+
+<file path=ppt/slides/slide4.xml><?xml version="1.0" encoding="utf-8"?>
+<p:sld xmlns:a="http://schemas.openxmlformats.org/drawingml/2006/main" xmlns:r="http://schemas.openxmlformats.org/officeDocument/2006/relationships" xmlns:p="http://schemas.openxmlformats.org/presentationml/2006/main">
+  <p:cSld>
+    <p:spTree>
+      <p:nvGrpSpPr>
+        <p:cNvPr id="1" name=""/>
+        <p:cNvGrpSpPr/>
+        <p:nvPr/>
+      </p:nvGrpSpPr>
+      <p:grpSpPr>
+        <a:xfrm>
+          <a:off x="0" y="0"/>
+          <a:ext cx="0" cy="0"/>
+          <a:chOff x="0" y="0"/>
+          <a:chExt cx="0" cy="0"/>
+        </a:xfrm>
+      </p:grpSpPr>
+      <p:grpSp>
+        <p:nvGrpSpPr>
+          <p:cNvPr id="3" name="Group 2"/>
+          <p:cNvGrpSpPr/>
+          <p:nvPr/>
+        </p:nvGrpSpPr>
+        <p:grpSpPr>
+          <a:xfrm>
+            <a:off x="1092118" y="1003996"/>
+            <a:ext cx="7447976" cy="762002"/>
+            <a:chOff x="762000" y="1902623"/>
+            <a:chExt cx="7380514" cy="762001"/>
+          </a:xfrm>
+        </p:grpSpPr>
+        <p:sp>
+          <p:nvSpPr>
+            <p:cNvPr id="8" name="AutoShape 19"/>
+            <p:cNvSpPr>
+              <a:spLocks noChangeArrowheads="1"/>
+            </p:cNvSpPr>
+            <p:nvPr/>
+          </p:nvSpPr>
+          <p:spPr bwMode="auto">
+            <a:xfrm>
+              <a:off x="762000" y="1902623"/>
+              <a:ext cx="7380514" cy="762001"/>
+            </a:xfrm>
+            <a:prstGeom prst="roundRect">
+              <a:avLst>
+                <a:gd name="adj" fmla="val 7861"/>
+              </a:avLst>
+            </a:prstGeom>
+            <a:gradFill flip="none" rotWithShape="1">
+              <a:gsLst>
+                <a:gs pos="100000">
+                  <a:srgbClr val="F2F2F2">
+                    <a:lumMod val="25000"/>
+                    <a:alpha val="0"/>
+                  </a:srgbClr>
+                </a:gs>
+                <a:gs pos="30000">
+                  <a:srgbClr val="000000">
+                    <a:lumMod val="85000"/>
+                    <a:lumOff val="15000"/>
+                  </a:srgbClr>
+                </a:gs>
+              </a:gsLst>
+              <a:lin ang="0" scaled="1"/>
+              <a:tileRect/>
+            </a:gradFill>
+            <a:ln w="25400" algn="ctr">
+              <a:gradFill>
+                <a:gsLst>
+                  <a:gs pos="100000">
+                    <a:srgbClr val="F2F2F2">
+                      <a:lumMod val="90000"/>
+                      <a:alpha val="0"/>
+                    </a:srgbClr>
+                  </a:gs>
+                  <a:gs pos="0">
+                    <a:srgbClr val="F2F2F2">
+                      <a:lumMod val="75000"/>
+                    </a:srgbClr>
+                  </a:gs>
+                </a:gsLst>
+                <a:lin ang="0" scaled="0"/>
+              </a:gradFill>
+              <a:round/>
+              <a:headEnd/>
+              <a:tailEnd/>
+            </a:ln>
+          </p:spPr>
+          <p:txBody>
+            <a:bodyPr wrap="none" lIns="731520" tIns="27432" anchor="t"/>
+            <a:lstStyle/>
+            <a:p>
+              <a:pPr>
+                <a:lnSpc>
+                  <a:spcPct val="150000"/>
+                </a:lnSpc>
+              </a:pPr>
+              <a:r>
+                <a:rPr lang="en-US" sz="2800" b="1" kern="0" dirty="0">
+                  <a:gradFill flip="none" rotWithShape="1">
+                    <a:gsLst>
+                      <a:gs pos="0">
+                        <a:srgbClr val="F2F2F2">
+                          <a:lumMod val="75000"/>
+                        </a:srgbClr>
+                      </a:gs>
+                      <a:gs pos="50000">
+                        <a:srgbClr val="F2F2F2">
+                          <a:lumMod val="90000"/>
+                        </a:srgbClr>
+                      </a:gs>
+                      <a:gs pos="100000">
+                        <a:srgbClr val="F2F2F2"/>
+                      </a:gs>
+                    </a:gsLst>
+                    <a:lin ang="16200000" scaled="1"/>
+                    <a:tileRect/>
+                  </a:gradFill>
+                  <a:latin typeface="Century Gothic" pitchFamily="34" charset="0"/>
+                </a:rPr>
+                <a:t>Tasks</a:t>
+              </a:r>
+            </a:p>
+          </p:txBody>
+        </p:sp>
+        <p:pic>
+          <p:nvPicPr>
+            <p:cNvPr id="12" name="Picture 11" descr="keynote-screenshots.png"/>
+            <p:cNvPicPr>
+              <a:picLocks noChangeAspect="1"/>
+            </p:cNvPicPr>
+            <p:nvPr/>
+          </p:nvPicPr>
+          <p:blipFill>
+            <a:blip r:embed="rId3" cstate="print">
+              <a:lum bright="-10000"/>
+            </a:blip>
+            <a:stretch>
+              <a:fillRect/>
+            </a:stretch>
+          </p:blipFill>
+          <p:spPr>
+            <a:xfrm>
+              <a:off x="870859" y="2007400"/>
+              <a:ext cx="454687" cy="550611"/>
+            </a:xfrm>
+            <a:prstGeom prst="rect">
+              <a:avLst/>
+            </a:prstGeom>
+          </p:spPr>
+        </p:pic>
+      </p:grpSp>
+      <p:sp>
+        <p:nvSpPr>
+          <p:cNvPr id="23" name="AutoShape 19"/>
+          <p:cNvSpPr>
+            <a:spLocks noChangeArrowheads="1"/>
+          </p:cNvSpPr>
+          <p:nvPr/>
+        </p:nvSpPr>
+        <p:spPr bwMode="auto">
+          <a:xfrm>
+            <a:off x="3811516" y="1156395"/>
+            <a:ext cx="1600200" cy="457200"/>
+          </a:xfrm>
+          <a:prstGeom prst="roundRect">
+            <a:avLst>
+              <a:gd name="adj" fmla="val 7861"/>
+            </a:avLst>
+          </a:prstGeom>
+          <a:gradFill flip="none" rotWithShape="1">
+            <a:gsLst>
+              <a:gs pos="64000">
+                <a:srgbClr val="F2F2F2">
+                  <a:lumMod val="10000"/>
+                </a:srgbClr>
+              </a:gs>
+              <a:gs pos="12000">
+                <a:srgbClr val="000000">
+                  <a:lumMod val="75000"/>
+                  <a:lumOff val="25000"/>
+                </a:srgbClr>
+              </a:gs>
+            </a:gsLst>
+            <a:lin ang="5400000" scaled="1"/>
+            <a:tileRect/>
+          </a:gradFill>
+          <a:ln w="25400" algn="ctr">
+            <a:solidFill>
+              <a:srgbClr val="8E8E8E"/>
+            </a:solidFill>
+            <a:round/>
+            <a:headEnd/>
+            <a:tailEnd/>
+          </a:ln>
+        </p:spPr>
+        <p:txBody>
+          <a:bodyPr wrap="none" lIns="98404" tIns="0" rIns="98404" bIns="49203" anchor="ctr"/>
+          <a:lstStyle/>
+          <a:p>
+            <a:pPr algn="ctr">
+              <a:lnSpc>
+                <a:spcPct val="150000"/>
+              </a:lnSpc>
+            </a:pPr>
+            <a:r>
+              <a:rPr lang="en-US" sz="2200" b="1" kern="0" dirty="0">
+                <a:gradFill flip="none" rotWithShape="1">
+                  <a:gsLst>
+                    <a:gs pos="0">
+                      <a:srgbClr val="F2F2F2">
+                        <a:lumMod val="75000"/>
+                      </a:srgbClr>
+                    </a:gs>
+                    <a:gs pos="50000">
+                      <a:srgbClr val="F2F2F2">
+                        <a:lumMod val="90000"/>
+                      </a:srgbClr>
+                    </a:gs>
+                    <a:gs pos="100000">
+                      <a:srgbClr val="F2F2F2"/>
+                    </a:gs>
+                  </a:gsLst>
+                  <a:lin ang="16200000" scaled="1"/>
+                  <a:tileRect/>
+                </a:gradFill>
+                <a:latin typeface="Century Gothic" pitchFamily="34" charset="0"/>
+              </a:rPr>
+              <a:t>Bugzilla</a:t>
+            </a:r>
+          </a:p>
+        </p:txBody>
+      </p:sp>
+      <p:sp>
+        <p:nvSpPr>
+          <p:cNvPr id="24" name="AutoShape 19"/>
+          <p:cNvSpPr>
+            <a:spLocks noChangeArrowheads="1"/>
+          </p:cNvSpPr>
+          <p:nvPr/>
+        </p:nvSpPr>
+        <p:spPr bwMode="auto">
+          <a:xfrm>
+            <a:off x="5564120" y="1156397"/>
+            <a:ext cx="1426029" cy="457200"/>
+          </a:xfrm>
+          <a:prstGeom prst="roundRect">
+            <a:avLst>
+              <a:gd name="adj" fmla="val 7861"/>
+            </a:avLst>
+          </a:prstGeom>
+          <a:gradFill flip="none" rotWithShape="1">
+            <a:gsLst>
+              <a:gs pos="64000">
+                <a:srgbClr val="F2F2F2">
+                  <a:lumMod val="10000"/>
+                </a:srgbClr>
+              </a:gs>
+              <a:gs pos="12000">
+                <a:srgbClr val="000000">
+                  <a:lumMod val="75000"/>
+                  <a:lumOff val="25000"/>
+                </a:srgbClr>
+              </a:gs>
+            </a:gsLst>
+            <a:lin ang="5400000" scaled="1"/>
+            <a:tileRect/>
+          </a:gradFill>
+          <a:ln w="25400" algn="ctr">
+            <a:solidFill>
+              <a:srgbClr val="8E8E8E"/>
+            </a:solidFill>
+            <a:round/>
+            <a:headEnd/>
+            <a:tailEnd/>
+          </a:ln>
+        </p:spPr>
+        <p:txBody>
+          <a:bodyPr wrap="none" lIns="98404" tIns="0" rIns="98404" bIns="49203" anchor="ctr"/>
+          <a:lstStyle/>
+          <a:p>
+            <a:pPr algn="ctr">
+              <a:lnSpc>
+                <a:spcPct val="150000"/>
+              </a:lnSpc>
+            </a:pPr>
+            <a:r>
+              <a:rPr lang="en-US" sz="2200" b="1" kern="0" dirty="0">
+                <a:gradFill flip="none" rotWithShape="1">
+                  <a:gsLst>
+                    <a:gs pos="0">
+                      <a:srgbClr val="F2F2F2">
+                        <a:lumMod val="75000"/>
+                      </a:srgbClr>
+                    </a:gs>
+                    <a:gs pos="50000">
+                      <a:srgbClr val="F2F2F2">
+                        <a:lumMod val="90000"/>
+                      </a:srgbClr>
+                    </a:gs>
+                    <a:gs pos="100000">
+                      <a:srgbClr val="F2F2F2"/>
+                    </a:gs>
+                  </a:gsLst>
+                  <a:lin ang="16200000" scaled="1"/>
+                  <a:tileRect/>
+                </a:gradFill>
+                <a:latin typeface="Century Gothic" pitchFamily="34" charset="0"/>
+              </a:rPr>
+              <a:t>Trac</a:t>
+            </a:r>
+          </a:p>
+        </p:txBody>
+      </p:sp>
+      <p:sp>
+        <p:nvSpPr>
+          <p:cNvPr id="34" name="AutoShape 19"/>
+          <p:cNvSpPr>
+            <a:spLocks noChangeArrowheads="1"/>
+          </p:cNvSpPr>
+          <p:nvPr/>
+        </p:nvSpPr>
+        <p:spPr bwMode="auto">
+          <a:xfrm>
+            <a:off x="7153431" y="1156397"/>
+            <a:ext cx="892629" cy="457200"/>
+          </a:xfrm>
+          <a:prstGeom prst="roundRect">
+            <a:avLst>
+              <a:gd name="adj" fmla="val 7861"/>
+            </a:avLst>
+          </a:prstGeom>
+          <a:gradFill flip="none" rotWithShape="1">
+            <a:gsLst>
+              <a:gs pos="64000">
+                <a:srgbClr val="F2F2F2">
+                  <a:lumMod val="10000"/>
+                </a:srgbClr>
+              </a:gs>
+              <a:gs pos="12000">
+                <a:srgbClr val="000000">
+                  <a:lumMod val="75000"/>
+                  <a:lumOff val="25000"/>
+                </a:srgbClr>
+              </a:gs>
+            </a:gsLst>
+            <a:lin ang="5400000" scaled="1"/>
+            <a:tileRect/>
+          </a:gradFill>
+          <a:ln w="25400" algn="ctr">
+            <a:solidFill>
+              <a:srgbClr val="8E8E8E"/>
+            </a:solidFill>
+            <a:round/>
+            <a:headEnd/>
+            <a:tailEnd/>
+          </a:ln>
+        </p:spPr>
+        <p:txBody>
+          <a:bodyPr wrap="none" lIns="98404" tIns="0" rIns="98404" bIns="49203" anchor="ctr"/>
+          <a:lstStyle/>
+          <a:p>
+            <a:pPr algn="ctr">
+              <a:lnSpc>
+                <a:spcPct val="150000"/>
+              </a:lnSpc>
+            </a:pPr>
+            <a:r>
+              <a:rPr lang="en-US" sz="2200" b="1" kern="0" dirty="0" smtClean="0">
+                <a:gradFill flip="none" rotWithShape="1">
+                  <a:gsLst>
+                    <a:gs pos="0">
+                      <a:srgbClr val="F2F2F2">
+                        <a:lumMod val="75000"/>
+                      </a:srgbClr>
+                    </a:gs>
+                    <a:gs pos="50000">
+                      <a:srgbClr val="F2F2F2">
+                        <a:lumMod val="90000"/>
+                      </a:srgbClr>
+                    </a:gs>
+                    <a:gs pos="100000">
+                      <a:srgbClr val="F2F2F2"/>
+                    </a:gs>
+                  </a:gsLst>
+                  <a:lin ang="16200000" scaled="1"/>
+                  <a:tileRect/>
+                </a:gradFill>
+                <a:latin typeface="Century Gothic" pitchFamily="34" charset="0"/>
+              </a:rPr>
+              <a:t>OSLC</a:t>
+            </a:r>
+            <a:endParaRPr lang="en-US" sz="2200" b="1" kern="0" dirty="0">
+              <a:gradFill flip="none" rotWithShape="1">
+                <a:gsLst>
+                  <a:gs pos="0">
+                    <a:srgbClr val="F2F2F2">
+                      <a:lumMod val="75000"/>
+                    </a:srgbClr>
+                  </a:gs>
+                  <a:gs pos="50000">
+                    <a:srgbClr val="F2F2F2">
+                      <a:lumMod val="90000"/>
+                    </a:srgbClr>
+                  </a:gs>
+                  <a:gs pos="100000">
+                    <a:srgbClr val="F2F2F2"/>
+                  </a:gs>
+                </a:gsLst>
+                <a:lin ang="16200000" scaled="1"/>
+                <a:tileRect/>
+              </a:gradFill>
+              <a:latin typeface="Century Gothic" pitchFamily="34" charset="0"/>
+            </a:endParaRPr>
+          </a:p>
+        </p:txBody>
+      </p:sp>
+      <p:grpSp>
+        <p:nvGrpSpPr>
+          <p:cNvPr id="7" name="Group 6"/>
+          <p:cNvGrpSpPr/>
+          <p:nvPr/>
+        </p:nvGrpSpPr>
+        <p:grpSpPr>
+          <a:xfrm>
+            <a:off x="1092117" y="1918396"/>
+            <a:ext cx="6934184" cy="762002"/>
+            <a:chOff x="762000" y="988223"/>
+            <a:chExt cx="7380514" cy="762001"/>
+          </a:xfrm>
+        </p:grpSpPr>
+        <p:sp>
+          <p:nvSpPr>
+            <p:cNvPr id="4" name="AutoShape 19"/>
+            <p:cNvSpPr>
+              <a:spLocks noChangeArrowheads="1"/>
+            </p:cNvSpPr>
+            <p:nvPr/>
+          </p:nvSpPr>
+          <p:spPr bwMode="auto">
+            <a:xfrm>
+              <a:off x="762000" y="988223"/>
+              <a:ext cx="7380514" cy="762001"/>
+            </a:xfrm>
+            <a:prstGeom prst="roundRect">
+              <a:avLst>
+                <a:gd name="adj" fmla="val 7861"/>
+              </a:avLst>
+            </a:prstGeom>
+            <a:gradFill flip="none" rotWithShape="1">
+              <a:gsLst>
+                <a:gs pos="100000">
+                  <a:srgbClr val="F2F2F2">
+                    <a:lumMod val="25000"/>
+                    <a:alpha val="0"/>
+                  </a:srgbClr>
+                </a:gs>
+                <a:gs pos="30000">
+                  <a:srgbClr val="000000">
+                    <a:lumMod val="85000"/>
+                    <a:lumOff val="15000"/>
+                  </a:srgbClr>
+                </a:gs>
+              </a:gsLst>
+              <a:lin ang="0" scaled="1"/>
+              <a:tileRect/>
+            </a:gradFill>
+            <a:ln w="25400" algn="ctr">
+              <a:gradFill>
+                <a:gsLst>
+                  <a:gs pos="100000">
+                    <a:srgbClr val="F2F2F2">
+                      <a:lumMod val="90000"/>
+                      <a:alpha val="0"/>
+                    </a:srgbClr>
+                  </a:gs>
+                  <a:gs pos="0">
+                    <a:srgbClr val="F2F2F2">
+                      <a:lumMod val="75000"/>
+                    </a:srgbClr>
+                  </a:gs>
+                </a:gsLst>
+                <a:lin ang="0" scaled="0"/>
+              </a:gradFill>
+              <a:round/>
+              <a:headEnd/>
+              <a:tailEnd/>
+            </a:ln>
+          </p:spPr>
+          <p:txBody>
+            <a:bodyPr wrap="none" lIns="731520" tIns="27432" anchor="t"/>
+            <a:lstStyle/>
+            <a:p>
+              <a:pPr>
+                <a:lnSpc>
+                  <a:spcPct val="150000"/>
+                </a:lnSpc>
+              </a:pPr>
+              <a:r>
+                <a:rPr lang="en-US" sz="2800" b="1" kern="0" dirty="0">
+                  <a:gradFill flip="none" rotWithShape="1">
+                    <a:gsLst>
+                      <a:gs pos="0">
+                        <a:srgbClr val="F2F2F2">
+                          <a:lumMod val="75000"/>
+                        </a:srgbClr>
+                      </a:gs>
+                      <a:gs pos="50000">
+                        <a:srgbClr val="F2F2F2">
+                          <a:lumMod val="90000"/>
+                        </a:srgbClr>
+                      </a:gs>
+                      <a:gs pos="100000">
+                        <a:srgbClr val="F2F2F2"/>
+                      </a:gs>
+                    </a:gsLst>
+                    <a:lin ang="16200000" scaled="1"/>
+                    <a:tileRect/>
+                  </a:gradFill>
+                  <a:latin typeface="Century Gothic" pitchFamily="34" charset="0"/>
+                </a:rPr>
+                <a:t>Context</a:t>
+              </a:r>
+            </a:p>
+          </p:txBody>
+        </p:sp>
+        <p:pic>
+          <p:nvPicPr>
+            <p:cNvPr id="5" name="Picture 4" descr="keynote-screenshots.png"/>
+            <p:cNvPicPr>
+              <a:picLocks noChangeAspect="1"/>
+            </p:cNvPicPr>
+            <p:nvPr/>
+          </p:nvPicPr>
+          <p:blipFill>
+            <a:blip r:embed="rId4" cstate="print">
+              <a:lum bright="-10000"/>
+              <a:extLst>
+                <a:ext uri="{28A0092B-C50C-407E-A947-70E740481C1C}">
+                  <a14:useLocalDpi xmlns:a14="http://schemas.microsoft.com/office/drawing/2010/main" xmlns=""/>
+                </a:ext>
+              </a:extLst>
+            </a:blip>
+            <a:stretch>
+              <a:fillRect/>
+            </a:stretch>
+          </p:blipFill>
+          <p:spPr>
+            <a:xfrm>
+              <a:off x="914400" y="1140625"/>
+              <a:ext cx="403921" cy="455393"/>
+            </a:xfrm>
+            <a:prstGeom prst="rect">
+              <a:avLst/>
+            </a:prstGeom>
+          </p:spPr>
+        </p:pic>
+      </p:grpSp>
+      <p:grpSp>
+        <p:nvGrpSpPr>
+          <p:cNvPr id="10" name="Group 15"/>
+          <p:cNvGrpSpPr/>
+          <p:nvPr/>
+        </p:nvGrpSpPr>
+        <p:grpSpPr>
+          <a:xfrm>
+            <a:off x="1092117" y="5586078"/>
+            <a:ext cx="6934184" cy="762002"/>
+            <a:chOff x="762000" y="4645823"/>
+            <a:chExt cx="7380514" cy="762001"/>
+          </a:xfrm>
+        </p:grpSpPr>
+        <p:sp>
+          <p:nvSpPr>
+            <p:cNvPr id="14" name="AutoShape 19"/>
+            <p:cNvSpPr>
+              <a:spLocks noChangeArrowheads="1"/>
+            </p:cNvSpPr>
+            <p:nvPr/>
+          </p:nvSpPr>
+          <p:spPr bwMode="auto">
+            <a:xfrm>
+              <a:off x="762000" y="4645823"/>
+              <a:ext cx="7380514" cy="762001"/>
+            </a:xfrm>
+            <a:prstGeom prst="roundRect">
+              <a:avLst>
+                <a:gd name="adj" fmla="val 7861"/>
+              </a:avLst>
+            </a:prstGeom>
+            <a:gradFill flip="none" rotWithShape="1">
+              <a:gsLst>
+                <a:gs pos="100000">
+                  <a:srgbClr val="F2F2F2">
+                    <a:lumMod val="25000"/>
+                    <a:alpha val="0"/>
+                  </a:srgbClr>
+                </a:gs>
+                <a:gs pos="30000">
+                  <a:srgbClr val="000000">
+                    <a:lumMod val="85000"/>
+                    <a:lumOff val="15000"/>
+                  </a:srgbClr>
+                </a:gs>
+              </a:gsLst>
+              <a:lin ang="0" scaled="1"/>
+              <a:tileRect/>
+            </a:gradFill>
+            <a:ln w="25400" algn="ctr">
+              <a:gradFill>
+                <a:gsLst>
+                  <a:gs pos="100000">
+                    <a:srgbClr val="F2F2F2">
+                      <a:lumMod val="90000"/>
+                      <a:alpha val="0"/>
+                    </a:srgbClr>
+                  </a:gs>
+                  <a:gs pos="0">
+                    <a:srgbClr val="F2F2F2">
+                      <a:lumMod val="75000"/>
+                    </a:srgbClr>
+                  </a:gs>
+                </a:gsLst>
+                <a:lin ang="0" scaled="0"/>
+              </a:gradFill>
+              <a:round/>
+              <a:headEnd/>
+              <a:tailEnd/>
+            </a:ln>
+          </p:spPr>
+          <p:txBody>
+            <a:bodyPr wrap="none" lIns="731520" tIns="27432" anchor="t"/>
+            <a:lstStyle/>
+            <a:p>
+              <a:pPr>
+                <a:lnSpc>
+                  <a:spcPct val="150000"/>
+                </a:lnSpc>
+              </a:pPr>
+              <a:r>
+                <a:rPr lang="en-US" sz="2800" b="1" kern="0" dirty="0" smtClean="0">
+                  <a:gradFill flip="none" rotWithShape="1">
+                    <a:gsLst>
+                      <a:gs pos="0">
+                        <a:srgbClr val="F2F2F2">
+                          <a:lumMod val="75000"/>
+                        </a:srgbClr>
+                      </a:gs>
+                      <a:gs pos="50000">
+                        <a:srgbClr val="F2F2F2">
+                          <a:lumMod val="90000"/>
+                        </a:srgbClr>
+                      </a:gs>
+                      <a:gs pos="100000">
+                        <a:srgbClr val="F2F2F2"/>
+                      </a:gs>
+                    </a:gsLst>
+                    <a:lin ang="16200000" scaled="1"/>
+                    <a:tileRect/>
+                  </a:gradFill>
+                  <a:latin typeface="Century Gothic" pitchFamily="34" charset="0"/>
+                </a:rPr>
+                <a:t>Reviews</a:t>
+              </a:r>
+              <a:endParaRPr lang="en-US" sz="2800" b="1" kern="0" dirty="0">
+                <a:gradFill flip="none" rotWithShape="1">
+                  <a:gsLst>
+                    <a:gs pos="0">
+                      <a:srgbClr val="F2F2F2">
+                        <a:lumMod val="75000"/>
+                      </a:srgbClr>
+                    </a:gs>
+                    <a:gs pos="50000">
+                      <a:srgbClr val="F2F2F2">
+                        <a:lumMod val="90000"/>
+                      </a:srgbClr>
+                    </a:gs>
+                    <a:gs pos="100000">
+                      <a:srgbClr val="F2F2F2"/>
+                    </a:gs>
+                  </a:gsLst>
+                  <a:lin ang="16200000" scaled="1"/>
+                  <a:tileRect/>
+                </a:gradFill>
+                <a:latin typeface="Century Gothic" pitchFamily="34" charset="0"/>
+              </a:endParaRPr>
+            </a:p>
+          </p:txBody>
+        </p:sp>
+        <p:pic>
+          <p:nvPicPr>
+            <p:cNvPr id="18" name="Picture 17" descr="keynote-screenshots.png"/>
+            <p:cNvPicPr>
+              <a:picLocks noChangeAspect="1"/>
+            </p:cNvPicPr>
+            <p:nvPr/>
+          </p:nvPicPr>
+          <p:blipFill>
+            <a:blip r:embed="rId5" cstate="print">
+              <a:lum bright="-10000"/>
+              <a:extLst>
+                <a:ext uri="{28A0092B-C50C-407E-A947-70E740481C1C}">
+                  <a14:useLocalDpi xmlns:a14="http://schemas.microsoft.com/office/drawing/2010/main" xmlns=""/>
+                </a:ext>
+              </a:extLst>
+            </a:blip>
+            <a:stretch>
+              <a:fillRect/>
+            </a:stretch>
+          </p:blipFill>
+          <p:spPr>
+            <a:xfrm>
+              <a:off x="884464" y="4776801"/>
+              <a:ext cx="422281" cy="476093"/>
+            </a:xfrm>
+            <a:prstGeom prst="rect">
+              <a:avLst/>
+            </a:prstGeom>
+          </p:spPr>
+        </p:pic>
+      </p:grpSp>
+      <p:grpSp>
+        <p:nvGrpSpPr>
+          <p:cNvPr id="13" name="Group 12"/>
+          <p:cNvGrpSpPr/>
+          <p:nvPr/>
+        </p:nvGrpSpPr>
+        <p:grpSpPr>
+          <a:xfrm>
+            <a:off x="1092117" y="4671678"/>
+            <a:ext cx="6934184" cy="762002"/>
+            <a:chOff x="762000" y="3731423"/>
+            <a:chExt cx="7380514" cy="762001"/>
+          </a:xfrm>
+        </p:grpSpPr>
+        <p:sp>
+          <p:nvSpPr>
+            <p:cNvPr id="17" name="AutoShape 19"/>
+            <p:cNvSpPr>
+              <a:spLocks noChangeArrowheads="1"/>
+            </p:cNvSpPr>
+            <p:nvPr/>
+          </p:nvSpPr>
+          <p:spPr bwMode="auto">
+            <a:xfrm>
+              <a:off x="762000" y="3731423"/>
+              <a:ext cx="7380514" cy="762001"/>
+            </a:xfrm>
+            <a:prstGeom prst="roundRect">
+              <a:avLst>
+                <a:gd name="adj" fmla="val 7861"/>
+              </a:avLst>
+            </a:prstGeom>
+            <a:gradFill flip="none" rotWithShape="1">
+              <a:gsLst>
+                <a:gs pos="100000">
+                  <a:srgbClr val="F2F2F2">
+                    <a:lumMod val="25000"/>
+                    <a:alpha val="0"/>
+                  </a:srgbClr>
+                </a:gs>
+                <a:gs pos="30000">
+                  <a:srgbClr val="000000">
+                    <a:lumMod val="85000"/>
+                    <a:lumOff val="15000"/>
+                  </a:srgbClr>
+                </a:gs>
+              </a:gsLst>
+              <a:lin ang="0" scaled="1"/>
+              <a:tileRect/>
+            </a:gradFill>
+            <a:ln w="25400" algn="ctr">
+              <a:gradFill>
+                <a:gsLst>
+                  <a:gs pos="100000">
+                    <a:srgbClr val="F2F2F2">
+                      <a:lumMod val="90000"/>
+                      <a:alpha val="0"/>
+                    </a:srgbClr>
+                  </a:gs>
+                  <a:gs pos="0">
+                    <a:srgbClr val="F2F2F2">
+                      <a:lumMod val="75000"/>
+                    </a:srgbClr>
+                  </a:gs>
+                </a:gsLst>
+                <a:lin ang="0" scaled="0"/>
+              </a:gradFill>
+              <a:round/>
+              <a:headEnd/>
+              <a:tailEnd/>
+            </a:ln>
+          </p:spPr>
+          <p:txBody>
+            <a:bodyPr wrap="none" lIns="731520" tIns="27432" anchor="t"/>
+            <a:lstStyle/>
+            <a:p>
+              <a:pPr>
+                <a:lnSpc>
+                  <a:spcPct val="150000"/>
+                </a:lnSpc>
+              </a:pPr>
+              <a:r>
+                <a:rPr lang="en-US" sz="2800" b="1" kern="0" dirty="0" smtClean="0">
+                  <a:gradFill flip="none" rotWithShape="1">
+                    <a:gsLst>
+                      <a:gs pos="0">
+                        <a:srgbClr val="F2F2F2">
+                          <a:lumMod val="75000"/>
+                        </a:srgbClr>
+                      </a:gs>
+                      <a:gs pos="50000">
+                        <a:srgbClr val="F2F2F2">
+                          <a:lumMod val="90000"/>
+                        </a:srgbClr>
+                      </a:gs>
+                      <a:gs pos="100000">
+                        <a:srgbClr val="F2F2F2"/>
+                      </a:gs>
+                    </a:gsLst>
+                    <a:lin ang="16200000" scaled="1"/>
+                    <a:tileRect/>
+                  </a:gradFill>
+                  <a:latin typeface="Century Gothic" pitchFamily="34" charset="0"/>
+                </a:rPr>
+                <a:t>Builds</a:t>
+              </a:r>
+              <a:endParaRPr lang="en-US" sz="2800" b="1" kern="0" dirty="0">
+                <a:gradFill flip="none" rotWithShape="1">
+                  <a:gsLst>
+                    <a:gs pos="0">
+                      <a:srgbClr val="F2F2F2">
+                        <a:lumMod val="75000"/>
+                      </a:srgbClr>
+                    </a:gs>
+                    <a:gs pos="50000">
+                      <a:srgbClr val="F2F2F2">
+                        <a:lumMod val="90000"/>
+                      </a:srgbClr>
+                    </a:gs>
+                    <a:gs pos="100000">
+                      <a:srgbClr val="F2F2F2"/>
+                    </a:gs>
+                  </a:gsLst>
+                  <a:lin ang="16200000" scaled="1"/>
+                  <a:tileRect/>
+                </a:gradFill>
+                <a:latin typeface="Century Gothic" pitchFamily="34" charset="0"/>
+              </a:endParaRPr>
+            </a:p>
+          </p:txBody>
+        </p:sp>
+        <p:pic>
+          <p:nvPicPr>
+            <p:cNvPr id="21" name="Picture 20" descr="keynote-screenshots.png"/>
+            <p:cNvPicPr>
+              <a:picLocks noChangeAspect="1"/>
+            </p:cNvPicPr>
+            <p:nvPr/>
+          </p:nvPicPr>
+          <p:blipFill>
+            <a:blip r:embed="rId6" cstate="print">
+              <a:lum bright="-10000"/>
+              <a:extLst>
+                <a:ext uri="{28A0092B-C50C-407E-A947-70E740481C1C}">
+                  <a14:useLocalDpi xmlns:a14="http://schemas.microsoft.com/office/drawing/2010/main" xmlns=""/>
+                </a:ext>
+              </a:extLst>
+            </a:blip>
+            <a:stretch>
+              <a:fillRect/>
+            </a:stretch>
+          </p:blipFill>
+          <p:spPr>
+            <a:xfrm>
+              <a:off x="947058" y="3908313"/>
+              <a:ext cx="315793" cy="389154"/>
+            </a:xfrm>
+            <a:prstGeom prst="rect">
+              <a:avLst/>
+            </a:prstGeom>
+          </p:spPr>
+        </p:pic>
+      </p:grpSp>
+      <p:grpSp>
+        <p:nvGrpSpPr>
+          <p:cNvPr id="16" name="Group 9"/>
+          <p:cNvGrpSpPr/>
+          <p:nvPr/>
+        </p:nvGrpSpPr>
+        <p:grpSpPr>
+          <a:xfrm>
+            <a:off x="1092117" y="2832798"/>
+            <a:ext cx="6934184" cy="762002"/>
+            <a:chOff x="762000" y="2817023"/>
+            <a:chExt cx="7380514" cy="762001"/>
+          </a:xfrm>
+        </p:grpSpPr>
+        <p:sp>
+          <p:nvSpPr>
+            <p:cNvPr id="20" name="AutoShape 19"/>
+            <p:cNvSpPr>
+              <a:spLocks noChangeArrowheads="1"/>
+            </p:cNvSpPr>
+            <p:nvPr/>
+          </p:nvSpPr>
+          <p:spPr bwMode="auto">
+            <a:xfrm>
+              <a:off x="762000" y="2817023"/>
+              <a:ext cx="7380514" cy="762001"/>
+            </a:xfrm>
+            <a:prstGeom prst="roundRect">
+              <a:avLst>
+                <a:gd name="adj" fmla="val 7861"/>
+              </a:avLst>
+            </a:prstGeom>
+            <a:gradFill flip="none" rotWithShape="1">
+              <a:gsLst>
+                <a:gs pos="100000">
+                  <a:srgbClr val="F2F2F2">
+                    <a:lumMod val="25000"/>
+                    <a:alpha val="0"/>
+                  </a:srgbClr>
+                </a:gs>
+                <a:gs pos="30000">
+                  <a:srgbClr val="000000">
+                    <a:lumMod val="85000"/>
+                    <a:lumOff val="15000"/>
+                  </a:srgbClr>
+                </a:gs>
+              </a:gsLst>
+              <a:lin ang="0" scaled="1"/>
+              <a:tileRect/>
+            </a:gradFill>
+            <a:ln w="25400" algn="ctr">
+              <a:gradFill>
+                <a:gsLst>
+                  <a:gs pos="100000">
+                    <a:srgbClr val="F2F2F2">
+                      <a:lumMod val="90000"/>
+                      <a:alpha val="0"/>
+                    </a:srgbClr>
+                  </a:gs>
+                  <a:gs pos="0">
+                    <a:srgbClr val="F2F2F2">
+                      <a:lumMod val="75000"/>
+                    </a:srgbClr>
+                  </a:gs>
+                </a:gsLst>
+                <a:lin ang="0" scaled="0"/>
+              </a:gradFill>
+              <a:round/>
+              <a:headEnd/>
+              <a:tailEnd/>
+            </a:ln>
+          </p:spPr>
+          <p:txBody>
+            <a:bodyPr wrap="none" lIns="731520" tIns="27432" anchor="t"/>
+            <a:lstStyle/>
+            <a:p>
+              <a:pPr>
+                <a:lnSpc>
+                  <a:spcPct val="150000"/>
+                </a:lnSpc>
+              </a:pPr>
+              <a:r>
+                <a:rPr lang="en-US" sz="2800" b="1" kern="0" dirty="0" smtClean="0">
+                  <a:gradFill flip="none" rotWithShape="1">
+                    <a:gsLst>
+                      <a:gs pos="0">
+                        <a:srgbClr val="F2F2F2">
+                          <a:lumMod val="75000"/>
+                        </a:srgbClr>
+                      </a:gs>
+                      <a:gs pos="50000">
+                        <a:srgbClr val="F2F2F2">
+                          <a:lumMod val="90000"/>
+                        </a:srgbClr>
+                      </a:gs>
+                      <a:gs pos="100000">
+                        <a:srgbClr val="F2F2F2"/>
+                      </a:gs>
+                    </a:gsLst>
+                    <a:lin ang="16200000" scaled="1"/>
+                    <a:tileRect/>
+                  </a:gradFill>
+                  <a:latin typeface="Century Gothic" pitchFamily="34" charset="0"/>
+                </a:rPr>
+                <a:t>Versions</a:t>
+              </a:r>
+              <a:endParaRPr lang="en-US" sz="2800" b="1" kern="0" dirty="0">
+                <a:gradFill flip="none" rotWithShape="1">
+                  <a:gsLst>
+                    <a:gs pos="0">
+                      <a:srgbClr val="F2F2F2">
+                        <a:lumMod val="75000"/>
+                      </a:srgbClr>
+                    </a:gs>
+                    <a:gs pos="50000">
+                      <a:srgbClr val="F2F2F2">
+                        <a:lumMod val="90000"/>
+                      </a:srgbClr>
+                    </a:gs>
+                    <a:gs pos="100000">
+                      <a:srgbClr val="F2F2F2"/>
+                    </a:gs>
+                  </a:gsLst>
+                  <a:lin ang="16200000" scaled="1"/>
+                  <a:tileRect/>
+                </a:gradFill>
+                <a:latin typeface="Century Gothic" pitchFamily="34" charset="0"/>
+              </a:endParaRPr>
+            </a:p>
+          </p:txBody>
+        </p:sp>
+        <p:pic>
+          <p:nvPicPr>
+            <p:cNvPr id="15" name="Picture 14" descr="keynote-screenshots.png"/>
+            <p:cNvPicPr>
+              <a:picLocks noChangeAspect="1"/>
+            </p:cNvPicPr>
+            <p:nvPr/>
+          </p:nvPicPr>
+          <p:blipFill>
+            <a:blip r:embed="rId7" cstate="print">
+              <a:lum bright="-20000"/>
+              <a:extLst>
+                <a:ext uri="{28A0092B-C50C-407E-A947-70E740481C1C}">
+                  <a14:useLocalDpi xmlns:a14="http://schemas.microsoft.com/office/drawing/2010/main" xmlns=""/>
+                </a:ext>
+              </a:extLst>
+            </a:blip>
+            <a:stretch>
+              <a:fillRect/>
+            </a:stretch>
+          </p:blipFill>
+          <p:spPr>
+            <a:xfrm>
+              <a:off x="849086" y="2921800"/>
+              <a:ext cx="488377" cy="550611"/>
+            </a:xfrm>
+            <a:prstGeom prst="rect">
+              <a:avLst/>
+            </a:prstGeom>
+          </p:spPr>
+        </p:pic>
+      </p:grpSp>
+      <p:grpSp>
+        <p:nvGrpSpPr>
+          <p:cNvPr id="19" name="Group 18"/>
+          <p:cNvGrpSpPr/>
+          <p:nvPr/>
+        </p:nvGrpSpPr>
+        <p:grpSpPr>
+          <a:xfrm>
+            <a:off x="1092117" y="3747198"/>
+            <a:ext cx="6934184" cy="762002"/>
+            <a:chOff x="762000" y="5560224"/>
+            <a:chExt cx="7380514" cy="762001"/>
+          </a:xfrm>
+        </p:grpSpPr>
+        <p:sp>
+          <p:nvSpPr>
+            <p:cNvPr id="11" name="AutoShape 19"/>
+            <p:cNvSpPr>
+              <a:spLocks noChangeArrowheads="1"/>
+            </p:cNvSpPr>
+            <p:nvPr/>
+          </p:nvSpPr>
+          <p:spPr bwMode="auto">
+            <a:xfrm>
+              <a:off x="762000" y="5560224"/>
+              <a:ext cx="7380514" cy="762001"/>
+            </a:xfrm>
+            <a:prstGeom prst="roundRect">
+              <a:avLst>
+                <a:gd name="adj" fmla="val 7861"/>
+              </a:avLst>
+            </a:prstGeom>
+            <a:gradFill flip="none" rotWithShape="1">
+              <a:gsLst>
+                <a:gs pos="100000">
+                  <a:srgbClr val="F2F2F2">
+                    <a:lumMod val="25000"/>
+                    <a:alpha val="0"/>
+                  </a:srgbClr>
+                </a:gs>
+                <a:gs pos="30000">
+                  <a:srgbClr val="000000">
+                    <a:lumMod val="85000"/>
+                    <a:lumOff val="15000"/>
+                  </a:srgbClr>
+                </a:gs>
+              </a:gsLst>
+              <a:lin ang="0" scaled="1"/>
+              <a:tileRect/>
+            </a:gradFill>
+            <a:ln w="25400" algn="ctr">
+              <a:gradFill>
+                <a:gsLst>
+                  <a:gs pos="100000">
+                    <a:srgbClr val="F2F2F2">
+                      <a:lumMod val="90000"/>
+                      <a:alpha val="0"/>
+                    </a:srgbClr>
+                  </a:gs>
+                  <a:gs pos="0">
+                    <a:srgbClr val="F2F2F2">
+                      <a:lumMod val="75000"/>
+                    </a:srgbClr>
+                  </a:gs>
+                </a:gsLst>
+                <a:lin ang="0" scaled="0"/>
+              </a:gradFill>
+              <a:round/>
+              <a:headEnd/>
+              <a:tailEnd/>
+            </a:ln>
+          </p:spPr>
+          <p:txBody>
+            <a:bodyPr wrap="none" lIns="731520" tIns="27432" anchor="t"/>
+            <a:lstStyle/>
+            <a:p>
+              <a:pPr>
+                <a:lnSpc>
+                  <a:spcPct val="150000"/>
+                </a:lnSpc>
+              </a:pPr>
+              <a:r>
+                <a:rPr lang="en-US" sz="2800" b="1" kern="0" dirty="0">
+                  <a:gradFill flip="none" rotWithShape="1">
+                    <a:gsLst>
+                      <a:gs pos="0">
+                        <a:srgbClr val="F2F2F2">
+                          <a:lumMod val="75000"/>
+                        </a:srgbClr>
+                      </a:gs>
+                      <a:gs pos="50000">
+                        <a:srgbClr val="F2F2F2">
+                          <a:lumMod val="90000"/>
+                        </a:srgbClr>
+                      </a:gs>
+                      <a:gs pos="100000">
+                        <a:srgbClr val="F2F2F2"/>
+                      </a:gs>
+                    </a:gsLst>
+                    <a:lin ang="16200000" scaled="1"/>
+                    <a:tileRect/>
+                  </a:gradFill>
+                  <a:latin typeface="Century Gothic" pitchFamily="34" charset="0"/>
+                </a:rPr>
+                <a:t>Docs</a:t>
+              </a:r>
+            </a:p>
+          </p:txBody>
+        </p:sp>
+        <p:pic>
+          <p:nvPicPr>
+            <p:cNvPr id="9" name="Picture 8" descr="keynote-screenshots.png"/>
+            <p:cNvPicPr>
+              <a:picLocks noChangeAspect="1"/>
+            </p:cNvPicPr>
+            <p:nvPr/>
+          </p:nvPicPr>
+          <p:blipFill>
+            <a:blip r:embed="rId8" cstate="print">
+              <a:lum bright="-10000"/>
+              <a:extLst>
+                <a:ext uri="{28A0092B-C50C-407E-A947-70E740481C1C}">
+                  <a14:useLocalDpi xmlns:a14="http://schemas.microsoft.com/office/drawing/2010/main" xmlns=""/>
+                </a:ext>
+              </a:extLst>
+            </a:blip>
+            <a:stretch>
+              <a:fillRect/>
+            </a:stretch>
+          </p:blipFill>
+          <p:spPr>
+            <a:xfrm>
+              <a:off x="849086" y="5601391"/>
+              <a:ext cx="539785" cy="608570"/>
+            </a:xfrm>
+            <a:prstGeom prst="rect">
+              <a:avLst/>
+            </a:prstGeom>
+          </p:spPr>
+        </p:pic>
+      </p:grpSp>
+      <p:sp>
+        <p:nvSpPr>
+          <p:cNvPr id="2" name="Title 1"/>
+          <p:cNvSpPr>
+            <a:spLocks noGrp="1"/>
+          </p:cNvSpPr>
+          <p:nvPr>
+            <p:ph type="title"/>
+          </p:nvPr>
+        </p:nvSpPr>
+        <p:spPr/>
+        <p:txBody>
+          <a:bodyPr/>
+          <a:lstStyle/>
+          <a:p>
+            <a:r>
+              <a:rPr lang="en-CA" dirty="0" smtClean="0"/>
+              <a:t>Mylyn Evolution</a:t>
+            </a:r>
+            <a:endParaRPr lang="en-CA" dirty="0"/>
+          </a:p>
+        </p:txBody>
+      </p:sp>
+      <p:sp>
+        <p:nvSpPr>
+          <p:cNvPr id="6" name="AutoShape 19"/>
+          <p:cNvSpPr>
+            <a:spLocks noChangeArrowheads="1"/>
+          </p:cNvSpPr>
+          <p:nvPr/>
+        </p:nvSpPr>
+        <p:spPr bwMode="auto">
+          <a:xfrm>
+            <a:off x="3811514" y="2070795"/>
+            <a:ext cx="1600200" cy="457200"/>
+          </a:xfrm>
+          <a:prstGeom prst="roundRect">
+            <a:avLst>
+              <a:gd name="adj" fmla="val 7861"/>
+            </a:avLst>
+          </a:prstGeom>
+          <a:gradFill flip="none" rotWithShape="1">
+            <a:gsLst>
+              <a:gs pos="64000">
+                <a:srgbClr val="F2F2F2">
+                  <a:lumMod val="10000"/>
+                </a:srgbClr>
+              </a:gs>
+              <a:gs pos="12000">
+                <a:srgbClr val="000000">
+                  <a:lumMod val="75000"/>
+                  <a:lumOff val="25000"/>
+                </a:srgbClr>
+              </a:gs>
+            </a:gsLst>
+            <a:lin ang="5400000" scaled="1"/>
+            <a:tileRect/>
+          </a:gradFill>
+          <a:ln w="25400" algn="ctr">
+            <a:solidFill>
+              <a:srgbClr val="8E8E8E"/>
+            </a:solidFill>
+            <a:round/>
+            <a:headEnd/>
+            <a:tailEnd/>
+          </a:ln>
+        </p:spPr>
+        <p:txBody>
+          <a:bodyPr wrap="none" lIns="98404" tIns="0" rIns="98404" bIns="49203" anchor="ctr"/>
+          <a:lstStyle/>
+          <a:p>
+            <a:pPr algn="ctr">
+              <a:lnSpc>
+                <a:spcPct val="150000"/>
+              </a:lnSpc>
+            </a:pPr>
+            <a:r>
+              <a:rPr lang="en-US" sz="2200" b="1" kern="0" dirty="0">
+                <a:gradFill flip="none" rotWithShape="1">
+                  <a:gsLst>
+                    <a:gs pos="0">
+                      <a:srgbClr val="F2F2F2">
+                        <a:lumMod val="75000"/>
+                      </a:srgbClr>
+                    </a:gs>
+                    <a:gs pos="50000">
+                      <a:srgbClr val="F2F2F2">
+                        <a:lumMod val="90000"/>
+                      </a:srgbClr>
+                    </a:gs>
+                    <a:gs pos="100000">
+                      <a:srgbClr val="F2F2F2"/>
+                    </a:gs>
+                  </a:gsLst>
+                  <a:lin ang="16200000" scaled="1"/>
+                  <a:tileRect/>
+                </a:gradFill>
+                <a:latin typeface="Century Gothic" pitchFamily="34" charset="0"/>
+              </a:rPr>
+              <a:t>Java</a:t>
+            </a:r>
+          </a:p>
+        </p:txBody>
+      </p:sp>
+      <p:sp>
+        <p:nvSpPr>
+          <p:cNvPr id="22" name="AutoShape 19"/>
+          <p:cNvSpPr>
+            <a:spLocks noChangeArrowheads="1"/>
+          </p:cNvSpPr>
+          <p:nvPr/>
+        </p:nvSpPr>
+        <p:spPr bwMode="auto">
+          <a:xfrm>
+            <a:off x="5564115" y="2070795"/>
+            <a:ext cx="1426029" cy="457200"/>
+          </a:xfrm>
+          <a:prstGeom prst="roundRect">
+            <a:avLst>
+              <a:gd name="adj" fmla="val 7861"/>
+            </a:avLst>
+          </a:prstGeom>
+          <a:gradFill flip="none" rotWithShape="1">
+            <a:gsLst>
+              <a:gs pos="64000">
+                <a:srgbClr val="F2F2F2">
+                  <a:lumMod val="10000"/>
+                </a:srgbClr>
+              </a:gs>
+              <a:gs pos="12000">
+                <a:srgbClr val="000000">
+                  <a:lumMod val="75000"/>
+                  <a:lumOff val="25000"/>
+                </a:srgbClr>
+              </a:gs>
+            </a:gsLst>
+            <a:lin ang="5400000" scaled="1"/>
+            <a:tileRect/>
+          </a:gradFill>
+          <a:ln w="25400" algn="ctr">
+            <a:solidFill>
+              <a:srgbClr val="8E8E8E"/>
+            </a:solidFill>
+            <a:round/>
+            <a:headEnd/>
+            <a:tailEnd/>
+          </a:ln>
+        </p:spPr>
+        <p:txBody>
+          <a:bodyPr wrap="none" lIns="98404" tIns="0" rIns="98404" bIns="49203" anchor="ctr"/>
+          <a:lstStyle/>
+          <a:p>
+            <a:pPr algn="ctr">
+              <a:lnSpc>
+                <a:spcPct val="150000"/>
+              </a:lnSpc>
+            </a:pPr>
+            <a:r>
+              <a:rPr lang="en-US" sz="2200" b="1" kern="0" dirty="0">
+                <a:gradFill flip="none" rotWithShape="1">
+                  <a:gsLst>
+                    <a:gs pos="0">
+                      <a:srgbClr val="F2F2F2">
+                        <a:lumMod val="75000"/>
+                      </a:srgbClr>
+                    </a:gs>
+                    <a:gs pos="50000">
+                      <a:srgbClr val="F2F2F2">
+                        <a:lumMod val="90000"/>
+                      </a:srgbClr>
+                    </a:gs>
+                    <a:gs pos="100000">
+                      <a:srgbClr val="F2F2F2"/>
+                    </a:gs>
+                  </a:gsLst>
+                  <a:lin ang="16200000" scaled="1"/>
+                  <a:tileRect/>
+                </a:gradFill>
+                <a:latin typeface="Century Gothic" pitchFamily="34" charset="0"/>
+              </a:rPr>
+              <a:t>C/C++</a:t>
+            </a:r>
+          </a:p>
+        </p:txBody>
+      </p:sp>
+      <p:sp>
+        <p:nvSpPr>
+          <p:cNvPr id="25" name="AutoShape 19"/>
+          <p:cNvSpPr>
+            <a:spLocks noChangeArrowheads="1"/>
+          </p:cNvSpPr>
+          <p:nvPr/>
+        </p:nvSpPr>
+        <p:spPr bwMode="auto">
+          <a:xfrm>
+            <a:off x="3811514" y="2985195"/>
+            <a:ext cx="1600200" cy="457200"/>
+          </a:xfrm>
+          <a:prstGeom prst="roundRect">
+            <a:avLst>
+              <a:gd name="adj" fmla="val 7861"/>
+            </a:avLst>
+          </a:prstGeom>
+          <a:gradFill flip="none" rotWithShape="1">
+            <a:gsLst>
+              <a:gs pos="64000">
+                <a:srgbClr val="F2F2F2">
+                  <a:lumMod val="10000"/>
+                </a:srgbClr>
+              </a:gs>
+              <a:gs pos="12000">
+                <a:srgbClr val="000000">
+                  <a:lumMod val="75000"/>
+                  <a:lumOff val="25000"/>
+                </a:srgbClr>
+              </a:gs>
+            </a:gsLst>
+            <a:lin ang="5400000" scaled="1"/>
+            <a:tileRect/>
+          </a:gradFill>
+          <a:ln w="25400" algn="ctr">
+            <a:solidFill>
+              <a:srgbClr val="8E8E8E"/>
+            </a:solidFill>
+            <a:round/>
+            <a:headEnd/>
+            <a:tailEnd/>
+          </a:ln>
+        </p:spPr>
+        <p:txBody>
+          <a:bodyPr wrap="none" lIns="98404" tIns="0" rIns="98404" bIns="49203" anchor="ctr"/>
+          <a:lstStyle/>
+          <a:p>
+            <a:pPr algn="ctr">
+              <a:lnSpc>
+                <a:spcPct val="150000"/>
+              </a:lnSpc>
+            </a:pPr>
+            <a:r>
+              <a:rPr lang="en-US" sz="2200" b="1" kern="0" dirty="0" smtClean="0">
+                <a:gradFill flip="none" rotWithShape="1">
+                  <a:gsLst>
+                    <a:gs pos="0">
+                      <a:srgbClr val="F2F2F2">
+                        <a:lumMod val="75000"/>
+                      </a:srgbClr>
+                    </a:gs>
+                    <a:gs pos="50000">
+                      <a:srgbClr val="F2F2F2">
+                        <a:lumMod val="90000"/>
+                      </a:srgbClr>
+                    </a:gs>
+                    <a:gs pos="100000">
+                      <a:srgbClr val="F2F2F2"/>
+                    </a:gs>
+                  </a:gsLst>
+                  <a:lin ang="16200000" scaled="1"/>
+                  <a:tileRect/>
+                </a:gradFill>
+                <a:latin typeface="Century Gothic" pitchFamily="34" charset="0"/>
+              </a:rPr>
+              <a:t>CVS</a:t>
+            </a:r>
+            <a:endParaRPr lang="en-US" sz="2200" b="1" kern="0" dirty="0">
+              <a:gradFill flip="none" rotWithShape="1">
+                <a:gsLst>
+                  <a:gs pos="0">
+                    <a:srgbClr val="F2F2F2">
+                      <a:lumMod val="75000"/>
+                    </a:srgbClr>
+                  </a:gs>
+                  <a:gs pos="50000">
+                    <a:srgbClr val="F2F2F2">
+                      <a:lumMod val="90000"/>
+                    </a:srgbClr>
+                  </a:gs>
+                  <a:gs pos="100000">
+                    <a:srgbClr val="F2F2F2"/>
+                  </a:gs>
+                </a:gsLst>
+                <a:lin ang="16200000" scaled="1"/>
+                <a:tileRect/>
+              </a:gradFill>
+              <a:latin typeface="Century Gothic" pitchFamily="34" charset="0"/>
+            </a:endParaRPr>
+          </a:p>
+        </p:txBody>
+      </p:sp>
+      <p:sp>
+        <p:nvSpPr>
+          <p:cNvPr id="26" name="AutoShape 19"/>
+          <p:cNvSpPr>
+            <a:spLocks noChangeArrowheads="1"/>
+          </p:cNvSpPr>
+          <p:nvPr/>
+        </p:nvSpPr>
+        <p:spPr bwMode="auto">
+          <a:xfrm>
+            <a:off x="5564115" y="2985195"/>
+            <a:ext cx="1426029" cy="457200"/>
+          </a:xfrm>
+          <a:prstGeom prst="roundRect">
+            <a:avLst>
+              <a:gd name="adj" fmla="val 7861"/>
+            </a:avLst>
+          </a:prstGeom>
+          <a:gradFill flip="none" rotWithShape="1">
+            <a:gsLst>
+              <a:gs pos="64000">
+                <a:srgbClr val="F2F2F2">
+                  <a:lumMod val="10000"/>
+                </a:srgbClr>
+              </a:gs>
+              <a:gs pos="12000">
+                <a:srgbClr val="000000">
+                  <a:lumMod val="75000"/>
+                  <a:lumOff val="25000"/>
+                </a:srgbClr>
+              </a:gs>
+            </a:gsLst>
+            <a:lin ang="5400000" scaled="1"/>
+            <a:tileRect/>
+          </a:gradFill>
+          <a:ln w="25400" algn="ctr">
+            <a:solidFill>
+              <a:srgbClr val="8E8E8E"/>
+            </a:solidFill>
+            <a:round/>
+            <a:headEnd/>
+            <a:tailEnd/>
+          </a:ln>
+        </p:spPr>
+        <p:txBody>
+          <a:bodyPr wrap="none" lIns="98404" tIns="0" rIns="98404" bIns="49203" anchor="ctr"/>
+          <a:lstStyle/>
+          <a:p>
+            <a:pPr algn="ctr">
+              <a:lnSpc>
+                <a:spcPct val="150000"/>
+              </a:lnSpc>
+            </a:pPr>
+            <a:r>
+              <a:rPr lang="en-US" sz="2200" b="1" kern="0" dirty="0" err="1" smtClean="0">
+                <a:gradFill flip="none" rotWithShape="1">
+                  <a:gsLst>
+                    <a:gs pos="0">
+                      <a:srgbClr val="F2F2F2">
+                        <a:lumMod val="75000"/>
+                      </a:srgbClr>
+                    </a:gs>
+                    <a:gs pos="50000">
+                      <a:srgbClr val="F2F2F2">
+                        <a:lumMod val="90000"/>
+                      </a:srgbClr>
+                    </a:gs>
+                    <a:gs pos="100000">
+                      <a:srgbClr val="F2F2F2"/>
+                    </a:gs>
+                  </a:gsLst>
+                  <a:lin ang="16200000" scaled="1"/>
+                  <a:tileRect/>
+                </a:gradFill>
+                <a:latin typeface="Century Gothic" pitchFamily="34" charset="0"/>
+              </a:rPr>
+              <a:t>Git</a:t>
+            </a:r>
+            <a:endParaRPr lang="en-US" sz="2200" b="1" kern="0" dirty="0">
+              <a:gradFill flip="none" rotWithShape="1">
+                <a:gsLst>
+                  <a:gs pos="0">
+                    <a:srgbClr val="F2F2F2">
+                      <a:lumMod val="75000"/>
+                    </a:srgbClr>
+                  </a:gs>
+                  <a:gs pos="50000">
+                    <a:srgbClr val="F2F2F2">
+                      <a:lumMod val="90000"/>
+                    </a:srgbClr>
+                  </a:gs>
+                  <a:gs pos="100000">
+                    <a:srgbClr val="F2F2F2"/>
+                  </a:gs>
+                </a:gsLst>
+                <a:lin ang="16200000" scaled="1"/>
+                <a:tileRect/>
+              </a:gradFill>
+              <a:latin typeface="Century Gothic" pitchFamily="34" charset="0"/>
+            </a:endParaRPr>
+          </a:p>
+        </p:txBody>
+      </p:sp>
+      <p:sp>
+        <p:nvSpPr>
+          <p:cNvPr id="27" name="AutoShape 19"/>
+          <p:cNvSpPr>
+            <a:spLocks noChangeArrowheads="1"/>
+          </p:cNvSpPr>
+          <p:nvPr/>
+        </p:nvSpPr>
+        <p:spPr bwMode="auto">
+          <a:xfrm>
+            <a:off x="3791757" y="4824077"/>
+            <a:ext cx="1600200" cy="457200"/>
+          </a:xfrm>
+          <a:prstGeom prst="roundRect">
+            <a:avLst>
+              <a:gd name="adj" fmla="val 7861"/>
+            </a:avLst>
+          </a:prstGeom>
+          <a:gradFill flip="none" rotWithShape="1">
+            <a:gsLst>
+              <a:gs pos="64000">
+                <a:srgbClr val="F2F2F2">
+                  <a:lumMod val="10000"/>
+                </a:srgbClr>
+              </a:gs>
+              <a:gs pos="12000">
+                <a:srgbClr val="000000">
+                  <a:lumMod val="75000"/>
+                  <a:lumOff val="25000"/>
+                </a:srgbClr>
+              </a:gs>
+            </a:gsLst>
+            <a:lin ang="5400000" scaled="1"/>
+            <a:tileRect/>
+          </a:gradFill>
+          <a:ln w="25400" algn="ctr">
+            <a:solidFill>
+              <a:srgbClr val="8E8E8E"/>
+            </a:solidFill>
+            <a:round/>
+            <a:headEnd/>
+            <a:tailEnd/>
+          </a:ln>
+        </p:spPr>
+        <p:txBody>
+          <a:bodyPr wrap="none" lIns="98404" tIns="0" rIns="98404" bIns="49203" anchor="ctr"/>
+          <a:lstStyle/>
+          <a:p>
+            <a:pPr algn="ctr">
+              <a:lnSpc>
+                <a:spcPct val="150000"/>
+              </a:lnSpc>
+            </a:pPr>
+            <a:r>
+              <a:rPr lang="en-US" sz="2200" b="1" kern="0" dirty="0">
+                <a:gradFill flip="none" rotWithShape="1">
+                  <a:gsLst>
+                    <a:gs pos="0">
+                      <a:srgbClr val="F2F2F2">
+                        <a:lumMod val="75000"/>
+                      </a:srgbClr>
+                    </a:gs>
+                    <a:gs pos="50000">
+                      <a:srgbClr val="F2F2F2">
+                        <a:lumMod val="90000"/>
+                      </a:srgbClr>
+                    </a:gs>
+                    <a:gs pos="100000">
+                      <a:srgbClr val="F2F2F2"/>
+                    </a:gs>
+                  </a:gsLst>
+                  <a:lin ang="16200000" scaled="1"/>
+                  <a:tileRect/>
+                </a:gradFill>
+                <a:latin typeface="Century Gothic" pitchFamily="34" charset="0"/>
+              </a:rPr>
+              <a:t>Hudson </a:t>
+            </a:r>
+          </a:p>
+        </p:txBody>
+      </p:sp>
+      <p:sp>
+        <p:nvSpPr>
+          <p:cNvPr id="29" name="AutoShape 19"/>
+          <p:cNvSpPr>
+            <a:spLocks noChangeArrowheads="1"/>
+          </p:cNvSpPr>
+          <p:nvPr/>
+        </p:nvSpPr>
+        <p:spPr bwMode="auto">
+          <a:xfrm>
+            <a:off x="3791757" y="3843864"/>
+            <a:ext cx="1600200" cy="457200"/>
+          </a:xfrm>
+          <a:prstGeom prst="roundRect">
+            <a:avLst>
+              <a:gd name="adj" fmla="val 7861"/>
+            </a:avLst>
+          </a:prstGeom>
+          <a:gradFill flip="none" rotWithShape="1">
+            <a:gsLst>
+              <a:gs pos="64000">
+                <a:srgbClr val="F2F2F2">
+                  <a:lumMod val="10000"/>
+                </a:srgbClr>
+              </a:gs>
+              <a:gs pos="12000">
+                <a:srgbClr val="000000">
+                  <a:lumMod val="75000"/>
+                  <a:lumOff val="25000"/>
+                </a:srgbClr>
+              </a:gs>
+            </a:gsLst>
+            <a:lin ang="5400000" scaled="1"/>
+            <a:tileRect/>
+          </a:gradFill>
+          <a:ln w="25400" algn="ctr">
+            <a:solidFill>
+              <a:srgbClr val="8E8E8E"/>
+            </a:solidFill>
+            <a:round/>
+            <a:headEnd/>
+            <a:tailEnd/>
+          </a:ln>
+        </p:spPr>
+        <p:txBody>
+          <a:bodyPr wrap="none" lIns="98404" tIns="0" rIns="98404" bIns="49203" anchor="ctr"/>
+          <a:lstStyle/>
+          <a:p>
+            <a:pPr algn="ctr">
+              <a:lnSpc>
+                <a:spcPct val="150000"/>
+              </a:lnSpc>
+            </a:pPr>
+            <a:r>
+              <a:rPr lang="en-US" sz="2200" b="1" kern="0" dirty="0">
+                <a:gradFill flip="none" rotWithShape="1">
+                  <a:gsLst>
+                    <a:gs pos="0">
+                      <a:srgbClr val="F2F2F2">
+                        <a:lumMod val="75000"/>
+                      </a:srgbClr>
+                    </a:gs>
+                    <a:gs pos="50000">
+                      <a:srgbClr val="F2F2F2">
+                        <a:lumMod val="90000"/>
+                      </a:srgbClr>
+                    </a:gs>
+                    <a:gs pos="100000">
+                      <a:srgbClr val="F2F2F2"/>
+                    </a:gs>
+                  </a:gsLst>
+                  <a:lin ang="16200000" scaled="1"/>
+                  <a:tileRect/>
+                </a:gradFill>
+                <a:latin typeface="Century Gothic" pitchFamily="34" charset="0"/>
+              </a:rPr>
+              <a:t>WikiText</a:t>
+            </a:r>
+          </a:p>
+        </p:txBody>
+      </p:sp>
+      <p:sp>
+        <p:nvSpPr>
+          <p:cNvPr id="30" name="AutoShape 19"/>
+          <p:cNvSpPr>
+            <a:spLocks noChangeArrowheads="1"/>
+          </p:cNvSpPr>
+          <p:nvPr/>
+        </p:nvSpPr>
+        <p:spPr bwMode="auto">
+          <a:xfrm>
+            <a:off x="5544358" y="3843864"/>
+            <a:ext cx="1426029" cy="457200"/>
+          </a:xfrm>
+          <a:prstGeom prst="roundRect">
+            <a:avLst>
+              <a:gd name="adj" fmla="val 7861"/>
+            </a:avLst>
+          </a:prstGeom>
+          <a:gradFill flip="none" rotWithShape="1">
+            <a:gsLst>
+              <a:gs pos="64000">
+                <a:srgbClr val="F2F2F2">
+                  <a:lumMod val="10000"/>
+                </a:srgbClr>
+              </a:gs>
+              <a:gs pos="12000">
+                <a:srgbClr val="000000">
+                  <a:lumMod val="75000"/>
+                  <a:lumOff val="25000"/>
+                </a:srgbClr>
+              </a:gs>
+            </a:gsLst>
+            <a:lin ang="5400000" scaled="1"/>
+            <a:tileRect/>
+          </a:gradFill>
+          <a:ln w="25400" algn="ctr">
+            <a:solidFill>
+              <a:srgbClr val="8E8E8E"/>
+            </a:solidFill>
+            <a:round/>
+            <a:headEnd/>
+            <a:tailEnd/>
+          </a:ln>
+        </p:spPr>
+        <p:txBody>
+          <a:bodyPr wrap="none" lIns="98404" tIns="0" rIns="98404" bIns="49203" anchor="ctr"/>
+          <a:lstStyle/>
+          <a:p>
+            <a:pPr algn="ctr">
+              <a:lnSpc>
+                <a:spcPct val="150000"/>
+              </a:lnSpc>
+            </a:pPr>
+            <a:r>
+              <a:rPr lang="en-US" sz="2200" b="1" kern="0" dirty="0" err="1">
+                <a:gradFill flip="none" rotWithShape="1">
+                  <a:gsLst>
+                    <a:gs pos="0">
+                      <a:srgbClr val="F2F2F2">
+                        <a:lumMod val="75000"/>
+                      </a:srgbClr>
+                    </a:gs>
+                    <a:gs pos="50000">
+                      <a:srgbClr val="F2F2F2">
+                        <a:lumMod val="90000"/>
+                      </a:srgbClr>
+                    </a:gs>
+                    <a:gs pos="100000">
+                      <a:srgbClr val="F2F2F2"/>
+                    </a:gs>
+                  </a:gsLst>
+                  <a:lin ang="16200000" scaled="1"/>
+                  <a:tileRect/>
+                </a:gradFill>
+                <a:latin typeface="Century Gothic" pitchFamily="34" charset="0"/>
+              </a:rPr>
+              <a:t>RichText</a:t>
+            </a:r>
+            <a:endParaRPr lang="en-US" sz="2200" b="1" kern="0" dirty="0">
+              <a:gradFill flip="none" rotWithShape="1">
+                <a:gsLst>
+                  <a:gs pos="0">
+                    <a:srgbClr val="F2F2F2">
+                      <a:lumMod val="75000"/>
+                    </a:srgbClr>
+                  </a:gs>
+                  <a:gs pos="50000">
+                    <a:srgbClr val="F2F2F2">
+                      <a:lumMod val="90000"/>
+                    </a:srgbClr>
+                  </a:gs>
+                  <a:gs pos="100000">
+                    <a:srgbClr val="F2F2F2"/>
+                  </a:gs>
+                </a:gsLst>
+                <a:lin ang="16200000" scaled="1"/>
+                <a:tileRect/>
+              </a:gradFill>
+              <a:latin typeface="Century Gothic" pitchFamily="34" charset="0"/>
+            </a:endParaRPr>
+          </a:p>
+        </p:txBody>
+      </p:sp>
+      <p:sp>
+        <p:nvSpPr>
+          <p:cNvPr id="39" name="AutoShape 19"/>
+          <p:cNvSpPr>
+            <a:spLocks noChangeArrowheads="1"/>
+          </p:cNvSpPr>
+          <p:nvPr/>
+        </p:nvSpPr>
+        <p:spPr bwMode="auto">
+          <a:xfrm>
+            <a:off x="7153431" y="2985195"/>
+            <a:ext cx="892629" cy="457200"/>
+          </a:xfrm>
+          <a:prstGeom prst="roundRect">
+            <a:avLst>
+              <a:gd name="adj" fmla="val 7861"/>
+            </a:avLst>
+          </a:prstGeom>
+          <a:gradFill flip="none" rotWithShape="1">
+            <a:gsLst>
+              <a:gs pos="64000">
+                <a:srgbClr val="F2F2F2">
+                  <a:lumMod val="10000"/>
+                </a:srgbClr>
+              </a:gs>
+              <a:gs pos="12000">
+                <a:srgbClr val="000000">
+                  <a:lumMod val="75000"/>
+                  <a:lumOff val="25000"/>
+                </a:srgbClr>
+              </a:gs>
+            </a:gsLst>
+            <a:lin ang="5400000" scaled="1"/>
+            <a:tileRect/>
+          </a:gradFill>
+          <a:ln w="25400" algn="ctr">
+            <a:solidFill>
+              <a:srgbClr val="8E8E8E"/>
+            </a:solidFill>
+            <a:round/>
+            <a:headEnd/>
+            <a:tailEnd/>
+          </a:ln>
+        </p:spPr>
+        <p:txBody>
+          <a:bodyPr wrap="none" lIns="98404" tIns="0" rIns="98404" bIns="49203" anchor="ctr"/>
+          <a:lstStyle/>
+          <a:p>
+            <a:pPr algn="ctr">
+              <a:lnSpc>
+                <a:spcPct val="150000"/>
+              </a:lnSpc>
+            </a:pPr>
+            <a:r>
+              <a:rPr lang="en-US" sz="2200" b="1" kern="0" dirty="0">
+                <a:gradFill flip="none" rotWithShape="1">
+                  <a:gsLst>
+                    <a:gs pos="0">
+                      <a:srgbClr val="F2F2F2">
+                        <a:lumMod val="75000"/>
+                      </a:srgbClr>
+                    </a:gs>
+                    <a:gs pos="50000">
+                      <a:srgbClr val="F2F2F2">
+                        <a:lumMod val="90000"/>
+                      </a:srgbClr>
+                    </a:gs>
+                    <a:gs pos="100000">
+                      <a:srgbClr val="F2F2F2"/>
+                    </a:gs>
+                  </a:gsLst>
+                  <a:lin ang="16200000" scaled="1"/>
+                  <a:tileRect/>
+                </a:gradFill>
+                <a:latin typeface="Century Gothic" pitchFamily="34" charset="0"/>
+              </a:rPr>
+              <a:t>OSLC</a:t>
+            </a:r>
+          </a:p>
+        </p:txBody>
+      </p:sp>
+      <p:sp>
+        <p:nvSpPr>
+          <p:cNvPr id="40" name="AutoShape 19"/>
+          <p:cNvSpPr>
+            <a:spLocks noChangeArrowheads="1"/>
+          </p:cNvSpPr>
+          <p:nvPr/>
+        </p:nvSpPr>
+        <p:spPr bwMode="auto">
+          <a:xfrm>
+            <a:off x="5544359" y="4832586"/>
+            <a:ext cx="892629" cy="457200"/>
+          </a:xfrm>
+          <a:prstGeom prst="roundRect">
+            <a:avLst>
+              <a:gd name="adj" fmla="val 7861"/>
+            </a:avLst>
+          </a:prstGeom>
+          <a:gradFill flip="none" rotWithShape="1">
+            <a:gsLst>
+              <a:gs pos="64000">
+                <a:srgbClr val="F2F2F2">
+                  <a:lumMod val="10000"/>
+                </a:srgbClr>
+              </a:gs>
+              <a:gs pos="12000">
+                <a:srgbClr val="000000">
+                  <a:lumMod val="75000"/>
+                  <a:lumOff val="25000"/>
+                </a:srgbClr>
+              </a:gs>
+            </a:gsLst>
+            <a:lin ang="5400000" scaled="1"/>
+            <a:tileRect/>
+          </a:gradFill>
+          <a:ln w="25400" algn="ctr">
+            <a:solidFill>
+              <a:srgbClr val="8E8E8E"/>
+            </a:solidFill>
+            <a:round/>
+            <a:headEnd/>
+            <a:tailEnd/>
+          </a:ln>
+        </p:spPr>
+        <p:txBody>
+          <a:bodyPr wrap="none" lIns="98404" tIns="0" rIns="98404" bIns="49203" anchor="ctr"/>
+          <a:lstStyle/>
+          <a:p>
+            <a:pPr algn="ctr">
+              <a:lnSpc>
+                <a:spcPct val="150000"/>
+              </a:lnSpc>
+            </a:pPr>
+            <a:r>
+              <a:rPr lang="en-US" sz="2200" b="1" kern="0" dirty="0">
+                <a:gradFill flip="none" rotWithShape="1">
+                  <a:gsLst>
+                    <a:gs pos="0">
+                      <a:srgbClr val="F2F2F2">
+                        <a:lumMod val="75000"/>
+                      </a:srgbClr>
+                    </a:gs>
+                    <a:gs pos="50000">
+                      <a:srgbClr val="F2F2F2">
+                        <a:lumMod val="90000"/>
+                      </a:srgbClr>
+                    </a:gs>
+                    <a:gs pos="100000">
+                      <a:srgbClr val="F2F2F2"/>
+                    </a:gs>
+                  </a:gsLst>
+                  <a:lin ang="16200000" scaled="1"/>
+                  <a:tileRect/>
+                </a:gradFill>
+                <a:latin typeface="Century Gothic" pitchFamily="34" charset="0"/>
+              </a:rPr>
+              <a:t>OSLC</a:t>
+            </a:r>
+          </a:p>
+        </p:txBody>
+      </p:sp>
+      <p:sp>
+        <p:nvSpPr>
+          <p:cNvPr id="35" name="AutoShape 19"/>
+          <p:cNvSpPr>
+            <a:spLocks noChangeArrowheads="1"/>
+          </p:cNvSpPr>
+          <p:nvPr/>
+        </p:nvSpPr>
+        <p:spPr bwMode="auto">
+          <a:xfrm>
+            <a:off x="7153431" y="5735711"/>
+            <a:ext cx="892629" cy="457200"/>
+          </a:xfrm>
+          <a:prstGeom prst="roundRect">
+            <a:avLst>
+              <a:gd name="adj" fmla="val 7861"/>
+            </a:avLst>
+          </a:prstGeom>
+          <a:gradFill flip="none" rotWithShape="1">
+            <a:gsLst>
+              <a:gs pos="64000">
+                <a:srgbClr val="F2F2F2">
+                  <a:lumMod val="10000"/>
+                </a:srgbClr>
+              </a:gs>
+              <a:gs pos="12000">
+                <a:srgbClr val="000000">
+                  <a:lumMod val="75000"/>
+                  <a:lumOff val="25000"/>
+                </a:srgbClr>
+              </a:gs>
+            </a:gsLst>
+            <a:lin ang="5400000" scaled="1"/>
+            <a:tileRect/>
+          </a:gradFill>
+          <a:ln w="25400" algn="ctr">
+            <a:solidFill>
+              <a:srgbClr val="8E8E8E"/>
+            </a:solidFill>
+            <a:round/>
+            <a:headEnd/>
+            <a:tailEnd/>
+          </a:ln>
+        </p:spPr>
+        <p:txBody>
+          <a:bodyPr wrap="none" lIns="98404" tIns="0" rIns="98404" bIns="49203" anchor="ctr"/>
+          <a:lstStyle/>
+          <a:p>
+            <a:pPr algn="ctr">
+              <a:lnSpc>
+                <a:spcPct val="150000"/>
+              </a:lnSpc>
+            </a:pPr>
+            <a:r>
+              <a:rPr lang="en-US" sz="2200" b="1" kern="0" dirty="0">
+                <a:gradFill flip="none" rotWithShape="1">
+                  <a:gsLst>
+                    <a:gs pos="0">
+                      <a:srgbClr val="F2F2F2">
+                        <a:lumMod val="75000"/>
+                      </a:srgbClr>
+                    </a:gs>
+                    <a:gs pos="50000">
+                      <a:srgbClr val="F2F2F2">
+                        <a:lumMod val="90000"/>
+                      </a:srgbClr>
+                    </a:gs>
+                    <a:gs pos="100000">
+                      <a:srgbClr val="F2F2F2"/>
+                    </a:gs>
+                  </a:gsLst>
+                  <a:lin ang="16200000" scaled="1"/>
+                  <a:tileRect/>
+                </a:gradFill>
+                <a:latin typeface="Century Gothic" pitchFamily="34" charset="0"/>
+              </a:rPr>
+              <a:t>IEEE</a:t>
+            </a:r>
+          </a:p>
+        </p:txBody>
+      </p:sp>
+      <p:sp>
+        <p:nvSpPr>
+          <p:cNvPr id="37" name="AutoShape 19"/>
+          <p:cNvSpPr>
+            <a:spLocks noChangeArrowheads="1"/>
+          </p:cNvSpPr>
+          <p:nvPr/>
+        </p:nvSpPr>
+        <p:spPr bwMode="auto">
+          <a:xfrm>
+            <a:off x="3786095" y="5735711"/>
+            <a:ext cx="1600200" cy="457200"/>
+          </a:xfrm>
+          <a:prstGeom prst="roundRect">
+            <a:avLst>
+              <a:gd name="adj" fmla="val 7861"/>
+            </a:avLst>
+          </a:prstGeom>
+          <a:gradFill flip="none" rotWithShape="1">
+            <a:gsLst>
+              <a:gs pos="64000">
+                <a:srgbClr val="F2F2F2">
+                  <a:lumMod val="10000"/>
+                </a:srgbClr>
+              </a:gs>
+              <a:gs pos="12000">
+                <a:srgbClr val="000000">
+                  <a:lumMod val="75000"/>
+                  <a:lumOff val="25000"/>
+                </a:srgbClr>
+              </a:gs>
+            </a:gsLst>
+            <a:lin ang="5400000" scaled="1"/>
+            <a:tileRect/>
+          </a:gradFill>
+          <a:ln w="25400" algn="ctr">
+            <a:solidFill>
+              <a:srgbClr val="8E8E8E"/>
+            </a:solidFill>
+            <a:round/>
+            <a:headEnd/>
+            <a:tailEnd/>
+          </a:ln>
+        </p:spPr>
+        <p:txBody>
+          <a:bodyPr wrap="none" lIns="98404" tIns="0" rIns="98404" bIns="49203" anchor="ctr"/>
+          <a:lstStyle/>
+          <a:p>
+            <a:pPr algn="ctr">
+              <a:lnSpc>
+                <a:spcPct val="150000"/>
+              </a:lnSpc>
+            </a:pPr>
+            <a:r>
+              <a:rPr lang="en-US" sz="2200" b="1" kern="0" dirty="0" smtClean="0">
+                <a:gradFill flip="none" rotWithShape="1">
+                  <a:gsLst>
+                    <a:gs pos="0">
+                      <a:srgbClr val="F2F2F2">
+                        <a:lumMod val="75000"/>
+                      </a:srgbClr>
+                    </a:gs>
+                    <a:gs pos="50000">
+                      <a:srgbClr val="F2F2F2">
+                        <a:lumMod val="90000"/>
+                      </a:srgbClr>
+                    </a:gs>
+                    <a:gs pos="100000">
+                      <a:srgbClr val="F2F2F2"/>
+                    </a:gs>
+                  </a:gsLst>
+                  <a:lin ang="16200000" scaled="1"/>
+                  <a:tileRect/>
+                </a:gradFill>
+                <a:latin typeface="Century Gothic" pitchFamily="34" charset="0"/>
+              </a:rPr>
+              <a:t>Tasks</a:t>
+            </a:r>
+            <a:endParaRPr lang="en-US" sz="2200" b="1" kern="0" dirty="0">
+              <a:gradFill flip="none" rotWithShape="1">
+                <a:gsLst>
+                  <a:gs pos="0">
+                    <a:srgbClr val="F2F2F2">
+                      <a:lumMod val="75000"/>
+                    </a:srgbClr>
+                  </a:gs>
+                  <a:gs pos="50000">
+                    <a:srgbClr val="F2F2F2">
+                      <a:lumMod val="90000"/>
+                    </a:srgbClr>
+                  </a:gs>
+                  <a:gs pos="100000">
+                    <a:srgbClr val="F2F2F2"/>
+                  </a:gs>
+                </a:gsLst>
+                <a:lin ang="16200000" scaled="1"/>
+                <a:tileRect/>
+              </a:gradFill>
+              <a:latin typeface="Century Gothic" pitchFamily="34" charset="0"/>
+            </a:endParaRPr>
+          </a:p>
+        </p:txBody>
+      </p:sp>
+      <p:sp>
+        <p:nvSpPr>
+          <p:cNvPr id="38" name="AutoShape 19"/>
+          <p:cNvSpPr>
+            <a:spLocks noChangeArrowheads="1"/>
+          </p:cNvSpPr>
+          <p:nvPr/>
+        </p:nvSpPr>
+        <p:spPr bwMode="auto">
+          <a:xfrm>
+            <a:off x="5538696" y="5735711"/>
+            <a:ext cx="1426029" cy="457200"/>
+          </a:xfrm>
+          <a:prstGeom prst="roundRect">
+            <a:avLst>
+              <a:gd name="adj" fmla="val 7861"/>
+            </a:avLst>
+          </a:prstGeom>
+          <a:gradFill flip="none" rotWithShape="1">
+            <a:gsLst>
+              <a:gs pos="64000">
+                <a:srgbClr val="F2F2F2">
+                  <a:lumMod val="10000"/>
+                </a:srgbClr>
+              </a:gs>
+              <a:gs pos="12000">
+                <a:srgbClr val="000000">
+                  <a:lumMod val="75000"/>
+                  <a:lumOff val="25000"/>
+                </a:srgbClr>
+              </a:gs>
+            </a:gsLst>
+            <a:lin ang="5400000" scaled="1"/>
+            <a:tileRect/>
+          </a:gradFill>
+          <a:ln w="25400" algn="ctr">
+            <a:solidFill>
+              <a:srgbClr val="8E8E8E"/>
+            </a:solidFill>
+            <a:round/>
+            <a:headEnd/>
+            <a:tailEnd/>
+          </a:ln>
+        </p:spPr>
+        <p:txBody>
+          <a:bodyPr wrap="none" lIns="98404" tIns="0" rIns="98404" bIns="49203" anchor="ctr"/>
+          <a:lstStyle/>
+          <a:p>
+            <a:pPr algn="ctr">
+              <a:lnSpc>
+                <a:spcPct val="150000"/>
+              </a:lnSpc>
+            </a:pPr>
+            <a:r>
+              <a:rPr lang="en-US" sz="2200" b="1" kern="0" dirty="0" err="1" smtClean="0">
+                <a:gradFill flip="none" rotWithShape="1">
+                  <a:gsLst>
+                    <a:gs pos="0">
+                      <a:srgbClr val="F2F2F2">
+                        <a:lumMod val="75000"/>
+                      </a:srgbClr>
+                    </a:gs>
+                    <a:gs pos="50000">
+                      <a:srgbClr val="F2F2F2">
+                        <a:lumMod val="90000"/>
+                      </a:srgbClr>
+                    </a:gs>
+                    <a:gs pos="100000">
+                      <a:srgbClr val="F2F2F2"/>
+                    </a:gs>
+                  </a:gsLst>
+                  <a:lin ang="16200000" scaled="1"/>
+                  <a:tileRect/>
+                </a:gradFill>
+                <a:latin typeface="Century Gothic" pitchFamily="34" charset="0"/>
+              </a:rPr>
+              <a:t>Gerrit</a:t>
+            </a:r>
+            <a:endParaRPr lang="en-US" sz="2200" b="1" kern="0" dirty="0">
+              <a:gradFill flip="none" rotWithShape="1">
+                <a:gsLst>
+                  <a:gs pos="0">
+                    <a:srgbClr val="F2F2F2">
+                      <a:lumMod val="75000"/>
+                    </a:srgbClr>
+                  </a:gs>
+                  <a:gs pos="50000">
+                    <a:srgbClr val="F2F2F2">
+                      <a:lumMod val="90000"/>
+                    </a:srgbClr>
+                  </a:gs>
+                  <a:gs pos="100000">
+                    <a:srgbClr val="F2F2F2"/>
+                  </a:gs>
+                </a:gsLst>
+                <a:lin ang="16200000" scaled="1"/>
+                <a:tileRect/>
+              </a:gradFill>
+              <a:latin typeface="Century Gothic" pitchFamily="34" charset="0"/>
+            </a:endParaRPr>
+          </a:p>
+        </p:txBody>
+      </p:sp>
+    </p:spTree>
+    <p:extLst>
+      <p:ext uri="{BB962C8B-B14F-4D97-AF65-F5344CB8AC3E}">
+        <p14:creationId xmlns:p14="http://schemas.microsoft.com/office/powerpoint/2010/main" xmlns="" val="1573040809"/>
+      </p:ext>
+    </p:extLst>
+  </p:cSld>
+  <p:clrMapOvr>
+    <a:masterClrMapping/>
+  </p:clrMapOvr>
+  <p:transition/>
+  <p:timing>
+    <p:tnLst>
+      <p:par>
+        <p:cTn id="1" dur="indefinite" restart="never" nodeType="tmRoot">
+          <p:childTnLst>
+            <p:seq concurrent="1" nextAc="seek">
+              <p:cTn id="2" dur="indefinite" nodeType="mainSeq">
+                <p:childTnLst>
+                  <p:par>
+                    <p:cTn id="3" fill="hold">
+                      <p:stCondLst>
+                        <p:cond delay="indefinite"/>
+                      </p:stCondLst>
+                      <p:childTnLst>
+                        <p:par>
+                          <p:cTn id="4" fill="hold">
+                            <p:stCondLst>
+                              <p:cond delay="0"/>
+                            </p:stCondLst>
+                            <p:childTnLst>
+                              <p:par>
+                                <p:cTn id="5" presetID="10" presetClass="entr" presetSubtype="0" fill="hold" grpId="0" nodeType="clickEffect">
+                                  <p:stCondLst>
+                                    <p:cond delay="0"/>
+                                  </p:stCondLst>
+                                  <p:childTnLst>
+                                    <p:set>
+                                      <p:cBhvr>
+                                        <p:cTn id="6" dur="1" fill="hold">
+                                          <p:stCondLst>
+                                            <p:cond delay="0"/>
+                                          </p:stCondLst>
+                                        </p:cTn>
+                                        <p:tgtEl>
+                                          <p:spTgt spid="23"/>
+                                        </p:tgtEl>
+                                        <p:attrNameLst>
+                                          <p:attrName>style.visibility</p:attrName>
+                                        </p:attrNameLst>
+                                      </p:cBhvr>
+                                      <p:to>
+                                        <p:strVal val="visible"/>
+                                      </p:to>
+                                    </p:set>
+                                    <p:animEffect transition="in" filter="fade">
+                                      <p:cBhvr>
+                                        <p:cTn id="7" dur="500"/>
+                                        <p:tgtEl>
+                                          <p:spTgt spid="23"/>
+                                        </p:tgtEl>
+                                      </p:cBhvr>
+                                    </p:animEffect>
+                                  </p:childTnLst>
+                                </p:cTn>
+                              </p:par>
+                              <p:par>
+                                <p:cTn id="8" presetID="10" presetClass="entr" presetSubtype="0" fill="hold" grpId="0" nodeType="withEffect">
+                                  <p:stCondLst>
+                                    <p:cond delay="0"/>
+                                  </p:stCondLst>
+                                  <p:childTnLst>
+                                    <p:set>
+                                      <p:cBhvr>
+                                        <p:cTn id="9" dur="1" fill="hold">
+                                          <p:stCondLst>
+                                            <p:cond delay="0"/>
+                                          </p:stCondLst>
+                                        </p:cTn>
+                                        <p:tgtEl>
+                                          <p:spTgt spid="24"/>
+                                        </p:tgtEl>
+                                        <p:attrNameLst>
+                                          <p:attrName>style.visibility</p:attrName>
+                                        </p:attrNameLst>
+                                      </p:cBhvr>
+                                      <p:to>
+                                        <p:strVal val="visible"/>
+                                      </p:to>
+                                    </p:set>
+                                    <p:animEffect transition="in" filter="fade">
+                                      <p:cBhvr>
+                                        <p:cTn id="10" dur="500"/>
+                                        <p:tgtEl>
+                                          <p:spTgt spid="24"/>
+                                        </p:tgtEl>
+                                      </p:cBhvr>
+                                    </p:animEffect>
+                                  </p:childTnLst>
+                                </p:cTn>
+                              </p:par>
+                              <p:par>
+                                <p:cTn id="11" presetID="10" presetClass="entr" presetSubtype="0" fill="hold" grpId="0" nodeType="withEffect">
+                                  <p:stCondLst>
+                                    <p:cond delay="0"/>
+                                  </p:stCondLst>
+                                  <p:childTnLst>
+                                    <p:set>
+                                      <p:cBhvr>
+                                        <p:cTn id="12" dur="1" fill="hold">
+                                          <p:stCondLst>
+                                            <p:cond delay="0"/>
+                                          </p:stCondLst>
+                                        </p:cTn>
+                                        <p:tgtEl>
+                                          <p:spTgt spid="6"/>
+                                        </p:tgtEl>
+                                        <p:attrNameLst>
+                                          <p:attrName>style.visibility</p:attrName>
+                                        </p:attrNameLst>
+                                      </p:cBhvr>
+                                      <p:to>
+                                        <p:strVal val="visible"/>
+                                      </p:to>
+                                    </p:set>
+                                    <p:animEffect transition="in" filter="fade">
+                                      <p:cBhvr>
+                                        <p:cTn id="13" dur="500"/>
+                                        <p:tgtEl>
+                                          <p:spTgt spid="6"/>
+                                        </p:tgtEl>
+                                      </p:cBhvr>
+                                    </p:animEffect>
+                                  </p:childTnLst>
+                                </p:cTn>
+                              </p:par>
+                              <p:par>
+                                <p:cTn id="14" presetID="10" presetClass="entr" presetSubtype="0" fill="hold" grpId="0" nodeType="withEffect">
+                                  <p:stCondLst>
+                                    <p:cond delay="0"/>
+                                  </p:stCondLst>
+                                  <p:childTnLst>
+                                    <p:set>
+                                      <p:cBhvr>
+                                        <p:cTn id="15" dur="1" fill="hold">
+                                          <p:stCondLst>
+                                            <p:cond delay="0"/>
+                                          </p:stCondLst>
+                                        </p:cTn>
+                                        <p:tgtEl>
+                                          <p:spTgt spid="22"/>
+                                        </p:tgtEl>
+                                        <p:attrNameLst>
+                                          <p:attrName>style.visibility</p:attrName>
+                                        </p:attrNameLst>
+                                      </p:cBhvr>
+                                      <p:to>
+                                        <p:strVal val="visible"/>
+                                      </p:to>
+                                    </p:set>
+                                    <p:animEffect transition="in" filter="fade">
+                                      <p:cBhvr>
+                                        <p:cTn id="16" dur="500"/>
+                                        <p:tgtEl>
+                                          <p:spTgt spid="22"/>
+                                        </p:tgtEl>
+                                      </p:cBhvr>
+                                    </p:animEffect>
+                                  </p:childTnLst>
+                                </p:cTn>
+                              </p:par>
+                              <p:par>
+                                <p:cTn id="17" presetID="10" presetClass="entr" presetSubtype="0" fill="hold" grpId="0" nodeType="withEffect">
+                                  <p:stCondLst>
+                                    <p:cond delay="0"/>
+                                  </p:stCondLst>
+                                  <p:childTnLst>
+                                    <p:set>
+                                      <p:cBhvr>
+                                        <p:cTn id="18" dur="1" fill="hold">
+                                          <p:stCondLst>
+                                            <p:cond delay="0"/>
+                                          </p:stCondLst>
+                                        </p:cTn>
+                                        <p:tgtEl>
+                                          <p:spTgt spid="25"/>
+                                        </p:tgtEl>
+                                        <p:attrNameLst>
+                                          <p:attrName>style.visibility</p:attrName>
+                                        </p:attrNameLst>
+                                      </p:cBhvr>
+                                      <p:to>
+                                        <p:strVal val="visible"/>
+                                      </p:to>
+                                    </p:set>
+                                    <p:animEffect transition="in" filter="fade">
+                                      <p:cBhvr>
+                                        <p:cTn id="19" dur="500"/>
+                                        <p:tgtEl>
+                                          <p:spTgt spid="25"/>
+                                        </p:tgtEl>
+                                      </p:cBhvr>
+                                    </p:animEffect>
+                                  </p:childTnLst>
+                                </p:cTn>
+                              </p:par>
+                              <p:par>
+                                <p:cTn id="20" presetID="10" presetClass="entr" presetSubtype="0" fill="hold" grpId="0" nodeType="withEffect">
+                                  <p:stCondLst>
+                                    <p:cond delay="0"/>
+                                  </p:stCondLst>
+                                  <p:childTnLst>
+                                    <p:set>
+                                      <p:cBhvr>
+                                        <p:cTn id="21" dur="1" fill="hold">
+                                          <p:stCondLst>
+                                            <p:cond delay="0"/>
+                                          </p:stCondLst>
+                                        </p:cTn>
+                                        <p:tgtEl>
+                                          <p:spTgt spid="29"/>
+                                        </p:tgtEl>
+                                        <p:attrNameLst>
+                                          <p:attrName>style.visibility</p:attrName>
+                                        </p:attrNameLst>
+                                      </p:cBhvr>
+                                      <p:to>
+                                        <p:strVal val="visible"/>
+                                      </p:to>
+                                    </p:set>
+                                    <p:animEffect transition="in" filter="fade">
+                                      <p:cBhvr>
+                                        <p:cTn id="22" dur="500"/>
+                                        <p:tgtEl>
+                                          <p:spTgt spid="29"/>
+                                        </p:tgtEl>
+                                      </p:cBhvr>
+                                    </p:animEffect>
+                                  </p:childTnLst>
+                                </p:cTn>
+                              </p:par>
+                            </p:childTnLst>
+                          </p:cTn>
+                        </p:par>
+                      </p:childTnLst>
+                    </p:cTn>
+                  </p:par>
+                  <p:par>
+                    <p:cTn id="23" fill="hold">
+                      <p:stCondLst>
+                        <p:cond delay="indefinite"/>
+                      </p:stCondLst>
+                      <p:childTnLst>
+                        <p:par>
+                          <p:cTn id="24" fill="hold">
+                            <p:stCondLst>
+                              <p:cond delay="0"/>
+                            </p:stCondLst>
+                            <p:childTnLst>
+                              <p:par>
+                                <p:cTn id="25" presetID="10" presetClass="entr" presetSubtype="0" fill="hold" grpId="0" nodeType="clickEffect">
+                                  <p:stCondLst>
+                                    <p:cond delay="0"/>
+                                  </p:stCondLst>
+                                  <p:childTnLst>
+                                    <p:set>
+                                      <p:cBhvr>
+                                        <p:cTn id="26" dur="1" fill="hold">
+                                          <p:stCondLst>
+                                            <p:cond delay="0"/>
+                                          </p:stCondLst>
+                                        </p:cTn>
+                                        <p:tgtEl>
+                                          <p:spTgt spid="34"/>
+                                        </p:tgtEl>
+                                        <p:attrNameLst>
+                                          <p:attrName>style.visibility</p:attrName>
+                                        </p:attrNameLst>
+                                      </p:cBhvr>
+                                      <p:to>
+                                        <p:strVal val="visible"/>
+                                      </p:to>
+                                    </p:set>
+                                    <p:animEffect transition="in" filter="fade">
+                                      <p:cBhvr>
+                                        <p:cTn id="27" dur="2000"/>
+                                        <p:tgtEl>
+                                          <p:spTgt spid="34"/>
+                                        </p:tgtEl>
+                                      </p:cBhvr>
+                                    </p:animEffect>
+                                  </p:childTnLst>
+                                </p:cTn>
+                              </p:par>
+                              <p:par>
+                                <p:cTn id="28" presetID="10" presetClass="entr" presetSubtype="0" fill="hold" grpId="0" nodeType="withEffect">
+                                  <p:stCondLst>
+                                    <p:cond delay="0"/>
+                                  </p:stCondLst>
+                                  <p:childTnLst>
+                                    <p:set>
+                                      <p:cBhvr>
+                                        <p:cTn id="29" dur="1" fill="hold">
+                                          <p:stCondLst>
+                                            <p:cond delay="0"/>
+                                          </p:stCondLst>
+                                        </p:cTn>
+                                        <p:tgtEl>
+                                          <p:spTgt spid="39"/>
+                                        </p:tgtEl>
+                                        <p:attrNameLst>
+                                          <p:attrName>style.visibility</p:attrName>
+                                        </p:attrNameLst>
+                                      </p:cBhvr>
+                                      <p:to>
+                                        <p:strVal val="visible"/>
+                                      </p:to>
+                                    </p:set>
+                                    <p:animEffect transition="in" filter="fade">
+                                      <p:cBhvr>
+                                        <p:cTn id="30" dur="2000"/>
+                                        <p:tgtEl>
+                                          <p:spTgt spid="39"/>
+                                        </p:tgtEl>
+                                      </p:cBhvr>
+                                    </p:animEffect>
+                                  </p:childTnLst>
+                                </p:cTn>
+                              </p:par>
+                              <p:par>
+                                <p:cTn id="31" presetID="10" presetClass="entr" presetSubtype="0" fill="hold" grpId="0" nodeType="withEffect">
+                                  <p:stCondLst>
+                                    <p:cond delay="0"/>
+                                  </p:stCondLst>
+                                  <p:childTnLst>
+                                    <p:set>
+                                      <p:cBhvr>
+                                        <p:cTn id="32" dur="1" fill="hold">
+                                          <p:stCondLst>
+                                            <p:cond delay="0"/>
+                                          </p:stCondLst>
+                                        </p:cTn>
+                                        <p:tgtEl>
+                                          <p:spTgt spid="30"/>
+                                        </p:tgtEl>
+                                        <p:attrNameLst>
+                                          <p:attrName>style.visibility</p:attrName>
+                                        </p:attrNameLst>
+                                      </p:cBhvr>
+                                      <p:to>
+                                        <p:strVal val="visible"/>
+                                      </p:to>
+                                    </p:set>
+                                    <p:animEffect transition="in" filter="fade">
+                                      <p:cBhvr>
+                                        <p:cTn id="33" dur="2000"/>
+                                        <p:tgtEl>
+                                          <p:spTgt spid="30"/>
+                                        </p:tgtEl>
+                                      </p:cBhvr>
+                                    </p:animEffect>
+                                  </p:childTnLst>
+                                </p:cTn>
+                              </p:par>
+                              <p:par>
+                                <p:cTn id="34" presetID="10" presetClass="entr" presetSubtype="0" fill="hold" nodeType="withEffect">
+                                  <p:stCondLst>
+                                    <p:cond delay="0"/>
+                                  </p:stCondLst>
+                                  <p:childTnLst>
+                                    <p:set>
+                                      <p:cBhvr>
+                                        <p:cTn id="35" dur="1" fill="hold">
+                                          <p:stCondLst>
+                                            <p:cond delay="0"/>
+                                          </p:stCondLst>
+                                        </p:cTn>
+                                        <p:tgtEl>
+                                          <p:spTgt spid="10"/>
+                                        </p:tgtEl>
+                                        <p:attrNameLst>
+                                          <p:attrName>style.visibility</p:attrName>
+                                        </p:attrNameLst>
+                                      </p:cBhvr>
+                                      <p:to>
+                                        <p:strVal val="visible"/>
+                                      </p:to>
+                                    </p:set>
+                                    <p:animEffect transition="in" filter="fade">
+                                      <p:cBhvr>
+                                        <p:cTn id="36" dur="2000"/>
+                                        <p:tgtEl>
+                                          <p:spTgt spid="10"/>
+                                        </p:tgtEl>
+                                      </p:cBhvr>
+                                    </p:animEffect>
+                                  </p:childTnLst>
+                                </p:cTn>
+                              </p:par>
+                              <p:par>
+                                <p:cTn id="37" presetID="10" presetClass="entr" presetSubtype="0" fill="hold" nodeType="withEffect">
+                                  <p:stCondLst>
+                                    <p:cond delay="0"/>
+                                  </p:stCondLst>
+                                  <p:childTnLst>
+                                    <p:set>
+                                      <p:cBhvr>
+                                        <p:cTn id="38" dur="1" fill="hold">
+                                          <p:stCondLst>
+                                            <p:cond delay="0"/>
+                                          </p:stCondLst>
+                                        </p:cTn>
+                                        <p:tgtEl>
+                                          <p:spTgt spid="13"/>
+                                        </p:tgtEl>
+                                        <p:attrNameLst>
+                                          <p:attrName>style.visibility</p:attrName>
+                                        </p:attrNameLst>
+                                      </p:cBhvr>
+                                      <p:to>
+                                        <p:strVal val="visible"/>
+                                      </p:to>
+                                    </p:set>
+                                    <p:animEffect transition="in" filter="fade">
+                                      <p:cBhvr>
+                                        <p:cTn id="39" dur="2000"/>
+                                        <p:tgtEl>
+                                          <p:spTgt spid="13"/>
+                                        </p:tgtEl>
+                                      </p:cBhvr>
+                                    </p:animEffect>
+                                  </p:childTnLst>
+                                </p:cTn>
+                              </p:par>
+                              <p:par>
+                                <p:cTn id="40" presetID="10" presetClass="entr" presetSubtype="0" fill="hold" grpId="0" nodeType="withEffect">
+                                  <p:stCondLst>
+                                    <p:cond delay="0"/>
+                                  </p:stCondLst>
+                                  <p:childTnLst>
+                                    <p:set>
+                                      <p:cBhvr>
+                                        <p:cTn id="41" dur="1" fill="hold">
+                                          <p:stCondLst>
+                                            <p:cond delay="0"/>
+                                          </p:stCondLst>
+                                        </p:cTn>
+                                        <p:tgtEl>
+                                          <p:spTgt spid="27"/>
+                                        </p:tgtEl>
+                                        <p:attrNameLst>
+                                          <p:attrName>style.visibility</p:attrName>
+                                        </p:attrNameLst>
+                                      </p:cBhvr>
+                                      <p:to>
+                                        <p:strVal val="visible"/>
+                                      </p:to>
+                                    </p:set>
+                                    <p:animEffect transition="in" filter="fade">
+                                      <p:cBhvr>
+                                        <p:cTn id="42" dur="2000"/>
+                                        <p:tgtEl>
+                                          <p:spTgt spid="27"/>
+                                        </p:tgtEl>
+                                      </p:cBhvr>
+                                    </p:animEffect>
+                                  </p:childTnLst>
+                                </p:cTn>
+                              </p:par>
+                              <p:par>
+                                <p:cTn id="43" presetID="10" presetClass="entr" presetSubtype="0" fill="hold" grpId="0" nodeType="withEffect">
+                                  <p:stCondLst>
+                                    <p:cond delay="0"/>
+                                  </p:stCondLst>
+                                  <p:childTnLst>
+                                    <p:set>
+                                      <p:cBhvr>
+                                        <p:cTn id="44" dur="1" fill="hold">
+                                          <p:stCondLst>
+                                            <p:cond delay="0"/>
+                                          </p:stCondLst>
+                                        </p:cTn>
+                                        <p:tgtEl>
+                                          <p:spTgt spid="26"/>
+                                        </p:tgtEl>
+                                        <p:attrNameLst>
+                                          <p:attrName>style.visibility</p:attrName>
+                                        </p:attrNameLst>
+                                      </p:cBhvr>
+                                      <p:to>
+                                        <p:strVal val="visible"/>
+                                      </p:to>
+                                    </p:set>
+                                    <p:animEffect transition="in" filter="fade">
+                                      <p:cBhvr>
+                                        <p:cTn id="45" dur="2000"/>
+                                        <p:tgtEl>
+                                          <p:spTgt spid="26"/>
+                                        </p:tgtEl>
+                                      </p:cBhvr>
+                                    </p:animEffect>
+                                  </p:childTnLst>
+                                </p:cTn>
+                              </p:par>
+                              <p:par>
+                                <p:cTn id="46" presetID="10" presetClass="entr" presetSubtype="0" fill="hold" grpId="0" nodeType="withEffect">
+                                  <p:stCondLst>
+                                    <p:cond delay="0"/>
+                                  </p:stCondLst>
+                                  <p:childTnLst>
+                                    <p:set>
+                                      <p:cBhvr>
+                                        <p:cTn id="47" dur="1" fill="hold">
+                                          <p:stCondLst>
+                                            <p:cond delay="0"/>
+                                          </p:stCondLst>
+                                        </p:cTn>
+                                        <p:tgtEl>
+                                          <p:spTgt spid="40"/>
+                                        </p:tgtEl>
+                                        <p:attrNameLst>
+                                          <p:attrName>style.visibility</p:attrName>
+                                        </p:attrNameLst>
+                                      </p:cBhvr>
+                                      <p:to>
+                                        <p:strVal val="visible"/>
+                                      </p:to>
+                                    </p:set>
+                                    <p:animEffect transition="in" filter="fade">
+                                      <p:cBhvr>
+                                        <p:cTn id="48" dur="2000"/>
+                                        <p:tgtEl>
+                                          <p:spTgt spid="40"/>
+                                        </p:tgtEl>
+                                      </p:cBhvr>
+                                    </p:animEffect>
+                                  </p:childTnLst>
+                                </p:cTn>
+                              </p:par>
+                              <p:par>
+                                <p:cTn id="49" presetID="10" presetClass="entr" presetSubtype="0" fill="hold" grpId="0" nodeType="withEffect">
+                                  <p:stCondLst>
+                                    <p:cond delay="0"/>
+                                  </p:stCondLst>
+                                  <p:childTnLst>
+                                    <p:set>
+                                      <p:cBhvr>
+                                        <p:cTn id="50" dur="1" fill="hold">
+                                          <p:stCondLst>
+                                            <p:cond delay="0"/>
+                                          </p:stCondLst>
+                                        </p:cTn>
+                                        <p:tgtEl>
+                                          <p:spTgt spid="35"/>
+                                        </p:tgtEl>
+                                        <p:attrNameLst>
+                                          <p:attrName>style.visibility</p:attrName>
+                                        </p:attrNameLst>
+                                      </p:cBhvr>
+                                      <p:to>
+                                        <p:strVal val="visible"/>
+                                      </p:to>
+                                    </p:set>
+                                    <p:animEffect transition="in" filter="fade">
+                                      <p:cBhvr>
+                                        <p:cTn id="51" dur="2000"/>
+                                        <p:tgtEl>
+                                          <p:spTgt spid="35"/>
+                                        </p:tgtEl>
+                                      </p:cBhvr>
+                                    </p:animEffect>
+                                  </p:childTnLst>
+                                </p:cTn>
+                              </p:par>
+                              <p:par>
+                                <p:cTn id="52" presetID="10" presetClass="entr" presetSubtype="0" fill="hold" grpId="0" nodeType="withEffect">
+                                  <p:stCondLst>
+                                    <p:cond delay="0"/>
+                                  </p:stCondLst>
+                                  <p:childTnLst>
+                                    <p:set>
+                                      <p:cBhvr>
+                                        <p:cTn id="53" dur="1" fill="hold">
+                                          <p:stCondLst>
+                                            <p:cond delay="0"/>
+                                          </p:stCondLst>
+                                        </p:cTn>
+                                        <p:tgtEl>
+                                          <p:spTgt spid="37"/>
+                                        </p:tgtEl>
+                                        <p:attrNameLst>
+                                          <p:attrName>style.visibility</p:attrName>
+                                        </p:attrNameLst>
+                                      </p:cBhvr>
+                                      <p:to>
+                                        <p:strVal val="visible"/>
+                                      </p:to>
+                                    </p:set>
+                                    <p:animEffect transition="in" filter="fade">
+                                      <p:cBhvr>
+                                        <p:cTn id="54" dur="2000"/>
+                                        <p:tgtEl>
+                                          <p:spTgt spid="37"/>
+                                        </p:tgtEl>
+                                      </p:cBhvr>
+                                    </p:animEffect>
+                                  </p:childTnLst>
+                                </p:cTn>
+                              </p:par>
+                              <p:par>
+                                <p:cTn id="55" presetID="10" presetClass="entr" presetSubtype="0" fill="hold" grpId="0" nodeType="withEffect">
+                                  <p:stCondLst>
+                                    <p:cond delay="0"/>
+                                  </p:stCondLst>
+                                  <p:childTnLst>
+                                    <p:set>
+                                      <p:cBhvr>
+                                        <p:cTn id="56" dur="1" fill="hold">
+                                          <p:stCondLst>
+                                            <p:cond delay="0"/>
+                                          </p:stCondLst>
+                                        </p:cTn>
+                                        <p:tgtEl>
+                                          <p:spTgt spid="38"/>
+                                        </p:tgtEl>
+                                        <p:attrNameLst>
+                                          <p:attrName>style.visibility</p:attrName>
+                                        </p:attrNameLst>
+                                      </p:cBhvr>
+                                      <p:to>
+                                        <p:strVal val="visible"/>
+                                      </p:to>
+                                    </p:set>
+                                    <p:animEffect transition="in" filter="fade">
+                                      <p:cBhvr>
+                                        <p:cTn id="57" dur="2000"/>
+                                        <p:tgtEl>
+                                          <p:spTgt spid="38"/>
+                                        </p:tgtEl>
+                                      </p:cBhvr>
+                                    </p:animEffect>
+                                  </p:childTnLst>
+                                </p:cTn>
+                              </p:par>
+                            </p:childTnLst>
+                          </p:cTn>
+                        </p:par>
+                      </p:childTnLst>
+                    </p:cTn>
+                  </p:par>
+                </p:childTnLst>
+              </p:cTn>
+              <p:prevCondLst>
+                <p:cond evt="onPrev" delay="0">
+                  <p:tgtEl>
+                    <p:sldTgt/>
+                  </p:tgtEl>
+                </p:cond>
+              </p:prevCondLst>
+              <p:nextCondLst>
+                <p:cond evt="onNext" delay="0">
+                  <p:tgtEl>
+                    <p:sldTgt/>
+                  </p:tgtEl>
+                </p:cond>
+              </p:nextCondLst>
+            </p:seq>
+          </p:childTnLst>
+        </p:cTn>
+      </p:par>
+    </p:tnLst>
+    <p:bldLst>
+      <p:bldP spid="23" grpId="0" animBg="1"/>
+      <p:bldP spid="24" grpId="0" animBg="1"/>
+      <p:bldP spid="34" grpId="0" animBg="1"/>
+      <p:bldP spid="6" grpId="0" animBg="1"/>
+      <p:bldP spid="22" grpId="0" animBg="1"/>
+      <p:bldP spid="25" grpId="0" animBg="1"/>
+      <p:bldP spid="26" grpId="0" animBg="1"/>
+      <p:bldP spid="27" grpId="0" animBg="1"/>
+      <p:bldP spid="29" grpId="0" animBg="1"/>
+      <p:bldP spid="30" grpId="0" animBg="1"/>
+      <p:bldP spid="39" grpId="0" animBg="1"/>
+      <p:bldP spid="40" grpId="0" animBg="1"/>
+      <p:bldP spid="35" grpId="0" animBg="1"/>
+      <p:bldP spid="37" grpId="0" animBg="1"/>
+      <p:bldP spid="38" grpId="0" animBg="1"/>
+    </p:bldLst>
+  </p:timing>
+</p:sld>
+</file>
+
+<file path=ppt/slides/slide5.xml><?xml version="1.0" encoding="utf-8"?>
+<p:sld xmlns:a="http://schemas.openxmlformats.org/drawingml/2006/main" xmlns:r="http://schemas.openxmlformats.org/officeDocument/2006/relationships" xmlns:p="http://schemas.openxmlformats.org/presentationml/2006/main" show="0">
+  <p:cSld>
+    <p:spTree>
+      <p:nvGrpSpPr>
+        <p:cNvPr id="1" name=""/>
+        <p:cNvGrpSpPr/>
+        <p:nvPr/>
+      </p:nvGrpSpPr>
+      <p:grpSpPr>
+        <a:xfrm>
+          <a:off x="0" y="0"/>
+          <a:ext cx="0" cy="0"/>
+          <a:chOff x="0" y="0"/>
+          <a:chExt cx="0" cy="0"/>
+        </a:xfrm>
+      </p:grpSpPr>
+      <p:sp>
+        <p:nvSpPr>
+          <p:cNvPr id="2" name="Title 1"/>
+          <p:cNvSpPr>
+            <a:spLocks noGrp="1"/>
+          </p:cNvSpPr>
+          <p:nvPr>
+            <p:ph type="title"/>
+          </p:nvPr>
+        </p:nvSpPr>
+        <p:spPr/>
+        <p:txBody>
+          <a:bodyPr/>
+          <a:lstStyle/>
+          <a:p>
+            <a:r>
+              <a:rPr lang="en-US" dirty="0" smtClean="0"/>
+              <a:t>Git</a:t>
+            </a:r>
+            <a:endParaRPr lang="en-US" dirty="0"/>
+          </a:p>
+        </p:txBody>
+      </p:sp>
+      <p:sp>
+        <p:nvSpPr>
+          <p:cNvPr id="3" name="Text Placeholder 2"/>
+          <p:cNvSpPr>
+            <a:spLocks noGrp="1"/>
+          </p:cNvSpPr>
+          <p:nvPr>
+            <p:ph type="body" sz="quarter" idx="10"/>
+          </p:nvPr>
+        </p:nvSpPr>
+        <p:spPr/>
+        <p:txBody>
+          <a:bodyPr/>
+          <a:lstStyle/>
+          <a:p>
+            <a:pPr marL="342900" indent="-342900">
+              <a:buFont typeface="Arial" pitchFamily="34" charset="0"/>
+              <a:buChar char="•"/>
+            </a:pPr>
+            <a:r>
+              <a:rPr lang="en-US" dirty="0" smtClean="0"/>
+              <a:t>A distributed version control system originally built for the Linux kernel</a:t>
+            </a:r>
+          </a:p>
+          <a:p>
+            <a:pPr marL="342900" indent="-342900">
+              <a:buFont typeface="Arial" pitchFamily="34" charset="0"/>
+              <a:buChar char="•"/>
+            </a:pPr>
+            <a:r>
+              <a:rPr lang="en-US" dirty="0" smtClean="0"/>
+              <a:t>Offline support</a:t>
+            </a:r>
+          </a:p>
+          <a:p>
+            <a:pPr marL="612775" lvl="2" indent="-342900">
+              <a:buFont typeface="Arial" pitchFamily="34" charset="0"/>
+              <a:buChar char="•"/>
+            </a:pPr>
+            <a:r>
+              <a:rPr lang="en-US" dirty="0" smtClean="0"/>
+              <a:t>Local repository clone contains full history</a:t>
+            </a:r>
           </a:p>
           <a:p>
             <a:pPr marL="612775" lvl="2" indent="-342900">
@@ -7078,7 +14678,6 @@
               <a:rPr lang="en-US" dirty="0" smtClean="0"/>
               <a:t>JGit is a lightweight Java library implementing Git</a:t>
             </a:r>
-            <a:endParaRPr lang="en-US" dirty="0" smtClean="0"/>
           </a:p>
         </p:txBody>
       </p:sp>
@@ -7183,14 +14782,14 @@
             <a:effectLst/>
             <a:extLst>
               <a:ext uri="{909E8E84-426E-40dd-AFC4-6F175D3DCCD1}">
-                <a14:hiddenFill xmlns:a14="http://schemas.microsoft.com/office/drawing/2010/main" xmlns="">
+                <a14:hiddenFill xmlns="" xmlns:a14="http://schemas.microsoft.com/office/drawing/2010/main">
                   <a:solidFill>
                     <a:schemeClr val="accent1"/>
                   </a:solidFill>
                 </a14:hiddenFill>
               </a:ext>
               <a:ext uri="{91240B29-F687-4f45-9708-019B960494DF}">
-                <a14:hiddenLine xmlns:a14="http://schemas.microsoft.com/office/drawing/2010/main" xmlns="" w="9525">
+                <a14:hiddenLine xmlns="" xmlns:a14="http://schemas.microsoft.com/office/drawing/2010/main" w="9525">
                   <a:solidFill>
                     <a:schemeClr val="tx1"/>
                   </a:solidFill>
@@ -7200,7 +14799,7 @@
                 </a14:hiddenLine>
               </a:ext>
               <a:ext uri="{AF507438-7753-43e0-B8FC-AC1667EBCBE1}">
-                <a14:hiddenEffects xmlns:a14="http://schemas.microsoft.com/office/drawing/2010/main" xmlns="">
+                <a14:hiddenEffects xmlns="" xmlns:a14="http://schemas.microsoft.com/office/drawing/2010/main">
                   <a:effectLst>
                     <a:outerShdw blurRad="63500" dist="38099" dir="2700000" algn="ctr" rotWithShape="0">
                       <a:schemeClr val="bg2">
@@ -7397,14 +14996,14 @@
             <a:effectLst/>
             <a:extLst>
               <a:ext uri="{909E8E84-426E-40dd-AFC4-6F175D3DCCD1}">
-                <a14:hiddenFill xmlns:a14="http://schemas.microsoft.com/office/drawing/2010/main" xmlns="">
+                <a14:hiddenFill xmlns="" xmlns:a14="http://schemas.microsoft.com/office/drawing/2010/main">
                   <a:solidFill>
                     <a:schemeClr val="accent1"/>
                   </a:solidFill>
                 </a14:hiddenFill>
               </a:ext>
               <a:ext uri="{91240B29-F687-4f45-9708-019B960494DF}">
-                <a14:hiddenLine xmlns:a14="http://schemas.microsoft.com/office/drawing/2010/main" xmlns="" w="9525">
+                <a14:hiddenLine xmlns="" xmlns:a14="http://schemas.microsoft.com/office/drawing/2010/main" w="9525">
                   <a:solidFill>
                     <a:schemeClr val="tx1"/>
                   </a:solidFill>
@@ -7414,7 +15013,7 @@
                 </a14:hiddenLine>
               </a:ext>
               <a:ext uri="{AF507438-7753-43e0-B8FC-AC1667EBCBE1}">
-                <a14:hiddenEffects xmlns:a14="http://schemas.microsoft.com/office/drawing/2010/main" xmlns="">
+                <a14:hiddenEffects xmlns="" xmlns:a14="http://schemas.microsoft.com/office/drawing/2010/main">
                   <a:effectLst>
                     <a:outerShdw blurRad="63500" dist="38099" dir="2700000" algn="ctr" rotWithShape="0">
                       <a:schemeClr val="bg2">
@@ -7611,14 +15210,14 @@
             <a:effectLst/>
             <a:extLst>
               <a:ext uri="{909E8E84-426E-40dd-AFC4-6F175D3DCCD1}">
-                <a14:hiddenFill xmlns:a14="http://schemas.microsoft.com/office/drawing/2010/main" xmlns="">
+                <a14:hiddenFill xmlns="" xmlns:a14="http://schemas.microsoft.com/office/drawing/2010/main">
                   <a:solidFill>
                     <a:schemeClr val="accent1"/>
                   </a:solidFill>
                 </a14:hiddenFill>
               </a:ext>
               <a:ext uri="{91240B29-F687-4f45-9708-019B960494DF}">
-                <a14:hiddenLine xmlns:a14="http://schemas.microsoft.com/office/drawing/2010/main" xmlns="" w="9525">
+                <a14:hiddenLine xmlns="" xmlns:a14="http://schemas.microsoft.com/office/drawing/2010/main" w="9525">
                   <a:solidFill>
                     <a:schemeClr val="tx1"/>
                   </a:solidFill>
@@ -7628,7 +15227,7 @@
                 </a14:hiddenLine>
               </a:ext>
               <a:ext uri="{AF507438-7753-43e0-B8FC-AC1667EBCBE1}">
-                <a14:hiddenEffects xmlns:a14="http://schemas.microsoft.com/office/drawing/2010/main" xmlns="">
+                <a14:hiddenEffects xmlns="" xmlns:a14="http://schemas.microsoft.com/office/drawing/2010/main">
                   <a:effectLst>
                     <a:outerShdw blurRad="63500" dist="38099" dir="2700000" algn="ctr" rotWithShape="0">
                       <a:schemeClr val="bg2">
@@ -7889,14 +15488,14 @@
             <a:effectLst/>
             <a:extLst>
               <a:ext uri="{909E8E84-426E-40dd-AFC4-6F175D3DCCD1}">
-                <a14:hiddenFill xmlns:a14="http://schemas.microsoft.com/office/drawing/2010/main" xmlns="">
+                <a14:hiddenFill xmlns="" xmlns:a14="http://schemas.microsoft.com/office/drawing/2010/main">
                   <a:solidFill>
                     <a:schemeClr val="accent1"/>
                   </a:solidFill>
                 </a14:hiddenFill>
               </a:ext>
               <a:ext uri="{91240B29-F687-4f45-9708-019B960494DF}">
-                <a14:hiddenLine xmlns:a14="http://schemas.microsoft.com/office/drawing/2010/main" xmlns="" w="9525">
+                <a14:hiddenLine xmlns="" xmlns:a14="http://schemas.microsoft.com/office/drawing/2010/main" w="9525">
                   <a:solidFill>
                     <a:schemeClr val="tx1"/>
                   </a:solidFill>
@@ -7906,7 +15505,7 @@
                 </a14:hiddenLine>
               </a:ext>
               <a:ext uri="{AF507438-7753-43e0-B8FC-AC1667EBCBE1}">
-                <a14:hiddenEffects xmlns:a14="http://schemas.microsoft.com/office/drawing/2010/main" xmlns="">
+                <a14:hiddenEffects xmlns="" xmlns:a14="http://schemas.microsoft.com/office/drawing/2010/main">
                   <a:effectLst>
                     <a:outerShdw blurRad="63500" dist="38099" dir="2700000" algn="ctr" rotWithShape="0">
                       <a:schemeClr val="bg2">
@@ -8045,12 +15644,6 @@
                 </a:rPr>
                 <a:t>1.0</a:t>
               </a:r>
-              <a:endParaRPr lang="en-US" sz="1100" dirty="0" smtClean="0">
-                <a:solidFill>
-                  <a:srgbClr val="000000"/>
-                </a:solidFill>
-                <a:latin typeface="Arial" charset="0"/>
-              </a:endParaRPr>
             </a:p>
           </p:txBody>
         </p:sp>
@@ -8141,14 +15734,14 @@
             <a:effectLst/>
             <a:extLst>
               <a:ext uri="{909E8E84-426E-40dd-AFC4-6F175D3DCCD1}">
-                <a14:hiddenFill xmlns:a14="http://schemas.microsoft.com/office/drawing/2010/main" xmlns="">
+                <a14:hiddenFill xmlns="" xmlns:a14="http://schemas.microsoft.com/office/drawing/2010/main">
                   <a:solidFill>
                     <a:schemeClr val="accent1"/>
                   </a:solidFill>
                 </a14:hiddenFill>
               </a:ext>
               <a:ext uri="{91240B29-F687-4f45-9708-019B960494DF}">
-                <a14:hiddenLine xmlns:a14="http://schemas.microsoft.com/office/drawing/2010/main" xmlns="" w="9525">
+                <a14:hiddenLine xmlns="" xmlns:a14="http://schemas.microsoft.com/office/drawing/2010/main" w="9525">
                   <a:solidFill>
                     <a:schemeClr val="tx1"/>
                   </a:solidFill>
@@ -8158,7 +15751,7 @@
                 </a14:hiddenLine>
               </a:ext>
               <a:ext uri="{AF507438-7753-43e0-B8FC-AC1667EBCBE1}">
-                <a14:hiddenEffects xmlns:a14="http://schemas.microsoft.com/office/drawing/2010/main" xmlns="">
+                <a14:hiddenEffects xmlns="" xmlns:a14="http://schemas.microsoft.com/office/drawing/2010/main">
                   <a:effectLst>
                     <a:outerShdw blurRad="63500" dist="38099" dir="2700000" algn="ctr" rotWithShape="0">
                       <a:schemeClr val="bg2">
@@ -8387,14 +15980,14 @@
             <a:effectLst/>
             <a:extLst>
               <a:ext uri="{909E8E84-426E-40dd-AFC4-6F175D3DCCD1}">
-                <a14:hiddenFill xmlns:a14="http://schemas.microsoft.com/office/drawing/2010/main" xmlns="">
+                <a14:hiddenFill xmlns="" xmlns:a14="http://schemas.microsoft.com/office/drawing/2010/main">
                   <a:solidFill>
                     <a:schemeClr val="accent1"/>
                   </a:solidFill>
                 </a14:hiddenFill>
               </a:ext>
               <a:ext uri="{91240B29-F687-4f45-9708-019B960494DF}">
-                <a14:hiddenLine xmlns:a14="http://schemas.microsoft.com/office/drawing/2010/main" xmlns="" w="9525">
+                <a14:hiddenLine xmlns="" xmlns:a14="http://schemas.microsoft.com/office/drawing/2010/main" w="9525">
                   <a:solidFill>
                     <a:schemeClr val="tx1"/>
                   </a:solidFill>
@@ -8404,7 +15997,7 @@
                 </a14:hiddenLine>
               </a:ext>
               <a:ext uri="{AF507438-7753-43e0-B8FC-AC1667EBCBE1}">
-                <a14:hiddenEffects xmlns:a14="http://schemas.microsoft.com/office/drawing/2010/main" xmlns="">
+                <a14:hiddenEffects xmlns="" xmlns:a14="http://schemas.microsoft.com/office/drawing/2010/main">
                   <a:effectLst>
                     <a:outerShdw blurRad="63500" dist="38099" dir="2700000" algn="ctr" rotWithShape="0">
                       <a:schemeClr val="bg2">
@@ -8601,14 +16194,14 @@
             <a:effectLst/>
             <a:extLst>
               <a:ext uri="{909E8E84-426E-40dd-AFC4-6F175D3DCCD1}">
-                <a14:hiddenFill xmlns:a14="http://schemas.microsoft.com/office/drawing/2010/main" xmlns="">
+                <a14:hiddenFill xmlns="" xmlns:a14="http://schemas.microsoft.com/office/drawing/2010/main">
                   <a:solidFill>
                     <a:schemeClr val="accent1"/>
                   </a:solidFill>
                 </a14:hiddenFill>
               </a:ext>
               <a:ext uri="{91240B29-F687-4f45-9708-019B960494DF}">
-                <a14:hiddenLine xmlns:a14="http://schemas.microsoft.com/office/drawing/2010/main" xmlns="" w="9525">
+                <a14:hiddenLine xmlns="" xmlns:a14="http://schemas.microsoft.com/office/drawing/2010/main" w="9525">
                   <a:solidFill>
                     <a:schemeClr val="tx1"/>
                   </a:solidFill>
@@ -8618,7 +16211,7 @@
                 </a14:hiddenLine>
               </a:ext>
               <a:ext uri="{AF507438-7753-43e0-B8FC-AC1667EBCBE1}">
-                <a14:hiddenEffects xmlns:a14="http://schemas.microsoft.com/office/drawing/2010/main" xmlns="">
+                <a14:hiddenEffects xmlns="" xmlns:a14="http://schemas.microsoft.com/office/drawing/2010/main">
                   <a:effectLst>
                     <a:outerShdw blurRad="63500" dist="38099" dir="2700000" algn="ctr" rotWithShape="0">
                       <a:schemeClr val="bg2">
@@ -8879,14 +16472,14 @@
             <a:effectLst/>
             <a:extLst>
               <a:ext uri="{909E8E84-426E-40dd-AFC4-6F175D3DCCD1}">
-                <a14:hiddenFill xmlns:a14="http://schemas.microsoft.com/office/drawing/2010/main" xmlns="">
+                <a14:hiddenFill xmlns="" xmlns:a14="http://schemas.microsoft.com/office/drawing/2010/main">
                   <a:solidFill>
                     <a:schemeClr val="accent1"/>
                   </a:solidFill>
                 </a14:hiddenFill>
               </a:ext>
               <a:ext uri="{91240B29-F687-4f45-9708-019B960494DF}">
-                <a14:hiddenLine xmlns:a14="http://schemas.microsoft.com/office/drawing/2010/main" xmlns="" w="9525">
+                <a14:hiddenLine xmlns="" xmlns:a14="http://schemas.microsoft.com/office/drawing/2010/main" w="9525">
                   <a:solidFill>
                     <a:schemeClr val="tx1"/>
                   </a:solidFill>
@@ -8896,7 +16489,7 @@
                 </a14:hiddenLine>
               </a:ext>
               <a:ext uri="{AF507438-7753-43e0-B8FC-AC1667EBCBE1}">
-                <a14:hiddenEffects xmlns:a14="http://schemas.microsoft.com/office/drawing/2010/main" xmlns="">
+                <a14:hiddenEffects xmlns="" xmlns:a14="http://schemas.microsoft.com/office/drawing/2010/main">
                   <a:effectLst>
                     <a:outerShdw blurRad="63500" dist="38099" dir="2700000" algn="ctr" rotWithShape="0">
                       <a:schemeClr val="bg2">
@@ -9125,14 +16718,14 @@
             <a:effectLst/>
             <a:extLst>
               <a:ext uri="{909E8E84-426E-40dd-AFC4-6F175D3DCCD1}">
-                <a14:hiddenFill xmlns:a14="http://schemas.microsoft.com/office/drawing/2010/main" xmlns="">
+                <a14:hiddenFill xmlns="" xmlns:a14="http://schemas.microsoft.com/office/drawing/2010/main">
                   <a:solidFill>
                     <a:schemeClr val="accent1"/>
                   </a:solidFill>
                 </a14:hiddenFill>
               </a:ext>
               <a:ext uri="{91240B29-F687-4f45-9708-019B960494DF}">
-                <a14:hiddenLine xmlns:a14="http://schemas.microsoft.com/office/drawing/2010/main" xmlns="" w="9525">
+                <a14:hiddenLine xmlns="" xmlns:a14="http://schemas.microsoft.com/office/drawing/2010/main" w="9525">
                   <a:solidFill>
                     <a:schemeClr val="tx1"/>
                   </a:solidFill>
@@ -9142,7 +16735,7 @@
                 </a14:hiddenLine>
               </a:ext>
               <a:ext uri="{AF507438-7753-43e0-B8FC-AC1667EBCBE1}">
-                <a14:hiddenEffects xmlns:a14="http://schemas.microsoft.com/office/drawing/2010/main" xmlns="">
+                <a14:hiddenEffects xmlns="" xmlns:a14="http://schemas.microsoft.com/office/drawing/2010/main">
                   <a:effectLst>
                     <a:outerShdw blurRad="63500" dist="38099" dir="2700000" algn="ctr" rotWithShape="0">
                       <a:schemeClr val="bg2">
@@ -9371,14 +16964,14 @@
             <a:effectLst/>
             <a:extLst>
               <a:ext uri="{909E8E84-426E-40dd-AFC4-6F175D3DCCD1}">
-                <a14:hiddenFill xmlns:a14="http://schemas.microsoft.com/office/drawing/2010/main" xmlns="">
+                <a14:hiddenFill xmlns="" xmlns:a14="http://schemas.microsoft.com/office/drawing/2010/main">
                   <a:solidFill>
                     <a:schemeClr val="accent1"/>
                   </a:solidFill>
                 </a14:hiddenFill>
               </a:ext>
               <a:ext uri="{91240B29-F687-4f45-9708-019B960494DF}">
-                <a14:hiddenLine xmlns:a14="http://schemas.microsoft.com/office/drawing/2010/main" xmlns="" w="9525">
+                <a14:hiddenLine xmlns="" xmlns:a14="http://schemas.microsoft.com/office/drawing/2010/main" w="9525">
                   <a:solidFill>
                     <a:schemeClr val="tx1"/>
                   </a:solidFill>
@@ -9388,7 +16981,7 @@
                 </a14:hiddenLine>
               </a:ext>
               <a:ext uri="{AF507438-7753-43e0-B8FC-AC1667EBCBE1}">
-                <a14:hiddenEffects xmlns:a14="http://schemas.microsoft.com/office/drawing/2010/main" xmlns="">
+                <a14:hiddenEffects xmlns="" xmlns:a14="http://schemas.microsoft.com/office/drawing/2010/main">
                   <a:effectLst>
                     <a:outerShdw blurRad="63500" dist="38099" dir="2700000" algn="ctr" rotWithShape="0">
                       <a:schemeClr val="bg2">
@@ -9617,14 +17210,14 @@
             <a:effectLst/>
             <a:extLst>
               <a:ext uri="{909E8E84-426E-40dd-AFC4-6F175D3DCCD1}">
-                <a14:hiddenFill xmlns:a14="http://schemas.microsoft.com/office/drawing/2010/main" xmlns="">
+                <a14:hiddenFill xmlns="" xmlns:a14="http://schemas.microsoft.com/office/drawing/2010/main">
                   <a:solidFill>
                     <a:schemeClr val="accent1"/>
                   </a:solidFill>
                 </a14:hiddenFill>
               </a:ext>
               <a:ext uri="{91240B29-F687-4f45-9708-019B960494DF}">
-                <a14:hiddenLine xmlns:a14="http://schemas.microsoft.com/office/drawing/2010/main" xmlns="" w="9525">
+                <a14:hiddenLine xmlns="" xmlns:a14="http://schemas.microsoft.com/office/drawing/2010/main" w="9525">
                   <a:solidFill>
                     <a:schemeClr val="tx1"/>
                   </a:solidFill>
@@ -9634,7 +17227,7 @@
                 </a14:hiddenLine>
               </a:ext>
               <a:ext uri="{AF507438-7753-43e0-B8FC-AC1667EBCBE1}">
-                <a14:hiddenEffects xmlns:a14="http://schemas.microsoft.com/office/drawing/2010/main" xmlns="">
+                <a14:hiddenEffects xmlns="" xmlns:a14="http://schemas.microsoft.com/office/drawing/2010/main">
                   <a:effectLst>
                     <a:outerShdw blurRad="63500" dist="38099" dir="2700000" algn="ctr" rotWithShape="0">
                       <a:schemeClr val="bg2">
@@ -9790,7 +17383,7 @@
 </p:sld>
 </file>
 
-<file path=ppt/slides/slide3.xml><?xml version="1.0" encoding="utf-8"?>
+<file path=ppt/slides/slide6.xml><?xml version="1.0" encoding="utf-8"?>
 <p:sld xmlns:a="http://schemas.openxmlformats.org/drawingml/2006/main" xmlns:r="http://schemas.openxmlformats.org/officeDocument/2006/relationships" xmlns:p="http://schemas.openxmlformats.org/presentationml/2006/main">
   <p:cSld>
     <p:spTree>
@@ -9824,7 +17417,7 @@
           <a:p>
             <a:r>
               <a:rPr lang="en-US" dirty="0" smtClean="0"/>
-              <a:t>Gerrit</a:t>
+              <a:t>Jenkins/Hudson</a:t>
             </a:r>
             <a:endParaRPr lang="en-US" dirty="0"/>
           </a:p>
@@ -9851,8 +17444,9 @@
             </a:pPr>
             <a:r>
               <a:rPr lang="en-US" dirty="0" smtClean="0"/>
-              <a:t>Web-based code review system based on JGit</a:t>
-            </a:r>
+              <a:t>Continuous Integration Server</a:t>
+            </a:r>
+            <a:endParaRPr lang="en-US" dirty="0" smtClean="0"/>
           </a:p>
           <a:p>
             <a:pPr marL="342900" lvl="0" indent="-342900">
@@ -9861,7 +17455,11 @@
             </a:pPr>
             <a:r>
               <a:rPr lang="en-US" dirty="0" smtClean="0"/>
-              <a:t>Open Source (Apache 2 license)</a:t>
+              <a:t>Open </a:t>
+            </a:r>
+            <a:r>
+              <a:rPr lang="en-US" dirty="0" smtClean="0"/>
+              <a:t>source</a:t>
             </a:r>
           </a:p>
           <a:p>
@@ -9871,7 +17469,212 @@
             </a:pPr>
             <a:r>
               <a:rPr lang="en-US" dirty="0" smtClean="0"/>
-              <a:t>Also serves as Git server adding access control and workflow</a:t>
+              <a:t>Hudson was recently proposed as an Eclipse project</a:t>
+            </a:r>
+          </a:p>
+          <a:p>
+            <a:pPr marL="342900" lvl="0" indent="-342900">
+              <a:buFont typeface="Arial" pitchFamily="34" charset="0"/>
+              <a:buChar char="•"/>
+            </a:pPr>
+            <a:r>
+              <a:rPr lang="en-US" dirty="0" smtClean="0"/>
+              <a:t>Jenkins is a fork of Hudson</a:t>
+            </a:r>
+          </a:p>
+          <a:p>
+            <a:pPr marL="342900" lvl="0" indent="-342900">
+              <a:buFont typeface="Arial" pitchFamily="34" charset="0"/>
+              <a:buChar char="•"/>
+            </a:pPr>
+            <a:r>
+              <a:rPr lang="en-US" dirty="0" smtClean="0"/>
+              <a:t>Mylyn integrates with both</a:t>
+            </a:r>
+            <a:endParaRPr lang="en-US" dirty="0" smtClean="0"/>
+          </a:p>
+        </p:txBody>
+      </p:sp>
+      <p:pic>
+        <p:nvPicPr>
+          <p:cNvPr id="6" name="Picture 5" descr="http://farm4.static.flickr.com/3437/3384877145_97b7b495e1_o.png"/>
+          <p:cNvPicPr>
+            <a:picLocks noChangeAspect="1" noChangeArrowheads="1"/>
+          </p:cNvPicPr>
+          <p:nvPr/>
+        </p:nvPicPr>
+        <p:blipFill>
+          <a:blip r:embed="rId3" cstate="print">
+            <a:extLst>
+              <a:ext uri="{28A0092B-C50C-407E-A947-70E740481C1C}">
+                <a14:useLocalDpi xmlns="" xmlns:a14="http://schemas.microsoft.com/office/drawing/2010/main" val="0"/>
+              </a:ext>
+            </a:extLst>
+          </a:blip>
+          <a:srcRect/>
+          <a:stretch>
+            <a:fillRect/>
+          </a:stretch>
+        </p:blipFill>
+        <p:spPr bwMode="auto">
+          <a:xfrm>
+            <a:off x="8342454" y="474104"/>
+            <a:ext cx="403044" cy="432100"/>
+          </a:xfrm>
+          <a:prstGeom prst="rect">
+            <a:avLst/>
+          </a:prstGeom>
+          <a:noFill/>
+          <a:extLst>
+            <a:ext uri="{909E8E84-426E-40DD-AFC4-6F175D3DCCD1}">
+              <a14:hiddenFill xmlns="" xmlns:a14="http://schemas.microsoft.com/office/drawing/2010/main">
+                <a:solidFill>
+                  <a:srgbClr val="FFFFFF"/>
+                </a:solidFill>
+              </a14:hiddenFill>
+            </a:ext>
+          </a:extLst>
+        </p:spPr>
+      </p:pic>
+    </p:spTree>
+  </p:cSld>
+  <p:clrMapOvr>
+    <a:masterClrMapping/>
+  </p:clrMapOvr>
+  <p:transition spd="med"/>
+  <p:timing>
+    <p:tnLst>
+      <p:par>
+        <p:cTn id="1" dur="indefinite" restart="never" nodeType="tmRoot"/>
+      </p:par>
+    </p:tnLst>
+  </p:timing>
+</p:sld>
+</file>
+
+<file path=ppt/slides/slide7.xml><?xml version="1.0" encoding="utf-8"?>
+<p:sld xmlns:a="http://schemas.openxmlformats.org/drawingml/2006/main" xmlns:r="http://schemas.openxmlformats.org/officeDocument/2006/relationships" xmlns:p="http://schemas.openxmlformats.org/presentationml/2006/main">
+  <p:cSld>
+    <p:spTree>
+      <p:nvGrpSpPr>
+        <p:cNvPr id="1" name=""/>
+        <p:cNvGrpSpPr/>
+        <p:nvPr/>
+      </p:nvGrpSpPr>
+      <p:grpSpPr>
+        <a:xfrm>
+          <a:off x="0" y="0"/>
+          <a:ext cx="0" cy="0"/>
+          <a:chOff x="0" y="0"/>
+          <a:chExt cx="0" cy="0"/>
+        </a:xfrm>
+      </p:grpSpPr>
+      <p:sp>
+        <p:nvSpPr>
+          <p:cNvPr id="2" name="Title 1"/>
+          <p:cNvSpPr>
+            <a:spLocks noGrp="1"/>
+          </p:cNvSpPr>
+          <p:nvPr>
+            <p:ph type="title"/>
+          </p:nvPr>
+        </p:nvSpPr>
+        <p:spPr/>
+        <p:txBody>
+          <a:bodyPr/>
+          <a:lstStyle/>
+          <a:p>
+            <a:r>
+              <a:rPr lang="en-US" dirty="0" smtClean="0"/>
+              <a:t>Gerrit</a:t>
+            </a:r>
+            <a:endParaRPr lang="en-US" dirty="0"/>
+          </a:p>
+        </p:txBody>
+      </p:sp>
+      <p:sp>
+        <p:nvSpPr>
+          <p:cNvPr id="3" name="Text Placeholder 2"/>
+          <p:cNvSpPr>
+            <a:spLocks noGrp="1"/>
+          </p:cNvSpPr>
+          <p:nvPr>
+            <p:ph type="body" sz="quarter" idx="10"/>
+          </p:nvPr>
+        </p:nvSpPr>
+        <p:spPr/>
+        <p:txBody>
+          <a:bodyPr/>
+          <a:lstStyle/>
+          <a:p>
+            <a:pPr marL="342900" indent="-342900">
+              <a:buFont typeface="Arial" pitchFamily="34" charset="0"/>
+              <a:buChar char="•"/>
+            </a:pPr>
+            <a:r>
+              <a:rPr lang="en-US" dirty="0" smtClean="0"/>
+              <a:t>Web-based code review system based on JGit</a:t>
+            </a:r>
+          </a:p>
+          <a:p>
+            <a:pPr marL="342900" lvl="0" indent="-342900">
+              <a:buFont typeface="Arial" pitchFamily="34" charset="0"/>
+              <a:buChar char="•"/>
+            </a:pPr>
+            <a:r>
+              <a:rPr lang="en-US" dirty="0" smtClean="0"/>
+              <a:t>Open </a:t>
+            </a:r>
+            <a:r>
+              <a:rPr lang="en-US" dirty="0" smtClean="0"/>
+              <a:t>source </a:t>
+            </a:r>
+            <a:r>
+              <a:rPr lang="en-US" dirty="0" smtClean="0"/>
+              <a:t>(Apache </a:t>
+            </a:r>
+            <a:r>
+              <a:rPr lang="en-US" dirty="0" smtClean="0"/>
+              <a:t>L</a:t>
+            </a:r>
+            <a:r>
+              <a:rPr lang="en-US" dirty="0" smtClean="0"/>
+              <a:t>icense 2.0)</a:t>
+            </a:r>
+            <a:endParaRPr lang="en-US" dirty="0" smtClean="0"/>
+          </a:p>
+          <a:p>
+            <a:pPr marL="342900" lvl="0" indent="-342900">
+              <a:buFont typeface="Arial" pitchFamily="34" charset="0"/>
+              <a:buChar char="•"/>
+            </a:pPr>
+            <a:r>
+              <a:rPr lang="en-US" dirty="0" smtClean="0"/>
+              <a:t>Serves </a:t>
+            </a:r>
+            <a:r>
+              <a:rPr lang="en-US" dirty="0" smtClean="0"/>
+              <a:t>as </a:t>
+            </a:r>
+            <a:r>
+              <a:rPr lang="en-US" dirty="0" smtClean="0"/>
+              <a:t>a </a:t>
+            </a:r>
+            <a:r>
+              <a:rPr lang="en-US" dirty="0" err="1" smtClean="0"/>
+              <a:t>G</a:t>
+            </a:r>
+            <a:r>
+              <a:rPr lang="en-US" dirty="0" err="1" smtClean="0"/>
+              <a:t>it</a:t>
+            </a:r>
+            <a:r>
+              <a:rPr lang="en-US" dirty="0" smtClean="0"/>
+              <a:t> </a:t>
+            </a:r>
+            <a:r>
+              <a:rPr lang="en-US" dirty="0" smtClean="0"/>
+              <a:t>server adding access control and workflow</a:t>
             </a:r>
           </a:p>
           <a:p>
@@ -9982,8 +17785,8 @@
 </p:sld>
 </file>
 
-<file path=ppt/slides/slide4.xml><?xml version="1.0" encoding="utf-8"?>
-<p:sld xmlns:a="http://schemas.openxmlformats.org/drawingml/2006/main" xmlns:r="http://schemas.openxmlformats.org/officeDocument/2006/relationships" xmlns:p="http://schemas.openxmlformats.org/presentationml/2006/main">
+<file path=ppt/slides/slide8.xml><?xml version="1.0" encoding="utf-8"?>
+<p:sld xmlns:a="http://schemas.openxmlformats.org/drawingml/2006/main" xmlns:r="http://schemas.openxmlformats.org/officeDocument/2006/relationships" xmlns:p="http://schemas.openxmlformats.org/presentationml/2006/main" show="0">
   <p:cSld>
     <p:spTree>
       <p:nvGrpSpPr>
@@ -10053,7 +17856,11 @@
             </a:pPr>
             <a:r>
               <a:rPr lang="en-US" dirty="0" smtClean="0"/>
-              <a:t>Each change is based on the master branch to have a stable starting point</a:t>
+              <a:t>Each change is based on the master branch to have a stable starting </a:t>
+            </a:r>
+            <a:r>
+              <a:rPr lang="en-US" dirty="0" smtClean="0"/>
+              <a:t>point</a:t>
             </a:r>
           </a:p>
           <a:p>
@@ -10063,7 +17870,11 @@
             </a:pPr>
             <a:r>
               <a:rPr lang="en-US" dirty="0" smtClean="0"/>
-              <a:t>Typical workflow</a:t>
+              <a:t>Typical </a:t>
+            </a:r>
+            <a:r>
+              <a:rPr lang="en-US" dirty="0" smtClean="0"/>
+              <a:t>workflow</a:t>
             </a:r>
           </a:p>
           <a:p>
@@ -10186,7 +17997,7 @@
 </p:sld>
 </file>
 
-<file path=ppt/slides/slide5.xml><?xml version="1.0" encoding="utf-8"?>
+<file path=ppt/slides/slide9.xml><?xml version="1.0" encoding="utf-8"?>
 <p:sld xmlns:a="http://schemas.openxmlformats.org/drawingml/2006/main" xmlns:r="http://schemas.openxmlformats.org/officeDocument/2006/relationships" xmlns:p="http://schemas.openxmlformats.org/presentationml/2006/main">
   <p:cSld>
     <p:spTree>
@@ -10238,372 +18049,6 @@
       </p:par>
     </p:tnLst>
   </p:timing>
-</p:sld>
-</file>
-
-<file path=ppt/slides/slide6.xml><?xml version="1.0" encoding="utf-8"?>
-<p:sld xmlns:a="http://schemas.openxmlformats.org/drawingml/2006/main" xmlns:r="http://schemas.openxmlformats.org/officeDocument/2006/relationships" xmlns:p="http://schemas.openxmlformats.org/presentationml/2006/main">
-  <p:cSld>
-    <p:spTree>
-      <p:nvGrpSpPr>
-        <p:cNvPr id="1" name=""/>
-        <p:cNvGrpSpPr/>
-        <p:nvPr/>
-      </p:nvGrpSpPr>
-      <p:grpSpPr>
-        <a:xfrm>
-          <a:off x="0" y="0"/>
-          <a:ext cx="0" cy="0"/>
-          <a:chOff x="0" y="0"/>
-          <a:chExt cx="0" cy="0"/>
-        </a:xfrm>
-      </p:grpSpPr>
-      <p:sp>
-        <p:nvSpPr>
-          <p:cNvPr id="2" name="Title 1"/>
-          <p:cNvSpPr>
-            <a:spLocks noGrp="1"/>
-          </p:cNvSpPr>
-          <p:nvPr>
-            <p:ph type="title"/>
-          </p:nvPr>
-        </p:nvSpPr>
-        <p:spPr/>
-        <p:txBody>
-          <a:bodyPr/>
-          <a:lstStyle/>
-          <a:p>
-            <a:r>
-              <a:rPr lang="en-US" dirty="0" smtClean="0"/>
-              <a:t>Contribute!</a:t>
-            </a:r>
-            <a:endParaRPr lang="en-US" dirty="0"/>
-          </a:p>
-        </p:txBody>
-      </p:sp>
-      <p:sp>
-        <p:nvSpPr>
-          <p:cNvPr id="3" name="Text Placeholder 2"/>
-          <p:cNvSpPr>
-            <a:spLocks noGrp="1"/>
-          </p:cNvSpPr>
-          <p:nvPr>
-            <p:ph type="body" sz="quarter" idx="10"/>
-          </p:nvPr>
-        </p:nvSpPr>
-        <p:spPr/>
-        <p:txBody>
-          <a:bodyPr/>
-          <a:lstStyle/>
-          <a:p>
-            <a:pPr marL="342900" indent="-342900">
-              <a:buFont typeface="Arial" pitchFamily="34" charset="0"/>
-              <a:buChar char="•"/>
-            </a:pPr>
-            <a:r>
-              <a:rPr lang="en-US" dirty="0" smtClean="0"/>
-              <a:t>Mylyn Reviews</a:t>
-            </a:r>
-            <a:endParaRPr lang="en-US" dirty="0" smtClean="0">
-              <a:hlinkClick r:id="rId3"/>
-            </a:endParaRPr>
-          </a:p>
-          <a:p>
-            <a:pPr marL="612775" lvl="2" indent="-342900">
-              <a:buFont typeface="Arial" pitchFamily="34" charset="0"/>
-              <a:buChar char="•"/>
-            </a:pPr>
-            <a:r>
-              <a:rPr lang="en-US" dirty="0" smtClean="0">
-                <a:hlinkClick r:id="rId3"/>
-              </a:rPr>
-              <a:t>http</a:t>
-            </a:r>
-            <a:r>
-              <a:rPr lang="en-US" dirty="0" smtClean="0">
-                <a:hlinkClick r:id="rId3"/>
-              </a:rPr>
-              <a:t>://</a:t>
-            </a:r>
-            <a:r>
-              <a:rPr lang="en-US" dirty="0" smtClean="0">
-                <a:hlinkClick r:id="rId3"/>
-              </a:rPr>
-              <a:t>www.eclipse.org/reviews</a:t>
-            </a:r>
-            <a:endParaRPr lang="en-US" dirty="0" smtClean="0"/>
-          </a:p>
-          <a:p>
-            <a:pPr marL="342900" indent="-342900">
-              <a:buFont typeface="Arial" pitchFamily="34" charset="0"/>
-              <a:buChar char="•"/>
-            </a:pPr>
-            <a:r>
-              <a:rPr lang="en-US" dirty="0" smtClean="0"/>
-              <a:t>Mylyn Builds</a:t>
-            </a:r>
-            <a:endParaRPr lang="en-US" dirty="0" smtClean="0">
-              <a:hlinkClick r:id="rId4"/>
-            </a:endParaRPr>
-          </a:p>
-          <a:p>
-            <a:pPr marL="612775" lvl="2" indent="-342900">
-              <a:buFont typeface="Arial" pitchFamily="34" charset="0"/>
-              <a:buChar char="•"/>
-            </a:pPr>
-            <a:r>
-              <a:rPr lang="en-US" dirty="0" smtClean="0">
-                <a:hlinkClick r:id="rId4"/>
-              </a:rPr>
-              <a:t>http</a:t>
-            </a:r>
-            <a:r>
-              <a:rPr lang="en-US" dirty="0" smtClean="0">
-                <a:hlinkClick r:id="rId4"/>
-              </a:rPr>
-              <a:t>://</a:t>
-            </a:r>
-            <a:r>
-              <a:rPr lang="en-US" dirty="0" smtClean="0">
-                <a:hlinkClick r:id="rId4"/>
-              </a:rPr>
-              <a:t>www.eclipse.org/mylyn/builds</a:t>
-            </a:r>
-            <a:endParaRPr lang="en-US" dirty="0" smtClean="0"/>
-          </a:p>
-          <a:p>
-            <a:pPr marL="342900" indent="-342900">
-              <a:buFont typeface="Arial" pitchFamily="34" charset="0"/>
-              <a:buChar char="•"/>
-            </a:pPr>
-            <a:r>
-              <a:rPr lang="en-US" dirty="0" smtClean="0"/>
-              <a:t>Egit/</a:t>
-            </a:r>
-            <a:r>
-              <a:rPr lang="en-US" dirty="0" err="1" smtClean="0"/>
-              <a:t>Jgit</a:t>
-            </a:r>
-            <a:endParaRPr lang="en-US" dirty="0" smtClean="0">
-              <a:hlinkClick r:id="rId5"/>
-            </a:endParaRPr>
-          </a:p>
-          <a:p>
-            <a:pPr marL="612775" lvl="2" indent="-342900">
-              <a:buFont typeface="Arial" pitchFamily="34" charset="0"/>
-              <a:buChar char="•"/>
-            </a:pPr>
-            <a:r>
-              <a:rPr lang="en-US" dirty="0" smtClean="0">
-                <a:hlinkClick r:id="rId5"/>
-              </a:rPr>
-              <a:t>http</a:t>
-            </a:r>
-            <a:r>
-              <a:rPr lang="en-US" dirty="0" smtClean="0">
-                <a:hlinkClick r:id="rId5"/>
-              </a:rPr>
-              <a:t>://</a:t>
-            </a:r>
-            <a:r>
-              <a:rPr lang="en-US" dirty="0" smtClean="0">
-                <a:hlinkClick r:id="rId5"/>
-              </a:rPr>
-              <a:t>www.eclipse.org/egit</a:t>
-            </a:r>
-            <a:endParaRPr lang="en-US" dirty="0" smtClean="0"/>
-          </a:p>
-          <a:p>
-            <a:pPr marL="342900" indent="-342900">
-              <a:buFont typeface="Arial" pitchFamily="34" charset="0"/>
-              <a:buChar char="•"/>
-            </a:pPr>
-            <a:r>
-              <a:rPr lang="en-US" dirty="0" smtClean="0"/>
-              <a:t>Gerrit Code Review</a:t>
-            </a:r>
-            <a:endParaRPr lang="en-US" dirty="0" smtClean="0">
-              <a:hlinkClick r:id="rId6"/>
-            </a:endParaRPr>
-          </a:p>
-          <a:p>
-            <a:pPr marL="612775" lvl="2" indent="-342900">
-              <a:buFont typeface="Arial" pitchFamily="34" charset="0"/>
-              <a:buChar char="•"/>
-            </a:pPr>
-            <a:r>
-              <a:rPr lang="en-US" dirty="0" smtClean="0">
-                <a:hlinkClick r:id="rId6"/>
-              </a:rPr>
-              <a:t>https</a:t>
-            </a:r>
-            <a:r>
-              <a:rPr lang="en-US" dirty="0" smtClean="0">
-                <a:hlinkClick r:id="rId6"/>
-              </a:rPr>
-              <a:t>://</a:t>
-            </a:r>
-            <a:r>
-              <a:rPr lang="en-US" dirty="0" smtClean="0">
-                <a:hlinkClick r:id="rId6"/>
-              </a:rPr>
-              <a:t>review.source.android.com</a:t>
-            </a:r>
-            <a:endParaRPr lang="en-US" dirty="0" smtClean="0"/>
-          </a:p>
-          <a:p>
-            <a:pPr marL="342900" indent="-342900">
-              <a:buFont typeface="Arial" pitchFamily="34" charset="0"/>
-              <a:buChar char="•"/>
-            </a:pPr>
-            <a:r>
-              <a:rPr lang="en-US" dirty="0" smtClean="0"/>
-              <a:t>Jenkins Gerrit Trigger</a:t>
-            </a:r>
-            <a:endParaRPr lang="en-US" dirty="0" smtClean="0"/>
-          </a:p>
-          <a:p>
-            <a:pPr marL="612775" lvl="2" indent="-342900">
-              <a:buFont typeface="Arial" pitchFamily="34" charset="0"/>
-              <a:buChar char="•"/>
-            </a:pPr>
-            <a:r>
-              <a:rPr lang="en-US" dirty="0" smtClean="0">
-                <a:hlinkClick r:id="rId7"/>
-              </a:rPr>
-              <a:t>https</a:t>
-            </a:r>
-            <a:r>
-              <a:rPr lang="en-US" dirty="0" smtClean="0">
-                <a:hlinkClick r:id="rId7"/>
-              </a:rPr>
-              <a:t>://</a:t>
-            </a:r>
-            <a:r>
-              <a:rPr lang="en-US" dirty="0" smtClean="0">
-                <a:hlinkClick r:id="rId7"/>
-              </a:rPr>
-              <a:t>wiki.jenkins-ci.org/display/JENKINS/Gerrit+Trigger</a:t>
-            </a:r>
-            <a:endParaRPr lang="en-US" dirty="0" smtClean="0"/>
-          </a:p>
-          <a:p>
-            <a:pPr marL="342900" indent="-342900">
-              <a:buFont typeface="Arial" pitchFamily="34" charset="0"/>
-              <a:buChar char="•"/>
-            </a:pPr>
-            <a:endParaRPr lang="en-US" dirty="0" smtClean="0"/>
-          </a:p>
-          <a:p>
-            <a:pPr marL="342900" indent="-342900"/>
-            <a:endParaRPr lang="en-US" dirty="0" smtClean="0"/>
-          </a:p>
-        </p:txBody>
-      </p:sp>
-      <p:pic>
-        <p:nvPicPr>
-          <p:cNvPr id="4" name="Picture 7"/>
-          <p:cNvPicPr>
-            <a:picLocks noChangeAspect="1" noChangeArrowheads="1"/>
-          </p:cNvPicPr>
-          <p:nvPr/>
-        </p:nvPicPr>
-        <p:blipFill>
-          <a:blip r:embed="rId8" cstate="print"/>
-          <a:srcRect/>
-          <a:stretch>
-            <a:fillRect/>
-          </a:stretch>
-        </p:blipFill>
-        <p:spPr bwMode="auto">
-          <a:xfrm>
-            <a:off x="8101013" y="419100"/>
-            <a:ext cx="896937" cy="514350"/>
-          </a:xfrm>
-          <a:prstGeom prst="rect">
-            <a:avLst/>
-          </a:prstGeom>
-          <a:noFill/>
-          <a:ln w="9525">
-            <a:noFill/>
-            <a:miter lim="800000"/>
-            <a:headEnd/>
-            <a:tailEnd/>
-          </a:ln>
-        </p:spPr>
-      </p:pic>
-    </p:spTree>
-  </p:cSld>
-  <p:clrMapOvr>
-    <a:masterClrMapping/>
-  </p:clrMapOvr>
-  <p:transition spd="med"/>
-  <p:timing>
-    <p:tnLst>
-      <p:par>
-        <p:cTn id="1" dur="indefinite" restart="never" nodeType="tmRoot"/>
-      </p:par>
-    </p:tnLst>
-  </p:timing>
-</p:sld>
-</file>
-
-<file path=ppt/slides/slide7.xml><?xml version="1.0" encoding="utf-8"?>
-<p:sld xmlns:a="http://schemas.openxmlformats.org/drawingml/2006/main" xmlns:r="http://schemas.openxmlformats.org/officeDocument/2006/relationships" xmlns:p="http://schemas.openxmlformats.org/presentationml/2006/main" show="0">
-  <p:cSld>
-    <p:spTree>
-      <p:nvGrpSpPr>
-        <p:cNvPr id="1" name=""/>
-        <p:cNvGrpSpPr/>
-        <p:nvPr/>
-      </p:nvGrpSpPr>
-      <p:grpSpPr>
-        <a:xfrm>
-          <a:off x="0" y="0"/>
-          <a:ext cx="0" cy="0"/>
-          <a:chOff x="0" y="0"/>
-          <a:chExt cx="0" cy="0"/>
-        </a:xfrm>
-      </p:grpSpPr>
-    </p:spTree>
-  </p:cSld>
-  <p:clrMapOvr>
-    <a:masterClrMapping/>
-  </p:clrMapOvr>
-  <p:transition spd="med"/>
-  <p:timing>
-    <p:tnLst>
-      <p:par>
-        <p:cTn id="1" dur="indefinite" restart="never" nodeType="tmRoot"/>
-      </p:par>
-    </p:tnLst>
-  </p:timing>
-</p:sld>
-</file>
-
-<file path=ppt/slides/slide8.xml><?xml version="1.0" encoding="utf-8"?>
-<p:sld xmlns:a="http://schemas.openxmlformats.org/drawingml/2006/main" xmlns:r="http://schemas.openxmlformats.org/officeDocument/2006/relationships" xmlns:p="http://schemas.openxmlformats.org/presentationml/2006/main" show="0">
-  <p:cSld>
-    <p:spTree>
-      <p:nvGrpSpPr>
-        <p:cNvPr id="1" name=""/>
-        <p:cNvGrpSpPr/>
-        <p:nvPr/>
-      </p:nvGrpSpPr>
-      <p:grpSpPr>
-        <a:xfrm>
-          <a:off x="0" y="0"/>
-          <a:ext cx="0" cy="0"/>
-          <a:chOff x="0" y="0"/>
-          <a:chExt cx="0" cy="0"/>
-        </a:xfrm>
-      </p:grpSpPr>
-    </p:spTree>
-  </p:cSld>
-  <p:clrMapOvr>
-    <a:masterClrMapping/>
-  </p:clrMapOvr>
-  <p:transition/>
 </p:sld>
 </file>
 

--- a/democamp-indigo/Integrating Git, Gerrit and Jenkins with Mylyn.pptx
+++ b/democamp-indigo/Integrating Git, Gerrit and Jenkins with Mylyn.pptx
@@ -1066,7 +1066,6 @@
               <a:rPr lang="en-US" b="0" baseline="0" dirty="0" smtClean="0"/>
               <a:t>We are in a constant state of flow coding at the speed of thought</a:t>
             </a:r>
-            <a:endParaRPr lang="en-US" b="0" baseline="0" dirty="0" smtClean="0"/>
           </a:p>
         </p:txBody>
       </p:sp>
@@ -2206,7 +2205,7 @@
           <a:blip r:embed="rId2" cstate="print">
             <a:extLst>
               <a:ext uri="{28A0092B-C50C-407E-A947-70E740481C1C}">
-                <a14:useLocalDpi xmlns:a14="http://schemas.microsoft.com/office/drawing/2010/main" xmlns="" val="0"/>
+                <a14:useLocalDpi xmlns="" xmlns:a14="http://schemas.microsoft.com/office/drawing/2010/main" val="0"/>
               </a:ext>
             </a:extLst>
           </a:blip>
@@ -4058,7 +4057,7 @@
           <a:blip r:embed="rId2" cstate="print">
             <a:extLst>
               <a:ext uri="{28A0092B-C50C-407E-A947-70E740481C1C}">
-                <a14:useLocalDpi xmlns:a14="http://schemas.microsoft.com/office/drawing/2010/main" xmlns="" val="0"/>
+                <a14:useLocalDpi xmlns="" xmlns:a14="http://schemas.microsoft.com/office/drawing/2010/main" val="0"/>
               </a:ext>
             </a:extLst>
           </a:blip>
@@ -5919,7 +5918,7 @@
           <a:blip r:embed="rId2" cstate="print">
             <a:extLst>
               <a:ext uri="{28A0092B-C50C-407E-A947-70E740481C1C}">
-                <a14:useLocalDpi xmlns:a14="http://schemas.microsoft.com/office/drawing/2010/main" xmlns="" val="0"/>
+                <a14:useLocalDpi xmlns="" xmlns:a14="http://schemas.microsoft.com/office/drawing/2010/main" val="0"/>
               </a:ext>
             </a:extLst>
           </a:blip>
@@ -6122,7 +6121,7 @@
           <a:blip r:embed="rId2" cstate="print">
             <a:extLst>
               <a:ext uri="{28A0092B-C50C-407E-A947-70E740481C1C}">
-                <a14:useLocalDpi xmlns:a14="http://schemas.microsoft.com/office/drawing/2010/main" xmlns="" val="0"/>
+                <a14:useLocalDpi xmlns="" xmlns:a14="http://schemas.microsoft.com/office/drawing/2010/main" val="0"/>
               </a:ext>
             </a:extLst>
           </a:blip>
@@ -6498,7 +6497,7 @@
           <a:blip r:embed="rId2" cstate="print">
             <a:extLst>
               <a:ext uri="{28A0092B-C50C-407E-A947-70E740481C1C}">
-                <a14:useLocalDpi xmlns:a14="http://schemas.microsoft.com/office/drawing/2010/main" xmlns="" val="0"/>
+                <a14:useLocalDpi xmlns="" xmlns:a14="http://schemas.microsoft.com/office/drawing/2010/main" val="0"/>
               </a:ext>
             </a:extLst>
           </a:blip>
@@ -6726,7 +6725,7 @@
           <a:blip r:embed="rId2" cstate="print">
             <a:extLst>
               <a:ext uri="{28A0092B-C50C-407E-A947-70E740481C1C}">
-                <a14:useLocalDpi xmlns:a14="http://schemas.microsoft.com/office/drawing/2010/main" xmlns="" val="0"/>
+                <a14:useLocalDpi xmlns="" xmlns:a14="http://schemas.microsoft.com/office/drawing/2010/main" val="0"/>
               </a:ext>
             </a:extLst>
           </a:blip>
@@ -6946,7 +6945,7 @@
           <a:blip r:embed="rId2" cstate="print">
             <a:extLst>
               <a:ext uri="{28A0092B-C50C-407E-A947-70E740481C1C}">
-                <a14:useLocalDpi xmlns:a14="http://schemas.microsoft.com/office/drawing/2010/main" xmlns="" val="0"/>
+                <a14:useLocalDpi xmlns="" xmlns:a14="http://schemas.microsoft.com/office/drawing/2010/main" val="0"/>
               </a:ext>
             </a:extLst>
           </a:blip>
@@ -8046,7 +8045,7 @@
           <a:blip r:embed="rId4" cstate="print">
             <a:extLst>
               <a:ext uri="{28A0092B-C50C-407E-A947-70E740481C1C}">
-                <a14:useLocalDpi xmlns:a14="http://schemas.microsoft.com/office/drawing/2010/main" xmlns="" val="0"/>
+                <a14:useLocalDpi xmlns="" xmlns:a14="http://schemas.microsoft.com/office/drawing/2010/main" val="0"/>
               </a:ext>
             </a:extLst>
           </a:blip>
@@ -8173,8 +8172,13 @@
             </a:br>
             <a:r>
               <a:rPr lang="en-US" dirty="0" smtClean="0"/>
-              <a:t>Sascha Scholz (SAP), Steffen Pingel (Tasktop)</a:t>
-            </a:r>
+              <a:t>Sascha </a:t>
+            </a:r>
+            <a:r>
+              <a:rPr lang="en-US" dirty="0" smtClean="0"/>
+              <a:t>Scholz</a:t>
+            </a:r>
+            <a:endParaRPr lang="en-US" dirty="0" smtClean="0"/>
           </a:p>
         </p:txBody>
       </p:sp>
@@ -8194,7 +8198,7 @@
 </file>
 
 <file path=ppt/slides/slide10.xml><?xml version="1.0" encoding="utf-8"?>
-<p:sld xmlns:a="http://schemas.openxmlformats.org/drawingml/2006/main" xmlns:r="http://schemas.openxmlformats.org/officeDocument/2006/relationships" xmlns:p="http://schemas.openxmlformats.org/presentationml/2006/main">
+<p:sld xmlns:a="http://schemas.openxmlformats.org/drawingml/2006/main" xmlns:r="http://schemas.openxmlformats.org/officeDocument/2006/relationships" xmlns:p="http://schemas.openxmlformats.org/presentationml/2006/main" show="0">
   <p:cSld>
     <p:spTree>
       <p:nvGrpSpPr>
@@ -8223,7 +8227,7 @@
             <a:lum bright="-20000"/>
             <a:extLst>
               <a:ext uri="{28A0092B-C50C-407E-A947-70E740481C1C}">
-                <a14:useLocalDpi xmlns:a14="http://schemas.microsoft.com/office/drawing/2010/main" xmlns=""/>
+                <a14:useLocalDpi xmlns="" xmlns:a14="http://schemas.microsoft.com/office/drawing/2010/main"/>
               </a:ext>
             </a:extLst>
           </a:blip>
@@ -8254,7 +8258,7 @@
             <a:lum bright="-10000"/>
             <a:extLst>
               <a:ext uri="{28A0092B-C50C-407E-A947-70E740481C1C}">
-                <a14:useLocalDpi xmlns:a14="http://schemas.microsoft.com/office/drawing/2010/main" xmlns=""/>
+                <a14:useLocalDpi xmlns="" xmlns:a14="http://schemas.microsoft.com/office/drawing/2010/main"/>
               </a:ext>
             </a:extLst>
           </a:blip>
@@ -8596,7 +8600,7 @@
           <a:blip r:embed="rId4" cstate="print">
             <a:extLst>
               <a:ext uri="{BEBA8EAE-BF5A-486C-A8C5-ECC9F3942E4B}">
-                <a14:imgProps xmlns:a14="http://schemas.microsoft.com/office/drawing/2010/main" xmlns="">
+                <a14:imgProps xmlns="" xmlns:a14="http://schemas.microsoft.com/office/drawing/2010/main">
                   <a14:imgLayer r:embed="rId5">
                     <a14:imgEffect>
                       <a14:saturation sat="33000"/>
@@ -8636,7 +8640,7 @@
             <a:lum bright="-10000"/>
             <a:extLst>
               <a:ext uri="{28A0092B-C50C-407E-A947-70E740481C1C}">
-                <a14:useLocalDpi xmlns:a14="http://schemas.microsoft.com/office/drawing/2010/main" xmlns=""/>
+                <a14:useLocalDpi xmlns="" xmlns:a14="http://schemas.microsoft.com/office/drawing/2010/main"/>
               </a:ext>
             </a:extLst>
           </a:blip>
@@ -8960,7 +8964,7 @@
           <a:blip r:embed="rId4" cstate="print">
             <a:extLst>
               <a:ext uri="{BEBA8EAE-BF5A-486C-A8C5-ECC9F3942E4B}">
-                <a14:imgProps xmlns:a14="http://schemas.microsoft.com/office/drawing/2010/main" xmlns="">
+                <a14:imgProps xmlns="" xmlns:a14="http://schemas.microsoft.com/office/drawing/2010/main">
                   <a14:imgLayer r:embed="rId5">
                     <a14:imgEffect>
                       <a14:saturation sat="33000"/>
@@ -8999,7 +9003,7 @@
           <a:blip r:embed="rId4" cstate="print">
             <a:extLst>
               <a:ext uri="{BEBA8EAE-BF5A-486C-A8C5-ECC9F3942E4B}">
-                <a14:imgProps xmlns:a14="http://schemas.microsoft.com/office/drawing/2010/main" xmlns="">
+                <a14:imgProps xmlns="" xmlns:a14="http://schemas.microsoft.com/office/drawing/2010/main">
                   <a14:imgLayer r:embed="rId5">
                     <a14:imgEffect>
                       <a14:saturation sat="33000"/>
@@ -10190,11 +10194,7 @@
             <a:pPr lvl="1"/>
             <a:r>
               <a:rPr lang="en-US" dirty="0" smtClean="0"/>
-              <a:t>Jenkins/</a:t>
-            </a:r>
-            <a:r>
-              <a:rPr lang="en-US" dirty="0" smtClean="0"/>
-              <a:t>Hudson Connector</a:t>
+              <a:t>Jenkins/Hudson Connector</a:t>
             </a:r>
           </a:p>
           <a:p>
@@ -10247,7 +10247,6 @@
               <a:rPr lang="en-US" dirty="0" smtClean="0"/>
               <a:t>Mylyn 3.6 will be released as part of Indigo on June 22.</a:t>
             </a:r>
-            <a:endParaRPr lang="en-US" dirty="0" smtClean="0"/>
           </a:p>
         </p:txBody>
       </p:sp>
@@ -10907,7 +10906,7 @@
     </p:spTree>
     <p:extLst>
       <p:ext uri="{BB962C8B-B14F-4D97-AF65-F5344CB8AC3E}">
-        <p14:creationId xmlns="" xmlns:p14="http://schemas.microsoft.com/office/powerpoint/2010/main" val="3142921521"/>
+        <p14:creationId xmlns:p14="http://schemas.microsoft.com/office/powerpoint/2010/main" xmlns="" val="3142921521"/>
       </p:ext>
     </p:extLst>
   </p:cSld>
@@ -11317,7 +11316,7 @@
     </p:spTree>
     <p:extLst>
       <p:ext uri="{BB962C8B-B14F-4D97-AF65-F5344CB8AC3E}">
-        <p14:creationId xmlns="" xmlns:p14="http://schemas.microsoft.com/office/powerpoint/2010/main" val="3498361825"/>
+        <p14:creationId xmlns:p14="http://schemas.microsoft.com/office/powerpoint/2010/main" xmlns="" val="3498361825"/>
       </p:ext>
     </p:extLst>
   </p:cSld>
@@ -12098,7 +12097,7 @@
               <a:lum bright="-10000"/>
               <a:extLst>
                 <a:ext uri="{28A0092B-C50C-407E-A947-70E740481C1C}">
-                  <a14:useLocalDpi xmlns:a14="http://schemas.microsoft.com/office/drawing/2010/main" xmlns=""/>
+                  <a14:useLocalDpi xmlns="" xmlns:a14="http://schemas.microsoft.com/office/drawing/2010/main"/>
                 </a:ext>
               </a:extLst>
             </a:blip>
@@ -12261,7 +12260,7 @@
               <a:lum bright="-10000"/>
               <a:extLst>
                 <a:ext uri="{28A0092B-C50C-407E-A947-70E740481C1C}">
-                  <a14:useLocalDpi xmlns:a14="http://schemas.microsoft.com/office/drawing/2010/main" xmlns=""/>
+                  <a14:useLocalDpi xmlns="" xmlns:a14="http://schemas.microsoft.com/office/drawing/2010/main"/>
                 </a:ext>
               </a:extLst>
             </a:blip>
@@ -12424,7 +12423,7 @@
               <a:lum bright="-10000"/>
               <a:extLst>
                 <a:ext uri="{28A0092B-C50C-407E-A947-70E740481C1C}">
-                  <a14:useLocalDpi xmlns:a14="http://schemas.microsoft.com/office/drawing/2010/main" xmlns=""/>
+                  <a14:useLocalDpi xmlns="" xmlns:a14="http://schemas.microsoft.com/office/drawing/2010/main"/>
                 </a:ext>
               </a:extLst>
             </a:blip>
@@ -12587,7 +12586,7 @@
               <a:lum bright="-20000"/>
               <a:extLst>
                 <a:ext uri="{28A0092B-C50C-407E-A947-70E740481C1C}">
-                  <a14:useLocalDpi xmlns:a14="http://schemas.microsoft.com/office/drawing/2010/main" xmlns=""/>
+                  <a14:useLocalDpi xmlns="" xmlns:a14="http://schemas.microsoft.com/office/drawing/2010/main"/>
                 </a:ext>
               </a:extLst>
             </a:blip>
@@ -12728,7 +12727,7 @@
               <a:lum bright="-10000"/>
               <a:extLst>
                 <a:ext uri="{28A0092B-C50C-407E-A947-70E740481C1C}">
-                  <a14:useLocalDpi xmlns:a14="http://schemas.microsoft.com/office/drawing/2010/main" xmlns=""/>
+                  <a14:useLocalDpi xmlns="" xmlns:a14="http://schemas.microsoft.com/office/drawing/2010/main"/>
                 </a:ext>
               </a:extLst>
             </a:blip>
@@ -13855,7 +13854,7 @@
     </p:spTree>
     <p:extLst>
       <p:ext uri="{BB962C8B-B14F-4D97-AF65-F5344CB8AC3E}">
-        <p14:creationId xmlns:p14="http://schemas.microsoft.com/office/powerpoint/2010/main" xmlns="" val="1573040809"/>
+        <p14:creationId xmlns="" xmlns:p14="http://schemas.microsoft.com/office/powerpoint/2010/main" val="1573040809"/>
       </p:ext>
     </p:extLst>
   </p:cSld>
@@ -14545,7 +14544,7 @@
 </file>
 
 <file path=ppt/slides/slide5.xml><?xml version="1.0" encoding="utf-8"?>
-<p:sld xmlns:a="http://schemas.openxmlformats.org/drawingml/2006/main" xmlns:r="http://schemas.openxmlformats.org/officeDocument/2006/relationships" xmlns:p="http://schemas.openxmlformats.org/presentationml/2006/main" show="0">
+<p:sld xmlns:a="http://schemas.openxmlformats.org/drawingml/2006/main" xmlns:r="http://schemas.openxmlformats.org/officeDocument/2006/relationships" xmlns:p="http://schemas.openxmlformats.org/presentationml/2006/main">
   <p:cSld>
     <p:spTree>
       <p:nvGrpSpPr>
@@ -14782,14 +14781,14 @@
             <a:effectLst/>
             <a:extLst>
               <a:ext uri="{909E8E84-426E-40dd-AFC4-6F175D3DCCD1}">
-                <a14:hiddenFill xmlns="" xmlns:a14="http://schemas.microsoft.com/office/drawing/2010/main">
+                <a14:hiddenFill xmlns:a14="http://schemas.microsoft.com/office/drawing/2010/main" xmlns="">
                   <a:solidFill>
                     <a:schemeClr val="accent1"/>
                   </a:solidFill>
                 </a14:hiddenFill>
               </a:ext>
               <a:ext uri="{91240B29-F687-4f45-9708-019B960494DF}">
-                <a14:hiddenLine xmlns="" xmlns:a14="http://schemas.microsoft.com/office/drawing/2010/main" w="9525">
+                <a14:hiddenLine xmlns:a14="http://schemas.microsoft.com/office/drawing/2010/main" xmlns="" w="9525">
                   <a:solidFill>
                     <a:schemeClr val="tx1"/>
                   </a:solidFill>
@@ -14799,7 +14798,7 @@
                 </a14:hiddenLine>
               </a:ext>
               <a:ext uri="{AF507438-7753-43e0-B8FC-AC1667EBCBE1}">
-                <a14:hiddenEffects xmlns="" xmlns:a14="http://schemas.microsoft.com/office/drawing/2010/main">
+                <a14:hiddenEffects xmlns:a14="http://schemas.microsoft.com/office/drawing/2010/main" xmlns="">
                   <a:effectLst>
                     <a:outerShdw blurRad="63500" dist="38099" dir="2700000" algn="ctr" rotWithShape="0">
                       <a:schemeClr val="bg2">
@@ -14996,14 +14995,14 @@
             <a:effectLst/>
             <a:extLst>
               <a:ext uri="{909E8E84-426E-40dd-AFC4-6F175D3DCCD1}">
-                <a14:hiddenFill xmlns="" xmlns:a14="http://schemas.microsoft.com/office/drawing/2010/main">
+                <a14:hiddenFill xmlns:a14="http://schemas.microsoft.com/office/drawing/2010/main" xmlns="">
                   <a:solidFill>
                     <a:schemeClr val="accent1"/>
                   </a:solidFill>
                 </a14:hiddenFill>
               </a:ext>
               <a:ext uri="{91240B29-F687-4f45-9708-019B960494DF}">
-                <a14:hiddenLine xmlns="" xmlns:a14="http://schemas.microsoft.com/office/drawing/2010/main" w="9525">
+                <a14:hiddenLine xmlns:a14="http://schemas.microsoft.com/office/drawing/2010/main" xmlns="" w="9525">
                   <a:solidFill>
                     <a:schemeClr val="tx1"/>
                   </a:solidFill>
@@ -15013,7 +15012,7 @@
                 </a14:hiddenLine>
               </a:ext>
               <a:ext uri="{AF507438-7753-43e0-B8FC-AC1667EBCBE1}">
-                <a14:hiddenEffects xmlns="" xmlns:a14="http://schemas.microsoft.com/office/drawing/2010/main">
+                <a14:hiddenEffects xmlns:a14="http://schemas.microsoft.com/office/drawing/2010/main" xmlns="">
                   <a:effectLst>
                     <a:outerShdw blurRad="63500" dist="38099" dir="2700000" algn="ctr" rotWithShape="0">
                       <a:schemeClr val="bg2">
@@ -15210,14 +15209,14 @@
             <a:effectLst/>
             <a:extLst>
               <a:ext uri="{909E8E84-426E-40dd-AFC4-6F175D3DCCD1}">
-                <a14:hiddenFill xmlns="" xmlns:a14="http://schemas.microsoft.com/office/drawing/2010/main">
+                <a14:hiddenFill xmlns:a14="http://schemas.microsoft.com/office/drawing/2010/main" xmlns="">
                   <a:solidFill>
                     <a:schemeClr val="accent1"/>
                   </a:solidFill>
                 </a14:hiddenFill>
               </a:ext>
               <a:ext uri="{91240B29-F687-4f45-9708-019B960494DF}">
-                <a14:hiddenLine xmlns="" xmlns:a14="http://schemas.microsoft.com/office/drawing/2010/main" w="9525">
+                <a14:hiddenLine xmlns:a14="http://schemas.microsoft.com/office/drawing/2010/main" xmlns="" w="9525">
                   <a:solidFill>
                     <a:schemeClr val="tx1"/>
                   </a:solidFill>
@@ -15227,7 +15226,7 @@
                 </a14:hiddenLine>
               </a:ext>
               <a:ext uri="{AF507438-7753-43e0-B8FC-AC1667EBCBE1}">
-                <a14:hiddenEffects xmlns="" xmlns:a14="http://schemas.microsoft.com/office/drawing/2010/main">
+                <a14:hiddenEffects xmlns:a14="http://schemas.microsoft.com/office/drawing/2010/main" xmlns="">
                   <a:effectLst>
                     <a:outerShdw blurRad="63500" dist="38099" dir="2700000" algn="ctr" rotWithShape="0">
                       <a:schemeClr val="bg2">
@@ -15488,14 +15487,14 @@
             <a:effectLst/>
             <a:extLst>
               <a:ext uri="{909E8E84-426E-40dd-AFC4-6F175D3DCCD1}">
-                <a14:hiddenFill xmlns="" xmlns:a14="http://schemas.microsoft.com/office/drawing/2010/main">
+                <a14:hiddenFill xmlns:a14="http://schemas.microsoft.com/office/drawing/2010/main" xmlns="">
                   <a:solidFill>
                     <a:schemeClr val="accent1"/>
                   </a:solidFill>
                 </a14:hiddenFill>
               </a:ext>
               <a:ext uri="{91240B29-F687-4f45-9708-019B960494DF}">
-                <a14:hiddenLine xmlns="" xmlns:a14="http://schemas.microsoft.com/office/drawing/2010/main" w="9525">
+                <a14:hiddenLine xmlns:a14="http://schemas.microsoft.com/office/drawing/2010/main" xmlns="" w="9525">
                   <a:solidFill>
                     <a:schemeClr val="tx1"/>
                   </a:solidFill>
@@ -15505,7 +15504,7 @@
                 </a14:hiddenLine>
               </a:ext>
               <a:ext uri="{AF507438-7753-43e0-B8FC-AC1667EBCBE1}">
-                <a14:hiddenEffects xmlns="" xmlns:a14="http://schemas.microsoft.com/office/drawing/2010/main">
+                <a14:hiddenEffects xmlns:a14="http://schemas.microsoft.com/office/drawing/2010/main" xmlns="">
                   <a:effectLst>
                     <a:outerShdw blurRad="63500" dist="38099" dir="2700000" algn="ctr" rotWithShape="0">
                       <a:schemeClr val="bg2">
@@ -15734,14 +15733,14 @@
             <a:effectLst/>
             <a:extLst>
               <a:ext uri="{909E8E84-426E-40dd-AFC4-6F175D3DCCD1}">
-                <a14:hiddenFill xmlns="" xmlns:a14="http://schemas.microsoft.com/office/drawing/2010/main">
+                <a14:hiddenFill xmlns:a14="http://schemas.microsoft.com/office/drawing/2010/main" xmlns="">
                   <a:solidFill>
                     <a:schemeClr val="accent1"/>
                   </a:solidFill>
                 </a14:hiddenFill>
               </a:ext>
               <a:ext uri="{91240B29-F687-4f45-9708-019B960494DF}">
-                <a14:hiddenLine xmlns="" xmlns:a14="http://schemas.microsoft.com/office/drawing/2010/main" w="9525">
+                <a14:hiddenLine xmlns:a14="http://schemas.microsoft.com/office/drawing/2010/main" xmlns="" w="9525">
                   <a:solidFill>
                     <a:schemeClr val="tx1"/>
                   </a:solidFill>
@@ -15751,7 +15750,7 @@
                 </a14:hiddenLine>
               </a:ext>
               <a:ext uri="{AF507438-7753-43e0-B8FC-AC1667EBCBE1}">
-                <a14:hiddenEffects xmlns="" xmlns:a14="http://schemas.microsoft.com/office/drawing/2010/main">
+                <a14:hiddenEffects xmlns:a14="http://schemas.microsoft.com/office/drawing/2010/main" xmlns="">
                   <a:effectLst>
                     <a:outerShdw blurRad="63500" dist="38099" dir="2700000" algn="ctr" rotWithShape="0">
                       <a:schemeClr val="bg2">
@@ -15980,14 +15979,14 @@
             <a:effectLst/>
             <a:extLst>
               <a:ext uri="{909E8E84-426E-40dd-AFC4-6F175D3DCCD1}">
-                <a14:hiddenFill xmlns="" xmlns:a14="http://schemas.microsoft.com/office/drawing/2010/main">
+                <a14:hiddenFill xmlns:a14="http://schemas.microsoft.com/office/drawing/2010/main" xmlns="">
                   <a:solidFill>
                     <a:schemeClr val="accent1"/>
                   </a:solidFill>
                 </a14:hiddenFill>
               </a:ext>
               <a:ext uri="{91240B29-F687-4f45-9708-019B960494DF}">
-                <a14:hiddenLine xmlns="" xmlns:a14="http://schemas.microsoft.com/office/drawing/2010/main" w="9525">
+                <a14:hiddenLine xmlns:a14="http://schemas.microsoft.com/office/drawing/2010/main" xmlns="" w="9525">
                   <a:solidFill>
                     <a:schemeClr val="tx1"/>
                   </a:solidFill>
@@ -15997,7 +15996,7 @@
                 </a14:hiddenLine>
               </a:ext>
               <a:ext uri="{AF507438-7753-43e0-B8FC-AC1667EBCBE1}">
-                <a14:hiddenEffects xmlns="" xmlns:a14="http://schemas.microsoft.com/office/drawing/2010/main">
+                <a14:hiddenEffects xmlns:a14="http://schemas.microsoft.com/office/drawing/2010/main" xmlns="">
                   <a:effectLst>
                     <a:outerShdw blurRad="63500" dist="38099" dir="2700000" algn="ctr" rotWithShape="0">
                       <a:schemeClr val="bg2">
@@ -16194,14 +16193,14 @@
             <a:effectLst/>
             <a:extLst>
               <a:ext uri="{909E8E84-426E-40dd-AFC4-6F175D3DCCD1}">
-                <a14:hiddenFill xmlns="" xmlns:a14="http://schemas.microsoft.com/office/drawing/2010/main">
+                <a14:hiddenFill xmlns:a14="http://schemas.microsoft.com/office/drawing/2010/main" xmlns="">
                   <a:solidFill>
                     <a:schemeClr val="accent1"/>
                   </a:solidFill>
                 </a14:hiddenFill>
               </a:ext>
               <a:ext uri="{91240B29-F687-4f45-9708-019B960494DF}">
-                <a14:hiddenLine xmlns="" xmlns:a14="http://schemas.microsoft.com/office/drawing/2010/main" w="9525">
+                <a14:hiddenLine xmlns:a14="http://schemas.microsoft.com/office/drawing/2010/main" xmlns="" w="9525">
                   <a:solidFill>
                     <a:schemeClr val="tx1"/>
                   </a:solidFill>
@@ -16211,7 +16210,7 @@
                 </a14:hiddenLine>
               </a:ext>
               <a:ext uri="{AF507438-7753-43e0-B8FC-AC1667EBCBE1}">
-                <a14:hiddenEffects xmlns="" xmlns:a14="http://schemas.microsoft.com/office/drawing/2010/main">
+                <a14:hiddenEffects xmlns:a14="http://schemas.microsoft.com/office/drawing/2010/main" xmlns="">
                   <a:effectLst>
                     <a:outerShdw blurRad="63500" dist="38099" dir="2700000" algn="ctr" rotWithShape="0">
                       <a:schemeClr val="bg2">
@@ -16472,14 +16471,14 @@
             <a:effectLst/>
             <a:extLst>
               <a:ext uri="{909E8E84-426E-40dd-AFC4-6F175D3DCCD1}">
-                <a14:hiddenFill xmlns="" xmlns:a14="http://schemas.microsoft.com/office/drawing/2010/main">
+                <a14:hiddenFill xmlns:a14="http://schemas.microsoft.com/office/drawing/2010/main" xmlns="">
                   <a:solidFill>
                     <a:schemeClr val="accent1"/>
                   </a:solidFill>
                 </a14:hiddenFill>
               </a:ext>
               <a:ext uri="{91240B29-F687-4f45-9708-019B960494DF}">
-                <a14:hiddenLine xmlns="" xmlns:a14="http://schemas.microsoft.com/office/drawing/2010/main" w="9525">
+                <a14:hiddenLine xmlns:a14="http://schemas.microsoft.com/office/drawing/2010/main" xmlns="" w="9525">
                   <a:solidFill>
                     <a:schemeClr val="tx1"/>
                   </a:solidFill>
@@ -16489,7 +16488,7 @@
                 </a14:hiddenLine>
               </a:ext>
               <a:ext uri="{AF507438-7753-43e0-B8FC-AC1667EBCBE1}">
-                <a14:hiddenEffects xmlns="" xmlns:a14="http://schemas.microsoft.com/office/drawing/2010/main">
+                <a14:hiddenEffects xmlns:a14="http://schemas.microsoft.com/office/drawing/2010/main" xmlns="">
                   <a:effectLst>
                     <a:outerShdw blurRad="63500" dist="38099" dir="2700000" algn="ctr" rotWithShape="0">
                       <a:schemeClr val="bg2">
@@ -16718,14 +16717,14 @@
             <a:effectLst/>
             <a:extLst>
               <a:ext uri="{909E8E84-426E-40dd-AFC4-6F175D3DCCD1}">
-                <a14:hiddenFill xmlns="" xmlns:a14="http://schemas.microsoft.com/office/drawing/2010/main">
+                <a14:hiddenFill xmlns:a14="http://schemas.microsoft.com/office/drawing/2010/main" xmlns="">
                   <a:solidFill>
                     <a:schemeClr val="accent1"/>
                   </a:solidFill>
                 </a14:hiddenFill>
               </a:ext>
               <a:ext uri="{91240B29-F687-4f45-9708-019B960494DF}">
-                <a14:hiddenLine xmlns="" xmlns:a14="http://schemas.microsoft.com/office/drawing/2010/main" w="9525">
+                <a14:hiddenLine xmlns:a14="http://schemas.microsoft.com/office/drawing/2010/main" xmlns="" w="9525">
                   <a:solidFill>
                     <a:schemeClr val="tx1"/>
                   </a:solidFill>
@@ -16735,7 +16734,7 @@
                 </a14:hiddenLine>
               </a:ext>
               <a:ext uri="{AF507438-7753-43e0-B8FC-AC1667EBCBE1}">
-                <a14:hiddenEffects xmlns="" xmlns:a14="http://schemas.microsoft.com/office/drawing/2010/main">
+                <a14:hiddenEffects xmlns:a14="http://schemas.microsoft.com/office/drawing/2010/main" xmlns="">
                   <a:effectLst>
                     <a:outerShdw blurRad="63500" dist="38099" dir="2700000" algn="ctr" rotWithShape="0">
                       <a:schemeClr val="bg2">
@@ -16964,14 +16963,14 @@
             <a:effectLst/>
             <a:extLst>
               <a:ext uri="{909E8E84-426E-40dd-AFC4-6F175D3DCCD1}">
-                <a14:hiddenFill xmlns="" xmlns:a14="http://schemas.microsoft.com/office/drawing/2010/main">
+                <a14:hiddenFill xmlns:a14="http://schemas.microsoft.com/office/drawing/2010/main" xmlns="">
                   <a:solidFill>
                     <a:schemeClr val="accent1"/>
                   </a:solidFill>
                 </a14:hiddenFill>
               </a:ext>
               <a:ext uri="{91240B29-F687-4f45-9708-019B960494DF}">
-                <a14:hiddenLine xmlns="" xmlns:a14="http://schemas.microsoft.com/office/drawing/2010/main" w="9525">
+                <a14:hiddenLine xmlns:a14="http://schemas.microsoft.com/office/drawing/2010/main" xmlns="" w="9525">
                   <a:solidFill>
                     <a:schemeClr val="tx1"/>
                   </a:solidFill>
@@ -16981,7 +16980,7 @@
                 </a14:hiddenLine>
               </a:ext>
               <a:ext uri="{AF507438-7753-43e0-B8FC-AC1667EBCBE1}">
-                <a14:hiddenEffects xmlns="" xmlns:a14="http://schemas.microsoft.com/office/drawing/2010/main">
+                <a14:hiddenEffects xmlns:a14="http://schemas.microsoft.com/office/drawing/2010/main" xmlns="">
                   <a:effectLst>
                     <a:outerShdw blurRad="63500" dist="38099" dir="2700000" algn="ctr" rotWithShape="0">
                       <a:schemeClr val="bg2">
@@ -17210,14 +17209,14 @@
             <a:effectLst/>
             <a:extLst>
               <a:ext uri="{909E8E84-426E-40dd-AFC4-6F175D3DCCD1}">
-                <a14:hiddenFill xmlns="" xmlns:a14="http://schemas.microsoft.com/office/drawing/2010/main">
+                <a14:hiddenFill xmlns:a14="http://schemas.microsoft.com/office/drawing/2010/main" xmlns="">
                   <a:solidFill>
                     <a:schemeClr val="accent1"/>
                   </a:solidFill>
                 </a14:hiddenFill>
               </a:ext>
               <a:ext uri="{91240B29-F687-4f45-9708-019B960494DF}">
-                <a14:hiddenLine xmlns="" xmlns:a14="http://schemas.microsoft.com/office/drawing/2010/main" w="9525">
+                <a14:hiddenLine xmlns:a14="http://schemas.microsoft.com/office/drawing/2010/main" xmlns="" w="9525">
                   <a:solidFill>
                     <a:schemeClr val="tx1"/>
                   </a:solidFill>
@@ -17227,7 +17226,7 @@
                 </a14:hiddenLine>
               </a:ext>
               <a:ext uri="{AF507438-7753-43e0-B8FC-AC1667EBCBE1}">
-                <a14:hiddenEffects xmlns="" xmlns:a14="http://schemas.microsoft.com/office/drawing/2010/main">
+                <a14:hiddenEffects xmlns:a14="http://schemas.microsoft.com/office/drawing/2010/main" xmlns="">
                   <a:effectLst>
                     <a:outerShdw blurRad="63500" dist="38099" dir="2700000" algn="ctr" rotWithShape="0">
                       <a:schemeClr val="bg2">
@@ -17446,7 +17445,6 @@
               <a:rPr lang="en-US" dirty="0" smtClean="0"/>
               <a:t>Continuous Integration Server</a:t>
             </a:r>
-            <a:endParaRPr lang="en-US" dirty="0" smtClean="0"/>
           </a:p>
           <a:p>
             <a:pPr marL="342900" lvl="0" indent="-342900">
@@ -17455,11 +17453,7 @@
             </a:pPr>
             <a:r>
               <a:rPr lang="en-US" dirty="0" smtClean="0"/>
-              <a:t>Open </a:t>
-            </a:r>
-            <a:r>
-              <a:rPr lang="en-US" dirty="0" smtClean="0"/>
-              <a:t>source</a:t>
+              <a:t>Open source</a:t>
             </a:r>
           </a:p>
           <a:p>
@@ -17491,7 +17485,6 @@
               <a:rPr lang="en-US" dirty="0" smtClean="0"/>
               <a:t>Mylyn integrates with both</a:t>
             </a:r>
-            <a:endParaRPr lang="en-US" dirty="0" smtClean="0"/>
           </a:p>
         </p:txBody>
       </p:sp>
@@ -17507,7 +17500,7 @@
           <a:blip r:embed="rId3" cstate="print">
             <a:extLst>
               <a:ext uri="{28A0092B-C50C-407E-A947-70E740481C1C}">
-                <a14:useLocalDpi xmlns="" xmlns:a14="http://schemas.microsoft.com/office/drawing/2010/main" val="0"/>
+                <a14:useLocalDpi xmlns:a14="http://schemas.microsoft.com/office/drawing/2010/main" xmlns="" val="0"/>
               </a:ext>
             </a:extLst>
           </a:blip>
@@ -17527,7 +17520,7 @@
           <a:noFill/>
           <a:extLst>
             <a:ext uri="{909E8E84-426E-40DD-AFC4-6F175D3DCCD1}">
-              <a14:hiddenFill xmlns="" xmlns:a14="http://schemas.microsoft.com/office/drawing/2010/main">
+              <a14:hiddenFill xmlns:a14="http://schemas.microsoft.com/office/drawing/2010/main" xmlns="">
                 <a:solidFill>
                   <a:srgbClr val="FFFFFF"/>
                 </a:solidFill>
@@ -17623,25 +17616,8 @@
             </a:pPr>
             <a:r>
               <a:rPr lang="en-US" dirty="0" smtClean="0"/>
-              <a:t>Open </a:t>
-            </a:r>
-            <a:r>
-              <a:rPr lang="en-US" dirty="0" smtClean="0"/>
-              <a:t>source </a:t>
-            </a:r>
-            <a:r>
-              <a:rPr lang="en-US" dirty="0" smtClean="0"/>
-              <a:t>(Apache </a:t>
-            </a:r>
-            <a:r>
-              <a:rPr lang="en-US" dirty="0" smtClean="0"/>
-              <a:t>L</a:t>
-            </a:r>
-            <a:r>
-              <a:rPr lang="en-US" dirty="0" smtClean="0"/>
-              <a:t>icense 2.0)</a:t>
-            </a:r>
-            <a:endParaRPr lang="en-US" dirty="0" smtClean="0"/>
+              <a:t>Open source (Apache License 2.0)</a:t>
+            </a:r>
           </a:p>
           <a:p>
             <a:pPr marL="342900" lvl="0" indent="-342900">
@@ -17650,31 +17626,15 @@
             </a:pPr>
             <a:r>
               <a:rPr lang="en-US" dirty="0" smtClean="0"/>
-              <a:t>Serves </a:t>
+              <a:t>Serves as a </a:t>
+            </a:r>
+            <a:r>
+              <a:rPr lang="en-US" dirty="0" err="1" smtClean="0"/>
+              <a:t>Git</a:t>
             </a:r>
             <a:r>
               <a:rPr lang="en-US" dirty="0" smtClean="0"/>
-              <a:t>as </a:t>
-            </a:r>
-            <a:r>
-              <a:rPr lang="en-US" dirty="0" smtClean="0"/>
-              <a:t>a </a:t>
-            </a:r>
-            <a:r>
-              <a:rPr lang="en-US" dirty="0" err="1" smtClean="0"/>
-              <a:t>G</a:t>
-            </a:r>
-            <a:r>
-              <a:rPr lang="en-US" dirty="0" err="1" smtClean="0"/>
-              <a:t>it</a:t>
-            </a:r>
-            <a:r>
-              <a:rPr lang="en-US" dirty="0" smtClean="0"/>
-              <a:t> </a:t>
-            </a:r>
-            <a:r>
-              <a:rPr lang="en-US" dirty="0" smtClean="0"/>
-              <a:t>server adding access control and workflow</a:t>
+              <a:t> server adding access control and workflow</a:t>
             </a:r>
           </a:p>
           <a:p>
@@ -17856,11 +17816,7 @@
             </a:pPr>
             <a:r>
               <a:rPr lang="en-US" dirty="0" smtClean="0"/>
-              <a:t>Each change is based on the master branch to have a stable starting </a:t>
-            </a:r>
-            <a:r>
-              <a:rPr lang="en-US" dirty="0" smtClean="0"/>
-              <a:t>point</a:t>
+              <a:t>Each change is based on the master branch to have a stable starting point</a:t>
             </a:r>
           </a:p>
           <a:p>
@@ -17870,11 +17826,7 @@
             </a:pPr>
             <a:r>
               <a:rPr lang="en-US" dirty="0" smtClean="0"/>
-              <a:t>Typical </a:t>
-            </a:r>
-            <a:r>
-              <a:rPr lang="en-US" dirty="0" smtClean="0"/>
-              <a:t>workflow</a:t>
+              <a:t>Typical workflow</a:t>
             </a:r>
           </a:p>
           <a:p>

--- a/democamp-indigo/Integrating Git, Gerrit and Jenkins with Mylyn.pptx
+++ b/democamp-indigo/Integrating Git, Gerrit and Jenkins with Mylyn.pptx
@@ -2205,7 +2205,7 @@
           <a:blip r:embed="rId2" cstate="print">
             <a:extLst>
               <a:ext uri="{28A0092B-C50C-407E-A947-70E740481C1C}">
-                <a14:useLocalDpi xmlns="" xmlns:a14="http://schemas.microsoft.com/office/drawing/2010/main" val="0"/>
+                <a14:useLocalDpi xmlns:a14="http://schemas.microsoft.com/office/drawing/2010/main" xmlns="" val="0"/>
               </a:ext>
             </a:extLst>
           </a:blip>
@@ -4057,7 +4057,7 @@
           <a:blip r:embed="rId2" cstate="print">
             <a:extLst>
               <a:ext uri="{28A0092B-C50C-407E-A947-70E740481C1C}">
-                <a14:useLocalDpi xmlns="" xmlns:a14="http://schemas.microsoft.com/office/drawing/2010/main" val="0"/>
+                <a14:useLocalDpi xmlns:a14="http://schemas.microsoft.com/office/drawing/2010/main" xmlns="" val="0"/>
               </a:ext>
             </a:extLst>
           </a:blip>
@@ -5918,7 +5918,7 @@
           <a:blip r:embed="rId2" cstate="print">
             <a:extLst>
               <a:ext uri="{28A0092B-C50C-407E-A947-70E740481C1C}">
-                <a14:useLocalDpi xmlns="" xmlns:a14="http://schemas.microsoft.com/office/drawing/2010/main" val="0"/>
+                <a14:useLocalDpi xmlns:a14="http://schemas.microsoft.com/office/drawing/2010/main" xmlns="" val="0"/>
               </a:ext>
             </a:extLst>
           </a:blip>
@@ -6121,7 +6121,7 @@
           <a:blip r:embed="rId2" cstate="print">
             <a:extLst>
               <a:ext uri="{28A0092B-C50C-407E-A947-70E740481C1C}">
-                <a14:useLocalDpi xmlns="" xmlns:a14="http://schemas.microsoft.com/office/drawing/2010/main" val="0"/>
+                <a14:useLocalDpi xmlns:a14="http://schemas.microsoft.com/office/drawing/2010/main" xmlns="" val="0"/>
               </a:ext>
             </a:extLst>
           </a:blip>
@@ -6497,7 +6497,7 @@
           <a:blip r:embed="rId2" cstate="print">
             <a:extLst>
               <a:ext uri="{28A0092B-C50C-407E-A947-70E740481C1C}">
-                <a14:useLocalDpi xmlns="" xmlns:a14="http://schemas.microsoft.com/office/drawing/2010/main" val="0"/>
+                <a14:useLocalDpi xmlns:a14="http://schemas.microsoft.com/office/drawing/2010/main" xmlns="" val="0"/>
               </a:ext>
             </a:extLst>
           </a:blip>
@@ -6725,7 +6725,7 @@
           <a:blip r:embed="rId2" cstate="print">
             <a:extLst>
               <a:ext uri="{28A0092B-C50C-407E-A947-70E740481C1C}">
-                <a14:useLocalDpi xmlns="" xmlns:a14="http://schemas.microsoft.com/office/drawing/2010/main" val="0"/>
+                <a14:useLocalDpi xmlns:a14="http://schemas.microsoft.com/office/drawing/2010/main" xmlns="" val="0"/>
               </a:ext>
             </a:extLst>
           </a:blip>
@@ -6945,7 +6945,7 @@
           <a:blip r:embed="rId2" cstate="print">
             <a:extLst>
               <a:ext uri="{28A0092B-C50C-407E-A947-70E740481C1C}">
-                <a14:useLocalDpi xmlns="" xmlns:a14="http://schemas.microsoft.com/office/drawing/2010/main" val="0"/>
+                <a14:useLocalDpi xmlns:a14="http://schemas.microsoft.com/office/drawing/2010/main" xmlns="" val="0"/>
               </a:ext>
             </a:extLst>
           </a:blip>
@@ -8045,7 +8045,7 @@
           <a:blip r:embed="rId4" cstate="print">
             <a:extLst>
               <a:ext uri="{28A0092B-C50C-407E-A947-70E740481C1C}">
-                <a14:useLocalDpi xmlns="" xmlns:a14="http://schemas.microsoft.com/office/drawing/2010/main" val="0"/>
+                <a14:useLocalDpi xmlns:a14="http://schemas.microsoft.com/office/drawing/2010/main" xmlns="" val="0"/>
               </a:ext>
             </a:extLst>
           </a:blip>
@@ -8172,13 +8172,8 @@
             </a:br>
             <a:r>
               <a:rPr lang="en-US" dirty="0" smtClean="0"/>
-              <a:t>Sascha </a:t>
-            </a:r>
-            <a:r>
-              <a:rPr lang="en-US" dirty="0" smtClean="0"/>
-              <a:t>Scholz</a:t>
-            </a:r>
-            <a:endParaRPr lang="en-US" dirty="0" smtClean="0"/>
+              <a:t>Sascha Scholz</a:t>
+            </a:r>
           </a:p>
         </p:txBody>
       </p:sp>
@@ -8227,7 +8222,7 @@
             <a:lum bright="-20000"/>
             <a:extLst>
               <a:ext uri="{28A0092B-C50C-407E-A947-70E740481C1C}">
-                <a14:useLocalDpi xmlns="" xmlns:a14="http://schemas.microsoft.com/office/drawing/2010/main"/>
+                <a14:useLocalDpi xmlns:a14="http://schemas.microsoft.com/office/drawing/2010/main" xmlns=""/>
               </a:ext>
             </a:extLst>
           </a:blip>
@@ -8258,7 +8253,7 @@
             <a:lum bright="-10000"/>
             <a:extLst>
               <a:ext uri="{28A0092B-C50C-407E-A947-70E740481C1C}">
-                <a14:useLocalDpi xmlns="" xmlns:a14="http://schemas.microsoft.com/office/drawing/2010/main"/>
+                <a14:useLocalDpi xmlns:a14="http://schemas.microsoft.com/office/drawing/2010/main" xmlns=""/>
               </a:ext>
             </a:extLst>
           </a:blip>
@@ -8600,7 +8595,7 @@
           <a:blip r:embed="rId4" cstate="print">
             <a:extLst>
               <a:ext uri="{BEBA8EAE-BF5A-486C-A8C5-ECC9F3942E4B}">
-                <a14:imgProps xmlns="" xmlns:a14="http://schemas.microsoft.com/office/drawing/2010/main">
+                <a14:imgProps xmlns:a14="http://schemas.microsoft.com/office/drawing/2010/main" xmlns="">
                   <a14:imgLayer r:embed="rId5">
                     <a14:imgEffect>
                       <a14:saturation sat="33000"/>
@@ -8640,7 +8635,7 @@
             <a:lum bright="-10000"/>
             <a:extLst>
               <a:ext uri="{28A0092B-C50C-407E-A947-70E740481C1C}">
-                <a14:useLocalDpi xmlns="" xmlns:a14="http://schemas.microsoft.com/office/drawing/2010/main"/>
+                <a14:useLocalDpi xmlns:a14="http://schemas.microsoft.com/office/drawing/2010/main" xmlns=""/>
               </a:ext>
             </a:extLst>
           </a:blip>
@@ -8964,7 +8959,7 @@
           <a:blip r:embed="rId4" cstate="print">
             <a:extLst>
               <a:ext uri="{BEBA8EAE-BF5A-486C-A8C5-ECC9F3942E4B}">
-                <a14:imgProps xmlns="" xmlns:a14="http://schemas.microsoft.com/office/drawing/2010/main">
+                <a14:imgProps xmlns:a14="http://schemas.microsoft.com/office/drawing/2010/main" xmlns="">
                   <a14:imgLayer r:embed="rId5">
                     <a14:imgEffect>
                       <a14:saturation sat="33000"/>
@@ -9003,7 +8998,7 @@
           <a:blip r:embed="rId4" cstate="print">
             <a:extLst>
               <a:ext uri="{BEBA8EAE-BF5A-486C-A8C5-ECC9F3942E4B}">
-                <a14:imgProps xmlns="" xmlns:a14="http://schemas.microsoft.com/office/drawing/2010/main">
+                <a14:imgProps xmlns:a14="http://schemas.microsoft.com/office/drawing/2010/main" xmlns="">
                   <a14:imgLayer r:embed="rId5">
                     <a14:imgEffect>
                       <a14:saturation sat="33000"/>
@@ -10074,38 +10069,6 @@
           </a:p>
         </p:txBody>
       </p:sp>
-      <p:pic>
-        <p:nvPicPr>
-          <p:cNvPr id="4" name="Picture 7"/>
-          <p:cNvPicPr>
-            <a:picLocks noChangeAspect="1" noChangeArrowheads="1"/>
-          </p:cNvPicPr>
-          <p:nvPr/>
-        </p:nvPicPr>
-        <p:blipFill>
-          <a:blip r:embed="rId8" cstate="print"/>
-          <a:srcRect/>
-          <a:stretch>
-            <a:fillRect/>
-          </a:stretch>
-        </p:blipFill>
-        <p:spPr bwMode="auto">
-          <a:xfrm>
-            <a:off x="8101013" y="419100"/>
-            <a:ext cx="896937" cy="514350"/>
-          </a:xfrm>
-          <a:prstGeom prst="rect">
-            <a:avLst/>
-          </a:prstGeom>
-          <a:noFill/>
-          <a:ln w="9525">
-            <a:noFill/>
-            <a:miter lim="800000"/>
-            <a:headEnd/>
-            <a:tailEnd/>
-          </a:ln>
-        </p:spPr>
-      </p:pic>
     </p:spTree>
   </p:cSld>
   <p:clrMapOvr>
@@ -10906,7 +10869,7 @@
     </p:spTree>
     <p:extLst>
       <p:ext uri="{BB962C8B-B14F-4D97-AF65-F5344CB8AC3E}">
-        <p14:creationId xmlns:p14="http://schemas.microsoft.com/office/powerpoint/2010/main" xmlns="" val="3142921521"/>
+        <p14:creationId xmlns="" xmlns:p14="http://schemas.microsoft.com/office/powerpoint/2010/main" val="3142921521"/>
       </p:ext>
     </p:extLst>
   </p:cSld>
@@ -11316,7 +11279,7 @@
     </p:spTree>
     <p:extLst>
       <p:ext uri="{BB962C8B-B14F-4D97-AF65-F5344CB8AC3E}">
-        <p14:creationId xmlns:p14="http://schemas.microsoft.com/office/powerpoint/2010/main" xmlns="" val="3498361825"/>
+        <p14:creationId xmlns="" xmlns:p14="http://schemas.microsoft.com/office/powerpoint/2010/main" val="3498361825"/>
       </p:ext>
     </p:extLst>
   </p:cSld>
@@ -12097,7 +12060,7 @@
               <a:lum bright="-10000"/>
               <a:extLst>
                 <a:ext uri="{28A0092B-C50C-407E-A947-70E740481C1C}">
-                  <a14:useLocalDpi xmlns="" xmlns:a14="http://schemas.microsoft.com/office/drawing/2010/main"/>
+                  <a14:useLocalDpi xmlns:a14="http://schemas.microsoft.com/office/drawing/2010/main" xmlns=""/>
                 </a:ext>
               </a:extLst>
             </a:blip>
@@ -12260,7 +12223,7 @@
               <a:lum bright="-10000"/>
               <a:extLst>
                 <a:ext uri="{28A0092B-C50C-407E-A947-70E740481C1C}">
-                  <a14:useLocalDpi xmlns="" xmlns:a14="http://schemas.microsoft.com/office/drawing/2010/main"/>
+                  <a14:useLocalDpi xmlns:a14="http://schemas.microsoft.com/office/drawing/2010/main" xmlns=""/>
                 </a:ext>
               </a:extLst>
             </a:blip>
@@ -12423,7 +12386,7 @@
               <a:lum bright="-10000"/>
               <a:extLst>
                 <a:ext uri="{28A0092B-C50C-407E-A947-70E740481C1C}">
-                  <a14:useLocalDpi xmlns="" xmlns:a14="http://schemas.microsoft.com/office/drawing/2010/main"/>
+                  <a14:useLocalDpi xmlns:a14="http://schemas.microsoft.com/office/drawing/2010/main" xmlns=""/>
                 </a:ext>
               </a:extLst>
             </a:blip>
@@ -12586,7 +12549,7 @@
               <a:lum bright="-20000"/>
               <a:extLst>
                 <a:ext uri="{28A0092B-C50C-407E-A947-70E740481C1C}">
-                  <a14:useLocalDpi xmlns="" xmlns:a14="http://schemas.microsoft.com/office/drawing/2010/main"/>
+                  <a14:useLocalDpi xmlns:a14="http://schemas.microsoft.com/office/drawing/2010/main" xmlns=""/>
                 </a:ext>
               </a:extLst>
             </a:blip>
@@ -12727,7 +12690,7 @@
               <a:lum bright="-10000"/>
               <a:extLst>
                 <a:ext uri="{28A0092B-C50C-407E-A947-70E740481C1C}">
-                  <a14:useLocalDpi xmlns="" xmlns:a14="http://schemas.microsoft.com/office/drawing/2010/main"/>
+                  <a14:useLocalDpi xmlns:a14="http://schemas.microsoft.com/office/drawing/2010/main" xmlns=""/>
                 </a:ext>
               </a:extLst>
             </a:blip>
@@ -13854,7 +13817,7 @@
     </p:spTree>
     <p:extLst>
       <p:ext uri="{BB962C8B-B14F-4D97-AF65-F5344CB8AC3E}">
-        <p14:creationId xmlns="" xmlns:p14="http://schemas.microsoft.com/office/powerpoint/2010/main" val="1573040809"/>
+        <p14:creationId xmlns:p14="http://schemas.microsoft.com/office/powerpoint/2010/main" xmlns="" val="1573040809"/>
       </p:ext>
     </p:extLst>
   </p:cSld>
@@ -14781,14 +14744,14 @@
             <a:effectLst/>
             <a:extLst>
               <a:ext uri="{909E8E84-426E-40dd-AFC4-6F175D3DCCD1}">
-                <a14:hiddenFill xmlns:a14="http://schemas.microsoft.com/office/drawing/2010/main" xmlns="">
+                <a14:hiddenFill xmlns="" xmlns:a14="http://schemas.microsoft.com/office/drawing/2010/main">
                   <a:solidFill>
                     <a:schemeClr val="accent1"/>
                   </a:solidFill>
                 </a14:hiddenFill>
               </a:ext>
               <a:ext uri="{91240B29-F687-4f45-9708-019B960494DF}">
-                <a14:hiddenLine xmlns:a14="http://schemas.microsoft.com/office/drawing/2010/main" xmlns="" w="9525">
+                <a14:hiddenLine xmlns="" xmlns:a14="http://schemas.microsoft.com/office/drawing/2010/main" w="9525">
                   <a:solidFill>
                     <a:schemeClr val="tx1"/>
                   </a:solidFill>
@@ -14798,7 +14761,7 @@
                 </a14:hiddenLine>
               </a:ext>
               <a:ext uri="{AF507438-7753-43e0-B8FC-AC1667EBCBE1}">
-                <a14:hiddenEffects xmlns:a14="http://schemas.microsoft.com/office/drawing/2010/main" xmlns="">
+                <a14:hiddenEffects xmlns="" xmlns:a14="http://schemas.microsoft.com/office/drawing/2010/main">
                   <a:effectLst>
                     <a:outerShdw blurRad="63500" dist="38099" dir="2700000" algn="ctr" rotWithShape="0">
                       <a:schemeClr val="bg2">
@@ -14995,14 +14958,14 @@
             <a:effectLst/>
             <a:extLst>
               <a:ext uri="{909E8E84-426E-40dd-AFC4-6F175D3DCCD1}">
-                <a14:hiddenFill xmlns:a14="http://schemas.microsoft.com/office/drawing/2010/main" xmlns="">
+                <a14:hiddenFill xmlns="" xmlns:a14="http://schemas.microsoft.com/office/drawing/2010/main">
                   <a:solidFill>
                     <a:schemeClr val="accent1"/>
                   </a:solidFill>
                 </a14:hiddenFill>
               </a:ext>
               <a:ext uri="{91240B29-F687-4f45-9708-019B960494DF}">
-                <a14:hiddenLine xmlns:a14="http://schemas.microsoft.com/office/drawing/2010/main" xmlns="" w="9525">
+                <a14:hiddenLine xmlns="" xmlns:a14="http://schemas.microsoft.com/office/drawing/2010/main" w="9525">
                   <a:solidFill>
                     <a:schemeClr val="tx1"/>
                   </a:solidFill>
@@ -15012,7 +14975,7 @@
                 </a14:hiddenLine>
               </a:ext>
               <a:ext uri="{AF507438-7753-43e0-B8FC-AC1667EBCBE1}">
-                <a14:hiddenEffects xmlns:a14="http://schemas.microsoft.com/office/drawing/2010/main" xmlns="">
+                <a14:hiddenEffects xmlns="" xmlns:a14="http://schemas.microsoft.com/office/drawing/2010/main">
                   <a:effectLst>
                     <a:outerShdw blurRad="63500" dist="38099" dir="2700000" algn="ctr" rotWithShape="0">
                       <a:schemeClr val="bg2">
@@ -15209,14 +15172,14 @@
             <a:effectLst/>
             <a:extLst>
               <a:ext uri="{909E8E84-426E-40dd-AFC4-6F175D3DCCD1}">
-                <a14:hiddenFill xmlns:a14="http://schemas.microsoft.com/office/drawing/2010/main" xmlns="">
+                <a14:hiddenFill xmlns="" xmlns:a14="http://schemas.microsoft.com/office/drawing/2010/main">
                   <a:solidFill>
                     <a:schemeClr val="accent1"/>
                   </a:solidFill>
                 </a14:hiddenFill>
               </a:ext>
               <a:ext uri="{91240B29-F687-4f45-9708-019B960494DF}">
-                <a14:hiddenLine xmlns:a14="http://schemas.microsoft.com/office/drawing/2010/main" xmlns="" w="9525">
+                <a14:hiddenLine xmlns="" xmlns:a14="http://schemas.microsoft.com/office/drawing/2010/main" w="9525">
                   <a:solidFill>
                     <a:schemeClr val="tx1"/>
                   </a:solidFill>
@@ -15226,7 +15189,7 @@
                 </a14:hiddenLine>
               </a:ext>
               <a:ext uri="{AF507438-7753-43e0-B8FC-AC1667EBCBE1}">
-                <a14:hiddenEffects xmlns:a14="http://schemas.microsoft.com/office/drawing/2010/main" xmlns="">
+                <a14:hiddenEffects xmlns="" xmlns:a14="http://schemas.microsoft.com/office/drawing/2010/main">
                   <a:effectLst>
                     <a:outerShdw blurRad="63500" dist="38099" dir="2700000" algn="ctr" rotWithShape="0">
                       <a:schemeClr val="bg2">
@@ -15487,14 +15450,14 @@
             <a:effectLst/>
             <a:extLst>
               <a:ext uri="{909E8E84-426E-40dd-AFC4-6F175D3DCCD1}">
-                <a14:hiddenFill xmlns:a14="http://schemas.microsoft.com/office/drawing/2010/main" xmlns="">
+                <a14:hiddenFill xmlns="" xmlns:a14="http://schemas.microsoft.com/office/drawing/2010/main">
                   <a:solidFill>
                     <a:schemeClr val="accent1"/>
                   </a:solidFill>
                 </a14:hiddenFill>
               </a:ext>
               <a:ext uri="{91240B29-F687-4f45-9708-019B960494DF}">
-                <a14:hiddenLine xmlns:a14="http://schemas.microsoft.com/office/drawing/2010/main" xmlns="" w="9525">
+                <a14:hiddenLine xmlns="" xmlns:a14="http://schemas.microsoft.com/office/drawing/2010/main" w="9525">
                   <a:solidFill>
                     <a:schemeClr val="tx1"/>
                   </a:solidFill>
@@ -15504,7 +15467,7 @@
                 </a14:hiddenLine>
               </a:ext>
               <a:ext uri="{AF507438-7753-43e0-B8FC-AC1667EBCBE1}">
-                <a14:hiddenEffects xmlns:a14="http://schemas.microsoft.com/office/drawing/2010/main" xmlns="">
+                <a14:hiddenEffects xmlns="" xmlns:a14="http://schemas.microsoft.com/office/drawing/2010/main">
                   <a:effectLst>
                     <a:outerShdw blurRad="63500" dist="38099" dir="2700000" algn="ctr" rotWithShape="0">
                       <a:schemeClr val="bg2">
@@ -15733,14 +15696,14 @@
             <a:effectLst/>
             <a:extLst>
               <a:ext uri="{909E8E84-426E-40dd-AFC4-6F175D3DCCD1}">
-                <a14:hiddenFill xmlns:a14="http://schemas.microsoft.com/office/drawing/2010/main" xmlns="">
+                <a14:hiddenFill xmlns="" xmlns:a14="http://schemas.microsoft.com/office/drawing/2010/main">
                   <a:solidFill>
                     <a:schemeClr val="accent1"/>
                   </a:solidFill>
                 </a14:hiddenFill>
               </a:ext>
               <a:ext uri="{91240B29-F687-4f45-9708-019B960494DF}">
-                <a14:hiddenLine xmlns:a14="http://schemas.microsoft.com/office/drawing/2010/main" xmlns="" w="9525">
+                <a14:hiddenLine xmlns="" xmlns:a14="http://schemas.microsoft.com/office/drawing/2010/main" w="9525">
                   <a:solidFill>
                     <a:schemeClr val="tx1"/>
                   </a:solidFill>
@@ -15750,7 +15713,7 @@
                 </a14:hiddenLine>
               </a:ext>
               <a:ext uri="{AF507438-7753-43e0-B8FC-AC1667EBCBE1}">
-                <a14:hiddenEffects xmlns:a14="http://schemas.microsoft.com/office/drawing/2010/main" xmlns="">
+                <a14:hiddenEffects xmlns="" xmlns:a14="http://schemas.microsoft.com/office/drawing/2010/main">
                   <a:effectLst>
                     <a:outerShdw blurRad="63500" dist="38099" dir="2700000" algn="ctr" rotWithShape="0">
                       <a:schemeClr val="bg2">
@@ -15979,14 +15942,14 @@
             <a:effectLst/>
             <a:extLst>
               <a:ext uri="{909E8E84-426E-40dd-AFC4-6F175D3DCCD1}">
-                <a14:hiddenFill xmlns:a14="http://schemas.microsoft.com/office/drawing/2010/main" xmlns="">
+                <a14:hiddenFill xmlns="" xmlns:a14="http://schemas.microsoft.com/office/drawing/2010/main">
                   <a:solidFill>
                     <a:schemeClr val="accent1"/>
                   </a:solidFill>
                 </a14:hiddenFill>
               </a:ext>
               <a:ext uri="{91240B29-F687-4f45-9708-019B960494DF}">
-                <a14:hiddenLine xmlns:a14="http://schemas.microsoft.com/office/drawing/2010/main" xmlns="" w="9525">
+                <a14:hiddenLine xmlns="" xmlns:a14="http://schemas.microsoft.com/office/drawing/2010/main" w="9525">
                   <a:solidFill>
                     <a:schemeClr val="tx1"/>
                   </a:solidFill>
@@ -15996,7 +15959,7 @@
                 </a14:hiddenLine>
               </a:ext>
               <a:ext uri="{AF507438-7753-43e0-B8FC-AC1667EBCBE1}">
-                <a14:hiddenEffects xmlns:a14="http://schemas.microsoft.com/office/drawing/2010/main" xmlns="">
+                <a14:hiddenEffects xmlns="" xmlns:a14="http://schemas.microsoft.com/office/drawing/2010/main">
                   <a:effectLst>
                     <a:outerShdw blurRad="63500" dist="38099" dir="2700000" algn="ctr" rotWithShape="0">
                       <a:schemeClr val="bg2">
@@ -16193,14 +16156,14 @@
             <a:effectLst/>
             <a:extLst>
               <a:ext uri="{909E8E84-426E-40dd-AFC4-6F175D3DCCD1}">
-                <a14:hiddenFill xmlns:a14="http://schemas.microsoft.com/office/drawing/2010/main" xmlns="">
+                <a14:hiddenFill xmlns="" xmlns:a14="http://schemas.microsoft.com/office/drawing/2010/main">
                   <a:solidFill>
                     <a:schemeClr val="accent1"/>
                   </a:solidFill>
                 </a14:hiddenFill>
               </a:ext>
               <a:ext uri="{91240B29-F687-4f45-9708-019B960494DF}">
-                <a14:hiddenLine xmlns:a14="http://schemas.microsoft.com/office/drawing/2010/main" xmlns="" w="9525">
+                <a14:hiddenLine xmlns="" xmlns:a14="http://schemas.microsoft.com/office/drawing/2010/main" w="9525">
                   <a:solidFill>
                     <a:schemeClr val="tx1"/>
                   </a:solidFill>
@@ -16210,7 +16173,7 @@
                 </a14:hiddenLine>
               </a:ext>
               <a:ext uri="{AF507438-7753-43e0-B8FC-AC1667EBCBE1}">
-                <a14:hiddenEffects xmlns:a14="http://schemas.microsoft.com/office/drawing/2010/main" xmlns="">
+                <a14:hiddenEffects xmlns="" xmlns:a14="http://schemas.microsoft.com/office/drawing/2010/main">
                   <a:effectLst>
                     <a:outerShdw blurRad="63500" dist="38099" dir="2700000" algn="ctr" rotWithShape="0">
                       <a:schemeClr val="bg2">
@@ -16471,14 +16434,14 @@
             <a:effectLst/>
             <a:extLst>
               <a:ext uri="{909E8E84-426E-40dd-AFC4-6F175D3DCCD1}">
-                <a14:hiddenFill xmlns:a14="http://schemas.microsoft.com/office/drawing/2010/main" xmlns="">
+                <a14:hiddenFill xmlns="" xmlns:a14="http://schemas.microsoft.com/office/drawing/2010/main">
                   <a:solidFill>
                     <a:schemeClr val="accent1"/>
                   </a:solidFill>
                 </a14:hiddenFill>
               </a:ext>
               <a:ext uri="{91240B29-F687-4f45-9708-019B960494DF}">
-                <a14:hiddenLine xmlns:a14="http://schemas.microsoft.com/office/drawing/2010/main" xmlns="" w="9525">
+                <a14:hiddenLine xmlns="" xmlns:a14="http://schemas.microsoft.com/office/drawing/2010/main" w="9525">
                   <a:solidFill>
                     <a:schemeClr val="tx1"/>
                   </a:solidFill>
@@ -16488,7 +16451,7 @@
                 </a14:hiddenLine>
               </a:ext>
               <a:ext uri="{AF507438-7753-43e0-B8FC-AC1667EBCBE1}">
-                <a14:hiddenEffects xmlns:a14="http://schemas.microsoft.com/office/drawing/2010/main" xmlns="">
+                <a14:hiddenEffects xmlns="" xmlns:a14="http://schemas.microsoft.com/office/drawing/2010/main">
                   <a:effectLst>
                     <a:outerShdw blurRad="63500" dist="38099" dir="2700000" algn="ctr" rotWithShape="0">
                       <a:schemeClr val="bg2">
@@ -16717,14 +16680,14 @@
             <a:effectLst/>
             <a:extLst>
               <a:ext uri="{909E8E84-426E-40dd-AFC4-6F175D3DCCD1}">
-                <a14:hiddenFill xmlns:a14="http://schemas.microsoft.com/office/drawing/2010/main" xmlns="">
+                <a14:hiddenFill xmlns="" xmlns:a14="http://schemas.microsoft.com/office/drawing/2010/main">
                   <a:solidFill>
                     <a:schemeClr val="accent1"/>
                   </a:solidFill>
                 </a14:hiddenFill>
               </a:ext>
               <a:ext uri="{91240B29-F687-4f45-9708-019B960494DF}">
-                <a14:hiddenLine xmlns:a14="http://schemas.microsoft.com/office/drawing/2010/main" xmlns="" w="9525">
+                <a14:hiddenLine xmlns="" xmlns:a14="http://schemas.microsoft.com/office/drawing/2010/main" w="9525">
                   <a:solidFill>
                     <a:schemeClr val="tx1"/>
                   </a:solidFill>
@@ -16734,7 +16697,7 @@
                 </a14:hiddenLine>
               </a:ext>
               <a:ext uri="{AF507438-7753-43e0-B8FC-AC1667EBCBE1}">
-                <a14:hiddenEffects xmlns:a14="http://schemas.microsoft.com/office/drawing/2010/main" xmlns="">
+                <a14:hiddenEffects xmlns="" xmlns:a14="http://schemas.microsoft.com/office/drawing/2010/main">
                   <a:effectLst>
                     <a:outerShdw blurRad="63500" dist="38099" dir="2700000" algn="ctr" rotWithShape="0">
                       <a:schemeClr val="bg2">
@@ -16963,14 +16926,14 @@
             <a:effectLst/>
             <a:extLst>
               <a:ext uri="{909E8E84-426E-40dd-AFC4-6F175D3DCCD1}">
-                <a14:hiddenFill xmlns:a14="http://schemas.microsoft.com/office/drawing/2010/main" xmlns="">
+                <a14:hiddenFill xmlns="" xmlns:a14="http://schemas.microsoft.com/office/drawing/2010/main">
                   <a:solidFill>
                     <a:schemeClr val="accent1"/>
                   </a:solidFill>
                 </a14:hiddenFill>
               </a:ext>
               <a:ext uri="{91240B29-F687-4f45-9708-019B960494DF}">
-                <a14:hiddenLine xmlns:a14="http://schemas.microsoft.com/office/drawing/2010/main" xmlns="" w="9525">
+                <a14:hiddenLine xmlns="" xmlns:a14="http://schemas.microsoft.com/office/drawing/2010/main" w="9525">
                   <a:solidFill>
                     <a:schemeClr val="tx1"/>
                   </a:solidFill>
@@ -16980,7 +16943,7 @@
                 </a14:hiddenLine>
               </a:ext>
               <a:ext uri="{AF507438-7753-43e0-B8FC-AC1667EBCBE1}">
-                <a14:hiddenEffects xmlns:a14="http://schemas.microsoft.com/office/drawing/2010/main" xmlns="">
+                <a14:hiddenEffects xmlns="" xmlns:a14="http://schemas.microsoft.com/office/drawing/2010/main">
                   <a:effectLst>
                     <a:outerShdw blurRad="63500" dist="38099" dir="2700000" algn="ctr" rotWithShape="0">
                       <a:schemeClr val="bg2">
@@ -17209,14 +17172,14 @@
             <a:effectLst/>
             <a:extLst>
               <a:ext uri="{909E8E84-426E-40dd-AFC4-6F175D3DCCD1}">
-                <a14:hiddenFill xmlns:a14="http://schemas.microsoft.com/office/drawing/2010/main" xmlns="">
+                <a14:hiddenFill xmlns="" xmlns:a14="http://schemas.microsoft.com/office/drawing/2010/main">
                   <a:solidFill>
                     <a:schemeClr val="accent1"/>
                   </a:solidFill>
                 </a14:hiddenFill>
               </a:ext>
               <a:ext uri="{91240B29-F687-4f45-9708-019B960494DF}">
-                <a14:hiddenLine xmlns:a14="http://schemas.microsoft.com/office/drawing/2010/main" xmlns="" w="9525">
+                <a14:hiddenLine xmlns="" xmlns:a14="http://schemas.microsoft.com/office/drawing/2010/main" w="9525">
                   <a:solidFill>
                     <a:schemeClr val="tx1"/>
                   </a:solidFill>
@@ -17226,7 +17189,7 @@
                 </a14:hiddenLine>
               </a:ext>
               <a:ext uri="{AF507438-7753-43e0-B8FC-AC1667EBCBE1}">
-                <a14:hiddenEffects xmlns:a14="http://schemas.microsoft.com/office/drawing/2010/main" xmlns="">
+                <a14:hiddenEffects xmlns="" xmlns:a14="http://schemas.microsoft.com/office/drawing/2010/main">
                   <a:effectLst>
                     <a:outerShdw blurRad="63500" dist="38099" dir="2700000" algn="ctr" rotWithShape="0">
                       <a:schemeClr val="bg2">
@@ -17500,7 +17463,7 @@
           <a:blip r:embed="rId3" cstate="print">
             <a:extLst>
               <a:ext uri="{28A0092B-C50C-407E-A947-70E740481C1C}">
-                <a14:useLocalDpi xmlns:a14="http://schemas.microsoft.com/office/drawing/2010/main" xmlns="" val="0"/>
+                <a14:useLocalDpi xmlns="" xmlns:a14="http://schemas.microsoft.com/office/drawing/2010/main" val="0"/>
               </a:ext>
             </a:extLst>
           </a:blip>
@@ -17520,7 +17483,7 @@
           <a:noFill/>
           <a:extLst>
             <a:ext uri="{909E8E84-426E-40DD-AFC4-6F175D3DCCD1}">
-              <a14:hiddenFill xmlns:a14="http://schemas.microsoft.com/office/drawing/2010/main" xmlns="">
+              <a14:hiddenFill xmlns="" xmlns:a14="http://schemas.microsoft.com/office/drawing/2010/main">
                 <a:solidFill>
                   <a:srgbClr val="FFFFFF"/>
                 </a:solidFill>
@@ -17746,7 +17709,7 @@
 </file>
 
 <file path=ppt/slides/slide8.xml><?xml version="1.0" encoding="utf-8"?>
-<p:sld xmlns:a="http://schemas.openxmlformats.org/drawingml/2006/main" xmlns:r="http://schemas.openxmlformats.org/officeDocument/2006/relationships" xmlns:p="http://schemas.openxmlformats.org/presentationml/2006/main" show="0">
+<p:sld xmlns:a="http://schemas.openxmlformats.org/drawingml/2006/main" xmlns:r="http://schemas.openxmlformats.org/officeDocument/2006/relationships" xmlns:p="http://schemas.openxmlformats.org/presentationml/2006/main">
   <p:cSld>
     <p:spTree>
       <p:nvGrpSpPr>
